--- a/Présentation_soutenance.pptx
+++ b/Présentation_soutenance.pptx
@@ -4,11 +4,15 @@
   <p:sldMasterIdLst>
     <p:sldMasterId id="2147483690" r:id="rId1"/>
   </p:sldMasterIdLst>
+  <p:notesMasterIdLst>
+    <p:notesMasterId r:id="rId7"/>
+  </p:notesMasterIdLst>
   <p:sldIdLst>
     <p:sldId id="256" r:id="rId2"/>
     <p:sldId id="257" r:id="rId3"/>
     <p:sldId id="258" r:id="rId4"/>
     <p:sldId id="259" r:id="rId5"/>
+    <p:sldId id="260" r:id="rId6"/>
   </p:sldIdLst>
   <p:sldSz cx="12192000" cy="6858000"/>
   <p:notesSz cx="6858000" cy="9144000"/>
@@ -107,7 +111,362 @@
       </a:defRPr>
     </a:lvl9pPr>
   </p:defaultTextStyle>
+  <p:extLst>
+    <p:ext uri="{EFAFB233-063F-42B5-8137-9DF3F51BA10A}">
+      <p15:sldGuideLst xmlns:p15="http://schemas.microsoft.com/office/powerpoint/2012/main"/>
+    </p:ext>
+  </p:extLst>
 </p:presentation>
+</file>
+
+<file path=ppt/notesMasters/notesMaster1.xml><?xml version="1.0" encoding="utf-8"?>
+<p:notesMaster xmlns:a="http://schemas.openxmlformats.org/drawingml/2006/main" xmlns:r="http://schemas.openxmlformats.org/officeDocument/2006/relationships" xmlns:p="http://schemas.openxmlformats.org/presentationml/2006/main">
+  <p:cSld>
+    <p:bg>
+      <p:bgRef idx="1001">
+        <a:schemeClr val="bg1"/>
+      </p:bgRef>
+    </p:bg>
+    <p:spTree>
+      <p:nvGrpSpPr>
+        <p:cNvPr id="1" name=""/>
+        <p:cNvGrpSpPr/>
+        <p:nvPr/>
+      </p:nvGrpSpPr>
+      <p:grpSpPr>
+        <a:xfrm>
+          <a:off x="0" y="0"/>
+          <a:ext cx="0" cy="0"/>
+          <a:chOff x="0" y="0"/>
+          <a:chExt cx="0" cy="0"/>
+        </a:xfrm>
+      </p:grpSpPr>
+      <p:sp>
+        <p:nvSpPr>
+          <p:cNvPr id="2" name="Espace réservé de l'en-tête 1"/>
+          <p:cNvSpPr>
+            <a:spLocks noGrp="1"/>
+          </p:cNvSpPr>
+          <p:nvPr>
+            <p:ph type="hdr" sz="quarter"/>
+          </p:nvPr>
+        </p:nvSpPr>
+        <p:spPr>
+          <a:xfrm>
+            <a:off x="0" y="0"/>
+            <a:ext cx="2971800" cy="458788"/>
+          </a:xfrm>
+          <a:prstGeom prst="rect">
+            <a:avLst/>
+          </a:prstGeom>
+        </p:spPr>
+        <p:txBody>
+          <a:bodyPr vert="horz" lIns="91440" tIns="45720" rIns="91440" bIns="45720" rtlCol="0"/>
+          <a:lstStyle>
+            <a:lvl1pPr algn="l">
+              <a:defRPr sz="1200"/>
+            </a:lvl1pPr>
+          </a:lstStyle>
+          <a:p>
+            <a:endParaRPr lang="en-US"/>
+          </a:p>
+        </p:txBody>
+      </p:sp>
+      <p:sp>
+        <p:nvSpPr>
+          <p:cNvPr id="3" name="Espace réservé de la date 2"/>
+          <p:cNvSpPr>
+            <a:spLocks noGrp="1"/>
+          </p:cNvSpPr>
+          <p:nvPr>
+            <p:ph type="dt" idx="1"/>
+          </p:nvPr>
+        </p:nvSpPr>
+        <p:spPr>
+          <a:xfrm>
+            <a:off x="3884613" y="0"/>
+            <a:ext cx="2971800" cy="458788"/>
+          </a:xfrm>
+          <a:prstGeom prst="rect">
+            <a:avLst/>
+          </a:prstGeom>
+        </p:spPr>
+        <p:txBody>
+          <a:bodyPr vert="horz" lIns="91440" tIns="45720" rIns="91440" bIns="45720" rtlCol="0"/>
+          <a:lstStyle>
+            <a:lvl1pPr algn="r">
+              <a:defRPr sz="1200"/>
+            </a:lvl1pPr>
+          </a:lstStyle>
+          <a:p>
+            <a:fld id="{D87139A6-8289-4349-BA4C-B309F2F0D2BD}" type="datetimeFigureOut">
+              <a:rPr lang="en-US" smtClean="0"/>
+              <a:t>4/18/2022</a:t>
+            </a:fld>
+            <a:endParaRPr lang="en-US"/>
+          </a:p>
+        </p:txBody>
+      </p:sp>
+      <p:sp>
+        <p:nvSpPr>
+          <p:cNvPr id="4" name="Espace réservé de l'image des diapositives 3"/>
+          <p:cNvSpPr>
+            <a:spLocks noGrp="1" noRot="1" noChangeAspect="1"/>
+          </p:cNvSpPr>
+          <p:nvPr>
+            <p:ph type="sldImg" idx="2"/>
+          </p:nvPr>
+        </p:nvSpPr>
+        <p:spPr>
+          <a:xfrm>
+            <a:off x="685800" y="1143000"/>
+            <a:ext cx="5486400" cy="3086100"/>
+          </a:xfrm>
+          <a:prstGeom prst="rect">
+            <a:avLst/>
+          </a:prstGeom>
+          <a:noFill/>
+          <a:ln w="12700">
+            <a:solidFill>
+              <a:prstClr val="black"/>
+            </a:solidFill>
+          </a:ln>
+        </p:spPr>
+        <p:txBody>
+          <a:bodyPr vert="horz" lIns="91440" tIns="45720" rIns="91440" bIns="45720" rtlCol="0" anchor="ctr"/>
+          <a:lstStyle/>
+          <a:p>
+            <a:endParaRPr lang="en-US"/>
+          </a:p>
+        </p:txBody>
+      </p:sp>
+      <p:sp>
+        <p:nvSpPr>
+          <p:cNvPr id="5" name="Espace réservé des notes 4"/>
+          <p:cNvSpPr>
+            <a:spLocks noGrp="1"/>
+          </p:cNvSpPr>
+          <p:nvPr>
+            <p:ph type="body" sz="quarter" idx="3"/>
+          </p:nvPr>
+        </p:nvSpPr>
+        <p:spPr>
+          <a:xfrm>
+            <a:off x="685800" y="4400550"/>
+            <a:ext cx="5486400" cy="3600450"/>
+          </a:xfrm>
+          <a:prstGeom prst="rect">
+            <a:avLst/>
+          </a:prstGeom>
+        </p:spPr>
+        <p:txBody>
+          <a:bodyPr vert="horz" lIns="91440" tIns="45720" rIns="91440" bIns="45720" rtlCol="0"/>
+          <a:lstStyle/>
+          <a:p>
+            <a:pPr lvl="0"/>
+            <a:r>
+              <a:rPr lang="fr-FR"/>
+              <a:t>Cliquez pour modifier les styles du texte du masque</a:t>
+            </a:r>
+          </a:p>
+          <a:p>
+            <a:pPr lvl="1"/>
+            <a:r>
+              <a:rPr lang="fr-FR"/>
+              <a:t>Deuxième niveau</a:t>
+            </a:r>
+          </a:p>
+          <a:p>
+            <a:pPr lvl="2"/>
+            <a:r>
+              <a:rPr lang="fr-FR"/>
+              <a:t>Troisième niveau</a:t>
+            </a:r>
+          </a:p>
+          <a:p>
+            <a:pPr lvl="3"/>
+            <a:r>
+              <a:rPr lang="fr-FR"/>
+              <a:t>Quatrième niveau</a:t>
+            </a:r>
+          </a:p>
+          <a:p>
+            <a:pPr lvl="4"/>
+            <a:r>
+              <a:rPr lang="fr-FR"/>
+              <a:t>Cinquième niveau</a:t>
+            </a:r>
+            <a:endParaRPr lang="en-US"/>
+          </a:p>
+        </p:txBody>
+      </p:sp>
+      <p:sp>
+        <p:nvSpPr>
+          <p:cNvPr id="6" name="Espace réservé du pied de page 5"/>
+          <p:cNvSpPr>
+            <a:spLocks noGrp="1"/>
+          </p:cNvSpPr>
+          <p:nvPr>
+            <p:ph type="ftr" sz="quarter" idx="4"/>
+          </p:nvPr>
+        </p:nvSpPr>
+        <p:spPr>
+          <a:xfrm>
+            <a:off x="0" y="8685213"/>
+            <a:ext cx="2971800" cy="458787"/>
+          </a:xfrm>
+          <a:prstGeom prst="rect">
+            <a:avLst/>
+          </a:prstGeom>
+        </p:spPr>
+        <p:txBody>
+          <a:bodyPr vert="horz" lIns="91440" tIns="45720" rIns="91440" bIns="45720" rtlCol="0" anchor="b"/>
+          <a:lstStyle>
+            <a:lvl1pPr algn="l">
+              <a:defRPr sz="1200"/>
+            </a:lvl1pPr>
+          </a:lstStyle>
+          <a:p>
+            <a:endParaRPr lang="en-US"/>
+          </a:p>
+        </p:txBody>
+      </p:sp>
+      <p:sp>
+        <p:nvSpPr>
+          <p:cNvPr id="7" name="Espace réservé du numéro de diapositive 6"/>
+          <p:cNvSpPr>
+            <a:spLocks noGrp="1"/>
+          </p:cNvSpPr>
+          <p:nvPr>
+            <p:ph type="sldNum" sz="quarter" idx="5"/>
+          </p:nvPr>
+        </p:nvSpPr>
+        <p:spPr>
+          <a:xfrm>
+            <a:off x="3884613" y="8685213"/>
+            <a:ext cx="2971800" cy="458787"/>
+          </a:xfrm>
+          <a:prstGeom prst="rect">
+            <a:avLst/>
+          </a:prstGeom>
+        </p:spPr>
+        <p:txBody>
+          <a:bodyPr vert="horz" lIns="91440" tIns="45720" rIns="91440" bIns="45720" rtlCol="0" anchor="b"/>
+          <a:lstStyle>
+            <a:lvl1pPr algn="r">
+              <a:defRPr sz="1200"/>
+            </a:lvl1pPr>
+          </a:lstStyle>
+          <a:p>
+            <a:fld id="{A2B26E0B-410D-4D0A-88B6-9C33B0D0D1A6}" type="slidenum">
+              <a:rPr lang="en-US" smtClean="0"/>
+              <a:t>‹N°›</a:t>
+            </a:fld>
+            <a:endParaRPr lang="en-US"/>
+          </a:p>
+        </p:txBody>
+      </p:sp>
+    </p:spTree>
+    <p:extLst>
+      <p:ext uri="{BB962C8B-B14F-4D97-AF65-F5344CB8AC3E}">
+        <p14:creationId xmlns:p14="http://schemas.microsoft.com/office/powerpoint/2010/main" val="1186086773"/>
+      </p:ext>
+    </p:extLst>
+  </p:cSld>
+  <p:clrMap bg1="lt1" tx1="dk1" bg2="lt2" tx2="dk2" accent1="accent1" accent2="accent2" accent3="accent3" accent4="accent4" accent5="accent5" accent6="accent6" hlink="hlink" folHlink="folHlink"/>
+  <p:notesStyle>
+    <a:lvl1pPr marL="0" algn="l" defTabSz="914400" rtl="0" eaLnBrk="1" latinLnBrk="0" hangingPunct="1">
+      <a:defRPr sz="1200" kern="1200">
+        <a:solidFill>
+          <a:schemeClr val="tx1"/>
+        </a:solidFill>
+        <a:latin typeface="+mn-lt"/>
+        <a:ea typeface="+mn-ea"/>
+        <a:cs typeface="+mn-cs"/>
+      </a:defRPr>
+    </a:lvl1pPr>
+    <a:lvl2pPr marL="457200" algn="l" defTabSz="914400" rtl="0" eaLnBrk="1" latinLnBrk="0" hangingPunct="1">
+      <a:defRPr sz="1200" kern="1200">
+        <a:solidFill>
+          <a:schemeClr val="tx1"/>
+        </a:solidFill>
+        <a:latin typeface="+mn-lt"/>
+        <a:ea typeface="+mn-ea"/>
+        <a:cs typeface="+mn-cs"/>
+      </a:defRPr>
+    </a:lvl2pPr>
+    <a:lvl3pPr marL="914400" algn="l" defTabSz="914400" rtl="0" eaLnBrk="1" latinLnBrk="0" hangingPunct="1">
+      <a:defRPr sz="1200" kern="1200">
+        <a:solidFill>
+          <a:schemeClr val="tx1"/>
+        </a:solidFill>
+        <a:latin typeface="+mn-lt"/>
+        <a:ea typeface="+mn-ea"/>
+        <a:cs typeface="+mn-cs"/>
+      </a:defRPr>
+    </a:lvl3pPr>
+    <a:lvl4pPr marL="1371600" algn="l" defTabSz="914400" rtl="0" eaLnBrk="1" latinLnBrk="0" hangingPunct="1">
+      <a:defRPr sz="1200" kern="1200">
+        <a:solidFill>
+          <a:schemeClr val="tx1"/>
+        </a:solidFill>
+        <a:latin typeface="+mn-lt"/>
+        <a:ea typeface="+mn-ea"/>
+        <a:cs typeface="+mn-cs"/>
+      </a:defRPr>
+    </a:lvl4pPr>
+    <a:lvl5pPr marL="1828800" algn="l" defTabSz="914400" rtl="0" eaLnBrk="1" latinLnBrk="0" hangingPunct="1">
+      <a:defRPr sz="1200" kern="1200">
+        <a:solidFill>
+          <a:schemeClr val="tx1"/>
+        </a:solidFill>
+        <a:latin typeface="+mn-lt"/>
+        <a:ea typeface="+mn-ea"/>
+        <a:cs typeface="+mn-cs"/>
+      </a:defRPr>
+    </a:lvl5pPr>
+    <a:lvl6pPr marL="2286000" algn="l" defTabSz="914400" rtl="0" eaLnBrk="1" latinLnBrk="0" hangingPunct="1">
+      <a:defRPr sz="1200" kern="1200">
+        <a:solidFill>
+          <a:schemeClr val="tx1"/>
+        </a:solidFill>
+        <a:latin typeface="+mn-lt"/>
+        <a:ea typeface="+mn-ea"/>
+        <a:cs typeface="+mn-cs"/>
+      </a:defRPr>
+    </a:lvl6pPr>
+    <a:lvl7pPr marL="2743200" algn="l" defTabSz="914400" rtl="0" eaLnBrk="1" latinLnBrk="0" hangingPunct="1">
+      <a:defRPr sz="1200" kern="1200">
+        <a:solidFill>
+          <a:schemeClr val="tx1"/>
+        </a:solidFill>
+        <a:latin typeface="+mn-lt"/>
+        <a:ea typeface="+mn-ea"/>
+        <a:cs typeface="+mn-cs"/>
+      </a:defRPr>
+    </a:lvl7pPr>
+    <a:lvl8pPr marL="3200400" algn="l" defTabSz="914400" rtl="0" eaLnBrk="1" latinLnBrk="0" hangingPunct="1">
+      <a:defRPr sz="1200" kern="1200">
+        <a:solidFill>
+          <a:schemeClr val="tx1"/>
+        </a:solidFill>
+        <a:latin typeface="+mn-lt"/>
+        <a:ea typeface="+mn-ea"/>
+        <a:cs typeface="+mn-cs"/>
+      </a:defRPr>
+    </a:lvl8pPr>
+    <a:lvl9pPr marL="3657600" algn="l" defTabSz="914400" rtl="0" eaLnBrk="1" latinLnBrk="0" hangingPunct="1">
+      <a:defRPr sz="1200" kern="1200">
+        <a:solidFill>
+          <a:schemeClr val="tx1"/>
+        </a:solidFill>
+        <a:latin typeface="+mn-lt"/>
+        <a:ea typeface="+mn-ea"/>
+        <a:cs typeface="+mn-cs"/>
+      </a:defRPr>
+    </a:lvl9pPr>
+  </p:notesStyle>
+</p:notesMaster>
 </file>
 
 <file path=ppt/slideLayouts/slideLayout1.xml><?xml version="1.0" encoding="utf-8"?>
@@ -277,7 +636,7 @@
             </a:lvl1pPr>
           </a:lstStyle>
           <a:p>
-            <a:fld id="{BA062614-7DC6-4E38-903C-E5F6FC189FF6}" type="datetimeFigureOut">
+            <a:fld id="{0C229DAA-5DBF-4C04-A00A-4940833DAEE1}" type="datetime1">
               <a:rPr lang="en-US" smtClean="0"/>
               <a:t>4/18/2022</a:t>
             </a:fld>
@@ -607,7 +966,7 @@
           <a:bodyPr/>
           <a:lstStyle/>
           <a:p>
-            <a:fld id="{BA062614-7DC6-4E38-903C-E5F6FC189FF6}" type="datetimeFigureOut">
+            <a:fld id="{6E3BB797-2FF6-4D41-8FC3-F3325ABE31A8}" type="datetime1">
               <a:rPr lang="en-US" smtClean="0"/>
               <a:t>4/18/2022</a:t>
             </a:fld>
@@ -787,7 +1146,7 @@
           <a:bodyPr/>
           <a:lstStyle/>
           <a:p>
-            <a:fld id="{BA062614-7DC6-4E38-903C-E5F6FC189FF6}" type="datetimeFigureOut">
+            <a:fld id="{BDD648BE-BD75-4C70-A65E-F62A70B02630}" type="datetime1">
               <a:rPr lang="en-US" smtClean="0"/>
               <a:t>4/18/2022</a:t>
             </a:fld>
@@ -957,7 +1316,7 @@
           <a:bodyPr/>
           <a:lstStyle/>
           <a:p>
-            <a:fld id="{BA062614-7DC6-4E38-903C-E5F6FC189FF6}" type="datetimeFigureOut">
+            <a:fld id="{C1D3D134-36F3-48F6-B1F0-9BFA92763A0A}" type="datetime1">
               <a:rPr lang="en-US" smtClean="0"/>
               <a:t>4/18/2022</a:t>
             </a:fld>
@@ -1234,7 +1593,7 @@
             </a:lvl1pPr>
           </a:lstStyle>
           <a:p>
-            <a:fld id="{BA062614-7DC6-4E38-903C-E5F6FC189FF6}" type="datetimeFigureOut">
+            <a:fld id="{8AA3A512-5443-465E-8C4A-37D3E8221343}" type="datetime1">
               <a:rPr lang="en-US" smtClean="0"/>
               <a:t>4/18/2022</a:t>
             </a:fld>
@@ -1628,7 +1987,7 @@
           <a:bodyPr/>
           <a:lstStyle/>
           <a:p>
-            <a:fld id="{BA062614-7DC6-4E38-903C-E5F6FC189FF6}" type="datetimeFigureOut">
+            <a:fld id="{4C53ED1A-464E-4C6A-B471-87F909F2F3F2}" type="datetime1">
               <a:rPr lang="en-US" smtClean="0"/>
               <a:t>4/18/2022</a:t>
             </a:fld>
@@ -2105,7 +2464,7 @@
           <a:bodyPr/>
           <a:lstStyle/>
           <a:p>
-            <a:fld id="{BA062614-7DC6-4E38-903C-E5F6FC189FF6}" type="datetimeFigureOut">
+            <a:fld id="{F5F4D152-793D-4D45-BBEE-844C62E16B5F}" type="datetime1">
               <a:rPr lang="en-US" smtClean="0"/>
               <a:t>4/18/2022</a:t>
             </a:fld>
@@ -2223,7 +2582,7 @@
           <a:bodyPr/>
           <a:lstStyle/>
           <a:p>
-            <a:fld id="{BA062614-7DC6-4E38-903C-E5F6FC189FF6}" type="datetimeFigureOut">
+            <a:fld id="{7846C404-EC26-4ECA-85D6-F2FBAD337DE3}" type="datetime1">
               <a:rPr lang="en-US" smtClean="0"/>
               <a:t>4/18/2022</a:t>
             </a:fld>
@@ -2318,7 +2677,7 @@
           <a:bodyPr/>
           <a:lstStyle/>
           <a:p>
-            <a:fld id="{BA062614-7DC6-4E38-903C-E5F6FC189FF6}" type="datetimeFigureOut">
+            <a:fld id="{68DADF70-DC88-45FD-BEA4-951087DB2E53}" type="datetime1">
               <a:rPr lang="en-US" smtClean="0"/>
               <a:t>4/18/2022</a:t>
             </a:fld>
@@ -2664,7 +3023,7 @@
             </a:lvl1pPr>
           </a:lstStyle>
           <a:p>
-            <a:fld id="{BA062614-7DC6-4E38-903C-E5F6FC189FF6}" type="datetimeFigureOut">
+            <a:fld id="{03C6C2DD-882A-486F-BE00-9970C008E84E}" type="datetime1">
               <a:rPr lang="en-US" smtClean="0"/>
               <a:t>4/18/2022</a:t>
             </a:fld>
@@ -3052,7 +3411,7 @@
             </a:lvl1pPr>
           </a:lstStyle>
           <a:p>
-            <a:fld id="{BA062614-7DC6-4E38-903C-E5F6FC189FF6}" type="datetimeFigureOut">
+            <a:fld id="{D9A90992-CDC9-4C3D-B50D-1DE0FF2B0D91}" type="datetime1">
               <a:rPr lang="en-US" smtClean="0"/>
               <a:t>4/18/2022</a:t>
             </a:fld>
@@ -3330,7 +3689,7 @@
             </a:lvl1pPr>
           </a:lstStyle>
           <a:p>
-            <a:fld id="{BA062614-7DC6-4E38-903C-E5F6FC189FF6}" type="datetimeFigureOut">
+            <a:fld id="{B3D8DC78-064A-4B34-9598-484FBEF9266D}" type="datetime1">
               <a:rPr lang="en-US" smtClean="0"/>
               <a:t>4/18/2022</a:t>
             </a:fld>
@@ -3519,6 +3878,7 @@
     <p:sldLayoutId id="2147483700" r:id="rId10"/>
     <p:sldLayoutId id="2147483701" r:id="rId11"/>
   </p:sldLayoutIdLst>
+  <p:hf hdr="0" ftr="0" dt="0"/>
   <p:txStyles>
     <p:titleStyle>
       <a:lvl1pPr algn="l" defTabSz="914400" rtl="0" eaLnBrk="1" latinLnBrk="0" hangingPunct="1">
@@ -4051,6 +4411,35 @@
           </a:prstGeom>
         </p:spPr>
       </p:pic>
+      <p:sp>
+        <p:nvSpPr>
+          <p:cNvPr id="2" name="Espace réservé du numéro de diapositive 1">
+            <a:extLst>
+              <a:ext uri="{FF2B5EF4-FFF2-40B4-BE49-F238E27FC236}">
+                <a16:creationId xmlns:a16="http://schemas.microsoft.com/office/drawing/2014/main" id="{8C027172-AF9B-4EFE-802B-BD54E466FD07}"/>
+              </a:ext>
+            </a:extLst>
+          </p:cNvPr>
+          <p:cNvSpPr>
+            <a:spLocks noGrp="1"/>
+          </p:cNvSpPr>
+          <p:nvPr>
+            <p:ph type="sldNum" sz="quarter" idx="12"/>
+          </p:nvPr>
+        </p:nvSpPr>
+        <p:spPr/>
+        <p:txBody>
+          <a:bodyPr/>
+          <a:lstStyle/>
+          <a:p>
+            <a:fld id="{E4FD1E96-881F-4E38-A65A-4DBF7417DE24}" type="slidenum">
+              <a:rPr lang="en-US" smtClean="0"/>
+              <a:t>1</a:t>
+            </a:fld>
+            <a:endParaRPr lang="en-US"/>
+          </a:p>
+        </p:txBody>
+      </p:sp>
     </p:spTree>
     <p:extLst>
       <p:ext uri="{BB962C8B-B14F-4D97-AF65-F5344CB8AC3E}">
@@ -4150,21 +4539,30 @@
           <a:p>
             <a:r>
               <a:rPr lang="en-US" dirty="0"/>
+              <a:t>Test </a:t>
+            </a:r>
+            <a:r>
+              <a:rPr lang="en-US" dirty="0" err="1"/>
+              <a:t>effectué</a:t>
+            </a:r>
+            <a:r>
+              <a:rPr lang="en-US" dirty="0"/>
+              <a:t> sur la carte de test</a:t>
+            </a:r>
+          </a:p>
+          <a:p>
+            <a:r>
+              <a:rPr lang="en-US" dirty="0"/>
               <a:t>Test des </a:t>
-            </a:r>
-            <a:r>
-              <a:rPr lang="en-US" dirty="0" err="1"/>
-              <a:t>différentes</a:t>
-            </a:r>
-            <a:r>
-              <a:rPr lang="en-US" dirty="0"/>
-              <a:t> </a:t>
             </a:r>
             <a:r>
               <a:rPr lang="en-US" dirty="0" err="1"/>
               <a:t>fonctionnalités</a:t>
             </a:r>
-            <a:endParaRPr lang="en-US" dirty="0"/>
+            <a:r>
+              <a:rPr lang="en-US" dirty="0"/>
+              <a:t> du PCBA</a:t>
+            </a:r>
           </a:p>
           <a:p>
             <a:r>
@@ -4180,6 +4578,35 @@
           </a:p>
           <a:p>
             <a:endParaRPr lang="en-US" dirty="0"/>
+          </a:p>
+        </p:txBody>
+      </p:sp>
+      <p:sp>
+        <p:nvSpPr>
+          <p:cNvPr id="4" name="Espace réservé du numéro de diapositive 3">
+            <a:extLst>
+              <a:ext uri="{FF2B5EF4-FFF2-40B4-BE49-F238E27FC236}">
+                <a16:creationId xmlns:a16="http://schemas.microsoft.com/office/drawing/2014/main" id="{BC8491FE-D44F-489E-8917-105854DADDF7}"/>
+              </a:ext>
+            </a:extLst>
+          </p:cNvPr>
+          <p:cNvSpPr>
+            <a:spLocks noGrp="1"/>
+          </p:cNvSpPr>
+          <p:nvPr>
+            <p:ph type="sldNum" sz="quarter" idx="12"/>
+          </p:nvPr>
+        </p:nvSpPr>
+        <p:spPr/>
+        <p:txBody>
+          <a:bodyPr/>
+          <a:lstStyle/>
+          <a:p>
+            <a:fld id="{E4FD1E96-881F-4E38-A65A-4DBF7417DE24}" type="slidenum">
+              <a:rPr lang="en-US" smtClean="0"/>
+              <a:t>2</a:t>
+            </a:fld>
+            <a:endParaRPr lang="en-US"/>
           </a:p>
         </p:txBody>
       </p:sp>
@@ -4443,6 +4870,35 @@
           </a:ln>
         </p:spPr>
       </p:pic>
+      <p:sp>
+        <p:nvSpPr>
+          <p:cNvPr id="5" name="Espace réservé du numéro de diapositive 4">
+            <a:extLst>
+              <a:ext uri="{FF2B5EF4-FFF2-40B4-BE49-F238E27FC236}">
+                <a16:creationId xmlns:a16="http://schemas.microsoft.com/office/drawing/2014/main" id="{C62E0231-0963-4E61-B6A1-7CC9C52C8163}"/>
+              </a:ext>
+            </a:extLst>
+          </p:cNvPr>
+          <p:cNvSpPr>
+            <a:spLocks noGrp="1"/>
+          </p:cNvSpPr>
+          <p:nvPr>
+            <p:ph type="sldNum" sz="quarter" idx="12"/>
+          </p:nvPr>
+        </p:nvSpPr>
+        <p:spPr/>
+        <p:txBody>
+          <a:bodyPr/>
+          <a:lstStyle/>
+          <a:p>
+            <a:fld id="{E4FD1E96-881F-4E38-A65A-4DBF7417DE24}" type="slidenum">
+              <a:rPr lang="en-US" smtClean="0"/>
+              <a:t>3</a:t>
+            </a:fld>
+            <a:endParaRPr lang="en-US"/>
+          </a:p>
+        </p:txBody>
+      </p:sp>
     </p:spTree>
     <p:extLst>
       <p:ext uri="{BB962C8B-B14F-4D97-AF65-F5344CB8AC3E}">
@@ -4536,10 +4992,1460 @@
           </a:prstGeom>
         </p:spPr>
       </p:pic>
+      <p:sp>
+        <p:nvSpPr>
+          <p:cNvPr id="3" name="Espace réservé du numéro de diapositive 2">
+            <a:extLst>
+              <a:ext uri="{FF2B5EF4-FFF2-40B4-BE49-F238E27FC236}">
+                <a16:creationId xmlns:a16="http://schemas.microsoft.com/office/drawing/2014/main" id="{74FED3E6-4C4E-4ADB-A921-79E232711F91}"/>
+              </a:ext>
+            </a:extLst>
+          </p:cNvPr>
+          <p:cNvSpPr>
+            <a:spLocks noGrp="1"/>
+          </p:cNvSpPr>
+          <p:nvPr>
+            <p:ph type="sldNum" sz="quarter" idx="12"/>
+          </p:nvPr>
+        </p:nvSpPr>
+        <p:spPr/>
+        <p:txBody>
+          <a:bodyPr/>
+          <a:lstStyle/>
+          <a:p>
+            <a:fld id="{E4FD1E96-881F-4E38-A65A-4DBF7417DE24}" type="slidenum">
+              <a:rPr lang="en-US" smtClean="0"/>
+              <a:t>4</a:t>
+            </a:fld>
+            <a:endParaRPr lang="en-US"/>
+          </a:p>
+        </p:txBody>
+      </p:sp>
     </p:spTree>
     <p:extLst>
       <p:ext uri="{BB962C8B-B14F-4D97-AF65-F5344CB8AC3E}">
         <p14:creationId xmlns:p14="http://schemas.microsoft.com/office/powerpoint/2010/main" val="3382602480"/>
+      </p:ext>
+    </p:extLst>
+  </p:cSld>
+  <p:clrMapOvr>
+    <a:masterClrMapping/>
+  </p:clrMapOvr>
+</p:sld>
+</file>
+
+<file path=ppt/slides/slide5.xml><?xml version="1.0" encoding="utf-8"?>
+<p:sld xmlns:a="http://schemas.openxmlformats.org/drawingml/2006/main" xmlns:r="http://schemas.openxmlformats.org/officeDocument/2006/relationships" xmlns:p="http://schemas.openxmlformats.org/presentationml/2006/main">
+  <p:cSld>
+    <p:spTree>
+      <p:nvGrpSpPr>
+        <p:cNvPr id="1" name=""/>
+        <p:cNvGrpSpPr/>
+        <p:nvPr/>
+      </p:nvGrpSpPr>
+      <p:grpSpPr>
+        <a:xfrm>
+          <a:off x="0" y="0"/>
+          <a:ext cx="0" cy="0"/>
+          <a:chOff x="0" y="0"/>
+          <a:chExt cx="0" cy="0"/>
+        </a:xfrm>
+      </p:grpSpPr>
+      <p:cxnSp>
+        <p:nvCxnSpPr>
+          <p:cNvPr id="53" name="Connecteur droit 52">
+            <a:extLst>
+              <a:ext uri="{FF2B5EF4-FFF2-40B4-BE49-F238E27FC236}">
+                <a16:creationId xmlns:a16="http://schemas.microsoft.com/office/drawing/2014/main" id="{D26184A8-4238-481B-8309-12173E490032}"/>
+              </a:ext>
+            </a:extLst>
+          </p:cNvPr>
+          <p:cNvCxnSpPr>
+            <a:cxnSpLocks/>
+          </p:cNvCxnSpPr>
+          <p:nvPr/>
+        </p:nvCxnSpPr>
+        <p:spPr>
+          <a:xfrm>
+            <a:off x="7483823" y="5023580"/>
+            <a:ext cx="2204501" cy="0"/>
+          </a:xfrm>
+          <a:prstGeom prst="line">
+            <a:avLst/>
+          </a:prstGeom>
+          <a:ln w="57150">
+            <a:solidFill>
+              <a:schemeClr val="accent5">
+                <a:lumMod val="75000"/>
+              </a:schemeClr>
+            </a:solidFill>
+          </a:ln>
+        </p:spPr>
+        <p:style>
+          <a:lnRef idx="1">
+            <a:schemeClr val="accent1"/>
+          </a:lnRef>
+          <a:fillRef idx="0">
+            <a:schemeClr val="accent1"/>
+          </a:fillRef>
+          <a:effectRef idx="0">
+            <a:schemeClr val="accent1"/>
+          </a:effectRef>
+          <a:fontRef idx="minor">
+            <a:schemeClr val="tx1"/>
+          </a:fontRef>
+        </p:style>
+      </p:cxnSp>
+      <p:cxnSp>
+        <p:nvCxnSpPr>
+          <p:cNvPr id="49" name="Connecteur droit 48">
+            <a:extLst>
+              <a:ext uri="{FF2B5EF4-FFF2-40B4-BE49-F238E27FC236}">
+                <a16:creationId xmlns:a16="http://schemas.microsoft.com/office/drawing/2014/main" id="{88CB94A7-B56E-499D-9620-7F49AB7EF5B1}"/>
+              </a:ext>
+            </a:extLst>
+          </p:cNvPr>
+          <p:cNvCxnSpPr>
+            <a:cxnSpLocks/>
+          </p:cNvCxnSpPr>
+          <p:nvPr/>
+        </p:nvCxnSpPr>
+        <p:spPr>
+          <a:xfrm>
+            <a:off x="7508024" y="2938863"/>
+            <a:ext cx="2204501" cy="0"/>
+          </a:xfrm>
+          <a:prstGeom prst="line">
+            <a:avLst/>
+          </a:prstGeom>
+          <a:ln w="57150">
+            <a:solidFill>
+              <a:schemeClr val="tx2">
+                <a:lumMod val="50000"/>
+                <a:lumOff val="50000"/>
+              </a:schemeClr>
+            </a:solidFill>
+          </a:ln>
+        </p:spPr>
+        <p:style>
+          <a:lnRef idx="1">
+            <a:schemeClr val="accent1"/>
+          </a:lnRef>
+          <a:fillRef idx="0">
+            <a:schemeClr val="accent1"/>
+          </a:fillRef>
+          <a:effectRef idx="0">
+            <a:schemeClr val="accent1"/>
+          </a:effectRef>
+          <a:fontRef idx="minor">
+            <a:schemeClr val="tx1"/>
+          </a:fontRef>
+        </p:style>
+      </p:cxnSp>
+      <p:sp>
+        <p:nvSpPr>
+          <p:cNvPr id="2" name="Titre 1">
+            <a:extLst>
+              <a:ext uri="{FF2B5EF4-FFF2-40B4-BE49-F238E27FC236}">
+                <a16:creationId xmlns:a16="http://schemas.microsoft.com/office/drawing/2014/main" id="{14E90987-EBF5-4959-ADE7-579AD2E84B26}"/>
+              </a:ext>
+            </a:extLst>
+          </p:cNvPr>
+          <p:cNvSpPr>
+            <a:spLocks noGrp="1"/>
+          </p:cNvSpPr>
+          <p:nvPr>
+            <p:ph type="title"/>
+          </p:nvPr>
+        </p:nvSpPr>
+        <p:spPr/>
+        <p:txBody>
+          <a:bodyPr/>
+          <a:lstStyle/>
+          <a:p>
+            <a:r>
+              <a:rPr lang="en-US" dirty="0"/>
+              <a:t>Test des </a:t>
+            </a:r>
+            <a:r>
+              <a:rPr lang="en-US" dirty="0" err="1"/>
+              <a:t>fonctionnalités</a:t>
+            </a:r>
+            <a:r>
+              <a:rPr lang="en-US" dirty="0"/>
+              <a:t> du PCBA</a:t>
+            </a:r>
+          </a:p>
+        </p:txBody>
+      </p:sp>
+      <p:sp>
+        <p:nvSpPr>
+          <p:cNvPr id="4" name="Espace réservé du numéro de diapositive 3">
+            <a:extLst>
+              <a:ext uri="{FF2B5EF4-FFF2-40B4-BE49-F238E27FC236}">
+                <a16:creationId xmlns:a16="http://schemas.microsoft.com/office/drawing/2014/main" id="{6B74B692-7D47-4D81-A223-DB30D0484FE7}"/>
+              </a:ext>
+            </a:extLst>
+          </p:cNvPr>
+          <p:cNvSpPr>
+            <a:spLocks noGrp="1"/>
+          </p:cNvSpPr>
+          <p:nvPr>
+            <p:ph type="sldNum" sz="quarter" idx="12"/>
+          </p:nvPr>
+        </p:nvSpPr>
+        <p:spPr/>
+        <p:txBody>
+          <a:bodyPr/>
+          <a:lstStyle/>
+          <a:p>
+            <a:fld id="{E4FD1E96-881F-4E38-A65A-4DBF7417DE24}" type="slidenum">
+              <a:rPr lang="en-US" smtClean="0"/>
+              <a:t>5</a:t>
+            </a:fld>
+            <a:endParaRPr lang="en-US"/>
+          </a:p>
+        </p:txBody>
+      </p:sp>
+      <p:sp>
+        <p:nvSpPr>
+          <p:cNvPr id="6" name="Rectangle : coins arrondis 5">
+            <a:extLst>
+              <a:ext uri="{FF2B5EF4-FFF2-40B4-BE49-F238E27FC236}">
+                <a16:creationId xmlns:a16="http://schemas.microsoft.com/office/drawing/2014/main" id="{86A6DC27-54D6-452A-8CF7-97A290EA038F}"/>
+              </a:ext>
+            </a:extLst>
+          </p:cNvPr>
+          <p:cNvSpPr/>
+          <p:nvPr/>
+        </p:nvSpPr>
+        <p:spPr>
+          <a:xfrm>
+            <a:off x="3085692" y="2378717"/>
+            <a:ext cx="1661720" cy="1040235"/>
+          </a:xfrm>
+          <a:prstGeom prst="roundRect">
+            <a:avLst/>
+          </a:prstGeom>
+          <a:solidFill>
+            <a:schemeClr val="accent2"/>
+          </a:solidFill>
+        </p:spPr>
+        <p:style>
+          <a:lnRef idx="2">
+            <a:schemeClr val="accent1">
+              <a:shade val="50000"/>
+            </a:schemeClr>
+          </a:lnRef>
+          <a:fillRef idx="1">
+            <a:schemeClr val="accent1"/>
+          </a:fillRef>
+          <a:effectRef idx="0">
+            <a:schemeClr val="accent1"/>
+          </a:effectRef>
+          <a:fontRef idx="minor">
+            <a:schemeClr val="lt1"/>
+          </a:fontRef>
+        </p:style>
+        <p:txBody>
+          <a:bodyPr rtlCol="0" anchor="ctr"/>
+          <a:lstStyle/>
+          <a:p>
+            <a:pPr algn="ctr"/>
+            <a:r>
+              <a:rPr lang="en-US" sz="2400" dirty="0"/>
+              <a:t>MCP3428</a:t>
+            </a:r>
+          </a:p>
+        </p:txBody>
+      </p:sp>
+      <p:sp>
+        <p:nvSpPr>
+          <p:cNvPr id="7" name="Rectangle : coins arrondis 6">
+            <a:extLst>
+              <a:ext uri="{FF2B5EF4-FFF2-40B4-BE49-F238E27FC236}">
+                <a16:creationId xmlns:a16="http://schemas.microsoft.com/office/drawing/2014/main" id="{279E3306-4EE2-475A-BCA8-3DA25A40A955}"/>
+              </a:ext>
+            </a:extLst>
+          </p:cNvPr>
+          <p:cNvSpPr/>
+          <p:nvPr/>
+        </p:nvSpPr>
+        <p:spPr>
+          <a:xfrm>
+            <a:off x="3085692" y="4421241"/>
+            <a:ext cx="1661720" cy="1040235"/>
+          </a:xfrm>
+          <a:prstGeom prst="roundRect">
+            <a:avLst/>
+          </a:prstGeom>
+          <a:solidFill>
+            <a:schemeClr val="accent6">
+              <a:lumMod val="75000"/>
+            </a:schemeClr>
+          </a:solidFill>
+        </p:spPr>
+        <p:style>
+          <a:lnRef idx="2">
+            <a:schemeClr val="accent1">
+              <a:shade val="50000"/>
+            </a:schemeClr>
+          </a:lnRef>
+          <a:fillRef idx="1">
+            <a:schemeClr val="accent1"/>
+          </a:fillRef>
+          <a:effectRef idx="0">
+            <a:schemeClr val="accent1"/>
+          </a:effectRef>
+          <a:fontRef idx="minor">
+            <a:schemeClr val="lt1"/>
+          </a:fontRef>
+        </p:style>
+        <p:txBody>
+          <a:bodyPr rtlCol="0" anchor="ctr"/>
+          <a:lstStyle/>
+          <a:p>
+            <a:pPr algn="ctr"/>
+            <a:r>
+              <a:rPr lang="en-US" sz="2400" dirty="0"/>
+              <a:t>PCA9685</a:t>
+            </a:r>
+          </a:p>
+        </p:txBody>
+      </p:sp>
+      <p:sp>
+        <p:nvSpPr>
+          <p:cNvPr id="8" name="Rectangle : coins arrondis 7">
+            <a:extLst>
+              <a:ext uri="{FF2B5EF4-FFF2-40B4-BE49-F238E27FC236}">
+                <a16:creationId xmlns:a16="http://schemas.microsoft.com/office/drawing/2014/main" id="{AB2D90ED-279B-4463-B0FB-7C1E548597D5}"/>
+              </a:ext>
+            </a:extLst>
+          </p:cNvPr>
+          <p:cNvSpPr/>
+          <p:nvPr/>
+        </p:nvSpPr>
+        <p:spPr>
+          <a:xfrm>
+            <a:off x="9633649" y="2623396"/>
+            <a:ext cx="1661720" cy="1040235"/>
+          </a:xfrm>
+          <a:prstGeom prst="roundRect">
+            <a:avLst/>
+          </a:prstGeom>
+          <a:solidFill>
+            <a:schemeClr val="tx2">
+              <a:lumMod val="50000"/>
+              <a:lumOff val="50000"/>
+            </a:schemeClr>
+          </a:solidFill>
+        </p:spPr>
+        <p:style>
+          <a:lnRef idx="2">
+            <a:schemeClr val="accent1">
+              <a:shade val="50000"/>
+            </a:schemeClr>
+          </a:lnRef>
+          <a:fillRef idx="1">
+            <a:schemeClr val="accent1"/>
+          </a:fillRef>
+          <a:effectRef idx="0">
+            <a:schemeClr val="accent1"/>
+          </a:effectRef>
+          <a:fontRef idx="minor">
+            <a:schemeClr val="lt1"/>
+          </a:fontRef>
+        </p:style>
+        <p:txBody>
+          <a:bodyPr rtlCol="0" anchor="ctr"/>
+          <a:lstStyle/>
+          <a:p>
+            <a:pPr algn="ctr"/>
+            <a:r>
+              <a:rPr lang="en-US" sz="2400" dirty="0" err="1"/>
+              <a:t>Caméra</a:t>
+            </a:r>
+            <a:endParaRPr lang="en-US" sz="2400" dirty="0"/>
+          </a:p>
+        </p:txBody>
+      </p:sp>
+      <p:sp>
+        <p:nvSpPr>
+          <p:cNvPr id="9" name="Rectangle : coins arrondis 8">
+            <a:extLst>
+              <a:ext uri="{FF2B5EF4-FFF2-40B4-BE49-F238E27FC236}">
+                <a16:creationId xmlns:a16="http://schemas.microsoft.com/office/drawing/2014/main" id="{9CBE98CA-9F51-42DD-B99C-BEBB58D0A686}"/>
+              </a:ext>
+            </a:extLst>
+          </p:cNvPr>
+          <p:cNvSpPr/>
+          <p:nvPr/>
+        </p:nvSpPr>
+        <p:spPr>
+          <a:xfrm>
+            <a:off x="9633649" y="4421241"/>
+            <a:ext cx="1661720" cy="1040235"/>
+          </a:xfrm>
+          <a:prstGeom prst="roundRect">
+            <a:avLst/>
+          </a:prstGeom>
+          <a:solidFill>
+            <a:schemeClr val="accent5">
+              <a:lumMod val="75000"/>
+            </a:schemeClr>
+          </a:solidFill>
+        </p:spPr>
+        <p:style>
+          <a:lnRef idx="2">
+            <a:schemeClr val="accent1">
+              <a:shade val="50000"/>
+            </a:schemeClr>
+          </a:lnRef>
+          <a:fillRef idx="1">
+            <a:schemeClr val="accent1"/>
+          </a:fillRef>
+          <a:effectRef idx="0">
+            <a:schemeClr val="accent1"/>
+          </a:effectRef>
+          <a:fontRef idx="minor">
+            <a:schemeClr val="lt1"/>
+          </a:fontRef>
+        </p:style>
+        <p:txBody>
+          <a:bodyPr rtlCol="0" anchor="ctr"/>
+          <a:lstStyle/>
+          <a:p>
+            <a:pPr algn="ctr"/>
+            <a:r>
+              <a:rPr lang="en-US" sz="2400" dirty="0"/>
+              <a:t>SD Card</a:t>
+            </a:r>
+          </a:p>
+        </p:txBody>
+      </p:sp>
+      <p:cxnSp>
+        <p:nvCxnSpPr>
+          <p:cNvPr id="11" name="Connecteur droit 10">
+            <a:extLst>
+              <a:ext uri="{FF2B5EF4-FFF2-40B4-BE49-F238E27FC236}">
+                <a16:creationId xmlns:a16="http://schemas.microsoft.com/office/drawing/2014/main" id="{65C21689-C1C6-4CD2-AC0E-42F49A280BF3}"/>
+              </a:ext>
+            </a:extLst>
+          </p:cNvPr>
+          <p:cNvCxnSpPr>
+            <a:stCxn id="6" idx="3"/>
+          </p:cNvCxnSpPr>
+          <p:nvPr/>
+        </p:nvCxnSpPr>
+        <p:spPr>
+          <a:xfrm>
+            <a:off x="4747412" y="2898835"/>
+            <a:ext cx="1333500" cy="10486"/>
+          </a:xfrm>
+          <a:prstGeom prst="line">
+            <a:avLst/>
+          </a:prstGeom>
+          <a:ln w="57150">
+            <a:solidFill>
+              <a:schemeClr val="tx1">
+                <a:lumMod val="65000"/>
+                <a:lumOff val="35000"/>
+              </a:schemeClr>
+            </a:solidFill>
+          </a:ln>
+        </p:spPr>
+        <p:style>
+          <a:lnRef idx="1">
+            <a:schemeClr val="accent1"/>
+          </a:lnRef>
+          <a:fillRef idx="0">
+            <a:schemeClr val="accent1"/>
+          </a:fillRef>
+          <a:effectRef idx="0">
+            <a:schemeClr val="accent1"/>
+          </a:effectRef>
+          <a:fontRef idx="minor">
+            <a:schemeClr val="tx1"/>
+          </a:fontRef>
+        </p:style>
+      </p:cxnSp>
+      <p:sp>
+        <p:nvSpPr>
+          <p:cNvPr id="5" name="Rectangle : coins arrondis 4">
+            <a:extLst>
+              <a:ext uri="{FF2B5EF4-FFF2-40B4-BE49-F238E27FC236}">
+                <a16:creationId xmlns:a16="http://schemas.microsoft.com/office/drawing/2014/main" id="{CD9D3212-898E-45BF-9949-E84F39A42F63}"/>
+              </a:ext>
+            </a:extLst>
+          </p:cNvPr>
+          <p:cNvSpPr/>
+          <p:nvPr/>
+        </p:nvSpPr>
+        <p:spPr>
+          <a:xfrm>
+            <a:off x="6011702" y="2389203"/>
+            <a:ext cx="1526797" cy="3229762"/>
+          </a:xfrm>
+          <a:prstGeom prst="roundRect">
+            <a:avLst/>
+          </a:prstGeom>
+        </p:spPr>
+        <p:style>
+          <a:lnRef idx="2">
+            <a:schemeClr val="accent1">
+              <a:shade val="50000"/>
+            </a:schemeClr>
+          </a:lnRef>
+          <a:fillRef idx="1">
+            <a:schemeClr val="accent1"/>
+          </a:fillRef>
+          <a:effectRef idx="0">
+            <a:schemeClr val="accent1"/>
+          </a:effectRef>
+          <a:fontRef idx="minor">
+            <a:schemeClr val="lt1"/>
+          </a:fontRef>
+        </p:style>
+        <p:txBody>
+          <a:bodyPr rtlCol="0" anchor="ctr"/>
+          <a:lstStyle/>
+          <a:p>
+            <a:pPr algn="ctr"/>
+            <a:r>
+              <a:rPr lang="en-US" sz="2400" dirty="0"/>
+              <a:t>ESP32</a:t>
+            </a:r>
+          </a:p>
+        </p:txBody>
+      </p:sp>
+      <p:cxnSp>
+        <p:nvCxnSpPr>
+          <p:cNvPr id="12" name="Connecteur droit 11">
+            <a:extLst>
+              <a:ext uri="{FF2B5EF4-FFF2-40B4-BE49-F238E27FC236}">
+                <a16:creationId xmlns:a16="http://schemas.microsoft.com/office/drawing/2014/main" id="{410D255E-C909-498D-B706-0B267C2F20F4}"/>
+              </a:ext>
+            </a:extLst>
+          </p:cNvPr>
+          <p:cNvCxnSpPr>
+            <a:cxnSpLocks/>
+          </p:cNvCxnSpPr>
+          <p:nvPr/>
+        </p:nvCxnSpPr>
+        <p:spPr>
+          <a:xfrm flipH="1" flipV="1">
+            <a:off x="5334292" y="2909322"/>
+            <a:ext cx="5330" cy="2032036"/>
+          </a:xfrm>
+          <a:prstGeom prst="line">
+            <a:avLst/>
+          </a:prstGeom>
+          <a:ln w="57150">
+            <a:solidFill>
+              <a:schemeClr val="tx1">
+                <a:lumMod val="65000"/>
+                <a:lumOff val="35000"/>
+              </a:schemeClr>
+            </a:solidFill>
+          </a:ln>
+        </p:spPr>
+        <p:style>
+          <a:lnRef idx="1">
+            <a:schemeClr val="accent1"/>
+          </a:lnRef>
+          <a:fillRef idx="0">
+            <a:schemeClr val="accent1"/>
+          </a:fillRef>
+          <a:effectRef idx="0">
+            <a:schemeClr val="accent1"/>
+          </a:effectRef>
+          <a:fontRef idx="minor">
+            <a:schemeClr val="tx1"/>
+          </a:fontRef>
+        </p:style>
+      </p:cxnSp>
+      <p:cxnSp>
+        <p:nvCxnSpPr>
+          <p:cNvPr id="17" name="Connecteur droit 16">
+            <a:extLst>
+              <a:ext uri="{FF2B5EF4-FFF2-40B4-BE49-F238E27FC236}">
+                <a16:creationId xmlns:a16="http://schemas.microsoft.com/office/drawing/2014/main" id="{27A30388-1F9A-4244-BE40-06673DAB1B17}"/>
+              </a:ext>
+            </a:extLst>
+          </p:cNvPr>
+          <p:cNvCxnSpPr>
+            <a:cxnSpLocks/>
+            <a:stCxn id="7" idx="3"/>
+          </p:cNvCxnSpPr>
+          <p:nvPr/>
+        </p:nvCxnSpPr>
+        <p:spPr>
+          <a:xfrm flipV="1">
+            <a:off x="4747412" y="4941358"/>
+            <a:ext cx="628015" cy="1"/>
+          </a:xfrm>
+          <a:prstGeom prst="line">
+            <a:avLst/>
+          </a:prstGeom>
+          <a:ln w="57150">
+            <a:solidFill>
+              <a:schemeClr val="tx1">
+                <a:lumMod val="65000"/>
+                <a:lumOff val="35000"/>
+              </a:schemeClr>
+            </a:solidFill>
+          </a:ln>
+        </p:spPr>
+        <p:style>
+          <a:lnRef idx="1">
+            <a:schemeClr val="accent1"/>
+          </a:lnRef>
+          <a:fillRef idx="0">
+            <a:schemeClr val="accent1"/>
+          </a:fillRef>
+          <a:effectRef idx="0">
+            <a:schemeClr val="accent1"/>
+          </a:effectRef>
+          <a:fontRef idx="minor">
+            <a:schemeClr val="tx1"/>
+          </a:fontRef>
+        </p:style>
+      </p:cxnSp>
+      <p:sp>
+        <p:nvSpPr>
+          <p:cNvPr id="25" name="ZoneTexte 24">
+            <a:extLst>
+              <a:ext uri="{FF2B5EF4-FFF2-40B4-BE49-F238E27FC236}">
+                <a16:creationId xmlns:a16="http://schemas.microsoft.com/office/drawing/2014/main" id="{9E66D0D0-4B7A-4802-A690-626059DFE6DC}"/>
+              </a:ext>
+            </a:extLst>
+          </p:cNvPr>
+          <p:cNvSpPr txBox="1"/>
+          <p:nvPr/>
+        </p:nvSpPr>
+        <p:spPr>
+          <a:xfrm>
+            <a:off x="5072881" y="2466200"/>
+            <a:ext cx="620683" cy="461665"/>
+          </a:xfrm>
+          <a:prstGeom prst="rect">
+            <a:avLst/>
+          </a:prstGeom>
+          <a:noFill/>
+        </p:spPr>
+        <p:txBody>
+          <a:bodyPr wrap="none" rtlCol="0">
+            <a:spAutoFit/>
+          </a:bodyPr>
+          <a:lstStyle/>
+          <a:p>
+            <a:r>
+              <a:rPr lang="en-US" sz="2400" dirty="0">
+                <a:solidFill>
+                  <a:schemeClr val="tx1">
+                    <a:lumMod val="75000"/>
+                    <a:lumOff val="25000"/>
+                  </a:schemeClr>
+                </a:solidFill>
+                <a:latin typeface="Abadi" panose="020B0604020104020204" pitchFamily="34" charset="0"/>
+              </a:rPr>
+              <a:t>I2C</a:t>
+            </a:r>
+          </a:p>
+        </p:txBody>
+      </p:sp>
+      <p:cxnSp>
+        <p:nvCxnSpPr>
+          <p:cNvPr id="42" name="Connecteur : en angle 41">
+            <a:extLst>
+              <a:ext uri="{FF2B5EF4-FFF2-40B4-BE49-F238E27FC236}">
+                <a16:creationId xmlns:a16="http://schemas.microsoft.com/office/drawing/2014/main" id="{DC35C8E2-DE12-4C00-A30E-292BE09D6D36}"/>
+              </a:ext>
+            </a:extLst>
+          </p:cNvPr>
+          <p:cNvCxnSpPr>
+            <a:cxnSpLocks/>
+          </p:cNvCxnSpPr>
+          <p:nvPr/>
+        </p:nvCxnSpPr>
+        <p:spPr>
+          <a:xfrm>
+            <a:off x="7538499" y="3090222"/>
+            <a:ext cx="2095150" cy="1601919"/>
+          </a:xfrm>
+          <a:prstGeom prst="bentConnector3">
+            <a:avLst>
+              <a:gd name="adj1" fmla="val 43273"/>
+            </a:avLst>
+          </a:prstGeom>
+          <a:ln w="57150">
+            <a:solidFill>
+              <a:schemeClr val="tx1">
+                <a:lumMod val="65000"/>
+                <a:lumOff val="35000"/>
+              </a:schemeClr>
+            </a:solidFill>
+          </a:ln>
+        </p:spPr>
+        <p:style>
+          <a:lnRef idx="1">
+            <a:schemeClr val="accent1"/>
+          </a:lnRef>
+          <a:fillRef idx="0">
+            <a:schemeClr val="accent1"/>
+          </a:fillRef>
+          <a:effectRef idx="0">
+            <a:schemeClr val="accent1"/>
+          </a:effectRef>
+          <a:fontRef idx="minor">
+            <a:schemeClr val="tx1"/>
+          </a:fontRef>
+        </p:style>
+      </p:cxnSp>
+      <p:cxnSp>
+        <p:nvCxnSpPr>
+          <p:cNvPr id="46" name="Connecteur : en angle 45">
+            <a:extLst>
+              <a:ext uri="{FF2B5EF4-FFF2-40B4-BE49-F238E27FC236}">
+                <a16:creationId xmlns:a16="http://schemas.microsoft.com/office/drawing/2014/main" id="{8771EF1A-5046-4B4F-96EA-EE474AAC20E7}"/>
+              </a:ext>
+            </a:extLst>
+          </p:cNvPr>
+          <p:cNvCxnSpPr>
+            <a:cxnSpLocks/>
+          </p:cNvCxnSpPr>
+          <p:nvPr/>
+        </p:nvCxnSpPr>
+        <p:spPr>
+          <a:xfrm>
+            <a:off x="7538499" y="3090222"/>
+            <a:ext cx="2095150" cy="328730"/>
+          </a:xfrm>
+          <a:prstGeom prst="bentConnector3">
+            <a:avLst>
+              <a:gd name="adj1" fmla="val 43273"/>
+            </a:avLst>
+          </a:prstGeom>
+          <a:ln w="57150">
+            <a:solidFill>
+              <a:schemeClr val="tx1">
+                <a:lumMod val="65000"/>
+                <a:lumOff val="35000"/>
+              </a:schemeClr>
+            </a:solidFill>
+          </a:ln>
+        </p:spPr>
+        <p:style>
+          <a:lnRef idx="1">
+            <a:schemeClr val="accent1"/>
+          </a:lnRef>
+          <a:fillRef idx="0">
+            <a:schemeClr val="accent1"/>
+          </a:fillRef>
+          <a:effectRef idx="0">
+            <a:schemeClr val="accent1"/>
+          </a:effectRef>
+          <a:fontRef idx="minor">
+            <a:schemeClr val="tx1"/>
+          </a:fontRef>
+        </p:style>
+      </p:cxnSp>
+      <p:sp>
+        <p:nvSpPr>
+          <p:cNvPr id="54" name="ZoneTexte 53">
+            <a:extLst>
+              <a:ext uri="{FF2B5EF4-FFF2-40B4-BE49-F238E27FC236}">
+                <a16:creationId xmlns:a16="http://schemas.microsoft.com/office/drawing/2014/main" id="{EEF5C3D2-45A1-4AD0-90E7-075CE15124D8}"/>
+              </a:ext>
+            </a:extLst>
+          </p:cNvPr>
+          <p:cNvSpPr txBox="1"/>
+          <p:nvPr/>
+        </p:nvSpPr>
+        <p:spPr>
+          <a:xfrm>
+            <a:off x="7782162" y="2493091"/>
+            <a:ext cx="1656223" cy="461665"/>
+          </a:xfrm>
+          <a:prstGeom prst="rect">
+            <a:avLst/>
+          </a:prstGeom>
+          <a:noFill/>
+        </p:spPr>
+        <p:txBody>
+          <a:bodyPr wrap="none" rtlCol="0">
+            <a:spAutoFit/>
+          </a:bodyPr>
+          <a:lstStyle/>
+          <a:p>
+            <a:r>
+              <a:rPr lang="en-US" sz="2400" dirty="0">
+                <a:solidFill>
+                  <a:schemeClr val="tx2">
+                    <a:lumMod val="50000"/>
+                    <a:lumOff val="50000"/>
+                  </a:schemeClr>
+                </a:solidFill>
+                <a:latin typeface="Abadi" panose="020B0604020104020204" pitchFamily="34" charset="0"/>
+              </a:rPr>
+              <a:t>I/O </a:t>
+            </a:r>
+            <a:r>
+              <a:rPr lang="en-US" sz="2400" dirty="0" err="1">
+                <a:solidFill>
+                  <a:schemeClr val="tx2">
+                    <a:lumMod val="50000"/>
+                    <a:lumOff val="50000"/>
+                  </a:schemeClr>
+                </a:solidFill>
+                <a:latin typeface="Abadi" panose="020B0604020104020204" pitchFamily="34" charset="0"/>
+              </a:rPr>
+              <a:t>Caméra</a:t>
+            </a:r>
+            <a:endParaRPr lang="en-US" sz="2400" dirty="0">
+              <a:solidFill>
+                <a:schemeClr val="tx2">
+                  <a:lumMod val="50000"/>
+                  <a:lumOff val="50000"/>
+                </a:schemeClr>
+              </a:solidFill>
+              <a:latin typeface="Abadi" panose="020B0604020104020204" pitchFamily="34" charset="0"/>
+            </a:endParaRPr>
+          </a:p>
+        </p:txBody>
+      </p:sp>
+      <p:sp>
+        <p:nvSpPr>
+          <p:cNvPr id="55" name="ZoneTexte 54">
+            <a:extLst>
+              <a:ext uri="{FF2B5EF4-FFF2-40B4-BE49-F238E27FC236}">
+                <a16:creationId xmlns:a16="http://schemas.microsoft.com/office/drawing/2014/main" id="{1207B739-9D3A-4ECA-808E-DCBCCB239CC3}"/>
+              </a:ext>
+            </a:extLst>
+          </p:cNvPr>
+          <p:cNvSpPr txBox="1"/>
+          <p:nvPr/>
+        </p:nvSpPr>
+        <p:spPr>
+          <a:xfrm>
+            <a:off x="7846610" y="5127468"/>
+            <a:ext cx="1752403" cy="461665"/>
+          </a:xfrm>
+          <a:prstGeom prst="rect">
+            <a:avLst/>
+          </a:prstGeom>
+          <a:noFill/>
+        </p:spPr>
+        <p:txBody>
+          <a:bodyPr wrap="none" rtlCol="0">
+            <a:spAutoFit/>
+          </a:bodyPr>
+          <a:lstStyle/>
+          <a:p>
+            <a:r>
+              <a:rPr lang="en-US" sz="2400" dirty="0">
+                <a:solidFill>
+                  <a:schemeClr val="accent5">
+                    <a:lumMod val="75000"/>
+                  </a:schemeClr>
+                </a:solidFill>
+                <a:latin typeface="Abadi" panose="020B0604020104020204" pitchFamily="34" charset="0"/>
+              </a:rPr>
+              <a:t>I/O SD Card</a:t>
+            </a:r>
+          </a:p>
+        </p:txBody>
+      </p:sp>
+      <p:sp>
+        <p:nvSpPr>
+          <p:cNvPr id="56" name="ZoneTexte 55">
+            <a:extLst>
+              <a:ext uri="{FF2B5EF4-FFF2-40B4-BE49-F238E27FC236}">
+                <a16:creationId xmlns:a16="http://schemas.microsoft.com/office/drawing/2014/main" id="{0E07B639-14E8-487F-B920-23B6E96B3B9F}"/>
+              </a:ext>
+            </a:extLst>
+          </p:cNvPr>
+          <p:cNvSpPr txBox="1"/>
+          <p:nvPr/>
+        </p:nvSpPr>
+        <p:spPr>
+          <a:xfrm>
+            <a:off x="8439609" y="3811603"/>
+            <a:ext cx="2121093" cy="461665"/>
+          </a:xfrm>
+          <a:prstGeom prst="rect">
+            <a:avLst/>
+          </a:prstGeom>
+          <a:noFill/>
+        </p:spPr>
+        <p:txBody>
+          <a:bodyPr wrap="none" rtlCol="0">
+            <a:spAutoFit/>
+          </a:bodyPr>
+          <a:lstStyle/>
+          <a:p>
+            <a:r>
+              <a:rPr lang="en-US" sz="2400" dirty="0">
+                <a:solidFill>
+                  <a:schemeClr val="tx1">
+                    <a:lumMod val="65000"/>
+                    <a:lumOff val="35000"/>
+                  </a:schemeClr>
+                </a:solidFill>
+                <a:latin typeface="Abadi" panose="020B0604020104020204" pitchFamily="34" charset="0"/>
+              </a:rPr>
+              <a:t>I/O Communes</a:t>
+            </a:r>
+          </a:p>
+        </p:txBody>
+      </p:sp>
+      <p:cxnSp>
+        <p:nvCxnSpPr>
+          <p:cNvPr id="60" name="Connecteur droit 59">
+            <a:extLst>
+              <a:ext uri="{FF2B5EF4-FFF2-40B4-BE49-F238E27FC236}">
+                <a16:creationId xmlns:a16="http://schemas.microsoft.com/office/drawing/2014/main" id="{E5FA3173-B0DC-4823-A66E-B6028184B45E}"/>
+              </a:ext>
+            </a:extLst>
+          </p:cNvPr>
+          <p:cNvCxnSpPr>
+            <a:cxnSpLocks/>
+          </p:cNvCxnSpPr>
+          <p:nvPr/>
+        </p:nvCxnSpPr>
+        <p:spPr>
+          <a:xfrm flipV="1">
+            <a:off x="2478244" y="4611410"/>
+            <a:ext cx="628015" cy="1"/>
+          </a:xfrm>
+          <a:prstGeom prst="line">
+            <a:avLst/>
+          </a:prstGeom>
+          <a:ln w="57150">
+            <a:solidFill>
+              <a:schemeClr val="tx1">
+                <a:lumMod val="65000"/>
+                <a:lumOff val="35000"/>
+              </a:schemeClr>
+            </a:solidFill>
+          </a:ln>
+        </p:spPr>
+        <p:style>
+          <a:lnRef idx="1">
+            <a:schemeClr val="accent1"/>
+          </a:lnRef>
+          <a:fillRef idx="0">
+            <a:schemeClr val="accent1"/>
+          </a:fillRef>
+          <a:effectRef idx="0">
+            <a:schemeClr val="accent1"/>
+          </a:effectRef>
+          <a:fontRef idx="minor">
+            <a:schemeClr val="tx1"/>
+          </a:fontRef>
+        </p:style>
+      </p:cxnSp>
+      <p:cxnSp>
+        <p:nvCxnSpPr>
+          <p:cNvPr id="61" name="Connecteur droit 60">
+            <a:extLst>
+              <a:ext uri="{FF2B5EF4-FFF2-40B4-BE49-F238E27FC236}">
+                <a16:creationId xmlns:a16="http://schemas.microsoft.com/office/drawing/2014/main" id="{B28E233D-9EFC-4A9F-94BD-FE7F0DA56ADB}"/>
+              </a:ext>
+            </a:extLst>
+          </p:cNvPr>
+          <p:cNvCxnSpPr>
+            <a:cxnSpLocks/>
+          </p:cNvCxnSpPr>
+          <p:nvPr/>
+        </p:nvCxnSpPr>
+        <p:spPr>
+          <a:xfrm flipV="1">
+            <a:off x="2478244" y="4941357"/>
+            <a:ext cx="628015" cy="1"/>
+          </a:xfrm>
+          <a:prstGeom prst="line">
+            <a:avLst/>
+          </a:prstGeom>
+          <a:ln w="57150">
+            <a:solidFill>
+              <a:schemeClr val="tx1">
+                <a:lumMod val="65000"/>
+                <a:lumOff val="35000"/>
+              </a:schemeClr>
+            </a:solidFill>
+          </a:ln>
+        </p:spPr>
+        <p:style>
+          <a:lnRef idx="1">
+            <a:schemeClr val="accent1"/>
+          </a:lnRef>
+          <a:fillRef idx="0">
+            <a:schemeClr val="accent1"/>
+          </a:fillRef>
+          <a:effectRef idx="0">
+            <a:schemeClr val="accent1"/>
+          </a:effectRef>
+          <a:fontRef idx="minor">
+            <a:schemeClr val="tx1"/>
+          </a:fontRef>
+        </p:style>
+      </p:cxnSp>
+      <p:cxnSp>
+        <p:nvCxnSpPr>
+          <p:cNvPr id="62" name="Connecteur droit 61">
+            <a:extLst>
+              <a:ext uri="{FF2B5EF4-FFF2-40B4-BE49-F238E27FC236}">
+                <a16:creationId xmlns:a16="http://schemas.microsoft.com/office/drawing/2014/main" id="{5A4D6634-2E7B-43FC-A8E1-703F735616A2}"/>
+              </a:ext>
+            </a:extLst>
+          </p:cNvPr>
+          <p:cNvCxnSpPr>
+            <a:cxnSpLocks/>
+          </p:cNvCxnSpPr>
+          <p:nvPr/>
+        </p:nvCxnSpPr>
+        <p:spPr>
+          <a:xfrm flipV="1">
+            <a:off x="2478244" y="5276639"/>
+            <a:ext cx="628015" cy="1"/>
+          </a:xfrm>
+          <a:prstGeom prst="line">
+            <a:avLst/>
+          </a:prstGeom>
+          <a:ln w="57150">
+            <a:solidFill>
+              <a:schemeClr val="tx1">
+                <a:lumMod val="65000"/>
+                <a:lumOff val="35000"/>
+              </a:schemeClr>
+            </a:solidFill>
+          </a:ln>
+        </p:spPr>
+        <p:style>
+          <a:lnRef idx="1">
+            <a:schemeClr val="accent1"/>
+          </a:lnRef>
+          <a:fillRef idx="0">
+            <a:schemeClr val="accent1"/>
+          </a:fillRef>
+          <a:effectRef idx="0">
+            <a:schemeClr val="accent1"/>
+          </a:effectRef>
+          <a:fontRef idx="minor">
+            <a:schemeClr val="tx1"/>
+          </a:fontRef>
+        </p:style>
+      </p:cxnSp>
+      <p:cxnSp>
+        <p:nvCxnSpPr>
+          <p:cNvPr id="63" name="Connecteur droit 62">
+            <a:extLst>
+              <a:ext uri="{FF2B5EF4-FFF2-40B4-BE49-F238E27FC236}">
+                <a16:creationId xmlns:a16="http://schemas.microsoft.com/office/drawing/2014/main" id="{94FE48F5-541C-43D6-ABFD-0E19A1F7A4BE}"/>
+              </a:ext>
+            </a:extLst>
+          </p:cNvPr>
+          <p:cNvCxnSpPr>
+            <a:cxnSpLocks/>
+          </p:cNvCxnSpPr>
+          <p:nvPr/>
+        </p:nvCxnSpPr>
+        <p:spPr>
+          <a:xfrm flipV="1">
+            <a:off x="2478243" y="3196362"/>
+            <a:ext cx="628015" cy="1"/>
+          </a:xfrm>
+          <a:prstGeom prst="line">
+            <a:avLst/>
+          </a:prstGeom>
+          <a:ln w="57150">
+            <a:solidFill>
+              <a:schemeClr val="tx1">
+                <a:lumMod val="65000"/>
+                <a:lumOff val="35000"/>
+              </a:schemeClr>
+            </a:solidFill>
+          </a:ln>
+        </p:spPr>
+        <p:style>
+          <a:lnRef idx="1">
+            <a:schemeClr val="accent1"/>
+          </a:lnRef>
+          <a:fillRef idx="0">
+            <a:schemeClr val="accent1"/>
+          </a:fillRef>
+          <a:effectRef idx="0">
+            <a:schemeClr val="accent1"/>
+          </a:effectRef>
+          <a:fontRef idx="minor">
+            <a:schemeClr val="tx1"/>
+          </a:fontRef>
+        </p:style>
+      </p:cxnSp>
+      <p:cxnSp>
+        <p:nvCxnSpPr>
+          <p:cNvPr id="64" name="Connecteur droit 63">
+            <a:extLst>
+              <a:ext uri="{FF2B5EF4-FFF2-40B4-BE49-F238E27FC236}">
+                <a16:creationId xmlns:a16="http://schemas.microsoft.com/office/drawing/2014/main" id="{998F6F1E-082A-4530-AA12-15E0D8C62818}"/>
+              </a:ext>
+            </a:extLst>
+          </p:cNvPr>
+          <p:cNvCxnSpPr>
+            <a:cxnSpLocks/>
+          </p:cNvCxnSpPr>
+          <p:nvPr/>
+        </p:nvCxnSpPr>
+        <p:spPr>
+          <a:xfrm flipV="1">
+            <a:off x="2467960" y="2572213"/>
+            <a:ext cx="628015" cy="1"/>
+          </a:xfrm>
+          <a:prstGeom prst="line">
+            <a:avLst/>
+          </a:prstGeom>
+          <a:ln w="57150">
+            <a:solidFill>
+              <a:schemeClr val="tx1">
+                <a:lumMod val="65000"/>
+                <a:lumOff val="35000"/>
+              </a:schemeClr>
+            </a:solidFill>
+          </a:ln>
+        </p:spPr>
+        <p:style>
+          <a:lnRef idx="1">
+            <a:schemeClr val="accent1"/>
+          </a:lnRef>
+          <a:fillRef idx="0">
+            <a:schemeClr val="accent1"/>
+          </a:fillRef>
+          <a:effectRef idx="0">
+            <a:schemeClr val="accent1"/>
+          </a:effectRef>
+          <a:fontRef idx="minor">
+            <a:schemeClr val="tx1"/>
+          </a:fontRef>
+        </p:style>
+      </p:cxnSp>
+      <p:cxnSp>
+        <p:nvCxnSpPr>
+          <p:cNvPr id="65" name="Connecteur droit 64">
+            <a:extLst>
+              <a:ext uri="{FF2B5EF4-FFF2-40B4-BE49-F238E27FC236}">
+                <a16:creationId xmlns:a16="http://schemas.microsoft.com/office/drawing/2014/main" id="{4D0883D7-2A77-4D6F-83C3-E38CD3D5ABB3}"/>
+              </a:ext>
+            </a:extLst>
+          </p:cNvPr>
+          <p:cNvCxnSpPr>
+            <a:cxnSpLocks/>
+          </p:cNvCxnSpPr>
+          <p:nvPr/>
+        </p:nvCxnSpPr>
+        <p:spPr>
+          <a:xfrm flipV="1">
+            <a:off x="2478242" y="2874943"/>
+            <a:ext cx="628015" cy="1"/>
+          </a:xfrm>
+          <a:prstGeom prst="line">
+            <a:avLst/>
+          </a:prstGeom>
+          <a:ln w="57150">
+            <a:solidFill>
+              <a:schemeClr val="tx1">
+                <a:lumMod val="65000"/>
+                <a:lumOff val="35000"/>
+              </a:schemeClr>
+            </a:solidFill>
+          </a:ln>
+        </p:spPr>
+        <p:style>
+          <a:lnRef idx="1">
+            <a:schemeClr val="accent1"/>
+          </a:lnRef>
+          <a:fillRef idx="0">
+            <a:schemeClr val="accent1"/>
+          </a:fillRef>
+          <a:effectRef idx="0">
+            <a:schemeClr val="accent1"/>
+          </a:effectRef>
+          <a:fontRef idx="minor">
+            <a:schemeClr val="tx1"/>
+          </a:fontRef>
+        </p:style>
+      </p:cxnSp>
+      <p:sp>
+        <p:nvSpPr>
+          <p:cNvPr id="66" name="ZoneTexte 65">
+            <a:extLst>
+              <a:ext uri="{FF2B5EF4-FFF2-40B4-BE49-F238E27FC236}">
+                <a16:creationId xmlns:a16="http://schemas.microsoft.com/office/drawing/2014/main" id="{CD2FDBB8-C434-4D2E-B59F-3A74707B1BCD}"/>
+              </a:ext>
+            </a:extLst>
+          </p:cNvPr>
+          <p:cNvSpPr txBox="1"/>
+          <p:nvPr/>
+        </p:nvSpPr>
+        <p:spPr>
+          <a:xfrm>
+            <a:off x="1725463" y="2319899"/>
+            <a:ext cx="728084" cy="369332"/>
+          </a:xfrm>
+          <a:prstGeom prst="rect">
+            <a:avLst/>
+          </a:prstGeom>
+          <a:noFill/>
+        </p:spPr>
+        <p:txBody>
+          <a:bodyPr wrap="none" rtlCol="0">
+            <a:spAutoFit/>
+          </a:bodyPr>
+          <a:lstStyle/>
+          <a:p>
+            <a:r>
+              <a:rPr lang="en-US" dirty="0">
+                <a:solidFill>
+                  <a:schemeClr val="tx1">
+                    <a:lumMod val="75000"/>
+                    <a:lumOff val="25000"/>
+                  </a:schemeClr>
+                </a:solidFill>
+                <a:latin typeface="Abadi" panose="020B0604020104020204" pitchFamily="34" charset="0"/>
+              </a:rPr>
+              <a:t>Micro</a:t>
+            </a:r>
+          </a:p>
+        </p:txBody>
+      </p:sp>
+      <p:sp>
+        <p:nvSpPr>
+          <p:cNvPr id="67" name="ZoneTexte 66">
+            <a:extLst>
+              <a:ext uri="{FF2B5EF4-FFF2-40B4-BE49-F238E27FC236}">
+                <a16:creationId xmlns:a16="http://schemas.microsoft.com/office/drawing/2014/main" id="{D1C697DA-6946-4697-9920-22BC346E318F}"/>
+              </a:ext>
+            </a:extLst>
+          </p:cNvPr>
+          <p:cNvSpPr txBox="1"/>
+          <p:nvPr/>
+        </p:nvSpPr>
+        <p:spPr>
+          <a:xfrm>
+            <a:off x="1787178" y="2625251"/>
+            <a:ext cx="593432" cy="369332"/>
+          </a:xfrm>
+          <a:prstGeom prst="rect">
+            <a:avLst/>
+          </a:prstGeom>
+          <a:noFill/>
+        </p:spPr>
+        <p:txBody>
+          <a:bodyPr wrap="none" rtlCol="0">
+            <a:spAutoFit/>
+          </a:bodyPr>
+          <a:lstStyle/>
+          <a:p>
+            <a:r>
+              <a:rPr lang="en-US" dirty="0">
+                <a:solidFill>
+                  <a:schemeClr val="tx1">
+                    <a:lumMod val="75000"/>
+                    <a:lumOff val="25000"/>
+                  </a:schemeClr>
+                </a:solidFill>
+                <a:latin typeface="Abadi" panose="020B0604020104020204" pitchFamily="34" charset="0"/>
+              </a:rPr>
+              <a:t>LDR</a:t>
+            </a:r>
+          </a:p>
+        </p:txBody>
+      </p:sp>
+      <p:sp>
+        <p:nvSpPr>
+          <p:cNvPr id="68" name="ZoneTexte 67">
+            <a:extLst>
+              <a:ext uri="{FF2B5EF4-FFF2-40B4-BE49-F238E27FC236}">
+                <a16:creationId xmlns:a16="http://schemas.microsoft.com/office/drawing/2014/main" id="{1752A9A3-9816-4043-A893-F4E1890F0EB4}"/>
+              </a:ext>
+            </a:extLst>
+          </p:cNvPr>
+          <p:cNvSpPr txBox="1"/>
+          <p:nvPr/>
+        </p:nvSpPr>
+        <p:spPr>
+          <a:xfrm>
+            <a:off x="1723171" y="2938863"/>
+            <a:ext cx="745717" cy="369332"/>
+          </a:xfrm>
+          <a:prstGeom prst="rect">
+            <a:avLst/>
+          </a:prstGeom>
+          <a:noFill/>
+        </p:spPr>
+        <p:txBody>
+          <a:bodyPr wrap="none" rtlCol="0">
+            <a:spAutoFit/>
+          </a:bodyPr>
+          <a:lstStyle/>
+          <a:p>
+            <a:r>
+              <a:rPr lang="en-US" dirty="0">
+                <a:solidFill>
+                  <a:schemeClr val="tx1">
+                    <a:lumMod val="75000"/>
+                    <a:lumOff val="25000"/>
+                  </a:schemeClr>
+                </a:solidFill>
+                <a:latin typeface="Abadi" panose="020B0604020104020204" pitchFamily="34" charset="0"/>
+              </a:rPr>
+              <a:t>Spare</a:t>
+            </a:r>
+          </a:p>
+        </p:txBody>
+      </p:sp>
+      <p:sp>
+        <p:nvSpPr>
+          <p:cNvPr id="69" name="ZoneTexte 68">
+            <a:extLst>
+              <a:ext uri="{FF2B5EF4-FFF2-40B4-BE49-F238E27FC236}">
+                <a16:creationId xmlns:a16="http://schemas.microsoft.com/office/drawing/2014/main" id="{B97585CE-4546-4BEA-944B-7D209109277D}"/>
+              </a:ext>
+            </a:extLst>
+          </p:cNvPr>
+          <p:cNvSpPr txBox="1"/>
+          <p:nvPr/>
+        </p:nvSpPr>
+        <p:spPr>
+          <a:xfrm>
+            <a:off x="1765833" y="4359895"/>
+            <a:ext cx="712054" cy="369332"/>
+          </a:xfrm>
+          <a:prstGeom prst="rect">
+            <a:avLst/>
+          </a:prstGeom>
+          <a:noFill/>
+        </p:spPr>
+        <p:txBody>
+          <a:bodyPr wrap="none" rtlCol="0">
+            <a:spAutoFit/>
+          </a:bodyPr>
+          <a:lstStyle/>
+          <a:p>
+            <a:r>
+              <a:rPr lang="en-US" dirty="0">
+                <a:solidFill>
+                  <a:schemeClr val="tx1">
+                    <a:lumMod val="75000"/>
+                    <a:lumOff val="25000"/>
+                  </a:schemeClr>
+                </a:solidFill>
+                <a:latin typeface="Abadi" panose="020B0604020104020204" pitchFamily="34" charset="0"/>
+              </a:rPr>
+              <a:t>Laser</a:t>
+            </a:r>
+          </a:p>
+        </p:txBody>
+      </p:sp>
+      <p:sp>
+        <p:nvSpPr>
+          <p:cNvPr id="70" name="ZoneTexte 69">
+            <a:extLst>
+              <a:ext uri="{FF2B5EF4-FFF2-40B4-BE49-F238E27FC236}">
+                <a16:creationId xmlns:a16="http://schemas.microsoft.com/office/drawing/2014/main" id="{170D2148-7A7F-469B-B03C-5DDB79A3AA09}"/>
+              </a:ext>
+            </a:extLst>
+          </p:cNvPr>
+          <p:cNvSpPr txBox="1"/>
+          <p:nvPr/>
+        </p:nvSpPr>
+        <p:spPr>
+          <a:xfrm>
+            <a:off x="1493322" y="4717508"/>
+            <a:ext cx="984565" cy="369332"/>
+          </a:xfrm>
+          <a:prstGeom prst="rect">
+            <a:avLst/>
+          </a:prstGeom>
+          <a:noFill/>
+        </p:spPr>
+        <p:txBody>
+          <a:bodyPr wrap="none" rtlCol="0">
+            <a:spAutoFit/>
+          </a:bodyPr>
+          <a:lstStyle/>
+          <a:p>
+            <a:r>
+              <a:rPr lang="en-US" dirty="0" err="1">
+                <a:solidFill>
+                  <a:schemeClr val="tx1">
+                    <a:lumMod val="75000"/>
+                    <a:lumOff val="25000"/>
+                  </a:schemeClr>
+                </a:solidFill>
+                <a:latin typeface="Abadi" panose="020B0604020104020204" pitchFamily="34" charset="0"/>
+              </a:rPr>
+              <a:t>Moteurs</a:t>
+            </a:r>
+            <a:endParaRPr lang="en-US" dirty="0">
+              <a:solidFill>
+                <a:schemeClr val="tx1">
+                  <a:lumMod val="75000"/>
+                  <a:lumOff val="25000"/>
+                </a:schemeClr>
+              </a:solidFill>
+              <a:latin typeface="Abadi" panose="020B0604020104020204" pitchFamily="34" charset="0"/>
+            </a:endParaRPr>
+          </a:p>
+        </p:txBody>
+      </p:sp>
+      <p:sp>
+        <p:nvSpPr>
+          <p:cNvPr id="71" name="ZoneTexte 70">
+            <a:extLst>
+              <a:ext uri="{FF2B5EF4-FFF2-40B4-BE49-F238E27FC236}">
+                <a16:creationId xmlns:a16="http://schemas.microsoft.com/office/drawing/2014/main" id="{4284767E-E3E1-4953-BE0F-3F34D040FBF8}"/>
+              </a:ext>
+            </a:extLst>
+          </p:cNvPr>
+          <p:cNvSpPr txBox="1"/>
+          <p:nvPr/>
+        </p:nvSpPr>
+        <p:spPr>
+          <a:xfrm>
+            <a:off x="968342" y="5031957"/>
+            <a:ext cx="1527982" cy="369332"/>
+          </a:xfrm>
+          <a:prstGeom prst="rect">
+            <a:avLst/>
+          </a:prstGeom>
+          <a:noFill/>
+        </p:spPr>
+        <p:txBody>
+          <a:bodyPr wrap="none" rtlCol="0">
+            <a:spAutoFit/>
+          </a:bodyPr>
+          <a:lstStyle/>
+          <a:p>
+            <a:r>
+              <a:rPr lang="en-US" dirty="0">
+                <a:solidFill>
+                  <a:schemeClr val="tx1">
+                    <a:lumMod val="75000"/>
+                    <a:lumOff val="25000"/>
+                  </a:schemeClr>
+                </a:solidFill>
+                <a:latin typeface="Abadi" panose="020B0604020104020204" pitchFamily="34" charset="0"/>
+              </a:rPr>
+              <a:t>Alimentations</a:t>
+            </a:r>
+          </a:p>
+        </p:txBody>
+      </p:sp>
+    </p:spTree>
+    <p:extLst>
+      <p:ext uri="{BB962C8B-B14F-4D97-AF65-F5344CB8AC3E}">
+        <p14:creationId xmlns:p14="http://schemas.microsoft.com/office/powerpoint/2010/main" val="862037105"/>
       </p:ext>
     </p:extLst>
   </p:cSld>
@@ -4805,4 +6711,299 @@
     </a:ext>
   </a:extLst>
 </a:theme>
+</file>
+
+<file path=ppt/theme/theme2.xml><?xml version="1.0" encoding="utf-8"?>
+<a:theme xmlns:a="http://schemas.openxmlformats.org/drawingml/2006/main" name="Thème Office">
+  <a:themeElements>
+    <a:clrScheme name="Office">
+      <a:dk1>
+        <a:sysClr val="windowText" lastClr="000000"/>
+      </a:dk1>
+      <a:lt1>
+        <a:sysClr val="window" lastClr="FFFFFF"/>
+      </a:lt1>
+      <a:dk2>
+        <a:srgbClr val="44546A"/>
+      </a:dk2>
+      <a:lt2>
+        <a:srgbClr val="E7E6E6"/>
+      </a:lt2>
+      <a:accent1>
+        <a:srgbClr val="4472C4"/>
+      </a:accent1>
+      <a:accent2>
+        <a:srgbClr val="ED7D31"/>
+      </a:accent2>
+      <a:accent3>
+        <a:srgbClr val="A5A5A5"/>
+      </a:accent3>
+      <a:accent4>
+        <a:srgbClr val="FFC000"/>
+      </a:accent4>
+      <a:accent5>
+        <a:srgbClr val="5B9BD5"/>
+      </a:accent5>
+      <a:accent6>
+        <a:srgbClr val="70AD47"/>
+      </a:accent6>
+      <a:hlink>
+        <a:srgbClr val="0563C1"/>
+      </a:hlink>
+      <a:folHlink>
+        <a:srgbClr val="954F72"/>
+      </a:folHlink>
+    </a:clrScheme>
+    <a:fontScheme name="Office">
+      <a:majorFont>
+        <a:latin typeface="Calibri Light" panose="020F0302020204030204"/>
+        <a:ea typeface=""/>
+        <a:cs typeface=""/>
+        <a:font script="Jpan" typeface="游ゴシック Light"/>
+        <a:font script="Hang" typeface="맑은 고딕"/>
+        <a:font script="Hans" typeface="等线 Light"/>
+        <a:font script="Hant" typeface="新細明體"/>
+        <a:font script="Arab" typeface="Times New Roman"/>
+        <a:font script="Hebr" typeface="Times New Roman"/>
+        <a:font script="Thai" typeface="Angsana New"/>
+        <a:font script="Ethi" typeface="Nyala"/>
+        <a:font script="Beng" typeface="Vrinda"/>
+        <a:font script="Gujr" typeface="Shruti"/>
+        <a:font script="Khmr" typeface="MoolBoran"/>
+        <a:font script="Knda" typeface="Tunga"/>
+        <a:font script="Guru" typeface="Raavi"/>
+        <a:font script="Cans" typeface="Euphemia"/>
+        <a:font script="Cher" typeface="Plantagenet Cherokee"/>
+        <a:font script="Yiii" typeface="Microsoft Yi Baiti"/>
+        <a:font script="Tibt" typeface="Microsoft Himalaya"/>
+        <a:font script="Thaa" typeface="MV Boli"/>
+        <a:font script="Deva" typeface="Mangal"/>
+        <a:font script="Telu" typeface="Gautami"/>
+        <a:font script="Taml" typeface="Latha"/>
+        <a:font script="Syrc" typeface="Estrangelo Edessa"/>
+        <a:font script="Orya" typeface="Kalinga"/>
+        <a:font script="Mlym" typeface="Kartika"/>
+        <a:font script="Laoo" typeface="DokChampa"/>
+        <a:font script="Sinh" typeface="Iskoola Pota"/>
+        <a:font script="Mong" typeface="Mongolian Baiti"/>
+        <a:font script="Viet" typeface="Times New Roman"/>
+        <a:font script="Uigh" typeface="Microsoft Uighur"/>
+        <a:font script="Geor" typeface="Sylfaen"/>
+        <a:font script="Armn" typeface="Arial"/>
+        <a:font script="Bugi" typeface="Leelawadee UI"/>
+        <a:font script="Bopo" typeface="Microsoft JhengHei"/>
+        <a:font script="Java" typeface="Javanese Text"/>
+        <a:font script="Lisu" typeface="Segoe UI"/>
+        <a:font script="Mymr" typeface="Myanmar Text"/>
+        <a:font script="Nkoo" typeface="Ebrima"/>
+        <a:font script="Olck" typeface="Nirmala UI"/>
+        <a:font script="Osma" typeface="Ebrima"/>
+        <a:font script="Phag" typeface="Phagspa"/>
+        <a:font script="Syrn" typeface="Estrangelo Edessa"/>
+        <a:font script="Syrj" typeface="Estrangelo Edessa"/>
+        <a:font script="Syre" typeface="Estrangelo Edessa"/>
+        <a:font script="Sora" typeface="Nirmala UI"/>
+        <a:font script="Tale" typeface="Microsoft Tai Le"/>
+        <a:font script="Talu" typeface="Microsoft New Tai Lue"/>
+        <a:font script="Tfng" typeface="Ebrima"/>
+      </a:majorFont>
+      <a:minorFont>
+        <a:latin typeface="Calibri" panose="020F0502020204030204"/>
+        <a:ea typeface=""/>
+        <a:cs typeface=""/>
+        <a:font script="Jpan" typeface="游ゴシック"/>
+        <a:font script="Hang" typeface="맑은 고딕"/>
+        <a:font script="Hans" typeface="等线"/>
+        <a:font script="Hant" typeface="新細明體"/>
+        <a:font script="Arab" typeface="Arial"/>
+        <a:font script="Hebr" typeface="Arial"/>
+        <a:font script="Thai" typeface="Cordia New"/>
+        <a:font script="Ethi" typeface="Nyala"/>
+        <a:font script="Beng" typeface="Vrinda"/>
+        <a:font script="Gujr" typeface="Shruti"/>
+        <a:font script="Khmr" typeface="DaunPenh"/>
+        <a:font script="Knda" typeface="Tunga"/>
+        <a:font script="Guru" typeface="Raavi"/>
+        <a:font script="Cans" typeface="Euphemia"/>
+        <a:font script="Cher" typeface="Plantagenet Cherokee"/>
+        <a:font script="Yiii" typeface="Microsoft Yi Baiti"/>
+        <a:font script="Tibt" typeface="Microsoft Himalaya"/>
+        <a:font script="Thaa" typeface="MV Boli"/>
+        <a:font script="Deva" typeface="Mangal"/>
+        <a:font script="Telu" typeface="Gautami"/>
+        <a:font script="Taml" typeface="Latha"/>
+        <a:font script="Syrc" typeface="Estrangelo Edessa"/>
+        <a:font script="Orya" typeface="Kalinga"/>
+        <a:font script="Mlym" typeface="Kartika"/>
+        <a:font script="Laoo" typeface="DokChampa"/>
+        <a:font script="Sinh" typeface="Iskoola Pota"/>
+        <a:font script="Mong" typeface="Mongolian Baiti"/>
+        <a:font script="Viet" typeface="Arial"/>
+        <a:font script="Uigh" typeface="Microsoft Uighur"/>
+        <a:font script="Geor" typeface="Sylfaen"/>
+        <a:font script="Armn" typeface="Arial"/>
+        <a:font script="Bugi" typeface="Leelawadee UI"/>
+        <a:font script="Bopo" typeface="Microsoft JhengHei"/>
+        <a:font script="Java" typeface="Javanese Text"/>
+        <a:font script="Lisu" typeface="Segoe UI"/>
+        <a:font script="Mymr" typeface="Myanmar Text"/>
+        <a:font script="Nkoo" typeface="Ebrima"/>
+        <a:font script="Olck" typeface="Nirmala UI"/>
+        <a:font script="Osma" typeface="Ebrima"/>
+        <a:font script="Phag" typeface="Phagspa"/>
+        <a:font script="Syrn" typeface="Estrangelo Edessa"/>
+        <a:font script="Syrj" typeface="Estrangelo Edessa"/>
+        <a:font script="Syre" typeface="Estrangelo Edessa"/>
+        <a:font script="Sora" typeface="Nirmala UI"/>
+        <a:font script="Tale" typeface="Microsoft Tai Le"/>
+        <a:font script="Talu" typeface="Microsoft New Tai Lue"/>
+        <a:font script="Tfng" typeface="Ebrima"/>
+      </a:minorFont>
+    </a:fontScheme>
+    <a:fmtScheme name="Office">
+      <a:fillStyleLst>
+        <a:solidFill>
+          <a:schemeClr val="phClr"/>
+        </a:solidFill>
+        <a:gradFill rotWithShape="1">
+          <a:gsLst>
+            <a:gs pos="0">
+              <a:schemeClr val="phClr">
+                <a:lumMod val="110000"/>
+                <a:satMod val="105000"/>
+                <a:tint val="67000"/>
+              </a:schemeClr>
+            </a:gs>
+            <a:gs pos="50000">
+              <a:schemeClr val="phClr">
+                <a:lumMod val="105000"/>
+                <a:satMod val="103000"/>
+                <a:tint val="73000"/>
+              </a:schemeClr>
+            </a:gs>
+            <a:gs pos="100000">
+              <a:schemeClr val="phClr">
+                <a:lumMod val="105000"/>
+                <a:satMod val="109000"/>
+                <a:tint val="81000"/>
+              </a:schemeClr>
+            </a:gs>
+          </a:gsLst>
+          <a:lin ang="5400000" scaled="0"/>
+        </a:gradFill>
+        <a:gradFill rotWithShape="1">
+          <a:gsLst>
+            <a:gs pos="0">
+              <a:schemeClr val="phClr">
+                <a:satMod val="103000"/>
+                <a:lumMod val="102000"/>
+                <a:tint val="94000"/>
+              </a:schemeClr>
+            </a:gs>
+            <a:gs pos="50000">
+              <a:schemeClr val="phClr">
+                <a:satMod val="110000"/>
+                <a:lumMod val="100000"/>
+                <a:shade val="100000"/>
+              </a:schemeClr>
+            </a:gs>
+            <a:gs pos="100000">
+              <a:schemeClr val="phClr">
+                <a:lumMod val="99000"/>
+                <a:satMod val="120000"/>
+                <a:shade val="78000"/>
+              </a:schemeClr>
+            </a:gs>
+          </a:gsLst>
+          <a:lin ang="5400000" scaled="0"/>
+        </a:gradFill>
+      </a:fillStyleLst>
+      <a:lnStyleLst>
+        <a:ln w="6350" cap="flat" cmpd="sng" algn="ctr">
+          <a:solidFill>
+            <a:schemeClr val="phClr"/>
+          </a:solidFill>
+          <a:prstDash val="solid"/>
+          <a:miter lim="800000"/>
+        </a:ln>
+        <a:ln w="12700" cap="flat" cmpd="sng" algn="ctr">
+          <a:solidFill>
+            <a:schemeClr val="phClr"/>
+          </a:solidFill>
+          <a:prstDash val="solid"/>
+          <a:miter lim="800000"/>
+        </a:ln>
+        <a:ln w="19050" cap="flat" cmpd="sng" algn="ctr">
+          <a:solidFill>
+            <a:schemeClr val="phClr"/>
+          </a:solidFill>
+          <a:prstDash val="solid"/>
+          <a:miter lim="800000"/>
+        </a:ln>
+      </a:lnStyleLst>
+      <a:effectStyleLst>
+        <a:effectStyle>
+          <a:effectLst/>
+        </a:effectStyle>
+        <a:effectStyle>
+          <a:effectLst/>
+        </a:effectStyle>
+        <a:effectStyle>
+          <a:effectLst>
+            <a:outerShdw blurRad="57150" dist="19050" dir="5400000" algn="ctr" rotWithShape="0">
+              <a:srgbClr val="000000">
+                <a:alpha val="63000"/>
+              </a:srgbClr>
+            </a:outerShdw>
+          </a:effectLst>
+        </a:effectStyle>
+      </a:effectStyleLst>
+      <a:bgFillStyleLst>
+        <a:solidFill>
+          <a:schemeClr val="phClr"/>
+        </a:solidFill>
+        <a:solidFill>
+          <a:schemeClr val="phClr">
+            <a:tint val="95000"/>
+            <a:satMod val="170000"/>
+          </a:schemeClr>
+        </a:solidFill>
+        <a:gradFill rotWithShape="1">
+          <a:gsLst>
+            <a:gs pos="0">
+              <a:schemeClr val="phClr">
+                <a:tint val="93000"/>
+                <a:satMod val="150000"/>
+                <a:shade val="98000"/>
+                <a:lumMod val="102000"/>
+              </a:schemeClr>
+            </a:gs>
+            <a:gs pos="50000">
+              <a:schemeClr val="phClr">
+                <a:tint val="98000"/>
+                <a:satMod val="130000"/>
+                <a:shade val="90000"/>
+                <a:lumMod val="103000"/>
+              </a:schemeClr>
+            </a:gs>
+            <a:gs pos="100000">
+              <a:schemeClr val="phClr">
+                <a:shade val="63000"/>
+                <a:satMod val="120000"/>
+              </a:schemeClr>
+            </a:gs>
+          </a:gsLst>
+          <a:lin ang="5400000" scaled="0"/>
+        </a:gradFill>
+      </a:bgFillStyleLst>
+    </a:fmtScheme>
+  </a:themeElements>
+  <a:objectDefaults/>
+  <a:extraClrSchemeLst/>
+  <a:extLst>
+    <a:ext uri="{05A4C25C-085E-4340-85A3-A5531E510DB2}">
+      <thm15:themeFamily xmlns:thm15="http://schemas.microsoft.com/office/thememl/2012/main" name="Office Theme" id="{62F939B6-93AF-4DB8-9C6B-D6C7DFDC589F}" vid="{4A3C46E8-61CC-4603-A589-7422A47A8E4A}"/>
+    </a:ext>
+  </a:extLst>
+</a:theme>
 </file>
--- a/Présentation_soutenance.pptx
+++ b/Présentation_soutenance.pptx
@@ -5,14 +5,26 @@
     <p:sldMasterId id="2147483690" r:id="rId1"/>
   </p:sldMasterIdLst>
   <p:notesMasterIdLst>
-    <p:notesMasterId r:id="rId7"/>
+    <p:notesMasterId r:id="rId19"/>
   </p:notesMasterIdLst>
   <p:sldIdLst>
     <p:sldId id="256" r:id="rId2"/>
     <p:sldId id="257" r:id="rId3"/>
     <p:sldId id="258" r:id="rId4"/>
     <p:sldId id="259" r:id="rId5"/>
-    <p:sldId id="260" r:id="rId6"/>
+    <p:sldId id="263" r:id="rId6"/>
+    <p:sldId id="268" r:id="rId7"/>
+    <p:sldId id="267" r:id="rId8"/>
+    <p:sldId id="269" r:id="rId9"/>
+    <p:sldId id="270" r:id="rId10"/>
+    <p:sldId id="261" r:id="rId11"/>
+    <p:sldId id="265" r:id="rId12"/>
+    <p:sldId id="272" r:id="rId13"/>
+    <p:sldId id="262" r:id="rId14"/>
+    <p:sldId id="266" r:id="rId15"/>
+    <p:sldId id="271" r:id="rId16"/>
+    <p:sldId id="273" r:id="rId17"/>
+    <p:sldId id="274" r:id="rId18"/>
   </p:sldIdLst>
   <p:sldSz cx="12192000" cy="6858000"/>
   <p:notesSz cx="6858000" cy="9144000"/>
@@ -201,7 +213,7 @@
           <a:p>
             <a:fld id="{D87139A6-8289-4349-BA4C-B309F2F0D2BD}" type="datetimeFigureOut">
               <a:rPr lang="en-US" smtClean="0"/>
-              <a:t>4/18/2022</a:t>
+              <a:t>4/19/2022</a:t>
             </a:fld>
             <a:endParaRPr lang="en-US"/>
           </a:p>
@@ -638,7 +650,7 @@
           <a:p>
             <a:fld id="{0C229DAA-5DBF-4C04-A00A-4940833DAEE1}" type="datetime1">
               <a:rPr lang="en-US" smtClean="0"/>
-              <a:t>4/18/2022</a:t>
+              <a:t>4/19/2022</a:t>
             </a:fld>
             <a:endParaRPr lang="en-US"/>
           </a:p>
@@ -968,7 +980,7 @@
           <a:p>
             <a:fld id="{6E3BB797-2FF6-4D41-8FC3-F3325ABE31A8}" type="datetime1">
               <a:rPr lang="en-US" smtClean="0"/>
-              <a:t>4/18/2022</a:t>
+              <a:t>4/19/2022</a:t>
             </a:fld>
             <a:endParaRPr lang="en-US"/>
           </a:p>
@@ -1148,7 +1160,7 @@
           <a:p>
             <a:fld id="{BDD648BE-BD75-4C70-A65E-F62A70B02630}" type="datetime1">
               <a:rPr lang="en-US" smtClean="0"/>
-              <a:t>4/18/2022</a:t>
+              <a:t>4/19/2022</a:t>
             </a:fld>
             <a:endParaRPr lang="en-US"/>
           </a:p>
@@ -1318,7 +1330,7 @@
           <a:p>
             <a:fld id="{C1D3D134-36F3-48F6-B1F0-9BFA92763A0A}" type="datetime1">
               <a:rPr lang="en-US" smtClean="0"/>
-              <a:t>4/18/2022</a:t>
+              <a:t>4/19/2022</a:t>
             </a:fld>
             <a:endParaRPr lang="en-US"/>
           </a:p>
@@ -1595,7 +1607,7 @@
           <a:p>
             <a:fld id="{8AA3A512-5443-465E-8C4A-37D3E8221343}" type="datetime1">
               <a:rPr lang="en-US" smtClean="0"/>
-              <a:t>4/18/2022</a:t>
+              <a:t>4/19/2022</a:t>
             </a:fld>
             <a:endParaRPr lang="en-US"/>
           </a:p>
@@ -1989,7 +2001,7 @@
           <a:p>
             <a:fld id="{4C53ED1A-464E-4C6A-B471-87F909F2F3F2}" type="datetime1">
               <a:rPr lang="en-US" smtClean="0"/>
-              <a:t>4/18/2022</a:t>
+              <a:t>4/19/2022</a:t>
             </a:fld>
             <a:endParaRPr lang="en-US"/>
           </a:p>
@@ -2466,7 +2478,7 @@
           <a:p>
             <a:fld id="{F5F4D152-793D-4D45-BBEE-844C62E16B5F}" type="datetime1">
               <a:rPr lang="en-US" smtClean="0"/>
-              <a:t>4/18/2022</a:t>
+              <a:t>4/19/2022</a:t>
             </a:fld>
             <a:endParaRPr lang="en-US"/>
           </a:p>
@@ -2584,7 +2596,7 @@
           <a:p>
             <a:fld id="{7846C404-EC26-4ECA-85D6-F2FBAD337DE3}" type="datetime1">
               <a:rPr lang="en-US" smtClean="0"/>
-              <a:t>4/18/2022</a:t>
+              <a:t>4/19/2022</a:t>
             </a:fld>
             <a:endParaRPr lang="en-US"/>
           </a:p>
@@ -2679,7 +2691,7 @@
           <a:p>
             <a:fld id="{68DADF70-DC88-45FD-BEA4-951087DB2E53}" type="datetime1">
               <a:rPr lang="en-US" smtClean="0"/>
-              <a:t>4/18/2022</a:t>
+              <a:t>4/19/2022</a:t>
             </a:fld>
             <a:endParaRPr lang="en-US"/>
           </a:p>
@@ -3025,7 +3037,7 @@
           <a:p>
             <a:fld id="{03C6C2DD-882A-486F-BE00-9970C008E84E}" type="datetime1">
               <a:rPr lang="en-US" smtClean="0"/>
-              <a:t>4/18/2022</a:t>
+              <a:t>4/19/2022</a:t>
             </a:fld>
             <a:endParaRPr lang="en-US"/>
           </a:p>
@@ -3413,7 +3425,7 @@
           <a:p>
             <a:fld id="{D9A90992-CDC9-4C3D-B50D-1DE0FF2B0D91}" type="datetime1">
               <a:rPr lang="en-US" smtClean="0"/>
-              <a:t>4/18/2022</a:t>
+              <a:t>4/19/2022</a:t>
             </a:fld>
             <a:endParaRPr lang="en-US"/>
           </a:p>
@@ -3691,7 +3703,7 @@
           <a:p>
             <a:fld id="{B3D8DC78-064A-4B34-9598-484FBEF9266D}" type="datetime1">
               <a:rPr lang="en-US" smtClean="0"/>
-              <a:t>4/18/2022</a:t>
+              <a:t>4/19/2022</a:t>
             </a:fld>
             <a:endParaRPr lang="en-US"/>
           </a:p>
@@ -4453,6 +4465,5058 @@
 </p:sld>
 </file>
 
+<file path=ppt/slides/slide10.xml><?xml version="1.0" encoding="utf-8"?>
+<p:sld xmlns:a="http://schemas.openxmlformats.org/drawingml/2006/main" xmlns:r="http://schemas.openxmlformats.org/officeDocument/2006/relationships" xmlns:p="http://schemas.openxmlformats.org/presentationml/2006/main">
+  <p:cSld>
+    <p:spTree>
+      <p:nvGrpSpPr>
+        <p:cNvPr id="1" name=""/>
+        <p:cNvGrpSpPr/>
+        <p:nvPr/>
+      </p:nvGrpSpPr>
+      <p:grpSpPr>
+        <a:xfrm>
+          <a:off x="0" y="0"/>
+          <a:ext cx="0" cy="0"/>
+          <a:chOff x="0" y="0"/>
+          <a:chExt cx="0" cy="0"/>
+        </a:xfrm>
+      </p:grpSpPr>
+      <p:cxnSp>
+        <p:nvCxnSpPr>
+          <p:cNvPr id="53" name="Connecteur droit 52">
+            <a:extLst>
+              <a:ext uri="{FF2B5EF4-FFF2-40B4-BE49-F238E27FC236}">
+                <a16:creationId xmlns:a16="http://schemas.microsoft.com/office/drawing/2014/main" id="{D26184A8-4238-481B-8309-12173E490032}"/>
+              </a:ext>
+            </a:extLst>
+          </p:cNvPr>
+          <p:cNvCxnSpPr>
+            <a:cxnSpLocks/>
+          </p:cNvCxnSpPr>
+          <p:nvPr/>
+        </p:nvCxnSpPr>
+        <p:spPr>
+          <a:xfrm>
+            <a:off x="7483823" y="5023580"/>
+            <a:ext cx="2204501" cy="0"/>
+          </a:xfrm>
+          <a:prstGeom prst="line">
+            <a:avLst/>
+          </a:prstGeom>
+          <a:ln w="57150">
+            <a:solidFill>
+              <a:schemeClr val="accent5">
+                <a:lumMod val="75000"/>
+              </a:schemeClr>
+            </a:solidFill>
+          </a:ln>
+        </p:spPr>
+        <p:style>
+          <a:lnRef idx="1">
+            <a:schemeClr val="accent1"/>
+          </a:lnRef>
+          <a:fillRef idx="0">
+            <a:schemeClr val="accent1"/>
+          </a:fillRef>
+          <a:effectRef idx="0">
+            <a:schemeClr val="accent1"/>
+          </a:effectRef>
+          <a:fontRef idx="minor">
+            <a:schemeClr val="tx1"/>
+          </a:fontRef>
+        </p:style>
+      </p:cxnSp>
+      <p:cxnSp>
+        <p:nvCxnSpPr>
+          <p:cNvPr id="49" name="Connecteur droit 48">
+            <a:extLst>
+              <a:ext uri="{FF2B5EF4-FFF2-40B4-BE49-F238E27FC236}">
+                <a16:creationId xmlns:a16="http://schemas.microsoft.com/office/drawing/2014/main" id="{88CB94A7-B56E-499D-9620-7F49AB7EF5B1}"/>
+              </a:ext>
+            </a:extLst>
+          </p:cNvPr>
+          <p:cNvCxnSpPr>
+            <a:cxnSpLocks/>
+          </p:cNvCxnSpPr>
+          <p:nvPr/>
+        </p:nvCxnSpPr>
+        <p:spPr>
+          <a:xfrm>
+            <a:off x="7508024" y="2938863"/>
+            <a:ext cx="2204501" cy="0"/>
+          </a:xfrm>
+          <a:prstGeom prst="line">
+            <a:avLst/>
+          </a:prstGeom>
+          <a:ln w="57150">
+            <a:solidFill>
+              <a:schemeClr val="tx2">
+                <a:lumMod val="50000"/>
+                <a:lumOff val="50000"/>
+              </a:schemeClr>
+            </a:solidFill>
+          </a:ln>
+        </p:spPr>
+        <p:style>
+          <a:lnRef idx="1">
+            <a:schemeClr val="accent1"/>
+          </a:lnRef>
+          <a:fillRef idx="0">
+            <a:schemeClr val="accent1"/>
+          </a:fillRef>
+          <a:effectRef idx="0">
+            <a:schemeClr val="accent1"/>
+          </a:effectRef>
+          <a:fontRef idx="minor">
+            <a:schemeClr val="tx1"/>
+          </a:fontRef>
+        </p:style>
+      </p:cxnSp>
+      <p:sp>
+        <p:nvSpPr>
+          <p:cNvPr id="2" name="Titre 1">
+            <a:extLst>
+              <a:ext uri="{FF2B5EF4-FFF2-40B4-BE49-F238E27FC236}">
+                <a16:creationId xmlns:a16="http://schemas.microsoft.com/office/drawing/2014/main" id="{14E90987-EBF5-4959-ADE7-579AD2E84B26}"/>
+              </a:ext>
+            </a:extLst>
+          </p:cNvPr>
+          <p:cNvSpPr>
+            <a:spLocks noGrp="1"/>
+          </p:cNvSpPr>
+          <p:nvPr>
+            <p:ph type="title"/>
+          </p:nvPr>
+        </p:nvSpPr>
+        <p:spPr/>
+        <p:txBody>
+          <a:bodyPr/>
+          <a:lstStyle/>
+          <a:p>
+            <a:r>
+              <a:rPr lang="en-US" dirty="0"/>
+              <a:t>Test des </a:t>
+            </a:r>
+            <a:r>
+              <a:rPr lang="en-US" dirty="0" err="1"/>
+              <a:t>fonctionnalités</a:t>
+            </a:r>
+            <a:r>
+              <a:rPr lang="en-US" dirty="0"/>
+              <a:t> du PCBA</a:t>
+            </a:r>
+          </a:p>
+        </p:txBody>
+      </p:sp>
+      <p:sp>
+        <p:nvSpPr>
+          <p:cNvPr id="4" name="Espace réservé du numéro de diapositive 3">
+            <a:extLst>
+              <a:ext uri="{FF2B5EF4-FFF2-40B4-BE49-F238E27FC236}">
+                <a16:creationId xmlns:a16="http://schemas.microsoft.com/office/drawing/2014/main" id="{6B74B692-7D47-4D81-A223-DB30D0484FE7}"/>
+              </a:ext>
+            </a:extLst>
+          </p:cNvPr>
+          <p:cNvSpPr>
+            <a:spLocks noGrp="1"/>
+          </p:cNvSpPr>
+          <p:nvPr>
+            <p:ph type="sldNum" sz="quarter" idx="12"/>
+          </p:nvPr>
+        </p:nvSpPr>
+        <p:spPr/>
+        <p:txBody>
+          <a:bodyPr/>
+          <a:lstStyle/>
+          <a:p>
+            <a:fld id="{E4FD1E96-881F-4E38-A65A-4DBF7417DE24}" type="slidenum">
+              <a:rPr lang="en-US" smtClean="0"/>
+              <a:t>10</a:t>
+            </a:fld>
+            <a:endParaRPr lang="en-US"/>
+          </a:p>
+        </p:txBody>
+      </p:sp>
+      <p:sp>
+        <p:nvSpPr>
+          <p:cNvPr id="6" name="Rectangle : coins arrondis 5">
+            <a:extLst>
+              <a:ext uri="{FF2B5EF4-FFF2-40B4-BE49-F238E27FC236}">
+                <a16:creationId xmlns:a16="http://schemas.microsoft.com/office/drawing/2014/main" id="{86A6DC27-54D6-452A-8CF7-97A290EA038F}"/>
+              </a:ext>
+            </a:extLst>
+          </p:cNvPr>
+          <p:cNvSpPr/>
+          <p:nvPr/>
+        </p:nvSpPr>
+        <p:spPr>
+          <a:xfrm>
+            <a:off x="3085692" y="2378717"/>
+            <a:ext cx="1661720" cy="1040235"/>
+          </a:xfrm>
+          <a:prstGeom prst="roundRect">
+            <a:avLst/>
+          </a:prstGeom>
+          <a:solidFill>
+            <a:schemeClr val="accent2"/>
+          </a:solidFill>
+        </p:spPr>
+        <p:style>
+          <a:lnRef idx="2">
+            <a:schemeClr val="accent1">
+              <a:shade val="50000"/>
+            </a:schemeClr>
+          </a:lnRef>
+          <a:fillRef idx="1">
+            <a:schemeClr val="accent1"/>
+          </a:fillRef>
+          <a:effectRef idx="0">
+            <a:schemeClr val="accent1"/>
+          </a:effectRef>
+          <a:fontRef idx="minor">
+            <a:schemeClr val="lt1"/>
+          </a:fontRef>
+        </p:style>
+        <p:txBody>
+          <a:bodyPr rtlCol="0" anchor="ctr"/>
+          <a:lstStyle/>
+          <a:p>
+            <a:pPr algn="ctr"/>
+            <a:r>
+              <a:rPr lang="en-US" sz="2400" dirty="0"/>
+              <a:t>MCP3428</a:t>
+            </a:r>
+          </a:p>
+        </p:txBody>
+      </p:sp>
+      <p:sp>
+        <p:nvSpPr>
+          <p:cNvPr id="7" name="Rectangle : coins arrondis 6">
+            <a:extLst>
+              <a:ext uri="{FF2B5EF4-FFF2-40B4-BE49-F238E27FC236}">
+                <a16:creationId xmlns:a16="http://schemas.microsoft.com/office/drawing/2014/main" id="{279E3306-4EE2-475A-BCA8-3DA25A40A955}"/>
+              </a:ext>
+            </a:extLst>
+          </p:cNvPr>
+          <p:cNvSpPr/>
+          <p:nvPr/>
+        </p:nvSpPr>
+        <p:spPr>
+          <a:xfrm>
+            <a:off x="3085692" y="4421241"/>
+            <a:ext cx="1661720" cy="1040235"/>
+          </a:xfrm>
+          <a:prstGeom prst="roundRect">
+            <a:avLst/>
+          </a:prstGeom>
+          <a:solidFill>
+            <a:schemeClr val="accent6">
+              <a:lumMod val="75000"/>
+            </a:schemeClr>
+          </a:solidFill>
+        </p:spPr>
+        <p:style>
+          <a:lnRef idx="2">
+            <a:schemeClr val="accent1">
+              <a:shade val="50000"/>
+            </a:schemeClr>
+          </a:lnRef>
+          <a:fillRef idx="1">
+            <a:schemeClr val="accent1"/>
+          </a:fillRef>
+          <a:effectRef idx="0">
+            <a:schemeClr val="accent1"/>
+          </a:effectRef>
+          <a:fontRef idx="minor">
+            <a:schemeClr val="lt1"/>
+          </a:fontRef>
+        </p:style>
+        <p:txBody>
+          <a:bodyPr rtlCol="0" anchor="ctr"/>
+          <a:lstStyle/>
+          <a:p>
+            <a:pPr algn="ctr"/>
+            <a:r>
+              <a:rPr lang="en-US" sz="2400" dirty="0"/>
+              <a:t>PCA9685</a:t>
+            </a:r>
+          </a:p>
+        </p:txBody>
+      </p:sp>
+      <p:sp>
+        <p:nvSpPr>
+          <p:cNvPr id="8" name="Rectangle : coins arrondis 7">
+            <a:extLst>
+              <a:ext uri="{FF2B5EF4-FFF2-40B4-BE49-F238E27FC236}">
+                <a16:creationId xmlns:a16="http://schemas.microsoft.com/office/drawing/2014/main" id="{AB2D90ED-279B-4463-B0FB-7C1E548597D5}"/>
+              </a:ext>
+            </a:extLst>
+          </p:cNvPr>
+          <p:cNvSpPr/>
+          <p:nvPr/>
+        </p:nvSpPr>
+        <p:spPr>
+          <a:xfrm>
+            <a:off x="9633649" y="2623396"/>
+            <a:ext cx="1661720" cy="1040235"/>
+          </a:xfrm>
+          <a:prstGeom prst="roundRect">
+            <a:avLst/>
+          </a:prstGeom>
+          <a:solidFill>
+            <a:schemeClr val="tx2">
+              <a:lumMod val="50000"/>
+              <a:lumOff val="50000"/>
+            </a:schemeClr>
+          </a:solidFill>
+        </p:spPr>
+        <p:style>
+          <a:lnRef idx="2">
+            <a:schemeClr val="accent1">
+              <a:shade val="50000"/>
+            </a:schemeClr>
+          </a:lnRef>
+          <a:fillRef idx="1">
+            <a:schemeClr val="accent1"/>
+          </a:fillRef>
+          <a:effectRef idx="0">
+            <a:schemeClr val="accent1"/>
+          </a:effectRef>
+          <a:fontRef idx="minor">
+            <a:schemeClr val="lt1"/>
+          </a:fontRef>
+        </p:style>
+        <p:txBody>
+          <a:bodyPr rtlCol="0" anchor="ctr"/>
+          <a:lstStyle/>
+          <a:p>
+            <a:pPr algn="ctr"/>
+            <a:r>
+              <a:rPr lang="en-US" sz="2400" dirty="0" err="1"/>
+              <a:t>Caméra</a:t>
+            </a:r>
+            <a:endParaRPr lang="en-US" sz="2400" dirty="0"/>
+          </a:p>
+        </p:txBody>
+      </p:sp>
+      <p:sp>
+        <p:nvSpPr>
+          <p:cNvPr id="9" name="Rectangle : coins arrondis 8">
+            <a:extLst>
+              <a:ext uri="{FF2B5EF4-FFF2-40B4-BE49-F238E27FC236}">
+                <a16:creationId xmlns:a16="http://schemas.microsoft.com/office/drawing/2014/main" id="{9CBE98CA-9F51-42DD-B99C-BEBB58D0A686}"/>
+              </a:ext>
+            </a:extLst>
+          </p:cNvPr>
+          <p:cNvSpPr/>
+          <p:nvPr/>
+        </p:nvSpPr>
+        <p:spPr>
+          <a:xfrm>
+            <a:off x="9633649" y="4421241"/>
+            <a:ext cx="1661720" cy="1040235"/>
+          </a:xfrm>
+          <a:prstGeom prst="roundRect">
+            <a:avLst/>
+          </a:prstGeom>
+          <a:solidFill>
+            <a:schemeClr val="accent5">
+              <a:lumMod val="75000"/>
+            </a:schemeClr>
+          </a:solidFill>
+        </p:spPr>
+        <p:style>
+          <a:lnRef idx="2">
+            <a:schemeClr val="accent1">
+              <a:shade val="50000"/>
+            </a:schemeClr>
+          </a:lnRef>
+          <a:fillRef idx="1">
+            <a:schemeClr val="accent1"/>
+          </a:fillRef>
+          <a:effectRef idx="0">
+            <a:schemeClr val="accent1"/>
+          </a:effectRef>
+          <a:fontRef idx="minor">
+            <a:schemeClr val="lt1"/>
+          </a:fontRef>
+        </p:style>
+        <p:txBody>
+          <a:bodyPr rtlCol="0" anchor="ctr"/>
+          <a:lstStyle/>
+          <a:p>
+            <a:pPr algn="ctr"/>
+            <a:r>
+              <a:rPr lang="en-US" sz="2400" dirty="0"/>
+              <a:t>SD Card</a:t>
+            </a:r>
+          </a:p>
+        </p:txBody>
+      </p:sp>
+      <p:cxnSp>
+        <p:nvCxnSpPr>
+          <p:cNvPr id="11" name="Connecteur droit 10">
+            <a:extLst>
+              <a:ext uri="{FF2B5EF4-FFF2-40B4-BE49-F238E27FC236}">
+                <a16:creationId xmlns:a16="http://schemas.microsoft.com/office/drawing/2014/main" id="{65C21689-C1C6-4CD2-AC0E-42F49A280BF3}"/>
+              </a:ext>
+            </a:extLst>
+          </p:cNvPr>
+          <p:cNvCxnSpPr>
+            <a:stCxn id="6" idx="3"/>
+          </p:cNvCxnSpPr>
+          <p:nvPr/>
+        </p:nvCxnSpPr>
+        <p:spPr>
+          <a:xfrm>
+            <a:off x="4747412" y="2898835"/>
+            <a:ext cx="1333500" cy="10486"/>
+          </a:xfrm>
+          <a:prstGeom prst="line">
+            <a:avLst/>
+          </a:prstGeom>
+          <a:ln w="57150">
+            <a:solidFill>
+              <a:schemeClr val="tx1">
+                <a:lumMod val="65000"/>
+                <a:lumOff val="35000"/>
+              </a:schemeClr>
+            </a:solidFill>
+          </a:ln>
+        </p:spPr>
+        <p:style>
+          <a:lnRef idx="1">
+            <a:schemeClr val="accent1"/>
+          </a:lnRef>
+          <a:fillRef idx="0">
+            <a:schemeClr val="accent1"/>
+          </a:fillRef>
+          <a:effectRef idx="0">
+            <a:schemeClr val="accent1"/>
+          </a:effectRef>
+          <a:fontRef idx="minor">
+            <a:schemeClr val="tx1"/>
+          </a:fontRef>
+        </p:style>
+      </p:cxnSp>
+      <p:sp>
+        <p:nvSpPr>
+          <p:cNvPr id="5" name="Rectangle : coins arrondis 4">
+            <a:extLst>
+              <a:ext uri="{FF2B5EF4-FFF2-40B4-BE49-F238E27FC236}">
+                <a16:creationId xmlns:a16="http://schemas.microsoft.com/office/drawing/2014/main" id="{CD9D3212-898E-45BF-9949-E84F39A42F63}"/>
+              </a:ext>
+            </a:extLst>
+          </p:cNvPr>
+          <p:cNvSpPr/>
+          <p:nvPr/>
+        </p:nvSpPr>
+        <p:spPr>
+          <a:xfrm>
+            <a:off x="6011702" y="2389203"/>
+            <a:ext cx="1526797" cy="3229762"/>
+          </a:xfrm>
+          <a:prstGeom prst="roundRect">
+            <a:avLst/>
+          </a:prstGeom>
+        </p:spPr>
+        <p:style>
+          <a:lnRef idx="2">
+            <a:schemeClr val="accent1">
+              <a:shade val="50000"/>
+            </a:schemeClr>
+          </a:lnRef>
+          <a:fillRef idx="1">
+            <a:schemeClr val="accent1"/>
+          </a:fillRef>
+          <a:effectRef idx="0">
+            <a:schemeClr val="accent1"/>
+          </a:effectRef>
+          <a:fontRef idx="minor">
+            <a:schemeClr val="lt1"/>
+          </a:fontRef>
+        </p:style>
+        <p:txBody>
+          <a:bodyPr rtlCol="0" anchor="ctr"/>
+          <a:lstStyle/>
+          <a:p>
+            <a:pPr algn="ctr"/>
+            <a:r>
+              <a:rPr lang="en-US" sz="2400" dirty="0"/>
+              <a:t>ESP32</a:t>
+            </a:r>
+          </a:p>
+        </p:txBody>
+      </p:sp>
+      <p:cxnSp>
+        <p:nvCxnSpPr>
+          <p:cNvPr id="12" name="Connecteur droit 11">
+            <a:extLst>
+              <a:ext uri="{FF2B5EF4-FFF2-40B4-BE49-F238E27FC236}">
+                <a16:creationId xmlns:a16="http://schemas.microsoft.com/office/drawing/2014/main" id="{410D255E-C909-498D-B706-0B267C2F20F4}"/>
+              </a:ext>
+            </a:extLst>
+          </p:cNvPr>
+          <p:cNvCxnSpPr>
+            <a:cxnSpLocks/>
+          </p:cNvCxnSpPr>
+          <p:nvPr/>
+        </p:nvCxnSpPr>
+        <p:spPr>
+          <a:xfrm flipH="1" flipV="1">
+            <a:off x="5334292" y="2909322"/>
+            <a:ext cx="5330" cy="2032036"/>
+          </a:xfrm>
+          <a:prstGeom prst="line">
+            <a:avLst/>
+          </a:prstGeom>
+          <a:ln w="57150">
+            <a:solidFill>
+              <a:schemeClr val="tx1">
+                <a:lumMod val="65000"/>
+                <a:lumOff val="35000"/>
+              </a:schemeClr>
+            </a:solidFill>
+          </a:ln>
+        </p:spPr>
+        <p:style>
+          <a:lnRef idx="1">
+            <a:schemeClr val="accent1"/>
+          </a:lnRef>
+          <a:fillRef idx="0">
+            <a:schemeClr val="accent1"/>
+          </a:fillRef>
+          <a:effectRef idx="0">
+            <a:schemeClr val="accent1"/>
+          </a:effectRef>
+          <a:fontRef idx="minor">
+            <a:schemeClr val="tx1"/>
+          </a:fontRef>
+        </p:style>
+      </p:cxnSp>
+      <p:cxnSp>
+        <p:nvCxnSpPr>
+          <p:cNvPr id="17" name="Connecteur droit 16">
+            <a:extLst>
+              <a:ext uri="{FF2B5EF4-FFF2-40B4-BE49-F238E27FC236}">
+                <a16:creationId xmlns:a16="http://schemas.microsoft.com/office/drawing/2014/main" id="{27A30388-1F9A-4244-BE40-06673DAB1B17}"/>
+              </a:ext>
+            </a:extLst>
+          </p:cNvPr>
+          <p:cNvCxnSpPr>
+            <a:cxnSpLocks/>
+            <a:stCxn id="7" idx="3"/>
+          </p:cNvCxnSpPr>
+          <p:nvPr/>
+        </p:nvCxnSpPr>
+        <p:spPr>
+          <a:xfrm flipV="1">
+            <a:off x="4747412" y="4941358"/>
+            <a:ext cx="628015" cy="1"/>
+          </a:xfrm>
+          <a:prstGeom prst="line">
+            <a:avLst/>
+          </a:prstGeom>
+          <a:ln w="57150">
+            <a:solidFill>
+              <a:schemeClr val="tx1">
+                <a:lumMod val="65000"/>
+                <a:lumOff val="35000"/>
+              </a:schemeClr>
+            </a:solidFill>
+          </a:ln>
+        </p:spPr>
+        <p:style>
+          <a:lnRef idx="1">
+            <a:schemeClr val="accent1"/>
+          </a:lnRef>
+          <a:fillRef idx="0">
+            <a:schemeClr val="accent1"/>
+          </a:fillRef>
+          <a:effectRef idx="0">
+            <a:schemeClr val="accent1"/>
+          </a:effectRef>
+          <a:fontRef idx="minor">
+            <a:schemeClr val="tx1"/>
+          </a:fontRef>
+        </p:style>
+      </p:cxnSp>
+      <p:sp>
+        <p:nvSpPr>
+          <p:cNvPr id="25" name="ZoneTexte 24">
+            <a:extLst>
+              <a:ext uri="{FF2B5EF4-FFF2-40B4-BE49-F238E27FC236}">
+                <a16:creationId xmlns:a16="http://schemas.microsoft.com/office/drawing/2014/main" id="{9E66D0D0-4B7A-4802-A690-626059DFE6DC}"/>
+              </a:ext>
+            </a:extLst>
+          </p:cNvPr>
+          <p:cNvSpPr txBox="1"/>
+          <p:nvPr/>
+        </p:nvSpPr>
+        <p:spPr>
+          <a:xfrm>
+            <a:off x="5072881" y="2466200"/>
+            <a:ext cx="620683" cy="461665"/>
+          </a:xfrm>
+          <a:prstGeom prst="rect">
+            <a:avLst/>
+          </a:prstGeom>
+          <a:noFill/>
+        </p:spPr>
+        <p:txBody>
+          <a:bodyPr wrap="none" rtlCol="0">
+            <a:spAutoFit/>
+          </a:bodyPr>
+          <a:lstStyle/>
+          <a:p>
+            <a:r>
+              <a:rPr lang="en-US" sz="2400" dirty="0">
+                <a:solidFill>
+                  <a:schemeClr val="tx1">
+                    <a:lumMod val="75000"/>
+                    <a:lumOff val="25000"/>
+                  </a:schemeClr>
+                </a:solidFill>
+                <a:latin typeface="Abadi" panose="020B0604020104020204" pitchFamily="34" charset="0"/>
+              </a:rPr>
+              <a:t>I2C</a:t>
+            </a:r>
+          </a:p>
+        </p:txBody>
+      </p:sp>
+      <p:cxnSp>
+        <p:nvCxnSpPr>
+          <p:cNvPr id="42" name="Connecteur : en angle 41">
+            <a:extLst>
+              <a:ext uri="{FF2B5EF4-FFF2-40B4-BE49-F238E27FC236}">
+                <a16:creationId xmlns:a16="http://schemas.microsoft.com/office/drawing/2014/main" id="{DC35C8E2-DE12-4C00-A30E-292BE09D6D36}"/>
+              </a:ext>
+            </a:extLst>
+          </p:cNvPr>
+          <p:cNvCxnSpPr>
+            <a:cxnSpLocks/>
+          </p:cNvCxnSpPr>
+          <p:nvPr/>
+        </p:nvCxnSpPr>
+        <p:spPr>
+          <a:xfrm>
+            <a:off x="7538499" y="3090222"/>
+            <a:ext cx="2095150" cy="1601919"/>
+          </a:xfrm>
+          <a:prstGeom prst="bentConnector3">
+            <a:avLst>
+              <a:gd name="adj1" fmla="val 43273"/>
+            </a:avLst>
+          </a:prstGeom>
+          <a:ln w="57150">
+            <a:solidFill>
+              <a:schemeClr val="tx1">
+                <a:lumMod val="65000"/>
+                <a:lumOff val="35000"/>
+              </a:schemeClr>
+            </a:solidFill>
+          </a:ln>
+        </p:spPr>
+        <p:style>
+          <a:lnRef idx="1">
+            <a:schemeClr val="accent1"/>
+          </a:lnRef>
+          <a:fillRef idx="0">
+            <a:schemeClr val="accent1"/>
+          </a:fillRef>
+          <a:effectRef idx="0">
+            <a:schemeClr val="accent1"/>
+          </a:effectRef>
+          <a:fontRef idx="minor">
+            <a:schemeClr val="tx1"/>
+          </a:fontRef>
+        </p:style>
+      </p:cxnSp>
+      <p:cxnSp>
+        <p:nvCxnSpPr>
+          <p:cNvPr id="46" name="Connecteur : en angle 45">
+            <a:extLst>
+              <a:ext uri="{FF2B5EF4-FFF2-40B4-BE49-F238E27FC236}">
+                <a16:creationId xmlns:a16="http://schemas.microsoft.com/office/drawing/2014/main" id="{8771EF1A-5046-4B4F-96EA-EE474AAC20E7}"/>
+              </a:ext>
+            </a:extLst>
+          </p:cNvPr>
+          <p:cNvCxnSpPr>
+            <a:cxnSpLocks/>
+          </p:cNvCxnSpPr>
+          <p:nvPr/>
+        </p:nvCxnSpPr>
+        <p:spPr>
+          <a:xfrm>
+            <a:off x="7538499" y="3090222"/>
+            <a:ext cx="2095150" cy="328730"/>
+          </a:xfrm>
+          <a:prstGeom prst="bentConnector3">
+            <a:avLst>
+              <a:gd name="adj1" fmla="val 43273"/>
+            </a:avLst>
+          </a:prstGeom>
+          <a:ln w="57150">
+            <a:solidFill>
+              <a:schemeClr val="tx1">
+                <a:lumMod val="65000"/>
+                <a:lumOff val="35000"/>
+              </a:schemeClr>
+            </a:solidFill>
+          </a:ln>
+        </p:spPr>
+        <p:style>
+          <a:lnRef idx="1">
+            <a:schemeClr val="accent1"/>
+          </a:lnRef>
+          <a:fillRef idx="0">
+            <a:schemeClr val="accent1"/>
+          </a:fillRef>
+          <a:effectRef idx="0">
+            <a:schemeClr val="accent1"/>
+          </a:effectRef>
+          <a:fontRef idx="minor">
+            <a:schemeClr val="tx1"/>
+          </a:fontRef>
+        </p:style>
+      </p:cxnSp>
+      <p:sp>
+        <p:nvSpPr>
+          <p:cNvPr id="54" name="ZoneTexte 53">
+            <a:extLst>
+              <a:ext uri="{FF2B5EF4-FFF2-40B4-BE49-F238E27FC236}">
+                <a16:creationId xmlns:a16="http://schemas.microsoft.com/office/drawing/2014/main" id="{EEF5C3D2-45A1-4AD0-90E7-075CE15124D8}"/>
+              </a:ext>
+            </a:extLst>
+          </p:cNvPr>
+          <p:cNvSpPr txBox="1"/>
+          <p:nvPr/>
+        </p:nvSpPr>
+        <p:spPr>
+          <a:xfrm>
+            <a:off x="7782162" y="2493091"/>
+            <a:ext cx="1656223" cy="461665"/>
+          </a:xfrm>
+          <a:prstGeom prst="rect">
+            <a:avLst/>
+          </a:prstGeom>
+          <a:noFill/>
+        </p:spPr>
+        <p:txBody>
+          <a:bodyPr wrap="none" rtlCol="0">
+            <a:spAutoFit/>
+          </a:bodyPr>
+          <a:lstStyle/>
+          <a:p>
+            <a:r>
+              <a:rPr lang="en-US" sz="2400" dirty="0">
+                <a:solidFill>
+                  <a:schemeClr val="tx2">
+                    <a:lumMod val="50000"/>
+                    <a:lumOff val="50000"/>
+                  </a:schemeClr>
+                </a:solidFill>
+                <a:latin typeface="Abadi" panose="020B0604020104020204" pitchFamily="34" charset="0"/>
+              </a:rPr>
+              <a:t>I/O </a:t>
+            </a:r>
+            <a:r>
+              <a:rPr lang="en-US" sz="2400" dirty="0" err="1">
+                <a:solidFill>
+                  <a:schemeClr val="tx2">
+                    <a:lumMod val="50000"/>
+                    <a:lumOff val="50000"/>
+                  </a:schemeClr>
+                </a:solidFill>
+                <a:latin typeface="Abadi" panose="020B0604020104020204" pitchFamily="34" charset="0"/>
+              </a:rPr>
+              <a:t>Caméra</a:t>
+            </a:r>
+            <a:endParaRPr lang="en-US" sz="2400" dirty="0">
+              <a:solidFill>
+                <a:schemeClr val="tx2">
+                  <a:lumMod val="50000"/>
+                  <a:lumOff val="50000"/>
+                </a:schemeClr>
+              </a:solidFill>
+              <a:latin typeface="Abadi" panose="020B0604020104020204" pitchFamily="34" charset="0"/>
+            </a:endParaRPr>
+          </a:p>
+        </p:txBody>
+      </p:sp>
+      <p:sp>
+        <p:nvSpPr>
+          <p:cNvPr id="55" name="ZoneTexte 54">
+            <a:extLst>
+              <a:ext uri="{FF2B5EF4-FFF2-40B4-BE49-F238E27FC236}">
+                <a16:creationId xmlns:a16="http://schemas.microsoft.com/office/drawing/2014/main" id="{1207B739-9D3A-4ECA-808E-DCBCCB239CC3}"/>
+              </a:ext>
+            </a:extLst>
+          </p:cNvPr>
+          <p:cNvSpPr txBox="1"/>
+          <p:nvPr/>
+        </p:nvSpPr>
+        <p:spPr>
+          <a:xfrm>
+            <a:off x="7846610" y="5127468"/>
+            <a:ext cx="1752403" cy="461665"/>
+          </a:xfrm>
+          <a:prstGeom prst="rect">
+            <a:avLst/>
+          </a:prstGeom>
+          <a:noFill/>
+        </p:spPr>
+        <p:txBody>
+          <a:bodyPr wrap="none" rtlCol="0">
+            <a:spAutoFit/>
+          </a:bodyPr>
+          <a:lstStyle/>
+          <a:p>
+            <a:r>
+              <a:rPr lang="en-US" sz="2400" dirty="0">
+                <a:solidFill>
+                  <a:schemeClr val="accent5">
+                    <a:lumMod val="75000"/>
+                  </a:schemeClr>
+                </a:solidFill>
+                <a:latin typeface="Abadi" panose="020B0604020104020204" pitchFamily="34" charset="0"/>
+              </a:rPr>
+              <a:t>I/O SD Card</a:t>
+            </a:r>
+          </a:p>
+        </p:txBody>
+      </p:sp>
+      <p:sp>
+        <p:nvSpPr>
+          <p:cNvPr id="56" name="ZoneTexte 55">
+            <a:extLst>
+              <a:ext uri="{FF2B5EF4-FFF2-40B4-BE49-F238E27FC236}">
+                <a16:creationId xmlns:a16="http://schemas.microsoft.com/office/drawing/2014/main" id="{0E07B639-14E8-487F-B920-23B6E96B3B9F}"/>
+              </a:ext>
+            </a:extLst>
+          </p:cNvPr>
+          <p:cNvSpPr txBox="1"/>
+          <p:nvPr/>
+        </p:nvSpPr>
+        <p:spPr>
+          <a:xfrm>
+            <a:off x="8439609" y="3811603"/>
+            <a:ext cx="2121093" cy="461665"/>
+          </a:xfrm>
+          <a:prstGeom prst="rect">
+            <a:avLst/>
+          </a:prstGeom>
+          <a:noFill/>
+        </p:spPr>
+        <p:txBody>
+          <a:bodyPr wrap="none" rtlCol="0">
+            <a:spAutoFit/>
+          </a:bodyPr>
+          <a:lstStyle/>
+          <a:p>
+            <a:r>
+              <a:rPr lang="en-US" sz="2400" dirty="0">
+                <a:solidFill>
+                  <a:schemeClr val="tx1">
+                    <a:lumMod val="65000"/>
+                    <a:lumOff val="35000"/>
+                  </a:schemeClr>
+                </a:solidFill>
+                <a:latin typeface="Abadi" panose="020B0604020104020204" pitchFamily="34" charset="0"/>
+              </a:rPr>
+              <a:t>I/O Communes</a:t>
+            </a:r>
+          </a:p>
+        </p:txBody>
+      </p:sp>
+      <p:cxnSp>
+        <p:nvCxnSpPr>
+          <p:cNvPr id="60" name="Connecteur droit 59">
+            <a:extLst>
+              <a:ext uri="{FF2B5EF4-FFF2-40B4-BE49-F238E27FC236}">
+                <a16:creationId xmlns:a16="http://schemas.microsoft.com/office/drawing/2014/main" id="{E5FA3173-B0DC-4823-A66E-B6028184B45E}"/>
+              </a:ext>
+            </a:extLst>
+          </p:cNvPr>
+          <p:cNvCxnSpPr>
+            <a:cxnSpLocks/>
+          </p:cNvCxnSpPr>
+          <p:nvPr/>
+        </p:nvCxnSpPr>
+        <p:spPr>
+          <a:xfrm flipV="1">
+            <a:off x="2478244" y="4611410"/>
+            <a:ext cx="628015" cy="1"/>
+          </a:xfrm>
+          <a:prstGeom prst="line">
+            <a:avLst/>
+          </a:prstGeom>
+          <a:ln w="57150">
+            <a:solidFill>
+              <a:schemeClr val="tx1">
+                <a:lumMod val="65000"/>
+                <a:lumOff val="35000"/>
+              </a:schemeClr>
+            </a:solidFill>
+          </a:ln>
+        </p:spPr>
+        <p:style>
+          <a:lnRef idx="1">
+            <a:schemeClr val="accent1"/>
+          </a:lnRef>
+          <a:fillRef idx="0">
+            <a:schemeClr val="accent1"/>
+          </a:fillRef>
+          <a:effectRef idx="0">
+            <a:schemeClr val="accent1"/>
+          </a:effectRef>
+          <a:fontRef idx="minor">
+            <a:schemeClr val="tx1"/>
+          </a:fontRef>
+        </p:style>
+      </p:cxnSp>
+      <p:cxnSp>
+        <p:nvCxnSpPr>
+          <p:cNvPr id="61" name="Connecteur droit 60">
+            <a:extLst>
+              <a:ext uri="{FF2B5EF4-FFF2-40B4-BE49-F238E27FC236}">
+                <a16:creationId xmlns:a16="http://schemas.microsoft.com/office/drawing/2014/main" id="{B28E233D-9EFC-4A9F-94BD-FE7F0DA56ADB}"/>
+              </a:ext>
+            </a:extLst>
+          </p:cNvPr>
+          <p:cNvCxnSpPr>
+            <a:cxnSpLocks/>
+          </p:cNvCxnSpPr>
+          <p:nvPr/>
+        </p:nvCxnSpPr>
+        <p:spPr>
+          <a:xfrm flipV="1">
+            <a:off x="2478244" y="4941357"/>
+            <a:ext cx="628015" cy="1"/>
+          </a:xfrm>
+          <a:prstGeom prst="line">
+            <a:avLst/>
+          </a:prstGeom>
+          <a:ln w="57150">
+            <a:solidFill>
+              <a:schemeClr val="tx1">
+                <a:lumMod val="65000"/>
+                <a:lumOff val="35000"/>
+              </a:schemeClr>
+            </a:solidFill>
+          </a:ln>
+        </p:spPr>
+        <p:style>
+          <a:lnRef idx="1">
+            <a:schemeClr val="accent1"/>
+          </a:lnRef>
+          <a:fillRef idx="0">
+            <a:schemeClr val="accent1"/>
+          </a:fillRef>
+          <a:effectRef idx="0">
+            <a:schemeClr val="accent1"/>
+          </a:effectRef>
+          <a:fontRef idx="minor">
+            <a:schemeClr val="tx1"/>
+          </a:fontRef>
+        </p:style>
+      </p:cxnSp>
+      <p:cxnSp>
+        <p:nvCxnSpPr>
+          <p:cNvPr id="62" name="Connecteur droit 61">
+            <a:extLst>
+              <a:ext uri="{FF2B5EF4-FFF2-40B4-BE49-F238E27FC236}">
+                <a16:creationId xmlns:a16="http://schemas.microsoft.com/office/drawing/2014/main" id="{5A4D6634-2E7B-43FC-A8E1-703F735616A2}"/>
+              </a:ext>
+            </a:extLst>
+          </p:cNvPr>
+          <p:cNvCxnSpPr>
+            <a:cxnSpLocks/>
+          </p:cNvCxnSpPr>
+          <p:nvPr/>
+        </p:nvCxnSpPr>
+        <p:spPr>
+          <a:xfrm flipV="1">
+            <a:off x="2478244" y="5276639"/>
+            <a:ext cx="628015" cy="1"/>
+          </a:xfrm>
+          <a:prstGeom prst="line">
+            <a:avLst/>
+          </a:prstGeom>
+          <a:ln w="57150">
+            <a:solidFill>
+              <a:schemeClr val="tx1">
+                <a:lumMod val="65000"/>
+                <a:lumOff val="35000"/>
+              </a:schemeClr>
+            </a:solidFill>
+          </a:ln>
+        </p:spPr>
+        <p:style>
+          <a:lnRef idx="1">
+            <a:schemeClr val="accent1"/>
+          </a:lnRef>
+          <a:fillRef idx="0">
+            <a:schemeClr val="accent1"/>
+          </a:fillRef>
+          <a:effectRef idx="0">
+            <a:schemeClr val="accent1"/>
+          </a:effectRef>
+          <a:fontRef idx="minor">
+            <a:schemeClr val="tx1"/>
+          </a:fontRef>
+        </p:style>
+      </p:cxnSp>
+      <p:cxnSp>
+        <p:nvCxnSpPr>
+          <p:cNvPr id="63" name="Connecteur droit 62">
+            <a:extLst>
+              <a:ext uri="{FF2B5EF4-FFF2-40B4-BE49-F238E27FC236}">
+                <a16:creationId xmlns:a16="http://schemas.microsoft.com/office/drawing/2014/main" id="{94FE48F5-541C-43D6-ABFD-0E19A1F7A4BE}"/>
+              </a:ext>
+            </a:extLst>
+          </p:cNvPr>
+          <p:cNvCxnSpPr>
+            <a:cxnSpLocks/>
+          </p:cNvCxnSpPr>
+          <p:nvPr/>
+        </p:nvCxnSpPr>
+        <p:spPr>
+          <a:xfrm flipV="1">
+            <a:off x="2478243" y="3196362"/>
+            <a:ext cx="628015" cy="1"/>
+          </a:xfrm>
+          <a:prstGeom prst="line">
+            <a:avLst/>
+          </a:prstGeom>
+          <a:ln w="57150">
+            <a:solidFill>
+              <a:schemeClr val="tx1">
+                <a:lumMod val="65000"/>
+                <a:lumOff val="35000"/>
+              </a:schemeClr>
+            </a:solidFill>
+          </a:ln>
+        </p:spPr>
+        <p:style>
+          <a:lnRef idx="1">
+            <a:schemeClr val="accent1"/>
+          </a:lnRef>
+          <a:fillRef idx="0">
+            <a:schemeClr val="accent1"/>
+          </a:fillRef>
+          <a:effectRef idx="0">
+            <a:schemeClr val="accent1"/>
+          </a:effectRef>
+          <a:fontRef idx="minor">
+            <a:schemeClr val="tx1"/>
+          </a:fontRef>
+        </p:style>
+      </p:cxnSp>
+      <p:cxnSp>
+        <p:nvCxnSpPr>
+          <p:cNvPr id="64" name="Connecteur droit 63">
+            <a:extLst>
+              <a:ext uri="{FF2B5EF4-FFF2-40B4-BE49-F238E27FC236}">
+                <a16:creationId xmlns:a16="http://schemas.microsoft.com/office/drawing/2014/main" id="{998F6F1E-082A-4530-AA12-15E0D8C62818}"/>
+              </a:ext>
+            </a:extLst>
+          </p:cNvPr>
+          <p:cNvCxnSpPr>
+            <a:cxnSpLocks/>
+          </p:cNvCxnSpPr>
+          <p:nvPr/>
+        </p:nvCxnSpPr>
+        <p:spPr>
+          <a:xfrm flipV="1">
+            <a:off x="2467960" y="2572213"/>
+            <a:ext cx="628015" cy="1"/>
+          </a:xfrm>
+          <a:prstGeom prst="line">
+            <a:avLst/>
+          </a:prstGeom>
+          <a:ln w="57150">
+            <a:solidFill>
+              <a:schemeClr val="tx1">
+                <a:lumMod val="65000"/>
+                <a:lumOff val="35000"/>
+              </a:schemeClr>
+            </a:solidFill>
+          </a:ln>
+        </p:spPr>
+        <p:style>
+          <a:lnRef idx="1">
+            <a:schemeClr val="accent1"/>
+          </a:lnRef>
+          <a:fillRef idx="0">
+            <a:schemeClr val="accent1"/>
+          </a:fillRef>
+          <a:effectRef idx="0">
+            <a:schemeClr val="accent1"/>
+          </a:effectRef>
+          <a:fontRef idx="minor">
+            <a:schemeClr val="tx1"/>
+          </a:fontRef>
+        </p:style>
+      </p:cxnSp>
+      <p:cxnSp>
+        <p:nvCxnSpPr>
+          <p:cNvPr id="65" name="Connecteur droit 64">
+            <a:extLst>
+              <a:ext uri="{FF2B5EF4-FFF2-40B4-BE49-F238E27FC236}">
+                <a16:creationId xmlns:a16="http://schemas.microsoft.com/office/drawing/2014/main" id="{4D0883D7-2A77-4D6F-83C3-E38CD3D5ABB3}"/>
+              </a:ext>
+            </a:extLst>
+          </p:cNvPr>
+          <p:cNvCxnSpPr>
+            <a:cxnSpLocks/>
+          </p:cNvCxnSpPr>
+          <p:nvPr/>
+        </p:nvCxnSpPr>
+        <p:spPr>
+          <a:xfrm flipV="1">
+            <a:off x="2478242" y="2874943"/>
+            <a:ext cx="628015" cy="1"/>
+          </a:xfrm>
+          <a:prstGeom prst="line">
+            <a:avLst/>
+          </a:prstGeom>
+          <a:ln w="57150">
+            <a:solidFill>
+              <a:schemeClr val="tx1">
+                <a:lumMod val="65000"/>
+                <a:lumOff val="35000"/>
+              </a:schemeClr>
+            </a:solidFill>
+          </a:ln>
+        </p:spPr>
+        <p:style>
+          <a:lnRef idx="1">
+            <a:schemeClr val="accent1"/>
+          </a:lnRef>
+          <a:fillRef idx="0">
+            <a:schemeClr val="accent1"/>
+          </a:fillRef>
+          <a:effectRef idx="0">
+            <a:schemeClr val="accent1"/>
+          </a:effectRef>
+          <a:fontRef idx="minor">
+            <a:schemeClr val="tx1"/>
+          </a:fontRef>
+        </p:style>
+      </p:cxnSp>
+      <p:sp>
+        <p:nvSpPr>
+          <p:cNvPr id="66" name="ZoneTexte 65">
+            <a:extLst>
+              <a:ext uri="{FF2B5EF4-FFF2-40B4-BE49-F238E27FC236}">
+                <a16:creationId xmlns:a16="http://schemas.microsoft.com/office/drawing/2014/main" id="{CD2FDBB8-C434-4D2E-B59F-3A74707B1BCD}"/>
+              </a:ext>
+            </a:extLst>
+          </p:cNvPr>
+          <p:cNvSpPr txBox="1"/>
+          <p:nvPr/>
+        </p:nvSpPr>
+        <p:spPr>
+          <a:xfrm>
+            <a:off x="1725463" y="2319899"/>
+            <a:ext cx="728084" cy="369332"/>
+          </a:xfrm>
+          <a:prstGeom prst="rect">
+            <a:avLst/>
+          </a:prstGeom>
+          <a:noFill/>
+        </p:spPr>
+        <p:txBody>
+          <a:bodyPr wrap="none" rtlCol="0">
+            <a:spAutoFit/>
+          </a:bodyPr>
+          <a:lstStyle/>
+          <a:p>
+            <a:r>
+              <a:rPr lang="en-US" dirty="0">
+                <a:solidFill>
+                  <a:schemeClr val="tx1">
+                    <a:lumMod val="75000"/>
+                    <a:lumOff val="25000"/>
+                  </a:schemeClr>
+                </a:solidFill>
+                <a:latin typeface="Abadi" panose="020B0604020104020204" pitchFamily="34" charset="0"/>
+              </a:rPr>
+              <a:t>Micro</a:t>
+            </a:r>
+          </a:p>
+        </p:txBody>
+      </p:sp>
+      <p:sp>
+        <p:nvSpPr>
+          <p:cNvPr id="67" name="ZoneTexte 66">
+            <a:extLst>
+              <a:ext uri="{FF2B5EF4-FFF2-40B4-BE49-F238E27FC236}">
+                <a16:creationId xmlns:a16="http://schemas.microsoft.com/office/drawing/2014/main" id="{D1C697DA-6946-4697-9920-22BC346E318F}"/>
+              </a:ext>
+            </a:extLst>
+          </p:cNvPr>
+          <p:cNvSpPr txBox="1"/>
+          <p:nvPr/>
+        </p:nvSpPr>
+        <p:spPr>
+          <a:xfrm>
+            <a:off x="1787178" y="2625251"/>
+            <a:ext cx="593432" cy="369332"/>
+          </a:xfrm>
+          <a:prstGeom prst="rect">
+            <a:avLst/>
+          </a:prstGeom>
+          <a:noFill/>
+        </p:spPr>
+        <p:txBody>
+          <a:bodyPr wrap="none" rtlCol="0">
+            <a:spAutoFit/>
+          </a:bodyPr>
+          <a:lstStyle/>
+          <a:p>
+            <a:r>
+              <a:rPr lang="en-US" dirty="0">
+                <a:solidFill>
+                  <a:schemeClr val="tx1">
+                    <a:lumMod val="75000"/>
+                    <a:lumOff val="25000"/>
+                  </a:schemeClr>
+                </a:solidFill>
+                <a:latin typeface="Abadi" panose="020B0604020104020204" pitchFamily="34" charset="0"/>
+              </a:rPr>
+              <a:t>LDR</a:t>
+            </a:r>
+          </a:p>
+        </p:txBody>
+      </p:sp>
+      <p:sp>
+        <p:nvSpPr>
+          <p:cNvPr id="68" name="ZoneTexte 67">
+            <a:extLst>
+              <a:ext uri="{FF2B5EF4-FFF2-40B4-BE49-F238E27FC236}">
+                <a16:creationId xmlns:a16="http://schemas.microsoft.com/office/drawing/2014/main" id="{1752A9A3-9816-4043-A893-F4E1890F0EB4}"/>
+              </a:ext>
+            </a:extLst>
+          </p:cNvPr>
+          <p:cNvSpPr txBox="1"/>
+          <p:nvPr/>
+        </p:nvSpPr>
+        <p:spPr>
+          <a:xfrm>
+            <a:off x="1723171" y="2938863"/>
+            <a:ext cx="745717" cy="369332"/>
+          </a:xfrm>
+          <a:prstGeom prst="rect">
+            <a:avLst/>
+          </a:prstGeom>
+          <a:noFill/>
+        </p:spPr>
+        <p:txBody>
+          <a:bodyPr wrap="none" rtlCol="0">
+            <a:spAutoFit/>
+          </a:bodyPr>
+          <a:lstStyle/>
+          <a:p>
+            <a:r>
+              <a:rPr lang="en-US" dirty="0">
+                <a:solidFill>
+                  <a:schemeClr val="tx1">
+                    <a:lumMod val="75000"/>
+                    <a:lumOff val="25000"/>
+                  </a:schemeClr>
+                </a:solidFill>
+                <a:latin typeface="Abadi" panose="020B0604020104020204" pitchFamily="34" charset="0"/>
+              </a:rPr>
+              <a:t>Spare</a:t>
+            </a:r>
+          </a:p>
+        </p:txBody>
+      </p:sp>
+      <p:sp>
+        <p:nvSpPr>
+          <p:cNvPr id="69" name="ZoneTexte 68">
+            <a:extLst>
+              <a:ext uri="{FF2B5EF4-FFF2-40B4-BE49-F238E27FC236}">
+                <a16:creationId xmlns:a16="http://schemas.microsoft.com/office/drawing/2014/main" id="{B97585CE-4546-4BEA-944B-7D209109277D}"/>
+              </a:ext>
+            </a:extLst>
+          </p:cNvPr>
+          <p:cNvSpPr txBox="1"/>
+          <p:nvPr/>
+        </p:nvSpPr>
+        <p:spPr>
+          <a:xfrm>
+            <a:off x="1765833" y="4359895"/>
+            <a:ext cx="712054" cy="369332"/>
+          </a:xfrm>
+          <a:prstGeom prst="rect">
+            <a:avLst/>
+          </a:prstGeom>
+          <a:noFill/>
+        </p:spPr>
+        <p:txBody>
+          <a:bodyPr wrap="none" rtlCol="0">
+            <a:spAutoFit/>
+          </a:bodyPr>
+          <a:lstStyle/>
+          <a:p>
+            <a:r>
+              <a:rPr lang="en-US" dirty="0">
+                <a:solidFill>
+                  <a:schemeClr val="tx1">
+                    <a:lumMod val="75000"/>
+                    <a:lumOff val="25000"/>
+                  </a:schemeClr>
+                </a:solidFill>
+                <a:latin typeface="Abadi" panose="020B0604020104020204" pitchFamily="34" charset="0"/>
+              </a:rPr>
+              <a:t>Laser</a:t>
+            </a:r>
+          </a:p>
+        </p:txBody>
+      </p:sp>
+      <p:sp>
+        <p:nvSpPr>
+          <p:cNvPr id="70" name="ZoneTexte 69">
+            <a:extLst>
+              <a:ext uri="{FF2B5EF4-FFF2-40B4-BE49-F238E27FC236}">
+                <a16:creationId xmlns:a16="http://schemas.microsoft.com/office/drawing/2014/main" id="{170D2148-7A7F-469B-B03C-5DDB79A3AA09}"/>
+              </a:ext>
+            </a:extLst>
+          </p:cNvPr>
+          <p:cNvSpPr txBox="1"/>
+          <p:nvPr/>
+        </p:nvSpPr>
+        <p:spPr>
+          <a:xfrm>
+            <a:off x="1493322" y="4717508"/>
+            <a:ext cx="984565" cy="369332"/>
+          </a:xfrm>
+          <a:prstGeom prst="rect">
+            <a:avLst/>
+          </a:prstGeom>
+          <a:noFill/>
+        </p:spPr>
+        <p:txBody>
+          <a:bodyPr wrap="none" rtlCol="0">
+            <a:spAutoFit/>
+          </a:bodyPr>
+          <a:lstStyle/>
+          <a:p>
+            <a:r>
+              <a:rPr lang="en-US" dirty="0" err="1">
+                <a:solidFill>
+                  <a:schemeClr val="tx1">
+                    <a:lumMod val="75000"/>
+                    <a:lumOff val="25000"/>
+                  </a:schemeClr>
+                </a:solidFill>
+                <a:latin typeface="Abadi" panose="020B0604020104020204" pitchFamily="34" charset="0"/>
+              </a:rPr>
+              <a:t>Moteurs</a:t>
+            </a:r>
+            <a:endParaRPr lang="en-US" dirty="0">
+              <a:solidFill>
+                <a:schemeClr val="tx1">
+                  <a:lumMod val="75000"/>
+                  <a:lumOff val="25000"/>
+                </a:schemeClr>
+              </a:solidFill>
+              <a:latin typeface="Abadi" panose="020B0604020104020204" pitchFamily="34" charset="0"/>
+            </a:endParaRPr>
+          </a:p>
+        </p:txBody>
+      </p:sp>
+      <p:sp>
+        <p:nvSpPr>
+          <p:cNvPr id="71" name="ZoneTexte 70">
+            <a:extLst>
+              <a:ext uri="{FF2B5EF4-FFF2-40B4-BE49-F238E27FC236}">
+                <a16:creationId xmlns:a16="http://schemas.microsoft.com/office/drawing/2014/main" id="{4284767E-E3E1-4953-BE0F-3F34D040FBF8}"/>
+              </a:ext>
+            </a:extLst>
+          </p:cNvPr>
+          <p:cNvSpPr txBox="1"/>
+          <p:nvPr/>
+        </p:nvSpPr>
+        <p:spPr>
+          <a:xfrm>
+            <a:off x="968342" y="5031957"/>
+            <a:ext cx="1527982" cy="369332"/>
+          </a:xfrm>
+          <a:prstGeom prst="rect">
+            <a:avLst/>
+          </a:prstGeom>
+          <a:noFill/>
+        </p:spPr>
+        <p:txBody>
+          <a:bodyPr wrap="none" rtlCol="0">
+            <a:spAutoFit/>
+          </a:bodyPr>
+          <a:lstStyle/>
+          <a:p>
+            <a:r>
+              <a:rPr lang="en-US" dirty="0">
+                <a:solidFill>
+                  <a:schemeClr val="tx1">
+                    <a:lumMod val="75000"/>
+                    <a:lumOff val="25000"/>
+                  </a:schemeClr>
+                </a:solidFill>
+                <a:latin typeface="Abadi" panose="020B0604020104020204" pitchFamily="34" charset="0"/>
+              </a:rPr>
+              <a:t>Alimentations</a:t>
+            </a:r>
+          </a:p>
+        </p:txBody>
+      </p:sp>
+      <p:cxnSp>
+        <p:nvCxnSpPr>
+          <p:cNvPr id="32" name="Connecteur droit 31">
+            <a:extLst>
+              <a:ext uri="{FF2B5EF4-FFF2-40B4-BE49-F238E27FC236}">
+                <a16:creationId xmlns:a16="http://schemas.microsoft.com/office/drawing/2014/main" id="{6ACB5CA2-0A8C-4CCF-9AF7-764924FF6FF7}"/>
+              </a:ext>
+            </a:extLst>
+          </p:cNvPr>
+          <p:cNvCxnSpPr>
+            <a:cxnSpLocks/>
+          </p:cNvCxnSpPr>
+          <p:nvPr/>
+        </p:nvCxnSpPr>
+        <p:spPr>
+          <a:xfrm flipV="1">
+            <a:off x="3366315" y="5461476"/>
+            <a:ext cx="0" cy="487138"/>
+          </a:xfrm>
+          <a:prstGeom prst="line">
+            <a:avLst/>
+          </a:prstGeom>
+          <a:ln w="57150">
+            <a:solidFill>
+              <a:schemeClr val="tx1">
+                <a:lumMod val="65000"/>
+                <a:lumOff val="35000"/>
+              </a:schemeClr>
+            </a:solidFill>
+          </a:ln>
+        </p:spPr>
+        <p:style>
+          <a:lnRef idx="1">
+            <a:schemeClr val="accent1"/>
+          </a:lnRef>
+          <a:fillRef idx="0">
+            <a:schemeClr val="accent1"/>
+          </a:fillRef>
+          <a:effectRef idx="0">
+            <a:schemeClr val="accent1"/>
+          </a:effectRef>
+          <a:fontRef idx="minor">
+            <a:schemeClr val="tx1"/>
+          </a:fontRef>
+        </p:style>
+      </p:cxnSp>
+      <p:sp>
+        <p:nvSpPr>
+          <p:cNvPr id="34" name="ZoneTexte 33">
+            <a:extLst>
+              <a:ext uri="{FF2B5EF4-FFF2-40B4-BE49-F238E27FC236}">
+                <a16:creationId xmlns:a16="http://schemas.microsoft.com/office/drawing/2014/main" id="{B410EE3B-B892-4E50-994E-FEA6C8C26650}"/>
+              </a:ext>
+            </a:extLst>
+          </p:cNvPr>
+          <p:cNvSpPr txBox="1"/>
+          <p:nvPr/>
+        </p:nvSpPr>
+        <p:spPr>
+          <a:xfrm>
+            <a:off x="3042348" y="5947508"/>
+            <a:ext cx="647934" cy="369332"/>
+          </a:xfrm>
+          <a:prstGeom prst="rect">
+            <a:avLst/>
+          </a:prstGeom>
+          <a:noFill/>
+        </p:spPr>
+        <p:txBody>
+          <a:bodyPr wrap="none" rtlCol="0">
+            <a:spAutoFit/>
+          </a:bodyPr>
+          <a:lstStyle/>
+          <a:p>
+            <a:r>
+              <a:rPr lang="en-US" dirty="0" err="1">
+                <a:solidFill>
+                  <a:schemeClr val="tx1">
+                    <a:lumMod val="75000"/>
+                    <a:lumOff val="25000"/>
+                  </a:schemeClr>
+                </a:solidFill>
+                <a:latin typeface="Abadi" panose="020B0604020104020204" pitchFamily="34" charset="0"/>
+              </a:rPr>
+              <a:t>Leds</a:t>
+            </a:r>
+            <a:endParaRPr lang="en-US" dirty="0">
+              <a:solidFill>
+                <a:schemeClr val="tx1">
+                  <a:lumMod val="75000"/>
+                  <a:lumOff val="25000"/>
+                </a:schemeClr>
+              </a:solidFill>
+              <a:latin typeface="Abadi" panose="020B0604020104020204" pitchFamily="34" charset="0"/>
+            </a:endParaRPr>
+          </a:p>
+        </p:txBody>
+      </p:sp>
+    </p:spTree>
+    <p:extLst>
+      <p:ext uri="{BB962C8B-B14F-4D97-AF65-F5344CB8AC3E}">
+        <p14:creationId xmlns:p14="http://schemas.microsoft.com/office/powerpoint/2010/main" val="1746658239"/>
+      </p:ext>
+    </p:extLst>
+  </p:cSld>
+  <p:clrMapOvr>
+    <a:masterClrMapping/>
+  </p:clrMapOvr>
+</p:sld>
+</file>
+
+<file path=ppt/slides/slide11.xml><?xml version="1.0" encoding="utf-8"?>
+<p:sld xmlns:a="http://schemas.openxmlformats.org/drawingml/2006/main" xmlns:r="http://schemas.openxmlformats.org/officeDocument/2006/relationships" xmlns:p="http://schemas.openxmlformats.org/presentationml/2006/main">
+  <p:cSld>
+    <p:spTree>
+      <p:nvGrpSpPr>
+        <p:cNvPr id="1" name=""/>
+        <p:cNvGrpSpPr/>
+        <p:nvPr/>
+      </p:nvGrpSpPr>
+      <p:grpSpPr>
+        <a:xfrm>
+          <a:off x="0" y="0"/>
+          <a:ext cx="0" cy="0"/>
+          <a:chOff x="0" y="0"/>
+          <a:chExt cx="0" cy="0"/>
+        </a:xfrm>
+      </p:grpSpPr>
+      <p:sp>
+        <p:nvSpPr>
+          <p:cNvPr id="2" name="Titre 1">
+            <a:extLst>
+              <a:ext uri="{FF2B5EF4-FFF2-40B4-BE49-F238E27FC236}">
+                <a16:creationId xmlns:a16="http://schemas.microsoft.com/office/drawing/2014/main" id="{AC512CE6-4C0F-4589-B900-C3D9D3130129}"/>
+              </a:ext>
+            </a:extLst>
+          </p:cNvPr>
+          <p:cNvSpPr>
+            <a:spLocks noGrp="1"/>
+          </p:cNvSpPr>
+          <p:nvPr>
+            <p:ph type="title"/>
+          </p:nvPr>
+        </p:nvSpPr>
+        <p:spPr/>
+        <p:txBody>
+          <a:bodyPr/>
+          <a:lstStyle/>
+          <a:p>
+            <a:r>
+              <a:rPr lang="en-US" dirty="0" err="1"/>
+              <a:t>Déroulement</a:t>
+            </a:r>
+            <a:r>
+              <a:rPr lang="en-US" dirty="0"/>
+              <a:t> des tests</a:t>
+            </a:r>
+          </a:p>
+        </p:txBody>
+      </p:sp>
+      <p:sp>
+        <p:nvSpPr>
+          <p:cNvPr id="3" name="Espace réservé du contenu 2">
+            <a:extLst>
+              <a:ext uri="{FF2B5EF4-FFF2-40B4-BE49-F238E27FC236}">
+                <a16:creationId xmlns:a16="http://schemas.microsoft.com/office/drawing/2014/main" id="{3005A30D-D19C-4512-BCD6-CAFA1E2D2E4B}"/>
+              </a:ext>
+            </a:extLst>
+          </p:cNvPr>
+          <p:cNvSpPr>
+            <a:spLocks noGrp="1"/>
+          </p:cNvSpPr>
+          <p:nvPr>
+            <p:ph idx="1"/>
+          </p:nvPr>
+        </p:nvSpPr>
+        <p:spPr>
+          <a:xfrm>
+            <a:off x="1371600" y="2286000"/>
+            <a:ext cx="3955409" cy="3581400"/>
+          </a:xfrm>
+        </p:spPr>
+        <p:txBody>
+          <a:bodyPr/>
+          <a:lstStyle/>
+          <a:p>
+            <a:r>
+              <a:rPr lang="en-US" dirty="0" err="1"/>
+              <a:t>Création</a:t>
+            </a:r>
+            <a:r>
+              <a:rPr lang="en-US" dirty="0"/>
+              <a:t> d’un </a:t>
+            </a:r>
+            <a:r>
+              <a:rPr lang="en-US" dirty="0" err="1"/>
+              <a:t>fichier</a:t>
+            </a:r>
+            <a:r>
+              <a:rPr lang="en-US" dirty="0"/>
+              <a:t> de </a:t>
+            </a:r>
+            <a:r>
+              <a:rPr lang="en-US" dirty="0" err="1"/>
+              <a:t>suivi</a:t>
+            </a:r>
+            <a:endParaRPr lang="en-US" dirty="0"/>
+          </a:p>
+          <a:p>
+            <a:endParaRPr lang="en-US" dirty="0"/>
+          </a:p>
+          <a:p>
+            <a:endParaRPr lang="en-US" dirty="0"/>
+          </a:p>
+          <a:p>
+            <a:endParaRPr lang="en-US" dirty="0"/>
+          </a:p>
+          <a:p>
+            <a:r>
+              <a:rPr lang="en-US" dirty="0" err="1"/>
+              <a:t>Faciliter</a:t>
+            </a:r>
+            <a:r>
+              <a:rPr lang="en-US" dirty="0"/>
+              <a:t> le debug de la carte et </a:t>
+            </a:r>
+            <a:r>
+              <a:rPr lang="en-US" dirty="0" err="1"/>
+              <a:t>l’apport</a:t>
+            </a:r>
+            <a:r>
+              <a:rPr lang="en-US" dirty="0"/>
+              <a:t> des corrections</a:t>
+            </a:r>
+          </a:p>
+        </p:txBody>
+      </p:sp>
+      <p:sp>
+        <p:nvSpPr>
+          <p:cNvPr id="4" name="Espace réservé du numéro de diapositive 3">
+            <a:extLst>
+              <a:ext uri="{FF2B5EF4-FFF2-40B4-BE49-F238E27FC236}">
+                <a16:creationId xmlns:a16="http://schemas.microsoft.com/office/drawing/2014/main" id="{2B4AC777-EAC3-432A-B1DC-979FFF15C151}"/>
+              </a:ext>
+            </a:extLst>
+          </p:cNvPr>
+          <p:cNvSpPr>
+            <a:spLocks noGrp="1"/>
+          </p:cNvSpPr>
+          <p:nvPr>
+            <p:ph type="sldNum" sz="quarter" idx="12"/>
+          </p:nvPr>
+        </p:nvSpPr>
+        <p:spPr/>
+        <p:txBody>
+          <a:bodyPr/>
+          <a:lstStyle/>
+          <a:p>
+            <a:fld id="{E4FD1E96-881F-4E38-A65A-4DBF7417DE24}" type="slidenum">
+              <a:rPr lang="en-US" smtClean="0"/>
+              <a:t>11</a:t>
+            </a:fld>
+            <a:endParaRPr lang="en-US"/>
+          </a:p>
+        </p:txBody>
+      </p:sp>
+      <p:pic>
+        <p:nvPicPr>
+          <p:cNvPr id="8" name="Image 7">
+            <a:extLst>
+              <a:ext uri="{FF2B5EF4-FFF2-40B4-BE49-F238E27FC236}">
+                <a16:creationId xmlns:a16="http://schemas.microsoft.com/office/drawing/2014/main" id="{DEF32358-4FB4-4BA4-881D-B57C13DA73B5}"/>
+              </a:ext>
+            </a:extLst>
+          </p:cNvPr>
+          <p:cNvPicPr>
+            <a:picLocks noChangeAspect="1"/>
+          </p:cNvPicPr>
+          <p:nvPr/>
+        </p:nvPicPr>
+        <p:blipFill>
+          <a:blip r:embed="rId2"/>
+          <a:stretch>
+            <a:fillRect/>
+          </a:stretch>
+        </p:blipFill>
+        <p:spPr>
+          <a:xfrm>
+            <a:off x="5742602" y="1649739"/>
+            <a:ext cx="6303217" cy="4714115"/>
+          </a:xfrm>
+          <a:prstGeom prst="rect">
+            <a:avLst/>
+          </a:prstGeom>
+        </p:spPr>
+      </p:pic>
+    </p:spTree>
+    <p:extLst>
+      <p:ext uri="{BB962C8B-B14F-4D97-AF65-F5344CB8AC3E}">
+        <p14:creationId xmlns:p14="http://schemas.microsoft.com/office/powerpoint/2010/main" val="1294761818"/>
+      </p:ext>
+    </p:extLst>
+  </p:cSld>
+  <p:clrMapOvr>
+    <a:masterClrMapping/>
+  </p:clrMapOvr>
+</p:sld>
+</file>
+
+<file path=ppt/slides/slide12.xml><?xml version="1.0" encoding="utf-8"?>
+<p:sld xmlns:a="http://schemas.openxmlformats.org/drawingml/2006/main" xmlns:r="http://schemas.openxmlformats.org/officeDocument/2006/relationships" xmlns:p="http://schemas.openxmlformats.org/presentationml/2006/main">
+  <p:cSld>
+    <p:spTree>
+      <p:nvGrpSpPr>
+        <p:cNvPr id="1" name=""/>
+        <p:cNvGrpSpPr/>
+        <p:nvPr/>
+      </p:nvGrpSpPr>
+      <p:grpSpPr>
+        <a:xfrm>
+          <a:off x="0" y="0"/>
+          <a:ext cx="0" cy="0"/>
+          <a:chOff x="0" y="0"/>
+          <a:chExt cx="0" cy="0"/>
+        </a:xfrm>
+      </p:grpSpPr>
+      <p:sp>
+        <p:nvSpPr>
+          <p:cNvPr id="2" name="Titre 1">
+            <a:extLst>
+              <a:ext uri="{FF2B5EF4-FFF2-40B4-BE49-F238E27FC236}">
+                <a16:creationId xmlns:a16="http://schemas.microsoft.com/office/drawing/2014/main" id="{CED9CED0-6341-4C5B-B2DC-249029063F82}"/>
+              </a:ext>
+            </a:extLst>
+          </p:cNvPr>
+          <p:cNvSpPr>
+            <a:spLocks noGrp="1"/>
+          </p:cNvSpPr>
+          <p:nvPr>
+            <p:ph type="title"/>
+          </p:nvPr>
+        </p:nvSpPr>
+        <p:spPr/>
+        <p:txBody>
+          <a:bodyPr/>
+          <a:lstStyle/>
+          <a:p>
+            <a:r>
+              <a:rPr lang="en-US" dirty="0"/>
+              <a:t>Alimentations et </a:t>
+            </a:r>
+            <a:r>
+              <a:rPr lang="en-US" dirty="0" err="1"/>
+              <a:t>téléversement</a:t>
+            </a:r>
+            <a:endParaRPr lang="en-US" dirty="0"/>
+          </a:p>
+        </p:txBody>
+      </p:sp>
+      <p:sp>
+        <p:nvSpPr>
+          <p:cNvPr id="3" name="Espace réservé du contenu 2">
+            <a:extLst>
+              <a:ext uri="{FF2B5EF4-FFF2-40B4-BE49-F238E27FC236}">
+                <a16:creationId xmlns:a16="http://schemas.microsoft.com/office/drawing/2014/main" id="{0B766703-E02B-4754-B34B-DDEFE22BC169}"/>
+              </a:ext>
+            </a:extLst>
+          </p:cNvPr>
+          <p:cNvSpPr>
+            <a:spLocks noGrp="1"/>
+          </p:cNvSpPr>
+          <p:nvPr>
+            <p:ph idx="1"/>
+          </p:nvPr>
+        </p:nvSpPr>
+        <p:spPr>
+          <a:xfrm>
+            <a:off x="1371600" y="2286000"/>
+            <a:ext cx="4525861" cy="3581400"/>
+          </a:xfrm>
+        </p:spPr>
+        <p:txBody>
+          <a:bodyPr/>
+          <a:lstStyle/>
+          <a:p>
+            <a:r>
+              <a:rPr lang="en-US" dirty="0"/>
+              <a:t>I0 non </a:t>
+            </a:r>
+            <a:r>
+              <a:rPr lang="en-US" dirty="0" err="1"/>
+              <a:t>connecté</a:t>
+            </a:r>
+            <a:endParaRPr lang="en-US" dirty="0"/>
+          </a:p>
+          <a:p>
+            <a:endParaRPr lang="en-US" dirty="0"/>
+          </a:p>
+          <a:p>
+            <a:r>
+              <a:rPr lang="en-US" dirty="0"/>
+              <a:t>PCA9685 non </a:t>
+            </a:r>
+            <a:r>
+              <a:rPr lang="en-US" dirty="0" err="1"/>
+              <a:t>alimenté</a:t>
+            </a:r>
+            <a:r>
+              <a:rPr lang="en-US" dirty="0"/>
+              <a:t> </a:t>
+            </a:r>
+            <a:r>
+              <a:rPr lang="en-US" dirty="0" err="1"/>
+              <a:t>en</a:t>
+            </a:r>
+            <a:r>
+              <a:rPr lang="en-US" dirty="0"/>
+              <a:t> direct</a:t>
+            </a:r>
+          </a:p>
+        </p:txBody>
+      </p:sp>
+      <p:sp>
+        <p:nvSpPr>
+          <p:cNvPr id="4" name="Espace réservé du numéro de diapositive 3">
+            <a:extLst>
+              <a:ext uri="{FF2B5EF4-FFF2-40B4-BE49-F238E27FC236}">
+                <a16:creationId xmlns:a16="http://schemas.microsoft.com/office/drawing/2014/main" id="{18BA8B7A-EF97-4865-BCA3-D1F45DA1F9C1}"/>
+              </a:ext>
+            </a:extLst>
+          </p:cNvPr>
+          <p:cNvSpPr>
+            <a:spLocks noGrp="1"/>
+          </p:cNvSpPr>
+          <p:nvPr>
+            <p:ph type="sldNum" sz="quarter" idx="12"/>
+          </p:nvPr>
+        </p:nvSpPr>
+        <p:spPr/>
+        <p:txBody>
+          <a:bodyPr/>
+          <a:lstStyle/>
+          <a:p>
+            <a:fld id="{E4FD1E96-881F-4E38-A65A-4DBF7417DE24}" type="slidenum">
+              <a:rPr lang="en-US" smtClean="0"/>
+              <a:t>12</a:t>
+            </a:fld>
+            <a:endParaRPr lang="en-US"/>
+          </a:p>
+        </p:txBody>
+      </p:sp>
+      <p:pic>
+        <p:nvPicPr>
+          <p:cNvPr id="6" name="Image 5">
+            <a:extLst>
+              <a:ext uri="{FF2B5EF4-FFF2-40B4-BE49-F238E27FC236}">
+                <a16:creationId xmlns:a16="http://schemas.microsoft.com/office/drawing/2014/main" id="{E2550B64-4B6B-4BA2-95A0-2D2B943EB29D}"/>
+              </a:ext>
+            </a:extLst>
+          </p:cNvPr>
+          <p:cNvPicPr>
+            <a:picLocks noChangeAspect="1"/>
+          </p:cNvPicPr>
+          <p:nvPr/>
+        </p:nvPicPr>
+        <p:blipFill>
+          <a:blip r:embed="rId2"/>
+          <a:stretch>
+            <a:fillRect/>
+          </a:stretch>
+        </p:blipFill>
+        <p:spPr>
+          <a:xfrm>
+            <a:off x="8822880" y="1588215"/>
+            <a:ext cx="3213609" cy="4672625"/>
+          </a:xfrm>
+          <a:prstGeom prst="rect">
+            <a:avLst/>
+          </a:prstGeom>
+        </p:spPr>
+      </p:pic>
+      <p:pic>
+        <p:nvPicPr>
+          <p:cNvPr id="8" name="Image 7">
+            <a:extLst>
+              <a:ext uri="{FF2B5EF4-FFF2-40B4-BE49-F238E27FC236}">
+                <a16:creationId xmlns:a16="http://schemas.microsoft.com/office/drawing/2014/main" id="{55E2CA0B-C2F5-44B3-A9EF-CC4E70E716BE}"/>
+              </a:ext>
+            </a:extLst>
+          </p:cNvPr>
+          <p:cNvPicPr>
+            <a:picLocks noChangeAspect="1"/>
+          </p:cNvPicPr>
+          <p:nvPr/>
+        </p:nvPicPr>
+        <p:blipFill>
+          <a:blip r:embed="rId3"/>
+          <a:stretch>
+            <a:fillRect/>
+          </a:stretch>
+        </p:blipFill>
+        <p:spPr>
+          <a:xfrm>
+            <a:off x="1371600" y="4109768"/>
+            <a:ext cx="6782383" cy="2151072"/>
+          </a:xfrm>
+          <a:prstGeom prst="rect">
+            <a:avLst/>
+          </a:prstGeom>
+        </p:spPr>
+      </p:pic>
+    </p:spTree>
+    <p:extLst>
+      <p:ext uri="{BB962C8B-B14F-4D97-AF65-F5344CB8AC3E}">
+        <p14:creationId xmlns:p14="http://schemas.microsoft.com/office/powerpoint/2010/main" val="2738491936"/>
+      </p:ext>
+    </p:extLst>
+  </p:cSld>
+  <p:clrMapOvr>
+    <a:masterClrMapping/>
+  </p:clrMapOvr>
+</p:sld>
+</file>
+
+<file path=ppt/slides/slide13.xml><?xml version="1.0" encoding="utf-8"?>
+<p:sld xmlns:a="http://schemas.openxmlformats.org/drawingml/2006/main" xmlns:r="http://schemas.openxmlformats.org/officeDocument/2006/relationships" xmlns:p="http://schemas.openxmlformats.org/presentationml/2006/main">
+  <p:cSld>
+    <p:spTree>
+      <p:nvGrpSpPr>
+        <p:cNvPr id="1" name=""/>
+        <p:cNvGrpSpPr/>
+        <p:nvPr/>
+      </p:nvGrpSpPr>
+      <p:grpSpPr>
+        <a:xfrm>
+          <a:off x="0" y="0"/>
+          <a:ext cx="0" cy="0"/>
+          <a:chOff x="0" y="0"/>
+          <a:chExt cx="0" cy="0"/>
+        </a:xfrm>
+      </p:grpSpPr>
+      <p:sp>
+        <p:nvSpPr>
+          <p:cNvPr id="2" name="Titre 1">
+            <a:extLst>
+              <a:ext uri="{FF2B5EF4-FFF2-40B4-BE49-F238E27FC236}">
+                <a16:creationId xmlns:a16="http://schemas.microsoft.com/office/drawing/2014/main" id="{C4F14535-DE5D-41DD-97F6-29A99EC5072B}"/>
+              </a:ext>
+            </a:extLst>
+          </p:cNvPr>
+          <p:cNvSpPr>
+            <a:spLocks noGrp="1"/>
+          </p:cNvSpPr>
+          <p:nvPr>
+            <p:ph type="title"/>
+          </p:nvPr>
+        </p:nvSpPr>
+        <p:spPr/>
+        <p:txBody>
+          <a:bodyPr/>
+          <a:lstStyle/>
+          <a:p>
+            <a:r>
+              <a:rPr lang="en-US" dirty="0"/>
+              <a:t>PCA9685</a:t>
+            </a:r>
+          </a:p>
+        </p:txBody>
+      </p:sp>
+      <p:sp>
+        <p:nvSpPr>
+          <p:cNvPr id="3" name="Espace réservé du contenu 2">
+            <a:extLst>
+              <a:ext uri="{FF2B5EF4-FFF2-40B4-BE49-F238E27FC236}">
+                <a16:creationId xmlns:a16="http://schemas.microsoft.com/office/drawing/2014/main" id="{4CB930BE-5957-435F-9DAD-D69F247A7F1E}"/>
+              </a:ext>
+            </a:extLst>
+          </p:cNvPr>
+          <p:cNvSpPr>
+            <a:spLocks noGrp="1"/>
+          </p:cNvSpPr>
+          <p:nvPr>
+            <p:ph idx="1"/>
+          </p:nvPr>
+        </p:nvSpPr>
+        <p:spPr>
+          <a:xfrm>
+            <a:off x="1371600" y="2286000"/>
+            <a:ext cx="3510793" cy="3581400"/>
+          </a:xfrm>
+        </p:spPr>
+        <p:txBody>
+          <a:bodyPr/>
+          <a:lstStyle/>
+          <a:p>
+            <a:r>
+              <a:rPr lang="en-US" dirty="0"/>
+              <a:t>Test du pilotage des alimentations </a:t>
+            </a:r>
+          </a:p>
+          <a:p>
+            <a:endParaRPr lang="en-US" dirty="0"/>
+          </a:p>
+          <a:p>
+            <a:r>
+              <a:rPr lang="en-US" dirty="0"/>
+              <a:t>Faire </a:t>
+            </a:r>
+            <a:r>
+              <a:rPr lang="en-US" dirty="0" err="1"/>
+              <a:t>clignoter</a:t>
+            </a:r>
+            <a:r>
+              <a:rPr lang="en-US" dirty="0"/>
+              <a:t> </a:t>
+            </a:r>
+            <a:r>
+              <a:rPr lang="en-US" dirty="0" err="1"/>
+              <a:t>simultanément</a:t>
+            </a:r>
+            <a:r>
+              <a:rPr lang="en-US" dirty="0"/>
+              <a:t> les </a:t>
+            </a:r>
+            <a:r>
+              <a:rPr lang="en-US" dirty="0" err="1"/>
+              <a:t>leds</a:t>
+            </a:r>
+            <a:endParaRPr lang="en-US" dirty="0"/>
+          </a:p>
+          <a:p>
+            <a:endParaRPr lang="en-US" dirty="0"/>
+          </a:p>
+          <a:p>
+            <a:r>
+              <a:rPr lang="en-US" dirty="0"/>
+              <a:t>Faire </a:t>
+            </a:r>
+            <a:r>
+              <a:rPr lang="en-US" dirty="0" err="1"/>
+              <a:t>tourner</a:t>
+            </a:r>
+            <a:r>
+              <a:rPr lang="en-US" dirty="0"/>
+              <a:t> un </a:t>
+            </a:r>
+            <a:r>
+              <a:rPr lang="en-US" dirty="0" err="1"/>
+              <a:t>moteur</a:t>
+            </a:r>
+            <a:endParaRPr lang="en-US" dirty="0"/>
+          </a:p>
+        </p:txBody>
+      </p:sp>
+      <p:sp>
+        <p:nvSpPr>
+          <p:cNvPr id="4" name="Espace réservé du numéro de diapositive 3">
+            <a:extLst>
+              <a:ext uri="{FF2B5EF4-FFF2-40B4-BE49-F238E27FC236}">
+                <a16:creationId xmlns:a16="http://schemas.microsoft.com/office/drawing/2014/main" id="{5ACE6B40-2B14-48A3-9878-D74D9F910F57}"/>
+              </a:ext>
+            </a:extLst>
+          </p:cNvPr>
+          <p:cNvSpPr>
+            <a:spLocks noGrp="1"/>
+          </p:cNvSpPr>
+          <p:nvPr>
+            <p:ph type="sldNum" sz="quarter" idx="12"/>
+          </p:nvPr>
+        </p:nvSpPr>
+        <p:spPr/>
+        <p:txBody>
+          <a:bodyPr/>
+          <a:lstStyle/>
+          <a:p>
+            <a:fld id="{E4FD1E96-881F-4E38-A65A-4DBF7417DE24}" type="slidenum">
+              <a:rPr lang="en-US" smtClean="0"/>
+              <a:t>13</a:t>
+            </a:fld>
+            <a:endParaRPr lang="en-US"/>
+          </a:p>
+        </p:txBody>
+      </p:sp>
+      <p:sp>
+        <p:nvSpPr>
+          <p:cNvPr id="16" name="Rectangle : coins arrondis 15">
+            <a:extLst>
+              <a:ext uri="{FF2B5EF4-FFF2-40B4-BE49-F238E27FC236}">
+                <a16:creationId xmlns:a16="http://schemas.microsoft.com/office/drawing/2014/main" id="{CC46EDBE-7B7E-413B-AE32-86E94C60812B}"/>
+              </a:ext>
+            </a:extLst>
+          </p:cNvPr>
+          <p:cNvSpPr/>
+          <p:nvPr/>
+        </p:nvSpPr>
+        <p:spPr>
+          <a:xfrm>
+            <a:off x="8832151" y="390401"/>
+            <a:ext cx="1661720" cy="1040235"/>
+          </a:xfrm>
+          <a:prstGeom prst="roundRect">
+            <a:avLst/>
+          </a:prstGeom>
+          <a:solidFill>
+            <a:schemeClr val="accent6">
+              <a:lumMod val="75000"/>
+            </a:schemeClr>
+          </a:solidFill>
+        </p:spPr>
+        <p:style>
+          <a:lnRef idx="2">
+            <a:schemeClr val="accent1">
+              <a:shade val="50000"/>
+            </a:schemeClr>
+          </a:lnRef>
+          <a:fillRef idx="1">
+            <a:schemeClr val="accent1"/>
+          </a:fillRef>
+          <a:effectRef idx="0">
+            <a:schemeClr val="accent1"/>
+          </a:effectRef>
+          <a:fontRef idx="minor">
+            <a:schemeClr val="lt1"/>
+          </a:fontRef>
+        </p:style>
+        <p:txBody>
+          <a:bodyPr rtlCol="0" anchor="ctr"/>
+          <a:lstStyle/>
+          <a:p>
+            <a:pPr algn="ctr"/>
+            <a:r>
+              <a:rPr lang="en-US" sz="2400" dirty="0"/>
+              <a:t>PCA9685</a:t>
+            </a:r>
+          </a:p>
+        </p:txBody>
+      </p:sp>
+      <p:cxnSp>
+        <p:nvCxnSpPr>
+          <p:cNvPr id="17" name="Connecteur droit 16">
+            <a:extLst>
+              <a:ext uri="{FF2B5EF4-FFF2-40B4-BE49-F238E27FC236}">
+                <a16:creationId xmlns:a16="http://schemas.microsoft.com/office/drawing/2014/main" id="{DBFFB96E-8971-4A5B-B7E1-B4F94195EA69}"/>
+              </a:ext>
+            </a:extLst>
+          </p:cNvPr>
+          <p:cNvCxnSpPr>
+            <a:cxnSpLocks/>
+          </p:cNvCxnSpPr>
+          <p:nvPr/>
+        </p:nvCxnSpPr>
+        <p:spPr>
+          <a:xfrm flipV="1">
+            <a:off x="8224703" y="580570"/>
+            <a:ext cx="628015" cy="1"/>
+          </a:xfrm>
+          <a:prstGeom prst="line">
+            <a:avLst/>
+          </a:prstGeom>
+          <a:ln w="57150">
+            <a:solidFill>
+              <a:schemeClr val="tx1">
+                <a:lumMod val="65000"/>
+                <a:lumOff val="35000"/>
+              </a:schemeClr>
+            </a:solidFill>
+          </a:ln>
+        </p:spPr>
+        <p:style>
+          <a:lnRef idx="1">
+            <a:schemeClr val="accent1"/>
+          </a:lnRef>
+          <a:fillRef idx="0">
+            <a:schemeClr val="accent1"/>
+          </a:fillRef>
+          <a:effectRef idx="0">
+            <a:schemeClr val="accent1"/>
+          </a:effectRef>
+          <a:fontRef idx="minor">
+            <a:schemeClr val="tx1"/>
+          </a:fontRef>
+        </p:style>
+      </p:cxnSp>
+      <p:cxnSp>
+        <p:nvCxnSpPr>
+          <p:cNvPr id="18" name="Connecteur droit 17">
+            <a:extLst>
+              <a:ext uri="{FF2B5EF4-FFF2-40B4-BE49-F238E27FC236}">
+                <a16:creationId xmlns:a16="http://schemas.microsoft.com/office/drawing/2014/main" id="{B658F3DB-A415-4035-8AF0-C84CF3556A3E}"/>
+              </a:ext>
+            </a:extLst>
+          </p:cNvPr>
+          <p:cNvCxnSpPr>
+            <a:cxnSpLocks/>
+          </p:cNvCxnSpPr>
+          <p:nvPr/>
+        </p:nvCxnSpPr>
+        <p:spPr>
+          <a:xfrm flipV="1">
+            <a:off x="8224703" y="910517"/>
+            <a:ext cx="628015" cy="1"/>
+          </a:xfrm>
+          <a:prstGeom prst="line">
+            <a:avLst/>
+          </a:prstGeom>
+          <a:ln w="57150">
+            <a:solidFill>
+              <a:schemeClr val="tx1">
+                <a:lumMod val="65000"/>
+                <a:lumOff val="35000"/>
+              </a:schemeClr>
+            </a:solidFill>
+          </a:ln>
+        </p:spPr>
+        <p:style>
+          <a:lnRef idx="1">
+            <a:schemeClr val="accent1"/>
+          </a:lnRef>
+          <a:fillRef idx="0">
+            <a:schemeClr val="accent1"/>
+          </a:fillRef>
+          <a:effectRef idx="0">
+            <a:schemeClr val="accent1"/>
+          </a:effectRef>
+          <a:fontRef idx="minor">
+            <a:schemeClr val="tx1"/>
+          </a:fontRef>
+        </p:style>
+      </p:cxnSp>
+      <p:cxnSp>
+        <p:nvCxnSpPr>
+          <p:cNvPr id="19" name="Connecteur droit 18">
+            <a:extLst>
+              <a:ext uri="{FF2B5EF4-FFF2-40B4-BE49-F238E27FC236}">
+                <a16:creationId xmlns:a16="http://schemas.microsoft.com/office/drawing/2014/main" id="{31C52A19-308D-4FCF-8B5E-D0B2F652CE6F}"/>
+              </a:ext>
+            </a:extLst>
+          </p:cNvPr>
+          <p:cNvCxnSpPr>
+            <a:cxnSpLocks/>
+          </p:cNvCxnSpPr>
+          <p:nvPr/>
+        </p:nvCxnSpPr>
+        <p:spPr>
+          <a:xfrm flipV="1">
+            <a:off x="8224703" y="1245799"/>
+            <a:ext cx="628015" cy="1"/>
+          </a:xfrm>
+          <a:prstGeom prst="line">
+            <a:avLst/>
+          </a:prstGeom>
+          <a:ln w="57150">
+            <a:solidFill>
+              <a:schemeClr val="tx1">
+                <a:lumMod val="65000"/>
+                <a:lumOff val="35000"/>
+              </a:schemeClr>
+            </a:solidFill>
+          </a:ln>
+        </p:spPr>
+        <p:style>
+          <a:lnRef idx="1">
+            <a:schemeClr val="accent1"/>
+          </a:lnRef>
+          <a:fillRef idx="0">
+            <a:schemeClr val="accent1"/>
+          </a:fillRef>
+          <a:effectRef idx="0">
+            <a:schemeClr val="accent1"/>
+          </a:effectRef>
+          <a:fontRef idx="minor">
+            <a:schemeClr val="tx1"/>
+          </a:fontRef>
+        </p:style>
+      </p:cxnSp>
+      <p:sp>
+        <p:nvSpPr>
+          <p:cNvPr id="20" name="ZoneTexte 19">
+            <a:extLst>
+              <a:ext uri="{FF2B5EF4-FFF2-40B4-BE49-F238E27FC236}">
+                <a16:creationId xmlns:a16="http://schemas.microsoft.com/office/drawing/2014/main" id="{33FE5913-1277-4550-994B-F59F659DD1D2}"/>
+              </a:ext>
+            </a:extLst>
+          </p:cNvPr>
+          <p:cNvSpPr txBox="1"/>
+          <p:nvPr/>
+        </p:nvSpPr>
+        <p:spPr>
+          <a:xfrm>
+            <a:off x="7512292" y="329055"/>
+            <a:ext cx="712054" cy="369332"/>
+          </a:xfrm>
+          <a:prstGeom prst="rect">
+            <a:avLst/>
+          </a:prstGeom>
+          <a:noFill/>
+        </p:spPr>
+        <p:txBody>
+          <a:bodyPr wrap="none" rtlCol="0">
+            <a:spAutoFit/>
+          </a:bodyPr>
+          <a:lstStyle/>
+          <a:p>
+            <a:r>
+              <a:rPr lang="en-US" dirty="0">
+                <a:solidFill>
+                  <a:schemeClr val="tx1">
+                    <a:lumMod val="75000"/>
+                    <a:lumOff val="25000"/>
+                  </a:schemeClr>
+                </a:solidFill>
+                <a:latin typeface="Abadi" panose="020B0604020104020204" pitchFamily="34" charset="0"/>
+              </a:rPr>
+              <a:t>Laser</a:t>
+            </a:r>
+          </a:p>
+        </p:txBody>
+      </p:sp>
+      <p:sp>
+        <p:nvSpPr>
+          <p:cNvPr id="21" name="ZoneTexte 20">
+            <a:extLst>
+              <a:ext uri="{FF2B5EF4-FFF2-40B4-BE49-F238E27FC236}">
+                <a16:creationId xmlns:a16="http://schemas.microsoft.com/office/drawing/2014/main" id="{DBC4EDD9-4B9E-4B33-B615-22897E23BE64}"/>
+              </a:ext>
+            </a:extLst>
+          </p:cNvPr>
+          <p:cNvSpPr txBox="1"/>
+          <p:nvPr/>
+        </p:nvSpPr>
+        <p:spPr>
+          <a:xfrm>
+            <a:off x="7239781" y="686668"/>
+            <a:ext cx="984565" cy="369332"/>
+          </a:xfrm>
+          <a:prstGeom prst="rect">
+            <a:avLst/>
+          </a:prstGeom>
+          <a:noFill/>
+        </p:spPr>
+        <p:txBody>
+          <a:bodyPr wrap="none" rtlCol="0">
+            <a:spAutoFit/>
+          </a:bodyPr>
+          <a:lstStyle/>
+          <a:p>
+            <a:r>
+              <a:rPr lang="en-US" dirty="0" err="1">
+                <a:solidFill>
+                  <a:schemeClr val="tx1">
+                    <a:lumMod val="75000"/>
+                    <a:lumOff val="25000"/>
+                  </a:schemeClr>
+                </a:solidFill>
+                <a:latin typeface="Abadi" panose="020B0604020104020204" pitchFamily="34" charset="0"/>
+              </a:rPr>
+              <a:t>Moteurs</a:t>
+            </a:r>
+            <a:endParaRPr lang="en-US" dirty="0">
+              <a:solidFill>
+                <a:schemeClr val="tx1">
+                  <a:lumMod val="75000"/>
+                  <a:lumOff val="25000"/>
+                </a:schemeClr>
+              </a:solidFill>
+              <a:latin typeface="Abadi" panose="020B0604020104020204" pitchFamily="34" charset="0"/>
+            </a:endParaRPr>
+          </a:p>
+        </p:txBody>
+      </p:sp>
+      <p:sp>
+        <p:nvSpPr>
+          <p:cNvPr id="22" name="ZoneTexte 21">
+            <a:extLst>
+              <a:ext uri="{FF2B5EF4-FFF2-40B4-BE49-F238E27FC236}">
+                <a16:creationId xmlns:a16="http://schemas.microsoft.com/office/drawing/2014/main" id="{D9025189-86C4-4271-8A6F-BBFE1338A9F6}"/>
+              </a:ext>
+            </a:extLst>
+          </p:cNvPr>
+          <p:cNvSpPr txBox="1"/>
+          <p:nvPr/>
+        </p:nvSpPr>
+        <p:spPr>
+          <a:xfrm>
+            <a:off x="6714801" y="1001117"/>
+            <a:ext cx="1527982" cy="369332"/>
+          </a:xfrm>
+          <a:prstGeom prst="rect">
+            <a:avLst/>
+          </a:prstGeom>
+          <a:noFill/>
+        </p:spPr>
+        <p:txBody>
+          <a:bodyPr wrap="none" rtlCol="0">
+            <a:spAutoFit/>
+          </a:bodyPr>
+          <a:lstStyle/>
+          <a:p>
+            <a:r>
+              <a:rPr lang="en-US" dirty="0">
+                <a:solidFill>
+                  <a:schemeClr val="tx1">
+                    <a:lumMod val="75000"/>
+                    <a:lumOff val="25000"/>
+                  </a:schemeClr>
+                </a:solidFill>
+                <a:latin typeface="Abadi" panose="020B0604020104020204" pitchFamily="34" charset="0"/>
+              </a:rPr>
+              <a:t>Alimentations</a:t>
+            </a:r>
+          </a:p>
+        </p:txBody>
+      </p:sp>
+      <p:cxnSp>
+        <p:nvCxnSpPr>
+          <p:cNvPr id="23" name="Connecteur droit 22">
+            <a:extLst>
+              <a:ext uri="{FF2B5EF4-FFF2-40B4-BE49-F238E27FC236}">
+                <a16:creationId xmlns:a16="http://schemas.microsoft.com/office/drawing/2014/main" id="{D1370A97-B857-4E67-8553-E9E144EB23D5}"/>
+              </a:ext>
+            </a:extLst>
+          </p:cNvPr>
+          <p:cNvCxnSpPr>
+            <a:cxnSpLocks/>
+          </p:cNvCxnSpPr>
+          <p:nvPr/>
+        </p:nvCxnSpPr>
+        <p:spPr>
+          <a:xfrm flipV="1">
+            <a:off x="9112774" y="1430636"/>
+            <a:ext cx="0" cy="487138"/>
+          </a:xfrm>
+          <a:prstGeom prst="line">
+            <a:avLst/>
+          </a:prstGeom>
+          <a:ln w="57150">
+            <a:solidFill>
+              <a:schemeClr val="tx1">
+                <a:lumMod val="65000"/>
+                <a:lumOff val="35000"/>
+              </a:schemeClr>
+            </a:solidFill>
+          </a:ln>
+        </p:spPr>
+        <p:style>
+          <a:lnRef idx="1">
+            <a:schemeClr val="accent1"/>
+          </a:lnRef>
+          <a:fillRef idx="0">
+            <a:schemeClr val="accent1"/>
+          </a:fillRef>
+          <a:effectRef idx="0">
+            <a:schemeClr val="accent1"/>
+          </a:effectRef>
+          <a:fontRef idx="minor">
+            <a:schemeClr val="tx1"/>
+          </a:fontRef>
+        </p:style>
+      </p:cxnSp>
+      <p:sp>
+        <p:nvSpPr>
+          <p:cNvPr id="24" name="ZoneTexte 23">
+            <a:extLst>
+              <a:ext uri="{FF2B5EF4-FFF2-40B4-BE49-F238E27FC236}">
+                <a16:creationId xmlns:a16="http://schemas.microsoft.com/office/drawing/2014/main" id="{BE2BCF17-A169-48E2-925B-C39AC68884F8}"/>
+              </a:ext>
+            </a:extLst>
+          </p:cNvPr>
+          <p:cNvSpPr txBox="1"/>
+          <p:nvPr/>
+        </p:nvSpPr>
+        <p:spPr>
+          <a:xfrm>
+            <a:off x="8788807" y="1916668"/>
+            <a:ext cx="647934" cy="369332"/>
+          </a:xfrm>
+          <a:prstGeom prst="rect">
+            <a:avLst/>
+          </a:prstGeom>
+          <a:noFill/>
+        </p:spPr>
+        <p:txBody>
+          <a:bodyPr wrap="none" rtlCol="0">
+            <a:spAutoFit/>
+          </a:bodyPr>
+          <a:lstStyle/>
+          <a:p>
+            <a:r>
+              <a:rPr lang="en-US" dirty="0" err="1">
+                <a:solidFill>
+                  <a:schemeClr val="tx1">
+                    <a:lumMod val="75000"/>
+                    <a:lumOff val="25000"/>
+                  </a:schemeClr>
+                </a:solidFill>
+                <a:latin typeface="Abadi" panose="020B0604020104020204" pitchFamily="34" charset="0"/>
+              </a:rPr>
+              <a:t>Leds</a:t>
+            </a:r>
+            <a:endParaRPr lang="en-US" dirty="0">
+              <a:solidFill>
+                <a:schemeClr val="tx1">
+                  <a:lumMod val="75000"/>
+                  <a:lumOff val="25000"/>
+                </a:schemeClr>
+              </a:solidFill>
+              <a:latin typeface="Abadi" panose="020B0604020104020204" pitchFamily="34" charset="0"/>
+            </a:endParaRPr>
+          </a:p>
+        </p:txBody>
+      </p:sp>
+      <p:pic>
+        <p:nvPicPr>
+          <p:cNvPr id="26" name="Image 25">
+            <a:extLst>
+              <a:ext uri="{FF2B5EF4-FFF2-40B4-BE49-F238E27FC236}">
+                <a16:creationId xmlns:a16="http://schemas.microsoft.com/office/drawing/2014/main" id="{8FF7259A-4CE1-461B-86A4-C8673F316EF4}"/>
+              </a:ext>
+            </a:extLst>
+          </p:cNvPr>
+          <p:cNvPicPr>
+            <a:picLocks noChangeAspect="1"/>
+          </p:cNvPicPr>
+          <p:nvPr/>
+        </p:nvPicPr>
+        <p:blipFill>
+          <a:blip r:embed="rId2"/>
+          <a:stretch>
+            <a:fillRect/>
+          </a:stretch>
+        </p:blipFill>
+        <p:spPr>
+          <a:xfrm>
+            <a:off x="6172200" y="2331150"/>
+            <a:ext cx="5453725" cy="4122236"/>
+          </a:xfrm>
+          <a:prstGeom prst="rect">
+            <a:avLst/>
+          </a:prstGeom>
+        </p:spPr>
+      </p:pic>
+    </p:spTree>
+    <p:extLst>
+      <p:ext uri="{BB962C8B-B14F-4D97-AF65-F5344CB8AC3E}">
+        <p14:creationId xmlns:p14="http://schemas.microsoft.com/office/powerpoint/2010/main" val="3937296622"/>
+      </p:ext>
+    </p:extLst>
+  </p:cSld>
+  <p:clrMapOvr>
+    <a:masterClrMapping/>
+  </p:clrMapOvr>
+</p:sld>
+</file>
+
+<file path=ppt/slides/slide14.xml><?xml version="1.0" encoding="utf-8"?>
+<p:sld xmlns:a="http://schemas.openxmlformats.org/drawingml/2006/main" xmlns:r="http://schemas.openxmlformats.org/officeDocument/2006/relationships" xmlns:p="http://schemas.openxmlformats.org/presentationml/2006/main">
+  <p:cSld>
+    <p:spTree>
+      <p:nvGrpSpPr>
+        <p:cNvPr id="1" name=""/>
+        <p:cNvGrpSpPr/>
+        <p:nvPr/>
+      </p:nvGrpSpPr>
+      <p:grpSpPr>
+        <a:xfrm>
+          <a:off x="0" y="0"/>
+          <a:ext cx="0" cy="0"/>
+          <a:chOff x="0" y="0"/>
+          <a:chExt cx="0" cy="0"/>
+        </a:xfrm>
+      </p:grpSpPr>
+      <p:sp>
+        <p:nvSpPr>
+          <p:cNvPr id="2" name="Titre 1">
+            <a:extLst>
+              <a:ext uri="{FF2B5EF4-FFF2-40B4-BE49-F238E27FC236}">
+                <a16:creationId xmlns:a16="http://schemas.microsoft.com/office/drawing/2014/main" id="{4BCCC3CA-D797-4531-9D7A-3B90196511E4}"/>
+              </a:ext>
+            </a:extLst>
+          </p:cNvPr>
+          <p:cNvSpPr>
+            <a:spLocks noGrp="1"/>
+          </p:cNvSpPr>
+          <p:nvPr>
+            <p:ph type="title"/>
+          </p:nvPr>
+        </p:nvSpPr>
+        <p:spPr/>
+        <p:txBody>
+          <a:bodyPr/>
+          <a:lstStyle/>
+          <a:p>
+            <a:r>
+              <a:rPr lang="en-US" dirty="0"/>
+              <a:t>MCP3428</a:t>
+            </a:r>
+          </a:p>
+        </p:txBody>
+      </p:sp>
+      <p:sp>
+        <p:nvSpPr>
+          <p:cNvPr id="3" name="Espace réservé du contenu 2">
+            <a:extLst>
+              <a:ext uri="{FF2B5EF4-FFF2-40B4-BE49-F238E27FC236}">
+                <a16:creationId xmlns:a16="http://schemas.microsoft.com/office/drawing/2014/main" id="{3C8E9F55-C63D-4B87-9D54-1F4636B8D75F}"/>
+              </a:ext>
+            </a:extLst>
+          </p:cNvPr>
+          <p:cNvSpPr>
+            <a:spLocks noGrp="1"/>
+          </p:cNvSpPr>
+          <p:nvPr>
+            <p:ph idx="1"/>
+          </p:nvPr>
+        </p:nvSpPr>
+        <p:spPr>
+          <a:xfrm>
+            <a:off x="1371600" y="2286000"/>
+            <a:ext cx="4316136" cy="3581400"/>
+          </a:xfrm>
+        </p:spPr>
+        <p:txBody>
+          <a:bodyPr/>
+          <a:lstStyle/>
+          <a:p>
+            <a:r>
+              <a:rPr lang="en-US" dirty="0"/>
+              <a:t>Test de lecture de la </a:t>
+            </a:r>
+            <a:r>
+              <a:rPr lang="en-US" dirty="0" err="1"/>
+              <a:t>valeur</a:t>
+            </a:r>
+            <a:r>
+              <a:rPr lang="en-US" dirty="0"/>
+              <a:t> de la LDR sur 16 bits (200 – 200 000)</a:t>
+            </a:r>
+          </a:p>
+          <a:p>
+            <a:endParaRPr lang="en-US" dirty="0"/>
+          </a:p>
+          <a:p>
+            <a:endParaRPr lang="en-US" dirty="0"/>
+          </a:p>
+          <a:p>
+            <a:r>
+              <a:rPr lang="en-US" dirty="0"/>
+              <a:t>Test de la </a:t>
+            </a:r>
+            <a:r>
+              <a:rPr lang="en-US" dirty="0" err="1"/>
+              <a:t>mesure</a:t>
+            </a:r>
+            <a:r>
+              <a:rPr lang="en-US" dirty="0"/>
+              <a:t> du 5V</a:t>
+            </a:r>
+          </a:p>
+        </p:txBody>
+      </p:sp>
+      <p:sp>
+        <p:nvSpPr>
+          <p:cNvPr id="4" name="Espace réservé du numéro de diapositive 3">
+            <a:extLst>
+              <a:ext uri="{FF2B5EF4-FFF2-40B4-BE49-F238E27FC236}">
+                <a16:creationId xmlns:a16="http://schemas.microsoft.com/office/drawing/2014/main" id="{EA345344-37F2-408C-B01E-150A19222A22}"/>
+              </a:ext>
+            </a:extLst>
+          </p:cNvPr>
+          <p:cNvSpPr>
+            <a:spLocks noGrp="1"/>
+          </p:cNvSpPr>
+          <p:nvPr>
+            <p:ph type="sldNum" sz="quarter" idx="12"/>
+          </p:nvPr>
+        </p:nvSpPr>
+        <p:spPr/>
+        <p:txBody>
+          <a:bodyPr/>
+          <a:lstStyle/>
+          <a:p>
+            <a:fld id="{E4FD1E96-881F-4E38-A65A-4DBF7417DE24}" type="slidenum">
+              <a:rPr lang="en-US" smtClean="0"/>
+              <a:t>14</a:t>
+            </a:fld>
+            <a:endParaRPr lang="en-US"/>
+          </a:p>
+        </p:txBody>
+      </p:sp>
+      <p:sp>
+        <p:nvSpPr>
+          <p:cNvPr id="6" name="Rectangle : coins arrondis 5">
+            <a:extLst>
+              <a:ext uri="{FF2B5EF4-FFF2-40B4-BE49-F238E27FC236}">
+                <a16:creationId xmlns:a16="http://schemas.microsoft.com/office/drawing/2014/main" id="{42F4FD5A-11A6-4CD1-A388-736DA40011B2}"/>
+              </a:ext>
+            </a:extLst>
+          </p:cNvPr>
+          <p:cNvSpPr/>
+          <p:nvPr/>
+        </p:nvSpPr>
+        <p:spPr>
+          <a:xfrm>
+            <a:off x="8756650" y="571500"/>
+            <a:ext cx="1661720" cy="1040235"/>
+          </a:xfrm>
+          <a:prstGeom prst="roundRect">
+            <a:avLst/>
+          </a:prstGeom>
+          <a:solidFill>
+            <a:schemeClr val="accent2"/>
+          </a:solidFill>
+        </p:spPr>
+        <p:style>
+          <a:lnRef idx="2">
+            <a:schemeClr val="accent1">
+              <a:shade val="50000"/>
+            </a:schemeClr>
+          </a:lnRef>
+          <a:fillRef idx="1">
+            <a:schemeClr val="accent1"/>
+          </a:fillRef>
+          <a:effectRef idx="0">
+            <a:schemeClr val="accent1"/>
+          </a:effectRef>
+          <a:fontRef idx="minor">
+            <a:schemeClr val="lt1"/>
+          </a:fontRef>
+        </p:style>
+        <p:txBody>
+          <a:bodyPr rtlCol="0" anchor="ctr"/>
+          <a:lstStyle/>
+          <a:p>
+            <a:pPr algn="ctr"/>
+            <a:r>
+              <a:rPr lang="en-US" sz="2400" dirty="0"/>
+              <a:t>MCP3428</a:t>
+            </a:r>
+          </a:p>
+        </p:txBody>
+      </p:sp>
+      <p:cxnSp>
+        <p:nvCxnSpPr>
+          <p:cNvPr id="7" name="Connecteur droit 6">
+            <a:extLst>
+              <a:ext uri="{FF2B5EF4-FFF2-40B4-BE49-F238E27FC236}">
+                <a16:creationId xmlns:a16="http://schemas.microsoft.com/office/drawing/2014/main" id="{0B84A4E7-C015-480A-B66A-23A64CD0B639}"/>
+              </a:ext>
+            </a:extLst>
+          </p:cNvPr>
+          <p:cNvCxnSpPr>
+            <a:cxnSpLocks/>
+          </p:cNvCxnSpPr>
+          <p:nvPr/>
+        </p:nvCxnSpPr>
+        <p:spPr>
+          <a:xfrm flipV="1">
+            <a:off x="8149201" y="1389145"/>
+            <a:ext cx="628015" cy="1"/>
+          </a:xfrm>
+          <a:prstGeom prst="line">
+            <a:avLst/>
+          </a:prstGeom>
+          <a:ln w="57150">
+            <a:solidFill>
+              <a:schemeClr val="tx1">
+                <a:lumMod val="65000"/>
+                <a:lumOff val="35000"/>
+              </a:schemeClr>
+            </a:solidFill>
+          </a:ln>
+        </p:spPr>
+        <p:style>
+          <a:lnRef idx="1">
+            <a:schemeClr val="accent1"/>
+          </a:lnRef>
+          <a:fillRef idx="0">
+            <a:schemeClr val="accent1"/>
+          </a:fillRef>
+          <a:effectRef idx="0">
+            <a:schemeClr val="accent1"/>
+          </a:effectRef>
+          <a:fontRef idx="minor">
+            <a:schemeClr val="tx1"/>
+          </a:fontRef>
+        </p:style>
+      </p:cxnSp>
+      <p:cxnSp>
+        <p:nvCxnSpPr>
+          <p:cNvPr id="8" name="Connecteur droit 7">
+            <a:extLst>
+              <a:ext uri="{FF2B5EF4-FFF2-40B4-BE49-F238E27FC236}">
+                <a16:creationId xmlns:a16="http://schemas.microsoft.com/office/drawing/2014/main" id="{AF0BAA1C-FCC3-49F8-B43C-063CC52E8E33}"/>
+              </a:ext>
+            </a:extLst>
+          </p:cNvPr>
+          <p:cNvCxnSpPr>
+            <a:cxnSpLocks/>
+          </p:cNvCxnSpPr>
+          <p:nvPr/>
+        </p:nvCxnSpPr>
+        <p:spPr>
+          <a:xfrm flipV="1">
+            <a:off x="8138918" y="764996"/>
+            <a:ext cx="628015" cy="1"/>
+          </a:xfrm>
+          <a:prstGeom prst="line">
+            <a:avLst/>
+          </a:prstGeom>
+          <a:ln w="57150">
+            <a:solidFill>
+              <a:schemeClr val="tx1">
+                <a:lumMod val="65000"/>
+                <a:lumOff val="35000"/>
+              </a:schemeClr>
+            </a:solidFill>
+          </a:ln>
+        </p:spPr>
+        <p:style>
+          <a:lnRef idx="1">
+            <a:schemeClr val="accent1"/>
+          </a:lnRef>
+          <a:fillRef idx="0">
+            <a:schemeClr val="accent1"/>
+          </a:fillRef>
+          <a:effectRef idx="0">
+            <a:schemeClr val="accent1"/>
+          </a:effectRef>
+          <a:fontRef idx="minor">
+            <a:schemeClr val="tx1"/>
+          </a:fontRef>
+        </p:style>
+      </p:cxnSp>
+      <p:cxnSp>
+        <p:nvCxnSpPr>
+          <p:cNvPr id="9" name="Connecteur droit 8">
+            <a:extLst>
+              <a:ext uri="{FF2B5EF4-FFF2-40B4-BE49-F238E27FC236}">
+                <a16:creationId xmlns:a16="http://schemas.microsoft.com/office/drawing/2014/main" id="{0CF891B8-131E-47AB-ABFE-555FCA713017}"/>
+              </a:ext>
+            </a:extLst>
+          </p:cNvPr>
+          <p:cNvCxnSpPr>
+            <a:cxnSpLocks/>
+          </p:cNvCxnSpPr>
+          <p:nvPr/>
+        </p:nvCxnSpPr>
+        <p:spPr>
+          <a:xfrm flipV="1">
+            <a:off x="8149200" y="1067726"/>
+            <a:ext cx="628015" cy="1"/>
+          </a:xfrm>
+          <a:prstGeom prst="line">
+            <a:avLst/>
+          </a:prstGeom>
+          <a:ln w="57150">
+            <a:solidFill>
+              <a:schemeClr val="tx1">
+                <a:lumMod val="65000"/>
+                <a:lumOff val="35000"/>
+              </a:schemeClr>
+            </a:solidFill>
+          </a:ln>
+        </p:spPr>
+        <p:style>
+          <a:lnRef idx="1">
+            <a:schemeClr val="accent1"/>
+          </a:lnRef>
+          <a:fillRef idx="0">
+            <a:schemeClr val="accent1"/>
+          </a:fillRef>
+          <a:effectRef idx="0">
+            <a:schemeClr val="accent1"/>
+          </a:effectRef>
+          <a:fontRef idx="minor">
+            <a:schemeClr val="tx1"/>
+          </a:fontRef>
+        </p:style>
+      </p:cxnSp>
+      <p:sp>
+        <p:nvSpPr>
+          <p:cNvPr id="10" name="ZoneTexte 9">
+            <a:extLst>
+              <a:ext uri="{FF2B5EF4-FFF2-40B4-BE49-F238E27FC236}">
+                <a16:creationId xmlns:a16="http://schemas.microsoft.com/office/drawing/2014/main" id="{F7971E93-CB17-46A3-B4C8-8A2321BEF43B}"/>
+              </a:ext>
+            </a:extLst>
+          </p:cNvPr>
+          <p:cNvSpPr txBox="1"/>
+          <p:nvPr/>
+        </p:nvSpPr>
+        <p:spPr>
+          <a:xfrm>
+            <a:off x="7396421" y="512682"/>
+            <a:ext cx="728084" cy="369332"/>
+          </a:xfrm>
+          <a:prstGeom prst="rect">
+            <a:avLst/>
+          </a:prstGeom>
+          <a:noFill/>
+        </p:spPr>
+        <p:txBody>
+          <a:bodyPr wrap="none" rtlCol="0">
+            <a:spAutoFit/>
+          </a:bodyPr>
+          <a:lstStyle/>
+          <a:p>
+            <a:r>
+              <a:rPr lang="en-US" dirty="0">
+                <a:solidFill>
+                  <a:schemeClr val="tx1">
+                    <a:lumMod val="75000"/>
+                    <a:lumOff val="25000"/>
+                  </a:schemeClr>
+                </a:solidFill>
+                <a:latin typeface="Abadi" panose="020B0604020104020204" pitchFamily="34" charset="0"/>
+              </a:rPr>
+              <a:t>Micro</a:t>
+            </a:r>
+          </a:p>
+        </p:txBody>
+      </p:sp>
+      <p:sp>
+        <p:nvSpPr>
+          <p:cNvPr id="11" name="ZoneTexte 10">
+            <a:extLst>
+              <a:ext uri="{FF2B5EF4-FFF2-40B4-BE49-F238E27FC236}">
+                <a16:creationId xmlns:a16="http://schemas.microsoft.com/office/drawing/2014/main" id="{4ECD9338-7A51-421F-A75B-F88A5DB051E8}"/>
+              </a:ext>
+            </a:extLst>
+          </p:cNvPr>
+          <p:cNvSpPr txBox="1"/>
+          <p:nvPr/>
+        </p:nvSpPr>
+        <p:spPr>
+          <a:xfrm>
+            <a:off x="7458136" y="818034"/>
+            <a:ext cx="593432" cy="369332"/>
+          </a:xfrm>
+          <a:prstGeom prst="rect">
+            <a:avLst/>
+          </a:prstGeom>
+          <a:noFill/>
+        </p:spPr>
+        <p:txBody>
+          <a:bodyPr wrap="none" rtlCol="0">
+            <a:spAutoFit/>
+          </a:bodyPr>
+          <a:lstStyle/>
+          <a:p>
+            <a:r>
+              <a:rPr lang="en-US" dirty="0">
+                <a:solidFill>
+                  <a:schemeClr val="tx1">
+                    <a:lumMod val="75000"/>
+                    <a:lumOff val="25000"/>
+                  </a:schemeClr>
+                </a:solidFill>
+                <a:latin typeface="Abadi" panose="020B0604020104020204" pitchFamily="34" charset="0"/>
+              </a:rPr>
+              <a:t>LDR</a:t>
+            </a:r>
+          </a:p>
+        </p:txBody>
+      </p:sp>
+      <p:sp>
+        <p:nvSpPr>
+          <p:cNvPr id="12" name="ZoneTexte 11">
+            <a:extLst>
+              <a:ext uri="{FF2B5EF4-FFF2-40B4-BE49-F238E27FC236}">
+                <a16:creationId xmlns:a16="http://schemas.microsoft.com/office/drawing/2014/main" id="{7B08462D-3EBD-4E01-93FB-8E019B7BBB8B}"/>
+              </a:ext>
+            </a:extLst>
+          </p:cNvPr>
+          <p:cNvSpPr txBox="1"/>
+          <p:nvPr/>
+        </p:nvSpPr>
+        <p:spPr>
+          <a:xfrm>
+            <a:off x="7394129" y="1131646"/>
+            <a:ext cx="745717" cy="369332"/>
+          </a:xfrm>
+          <a:prstGeom prst="rect">
+            <a:avLst/>
+          </a:prstGeom>
+          <a:noFill/>
+        </p:spPr>
+        <p:txBody>
+          <a:bodyPr wrap="none" rtlCol="0">
+            <a:spAutoFit/>
+          </a:bodyPr>
+          <a:lstStyle/>
+          <a:p>
+            <a:r>
+              <a:rPr lang="en-US" dirty="0">
+                <a:solidFill>
+                  <a:schemeClr val="tx1">
+                    <a:lumMod val="75000"/>
+                    <a:lumOff val="25000"/>
+                  </a:schemeClr>
+                </a:solidFill>
+                <a:latin typeface="Abadi" panose="020B0604020104020204" pitchFamily="34" charset="0"/>
+              </a:rPr>
+              <a:t>Spare</a:t>
+            </a:r>
+          </a:p>
+        </p:txBody>
+      </p:sp>
+      <p:pic>
+        <p:nvPicPr>
+          <p:cNvPr id="14" name="Image 13">
+            <a:extLst>
+              <a:ext uri="{FF2B5EF4-FFF2-40B4-BE49-F238E27FC236}">
+                <a16:creationId xmlns:a16="http://schemas.microsoft.com/office/drawing/2014/main" id="{DCEC03F2-2119-4065-8BBE-9CCD4EAEB5FD}"/>
+              </a:ext>
+            </a:extLst>
+          </p:cNvPr>
+          <p:cNvPicPr>
+            <a:picLocks noChangeAspect="1"/>
+          </p:cNvPicPr>
+          <p:nvPr/>
+        </p:nvPicPr>
+        <p:blipFill>
+          <a:blip r:embed="rId2"/>
+          <a:stretch>
+            <a:fillRect/>
+          </a:stretch>
+        </p:blipFill>
+        <p:spPr>
+          <a:xfrm>
+            <a:off x="6982480" y="1723381"/>
+            <a:ext cx="4169917" cy="4709309"/>
+          </a:xfrm>
+          <a:prstGeom prst="rect">
+            <a:avLst/>
+          </a:prstGeom>
+        </p:spPr>
+      </p:pic>
+    </p:spTree>
+    <p:extLst>
+      <p:ext uri="{BB962C8B-B14F-4D97-AF65-F5344CB8AC3E}">
+        <p14:creationId xmlns:p14="http://schemas.microsoft.com/office/powerpoint/2010/main" val="2149199853"/>
+      </p:ext>
+    </p:extLst>
+  </p:cSld>
+  <p:clrMapOvr>
+    <a:masterClrMapping/>
+  </p:clrMapOvr>
+</p:sld>
+</file>
+
+<file path=ppt/slides/slide15.xml><?xml version="1.0" encoding="utf-8"?>
+<p:sld xmlns:a="http://schemas.openxmlformats.org/drawingml/2006/main" xmlns:r="http://schemas.openxmlformats.org/officeDocument/2006/relationships" xmlns:p="http://schemas.openxmlformats.org/presentationml/2006/main">
+  <p:cSld>
+    <p:spTree>
+      <p:nvGrpSpPr>
+        <p:cNvPr id="1" name=""/>
+        <p:cNvGrpSpPr/>
+        <p:nvPr/>
+      </p:nvGrpSpPr>
+      <p:grpSpPr>
+        <a:xfrm>
+          <a:off x="0" y="0"/>
+          <a:ext cx="0" cy="0"/>
+          <a:chOff x="0" y="0"/>
+          <a:chExt cx="0" cy="0"/>
+        </a:xfrm>
+      </p:grpSpPr>
+      <p:sp>
+        <p:nvSpPr>
+          <p:cNvPr id="2" name="Titre 1">
+            <a:extLst>
+              <a:ext uri="{FF2B5EF4-FFF2-40B4-BE49-F238E27FC236}">
+                <a16:creationId xmlns:a16="http://schemas.microsoft.com/office/drawing/2014/main" id="{BB60DC96-2010-4E65-BB9D-6838DD048CEB}"/>
+              </a:ext>
+            </a:extLst>
+          </p:cNvPr>
+          <p:cNvSpPr>
+            <a:spLocks noGrp="1"/>
+          </p:cNvSpPr>
+          <p:nvPr>
+            <p:ph type="title"/>
+          </p:nvPr>
+        </p:nvSpPr>
+        <p:spPr/>
+        <p:txBody>
+          <a:bodyPr/>
+          <a:lstStyle/>
+          <a:p>
+            <a:r>
+              <a:rPr lang="en-US" dirty="0"/>
+              <a:t>SD Card</a:t>
+            </a:r>
+          </a:p>
+        </p:txBody>
+      </p:sp>
+      <p:sp>
+        <p:nvSpPr>
+          <p:cNvPr id="4" name="Espace réservé du numéro de diapositive 3">
+            <a:extLst>
+              <a:ext uri="{FF2B5EF4-FFF2-40B4-BE49-F238E27FC236}">
+                <a16:creationId xmlns:a16="http://schemas.microsoft.com/office/drawing/2014/main" id="{82A02D1F-69D6-4CCB-8D0F-5B45109100EA}"/>
+              </a:ext>
+            </a:extLst>
+          </p:cNvPr>
+          <p:cNvSpPr>
+            <a:spLocks noGrp="1"/>
+          </p:cNvSpPr>
+          <p:nvPr>
+            <p:ph type="sldNum" sz="quarter" idx="12"/>
+          </p:nvPr>
+        </p:nvSpPr>
+        <p:spPr/>
+        <p:txBody>
+          <a:bodyPr/>
+          <a:lstStyle/>
+          <a:p>
+            <a:fld id="{E4FD1E96-881F-4E38-A65A-4DBF7417DE24}" type="slidenum">
+              <a:rPr lang="en-US" smtClean="0"/>
+              <a:t>15</a:t>
+            </a:fld>
+            <a:endParaRPr lang="en-US"/>
+          </a:p>
+        </p:txBody>
+      </p:sp>
+      <p:sp>
+        <p:nvSpPr>
+          <p:cNvPr id="5" name="Rectangle : coins arrondis 4">
+            <a:extLst>
+              <a:ext uri="{FF2B5EF4-FFF2-40B4-BE49-F238E27FC236}">
+                <a16:creationId xmlns:a16="http://schemas.microsoft.com/office/drawing/2014/main" id="{029AB65E-9015-427B-93E2-CC871561C1AF}"/>
+              </a:ext>
+            </a:extLst>
+          </p:cNvPr>
+          <p:cNvSpPr/>
+          <p:nvPr/>
+        </p:nvSpPr>
+        <p:spPr>
+          <a:xfrm>
+            <a:off x="8961845" y="470482"/>
+            <a:ext cx="1661720" cy="1040235"/>
+          </a:xfrm>
+          <a:prstGeom prst="roundRect">
+            <a:avLst/>
+          </a:prstGeom>
+          <a:solidFill>
+            <a:schemeClr val="accent5">
+              <a:lumMod val="75000"/>
+            </a:schemeClr>
+          </a:solidFill>
+        </p:spPr>
+        <p:style>
+          <a:lnRef idx="2">
+            <a:schemeClr val="accent1">
+              <a:shade val="50000"/>
+            </a:schemeClr>
+          </a:lnRef>
+          <a:fillRef idx="1">
+            <a:schemeClr val="accent1"/>
+          </a:fillRef>
+          <a:effectRef idx="0">
+            <a:schemeClr val="accent1"/>
+          </a:effectRef>
+          <a:fontRef idx="minor">
+            <a:schemeClr val="lt1"/>
+          </a:fontRef>
+        </p:style>
+        <p:txBody>
+          <a:bodyPr rtlCol="0" anchor="ctr"/>
+          <a:lstStyle/>
+          <a:p>
+            <a:pPr algn="ctr"/>
+            <a:r>
+              <a:rPr lang="en-US" sz="2400" dirty="0"/>
+              <a:t>SD Card</a:t>
+            </a:r>
+          </a:p>
+        </p:txBody>
+      </p:sp>
+      <p:sp>
+        <p:nvSpPr>
+          <p:cNvPr id="9" name="Espace réservé du contenu 8">
+            <a:extLst>
+              <a:ext uri="{FF2B5EF4-FFF2-40B4-BE49-F238E27FC236}">
+                <a16:creationId xmlns:a16="http://schemas.microsoft.com/office/drawing/2014/main" id="{389ABF2A-7866-496F-826C-2494057C2337}"/>
+              </a:ext>
+            </a:extLst>
+          </p:cNvPr>
+          <p:cNvSpPr>
+            <a:spLocks noGrp="1"/>
+          </p:cNvSpPr>
+          <p:nvPr>
+            <p:ph idx="1"/>
+          </p:nvPr>
+        </p:nvSpPr>
+        <p:spPr>
+          <a:xfrm>
+            <a:off x="1371600" y="2286000"/>
+            <a:ext cx="5010539" cy="3581400"/>
+          </a:xfrm>
+        </p:spPr>
+        <p:txBody>
+          <a:bodyPr/>
+          <a:lstStyle/>
+          <a:p>
+            <a:r>
+              <a:rPr lang="en-US" dirty="0"/>
+              <a:t>Pins </a:t>
+            </a:r>
+            <a:r>
+              <a:rPr lang="en-US" dirty="0" err="1"/>
+              <a:t>inversés</a:t>
+            </a:r>
+            <a:endParaRPr lang="en-US" dirty="0"/>
+          </a:p>
+          <a:p>
+            <a:endParaRPr lang="en-US" dirty="0"/>
+          </a:p>
+          <a:p>
+            <a:r>
+              <a:rPr lang="en-US" dirty="0" err="1"/>
+              <a:t>Essai</a:t>
+            </a:r>
+            <a:r>
+              <a:rPr lang="en-US" dirty="0"/>
+              <a:t> avec </a:t>
+            </a:r>
+            <a:r>
+              <a:rPr lang="en-US" dirty="0" err="1"/>
+              <a:t>une</a:t>
+            </a:r>
+            <a:r>
+              <a:rPr lang="en-US" dirty="0"/>
+              <a:t> carte de test et un ESP32 Lora </a:t>
+            </a:r>
+            <a:r>
+              <a:rPr lang="en-US" dirty="0" err="1"/>
+              <a:t>concluant</a:t>
+            </a:r>
+            <a:endParaRPr lang="en-US" dirty="0"/>
+          </a:p>
+          <a:p>
+            <a:endParaRPr lang="en-US" dirty="0"/>
+          </a:p>
+          <a:p>
+            <a:r>
+              <a:rPr lang="en-US" dirty="0"/>
+              <a:t>Test sur la version 2 de la carte, creation d’un </a:t>
+            </a:r>
+            <a:r>
+              <a:rPr lang="en-US" dirty="0" err="1"/>
+              <a:t>fichier</a:t>
+            </a:r>
+            <a:r>
+              <a:rPr lang="en-US" dirty="0"/>
+              <a:t> et d’un dossier</a:t>
+            </a:r>
+          </a:p>
+          <a:p>
+            <a:endParaRPr lang="en-US" dirty="0"/>
+          </a:p>
+        </p:txBody>
+      </p:sp>
+      <p:pic>
+        <p:nvPicPr>
+          <p:cNvPr id="10" name="Image 9">
+            <a:extLst>
+              <a:ext uri="{FF2B5EF4-FFF2-40B4-BE49-F238E27FC236}">
+                <a16:creationId xmlns:a16="http://schemas.microsoft.com/office/drawing/2014/main" id="{20A0596C-4E8A-4B7A-8E77-C056EAB999A1}"/>
+              </a:ext>
+            </a:extLst>
+          </p:cNvPr>
+          <p:cNvPicPr>
+            <a:picLocks noChangeAspect="1"/>
+          </p:cNvPicPr>
+          <p:nvPr/>
+        </p:nvPicPr>
+        <p:blipFill>
+          <a:blip r:embed="rId2"/>
+          <a:stretch>
+            <a:fillRect/>
+          </a:stretch>
+        </p:blipFill>
+        <p:spPr>
+          <a:xfrm>
+            <a:off x="7272379" y="2286000"/>
+            <a:ext cx="4400713" cy="3559117"/>
+          </a:xfrm>
+          <a:prstGeom prst="rect">
+            <a:avLst/>
+          </a:prstGeom>
+        </p:spPr>
+      </p:pic>
+      <p:sp>
+        <p:nvSpPr>
+          <p:cNvPr id="11" name="Rectangle : coins arrondis 10">
+            <a:extLst>
+              <a:ext uri="{FF2B5EF4-FFF2-40B4-BE49-F238E27FC236}">
+                <a16:creationId xmlns:a16="http://schemas.microsoft.com/office/drawing/2014/main" id="{8BF3DEB2-7E08-4BA9-BC67-F0BA277108AE}"/>
+              </a:ext>
+            </a:extLst>
+          </p:cNvPr>
+          <p:cNvSpPr/>
+          <p:nvPr/>
+        </p:nvSpPr>
+        <p:spPr>
+          <a:xfrm>
+            <a:off x="8462865" y="4513427"/>
+            <a:ext cx="1009872" cy="1040235"/>
+          </a:xfrm>
+          <a:prstGeom prst="roundRect">
+            <a:avLst/>
+          </a:prstGeom>
+          <a:noFill/>
+          <a:ln>
+            <a:solidFill>
+              <a:schemeClr val="accent5">
+                <a:lumMod val="75000"/>
+              </a:schemeClr>
+            </a:solidFill>
+          </a:ln>
+        </p:spPr>
+        <p:style>
+          <a:lnRef idx="2">
+            <a:schemeClr val="accent1">
+              <a:shade val="50000"/>
+            </a:schemeClr>
+          </a:lnRef>
+          <a:fillRef idx="1">
+            <a:schemeClr val="accent1"/>
+          </a:fillRef>
+          <a:effectRef idx="0">
+            <a:schemeClr val="accent1"/>
+          </a:effectRef>
+          <a:fontRef idx="minor">
+            <a:schemeClr val="lt1"/>
+          </a:fontRef>
+        </p:style>
+        <p:txBody>
+          <a:bodyPr rtlCol="0" anchor="ctr"/>
+          <a:lstStyle/>
+          <a:p>
+            <a:pPr algn="ctr"/>
+            <a:endParaRPr lang="en-US" sz="2400" dirty="0"/>
+          </a:p>
+        </p:txBody>
+      </p:sp>
+    </p:spTree>
+    <p:extLst>
+      <p:ext uri="{BB962C8B-B14F-4D97-AF65-F5344CB8AC3E}">
+        <p14:creationId xmlns:p14="http://schemas.microsoft.com/office/powerpoint/2010/main" val="3640628198"/>
+      </p:ext>
+    </p:extLst>
+  </p:cSld>
+  <p:clrMapOvr>
+    <a:masterClrMapping/>
+  </p:clrMapOvr>
+</p:sld>
+</file>
+
+<file path=ppt/slides/slide16.xml><?xml version="1.0" encoding="utf-8"?>
+<p:sld xmlns:a="http://schemas.openxmlformats.org/drawingml/2006/main" xmlns:r="http://schemas.openxmlformats.org/officeDocument/2006/relationships" xmlns:p="http://schemas.openxmlformats.org/presentationml/2006/main">
+  <p:cSld>
+    <p:spTree>
+      <p:nvGrpSpPr>
+        <p:cNvPr id="1" name=""/>
+        <p:cNvGrpSpPr/>
+        <p:nvPr/>
+      </p:nvGrpSpPr>
+      <p:grpSpPr>
+        <a:xfrm>
+          <a:off x="0" y="0"/>
+          <a:ext cx="0" cy="0"/>
+          <a:chOff x="0" y="0"/>
+          <a:chExt cx="0" cy="0"/>
+        </a:xfrm>
+      </p:grpSpPr>
+      <p:sp>
+        <p:nvSpPr>
+          <p:cNvPr id="2" name="Titre 1">
+            <a:extLst>
+              <a:ext uri="{FF2B5EF4-FFF2-40B4-BE49-F238E27FC236}">
+                <a16:creationId xmlns:a16="http://schemas.microsoft.com/office/drawing/2014/main" id="{2ECA09A7-2643-45AF-B205-7D605D8EC5B4}"/>
+              </a:ext>
+            </a:extLst>
+          </p:cNvPr>
+          <p:cNvSpPr>
+            <a:spLocks noGrp="1"/>
+          </p:cNvSpPr>
+          <p:nvPr>
+            <p:ph type="title"/>
+          </p:nvPr>
+        </p:nvSpPr>
+        <p:spPr/>
+        <p:txBody>
+          <a:bodyPr/>
+          <a:lstStyle/>
+          <a:p>
+            <a:r>
+              <a:rPr lang="en-US" dirty="0" err="1"/>
+              <a:t>Caméra</a:t>
+            </a:r>
+            <a:endParaRPr lang="en-US" dirty="0"/>
+          </a:p>
+        </p:txBody>
+      </p:sp>
+      <p:sp>
+        <p:nvSpPr>
+          <p:cNvPr id="3" name="Espace réservé du contenu 2">
+            <a:extLst>
+              <a:ext uri="{FF2B5EF4-FFF2-40B4-BE49-F238E27FC236}">
+                <a16:creationId xmlns:a16="http://schemas.microsoft.com/office/drawing/2014/main" id="{E70D8005-9A68-459A-8A46-BFD5A8F528D3}"/>
+              </a:ext>
+            </a:extLst>
+          </p:cNvPr>
+          <p:cNvSpPr>
+            <a:spLocks noGrp="1"/>
+          </p:cNvSpPr>
+          <p:nvPr>
+            <p:ph idx="1"/>
+          </p:nvPr>
+        </p:nvSpPr>
+        <p:spPr>
+          <a:xfrm>
+            <a:off x="1371600" y="2286000"/>
+            <a:ext cx="4572000" cy="3581400"/>
+          </a:xfrm>
+        </p:spPr>
+        <p:txBody>
+          <a:bodyPr>
+            <a:normAutofit lnSpcReduction="10000"/>
+          </a:bodyPr>
+          <a:lstStyle/>
+          <a:p>
+            <a:r>
+              <a:rPr lang="en-US" dirty="0" err="1"/>
+              <a:t>Sérigraphie</a:t>
+            </a:r>
+            <a:r>
+              <a:rPr lang="en-US" dirty="0"/>
+              <a:t> </a:t>
+            </a:r>
+            <a:r>
+              <a:rPr lang="en-US" dirty="0" err="1"/>
+              <a:t>erronée</a:t>
+            </a:r>
+            <a:endParaRPr lang="en-US" dirty="0"/>
+          </a:p>
+          <a:p>
+            <a:endParaRPr lang="en-US" dirty="0"/>
+          </a:p>
+          <a:p>
+            <a:r>
+              <a:rPr lang="en-US" dirty="0"/>
+              <a:t>Inversion C5/R16 et C6/R14</a:t>
+            </a:r>
+          </a:p>
+          <a:p>
+            <a:endParaRPr lang="en-US" dirty="0"/>
+          </a:p>
+          <a:p>
+            <a:r>
+              <a:rPr lang="en-US" dirty="0"/>
+              <a:t>Tensions pour la </a:t>
+            </a:r>
+            <a:r>
+              <a:rPr lang="en-US" dirty="0" err="1"/>
+              <a:t>caméra</a:t>
+            </a:r>
+            <a:r>
+              <a:rPr lang="en-US" dirty="0"/>
+              <a:t> </a:t>
+            </a:r>
+            <a:r>
+              <a:rPr lang="en-US" dirty="0" err="1"/>
+              <a:t>correctes</a:t>
+            </a:r>
+            <a:r>
+              <a:rPr lang="en-US" dirty="0"/>
+              <a:t> (1.8V, 2.7V, 3,3V)</a:t>
+            </a:r>
+          </a:p>
+          <a:p>
+            <a:endParaRPr lang="en-US" dirty="0"/>
+          </a:p>
+          <a:p>
+            <a:r>
+              <a:rPr lang="en-US" dirty="0" err="1"/>
+              <a:t>Périphérique</a:t>
+            </a:r>
+            <a:r>
+              <a:rPr lang="en-US" dirty="0"/>
+              <a:t> non </a:t>
+            </a:r>
+            <a:r>
+              <a:rPr lang="en-US" dirty="0" err="1"/>
+              <a:t>validé</a:t>
+            </a:r>
+            <a:r>
+              <a:rPr lang="en-US" dirty="0"/>
+              <a:t> pour le moment (batterie?)</a:t>
+            </a:r>
+          </a:p>
+        </p:txBody>
+      </p:sp>
+      <p:sp>
+        <p:nvSpPr>
+          <p:cNvPr id="4" name="Espace réservé du numéro de diapositive 3">
+            <a:extLst>
+              <a:ext uri="{FF2B5EF4-FFF2-40B4-BE49-F238E27FC236}">
+                <a16:creationId xmlns:a16="http://schemas.microsoft.com/office/drawing/2014/main" id="{B4F30A7F-5770-4AB7-8964-18D9B48576C4}"/>
+              </a:ext>
+            </a:extLst>
+          </p:cNvPr>
+          <p:cNvSpPr>
+            <a:spLocks noGrp="1"/>
+          </p:cNvSpPr>
+          <p:nvPr>
+            <p:ph type="sldNum" sz="quarter" idx="12"/>
+          </p:nvPr>
+        </p:nvSpPr>
+        <p:spPr/>
+        <p:txBody>
+          <a:bodyPr/>
+          <a:lstStyle/>
+          <a:p>
+            <a:fld id="{E4FD1E96-881F-4E38-A65A-4DBF7417DE24}" type="slidenum">
+              <a:rPr lang="en-US" smtClean="0"/>
+              <a:t>16</a:t>
+            </a:fld>
+            <a:endParaRPr lang="en-US"/>
+          </a:p>
+        </p:txBody>
+      </p:sp>
+      <p:sp>
+        <p:nvSpPr>
+          <p:cNvPr id="5" name="Rectangle : coins arrondis 4">
+            <a:extLst>
+              <a:ext uri="{FF2B5EF4-FFF2-40B4-BE49-F238E27FC236}">
+                <a16:creationId xmlns:a16="http://schemas.microsoft.com/office/drawing/2014/main" id="{2BCA20A0-B88E-4ED4-AC78-432E38A7493F}"/>
+              </a:ext>
+            </a:extLst>
+          </p:cNvPr>
+          <p:cNvSpPr/>
+          <p:nvPr/>
+        </p:nvSpPr>
+        <p:spPr>
+          <a:xfrm>
+            <a:off x="9440022" y="571500"/>
+            <a:ext cx="1661720" cy="1040235"/>
+          </a:xfrm>
+          <a:prstGeom prst="roundRect">
+            <a:avLst/>
+          </a:prstGeom>
+          <a:solidFill>
+            <a:schemeClr val="tx2">
+              <a:lumMod val="50000"/>
+              <a:lumOff val="50000"/>
+            </a:schemeClr>
+          </a:solidFill>
+        </p:spPr>
+        <p:style>
+          <a:lnRef idx="2">
+            <a:schemeClr val="accent1">
+              <a:shade val="50000"/>
+            </a:schemeClr>
+          </a:lnRef>
+          <a:fillRef idx="1">
+            <a:schemeClr val="accent1"/>
+          </a:fillRef>
+          <a:effectRef idx="0">
+            <a:schemeClr val="accent1"/>
+          </a:effectRef>
+          <a:fontRef idx="minor">
+            <a:schemeClr val="lt1"/>
+          </a:fontRef>
+        </p:style>
+        <p:txBody>
+          <a:bodyPr rtlCol="0" anchor="ctr"/>
+          <a:lstStyle/>
+          <a:p>
+            <a:pPr algn="ctr"/>
+            <a:r>
+              <a:rPr lang="en-US" sz="2400" dirty="0" err="1"/>
+              <a:t>Caméra</a:t>
+            </a:r>
+            <a:endParaRPr lang="en-US" sz="2400" dirty="0"/>
+          </a:p>
+        </p:txBody>
+      </p:sp>
+      <p:pic>
+        <p:nvPicPr>
+          <p:cNvPr id="6" name="Image 5">
+            <a:extLst>
+              <a:ext uri="{FF2B5EF4-FFF2-40B4-BE49-F238E27FC236}">
+                <a16:creationId xmlns:a16="http://schemas.microsoft.com/office/drawing/2014/main" id="{9B141AE8-1DEC-45AD-A55C-00E24AEF5555}"/>
+              </a:ext>
+            </a:extLst>
+          </p:cNvPr>
+          <p:cNvPicPr>
+            <a:picLocks noChangeAspect="1"/>
+          </p:cNvPicPr>
+          <p:nvPr/>
+        </p:nvPicPr>
+        <p:blipFill>
+          <a:blip r:embed="rId2"/>
+          <a:stretch>
+            <a:fillRect/>
+          </a:stretch>
+        </p:blipFill>
+        <p:spPr>
+          <a:xfrm>
+            <a:off x="7272379" y="2286000"/>
+            <a:ext cx="4400713" cy="3559117"/>
+          </a:xfrm>
+          <a:prstGeom prst="rect">
+            <a:avLst/>
+          </a:prstGeom>
+        </p:spPr>
+      </p:pic>
+      <p:sp>
+        <p:nvSpPr>
+          <p:cNvPr id="7" name="Rectangle : coins arrondis 6">
+            <a:extLst>
+              <a:ext uri="{FF2B5EF4-FFF2-40B4-BE49-F238E27FC236}">
+                <a16:creationId xmlns:a16="http://schemas.microsoft.com/office/drawing/2014/main" id="{8BC01DC0-9490-42A3-B260-C99CA17A7F2E}"/>
+              </a:ext>
+            </a:extLst>
+          </p:cNvPr>
+          <p:cNvSpPr/>
+          <p:nvPr/>
+        </p:nvSpPr>
+        <p:spPr>
+          <a:xfrm>
+            <a:off x="9349273" y="3429000"/>
+            <a:ext cx="634482" cy="1040235"/>
+          </a:xfrm>
+          <a:prstGeom prst="roundRect">
+            <a:avLst/>
+          </a:prstGeom>
+          <a:noFill/>
+          <a:ln>
+            <a:solidFill>
+              <a:schemeClr val="bg2">
+                <a:lumMod val="50000"/>
+              </a:schemeClr>
+            </a:solidFill>
+          </a:ln>
+        </p:spPr>
+        <p:style>
+          <a:lnRef idx="2">
+            <a:schemeClr val="accent1">
+              <a:shade val="50000"/>
+            </a:schemeClr>
+          </a:lnRef>
+          <a:fillRef idx="1">
+            <a:schemeClr val="accent1"/>
+          </a:fillRef>
+          <a:effectRef idx="0">
+            <a:schemeClr val="accent1"/>
+          </a:effectRef>
+          <a:fontRef idx="minor">
+            <a:schemeClr val="lt1"/>
+          </a:fontRef>
+        </p:style>
+        <p:txBody>
+          <a:bodyPr rtlCol="0" anchor="ctr"/>
+          <a:lstStyle/>
+          <a:p>
+            <a:pPr algn="ctr"/>
+            <a:endParaRPr lang="en-US" sz="2400" dirty="0"/>
+          </a:p>
+        </p:txBody>
+      </p:sp>
+    </p:spTree>
+    <p:extLst>
+      <p:ext uri="{BB962C8B-B14F-4D97-AF65-F5344CB8AC3E}">
+        <p14:creationId xmlns:p14="http://schemas.microsoft.com/office/powerpoint/2010/main" val="482640202"/>
+      </p:ext>
+    </p:extLst>
+  </p:cSld>
+  <p:clrMapOvr>
+    <a:masterClrMapping/>
+  </p:clrMapOvr>
+</p:sld>
+</file>
+
+<file path=ppt/slides/slide17.xml><?xml version="1.0" encoding="utf-8"?>
+<p:sld xmlns:a="http://schemas.openxmlformats.org/drawingml/2006/main" xmlns:r="http://schemas.openxmlformats.org/officeDocument/2006/relationships" xmlns:p="http://schemas.openxmlformats.org/presentationml/2006/main">
+  <p:cSld>
+    <p:spTree>
+      <p:nvGrpSpPr>
+        <p:cNvPr id="1" name=""/>
+        <p:cNvGrpSpPr/>
+        <p:nvPr/>
+      </p:nvGrpSpPr>
+      <p:grpSpPr>
+        <a:xfrm>
+          <a:off x="0" y="0"/>
+          <a:ext cx="0" cy="0"/>
+          <a:chOff x="0" y="0"/>
+          <a:chExt cx="0" cy="0"/>
+        </a:xfrm>
+      </p:grpSpPr>
+      <p:sp>
+        <p:nvSpPr>
+          <p:cNvPr id="2" name="Titre 1">
+            <a:extLst>
+              <a:ext uri="{FF2B5EF4-FFF2-40B4-BE49-F238E27FC236}">
+                <a16:creationId xmlns:a16="http://schemas.microsoft.com/office/drawing/2014/main" id="{14E90987-EBF5-4959-ADE7-579AD2E84B26}"/>
+              </a:ext>
+            </a:extLst>
+          </p:cNvPr>
+          <p:cNvSpPr>
+            <a:spLocks noGrp="1"/>
+          </p:cNvSpPr>
+          <p:nvPr>
+            <p:ph type="title"/>
+          </p:nvPr>
+        </p:nvSpPr>
+        <p:spPr/>
+        <p:txBody>
+          <a:bodyPr/>
+          <a:lstStyle/>
+          <a:p>
+            <a:r>
+              <a:rPr lang="en-US" dirty="0" err="1"/>
+              <a:t>Bilan</a:t>
+            </a:r>
+            <a:endParaRPr lang="en-US" dirty="0"/>
+          </a:p>
+        </p:txBody>
+      </p:sp>
+      <p:sp>
+        <p:nvSpPr>
+          <p:cNvPr id="4" name="Espace réservé du numéro de diapositive 3">
+            <a:extLst>
+              <a:ext uri="{FF2B5EF4-FFF2-40B4-BE49-F238E27FC236}">
+                <a16:creationId xmlns:a16="http://schemas.microsoft.com/office/drawing/2014/main" id="{6B74B692-7D47-4D81-A223-DB30D0484FE7}"/>
+              </a:ext>
+            </a:extLst>
+          </p:cNvPr>
+          <p:cNvSpPr>
+            <a:spLocks noGrp="1"/>
+          </p:cNvSpPr>
+          <p:nvPr>
+            <p:ph type="sldNum" sz="quarter" idx="12"/>
+          </p:nvPr>
+        </p:nvSpPr>
+        <p:spPr/>
+        <p:txBody>
+          <a:bodyPr/>
+          <a:lstStyle/>
+          <a:p>
+            <a:fld id="{E4FD1E96-881F-4E38-A65A-4DBF7417DE24}" type="slidenum">
+              <a:rPr lang="en-US" smtClean="0"/>
+              <a:t>17</a:t>
+            </a:fld>
+            <a:endParaRPr lang="en-US"/>
+          </a:p>
+        </p:txBody>
+      </p:sp>
+      <p:sp>
+        <p:nvSpPr>
+          <p:cNvPr id="35" name="Rectangle : coins arrondis 34">
+            <a:extLst>
+              <a:ext uri="{FF2B5EF4-FFF2-40B4-BE49-F238E27FC236}">
+                <a16:creationId xmlns:a16="http://schemas.microsoft.com/office/drawing/2014/main" id="{9C68AD42-93BB-4A6E-8F88-7CB0F3C3819E}"/>
+              </a:ext>
+            </a:extLst>
+          </p:cNvPr>
+          <p:cNvSpPr/>
+          <p:nvPr/>
+        </p:nvSpPr>
+        <p:spPr>
+          <a:xfrm>
+            <a:off x="1371600" y="1651582"/>
+            <a:ext cx="1661720" cy="1040235"/>
+          </a:xfrm>
+          <a:prstGeom prst="roundRect">
+            <a:avLst/>
+          </a:prstGeom>
+          <a:solidFill>
+            <a:schemeClr val="accent6">
+              <a:lumMod val="75000"/>
+            </a:schemeClr>
+          </a:solidFill>
+        </p:spPr>
+        <p:style>
+          <a:lnRef idx="2">
+            <a:schemeClr val="accent1">
+              <a:shade val="50000"/>
+            </a:schemeClr>
+          </a:lnRef>
+          <a:fillRef idx="1">
+            <a:schemeClr val="accent1"/>
+          </a:fillRef>
+          <a:effectRef idx="0">
+            <a:schemeClr val="accent1"/>
+          </a:effectRef>
+          <a:fontRef idx="minor">
+            <a:schemeClr val="lt1"/>
+          </a:fontRef>
+        </p:style>
+        <p:txBody>
+          <a:bodyPr rtlCol="0" anchor="ctr"/>
+          <a:lstStyle/>
+          <a:p>
+            <a:pPr algn="ctr"/>
+            <a:r>
+              <a:rPr lang="en-US" sz="2400" dirty="0"/>
+              <a:t>PCA9685</a:t>
+            </a:r>
+          </a:p>
+        </p:txBody>
+      </p:sp>
+      <p:sp>
+        <p:nvSpPr>
+          <p:cNvPr id="36" name="Espace réservé du contenu 2">
+            <a:extLst>
+              <a:ext uri="{FF2B5EF4-FFF2-40B4-BE49-F238E27FC236}">
+                <a16:creationId xmlns:a16="http://schemas.microsoft.com/office/drawing/2014/main" id="{43B0860F-C13F-4CB7-A11F-81AA39676D37}"/>
+              </a:ext>
+            </a:extLst>
+          </p:cNvPr>
+          <p:cNvSpPr>
+            <a:spLocks noGrp="1"/>
+          </p:cNvSpPr>
+          <p:nvPr>
+            <p:ph idx="1"/>
+          </p:nvPr>
+        </p:nvSpPr>
+        <p:spPr>
+          <a:xfrm>
+            <a:off x="3377683" y="1911640"/>
+            <a:ext cx="4273420" cy="520118"/>
+          </a:xfrm>
+        </p:spPr>
+        <p:txBody>
+          <a:bodyPr/>
+          <a:lstStyle/>
+          <a:p>
+            <a:r>
+              <a:rPr lang="en-US" dirty="0" err="1"/>
+              <a:t>Validé</a:t>
+            </a:r>
+            <a:endParaRPr lang="en-US" dirty="0"/>
+          </a:p>
+        </p:txBody>
+      </p:sp>
+      <p:sp>
+        <p:nvSpPr>
+          <p:cNvPr id="37" name="Rectangle : coins arrondis 36">
+            <a:extLst>
+              <a:ext uri="{FF2B5EF4-FFF2-40B4-BE49-F238E27FC236}">
+                <a16:creationId xmlns:a16="http://schemas.microsoft.com/office/drawing/2014/main" id="{7D891078-16AD-4AB3-A08D-656A69745179}"/>
+              </a:ext>
+            </a:extLst>
+          </p:cNvPr>
+          <p:cNvSpPr/>
+          <p:nvPr/>
+        </p:nvSpPr>
+        <p:spPr>
+          <a:xfrm>
+            <a:off x="1371600" y="2941749"/>
+            <a:ext cx="1661720" cy="1040235"/>
+          </a:xfrm>
+          <a:prstGeom prst="roundRect">
+            <a:avLst/>
+          </a:prstGeom>
+          <a:solidFill>
+            <a:schemeClr val="accent2"/>
+          </a:solidFill>
+        </p:spPr>
+        <p:style>
+          <a:lnRef idx="2">
+            <a:schemeClr val="accent1">
+              <a:shade val="50000"/>
+            </a:schemeClr>
+          </a:lnRef>
+          <a:fillRef idx="1">
+            <a:schemeClr val="accent1"/>
+          </a:fillRef>
+          <a:effectRef idx="0">
+            <a:schemeClr val="accent1"/>
+          </a:effectRef>
+          <a:fontRef idx="minor">
+            <a:schemeClr val="lt1"/>
+          </a:fontRef>
+        </p:style>
+        <p:txBody>
+          <a:bodyPr rtlCol="0" anchor="ctr"/>
+          <a:lstStyle/>
+          <a:p>
+            <a:pPr algn="ctr"/>
+            <a:r>
+              <a:rPr lang="en-US" sz="2400" dirty="0"/>
+              <a:t>MCP3428</a:t>
+            </a:r>
+          </a:p>
+        </p:txBody>
+      </p:sp>
+      <p:sp>
+        <p:nvSpPr>
+          <p:cNvPr id="38" name="Espace réservé du contenu 2">
+            <a:extLst>
+              <a:ext uri="{FF2B5EF4-FFF2-40B4-BE49-F238E27FC236}">
+                <a16:creationId xmlns:a16="http://schemas.microsoft.com/office/drawing/2014/main" id="{F9EE7E34-23B8-492E-9F08-61B2D91C041B}"/>
+              </a:ext>
+            </a:extLst>
+          </p:cNvPr>
+          <p:cNvSpPr txBox="1">
+            <a:spLocks/>
+          </p:cNvSpPr>
+          <p:nvPr/>
+        </p:nvSpPr>
+        <p:spPr>
+          <a:xfrm>
+            <a:off x="3377683" y="3168941"/>
+            <a:ext cx="4273420" cy="520118"/>
+          </a:xfrm>
+          <a:prstGeom prst="rect">
+            <a:avLst/>
+          </a:prstGeom>
+        </p:spPr>
+        <p:txBody>
+          <a:bodyPr vert="horz" lIns="91440" tIns="45720" rIns="91440" bIns="45720" rtlCol="0">
+            <a:normAutofit/>
+          </a:bodyPr>
+          <a:lstStyle>
+            <a:lvl1pPr marL="384048" indent="-384048" algn="l" defTabSz="914400" rtl="0" eaLnBrk="1" latinLnBrk="0" hangingPunct="1">
+              <a:lnSpc>
+                <a:spcPct val="94000"/>
+              </a:lnSpc>
+              <a:spcBef>
+                <a:spcPts val="1000"/>
+              </a:spcBef>
+              <a:spcAft>
+                <a:spcPts val="200"/>
+              </a:spcAft>
+              <a:buFont typeface="Franklin Gothic Book" panose="020B0503020102020204" pitchFamily="34" charset="0"/>
+              <a:buChar char="■"/>
+              <a:defRPr sz="2000" kern="1200" baseline="0">
+                <a:solidFill>
+                  <a:schemeClr val="tx2"/>
+                </a:solidFill>
+                <a:latin typeface="+mn-lt"/>
+                <a:ea typeface="+mn-ea"/>
+                <a:cs typeface="+mn-cs"/>
+              </a:defRPr>
+            </a:lvl1pPr>
+            <a:lvl2pPr marL="914400" indent="-384048" algn="l" defTabSz="914400" rtl="0" eaLnBrk="1" latinLnBrk="0" hangingPunct="1">
+              <a:lnSpc>
+                <a:spcPct val="94000"/>
+              </a:lnSpc>
+              <a:spcBef>
+                <a:spcPts val="500"/>
+              </a:spcBef>
+              <a:spcAft>
+                <a:spcPts val="200"/>
+              </a:spcAft>
+              <a:buFont typeface="Franklin Gothic Book" panose="020B0503020102020204" pitchFamily="34" charset="0"/>
+              <a:buChar char="–"/>
+              <a:defRPr sz="2000" i="1" kern="1200" baseline="0">
+                <a:solidFill>
+                  <a:schemeClr val="tx2"/>
+                </a:solidFill>
+                <a:latin typeface="+mn-lt"/>
+                <a:ea typeface="+mn-ea"/>
+                <a:cs typeface="+mn-cs"/>
+              </a:defRPr>
+            </a:lvl2pPr>
+            <a:lvl3pPr marL="1371600" indent="-384048" algn="l" defTabSz="914400" rtl="0" eaLnBrk="1" latinLnBrk="0" hangingPunct="1">
+              <a:lnSpc>
+                <a:spcPct val="94000"/>
+              </a:lnSpc>
+              <a:spcBef>
+                <a:spcPts val="500"/>
+              </a:spcBef>
+              <a:spcAft>
+                <a:spcPts val="200"/>
+              </a:spcAft>
+              <a:buFont typeface="Franklin Gothic Book" panose="020B0503020102020204" pitchFamily="34" charset="0"/>
+              <a:buChar char="■"/>
+              <a:defRPr sz="1800" kern="1200" baseline="0">
+                <a:solidFill>
+                  <a:schemeClr val="tx2"/>
+                </a:solidFill>
+                <a:latin typeface="+mn-lt"/>
+                <a:ea typeface="+mn-ea"/>
+                <a:cs typeface="+mn-cs"/>
+              </a:defRPr>
+            </a:lvl3pPr>
+            <a:lvl4pPr marL="1828800" indent="-384048" algn="l" defTabSz="914400" rtl="0" eaLnBrk="1" latinLnBrk="0" hangingPunct="1">
+              <a:lnSpc>
+                <a:spcPct val="94000"/>
+              </a:lnSpc>
+              <a:spcBef>
+                <a:spcPts val="500"/>
+              </a:spcBef>
+              <a:spcAft>
+                <a:spcPts val="200"/>
+              </a:spcAft>
+              <a:buFont typeface="Franklin Gothic Book" panose="020B0503020102020204" pitchFamily="34" charset="0"/>
+              <a:buChar char="–"/>
+              <a:defRPr sz="1800" i="1" kern="1200" baseline="0">
+                <a:solidFill>
+                  <a:schemeClr val="tx2"/>
+                </a:solidFill>
+                <a:latin typeface="+mn-lt"/>
+                <a:ea typeface="+mn-ea"/>
+                <a:cs typeface="+mn-cs"/>
+              </a:defRPr>
+            </a:lvl4pPr>
+            <a:lvl5pPr marL="2286000" indent="-384048" algn="l" defTabSz="914400" rtl="0" eaLnBrk="1" latinLnBrk="0" hangingPunct="1">
+              <a:lnSpc>
+                <a:spcPct val="94000"/>
+              </a:lnSpc>
+              <a:spcBef>
+                <a:spcPts val="500"/>
+              </a:spcBef>
+              <a:spcAft>
+                <a:spcPts val="200"/>
+              </a:spcAft>
+              <a:buFont typeface="Franklin Gothic Book" panose="020B0503020102020204" pitchFamily="34" charset="0"/>
+              <a:buChar char="■"/>
+              <a:defRPr sz="1600" kern="1200" baseline="0">
+                <a:solidFill>
+                  <a:schemeClr val="tx2"/>
+                </a:solidFill>
+                <a:latin typeface="+mn-lt"/>
+                <a:ea typeface="+mn-ea"/>
+                <a:cs typeface="+mn-cs"/>
+              </a:defRPr>
+            </a:lvl5pPr>
+            <a:lvl6pPr marL="2743200" indent="-384048" algn="l" defTabSz="914400" rtl="0" eaLnBrk="1" latinLnBrk="0" hangingPunct="1">
+              <a:lnSpc>
+                <a:spcPct val="94000"/>
+              </a:lnSpc>
+              <a:spcBef>
+                <a:spcPts val="500"/>
+              </a:spcBef>
+              <a:spcAft>
+                <a:spcPts val="200"/>
+              </a:spcAft>
+              <a:buFont typeface="Franklin Gothic Book" panose="020B0503020102020204" pitchFamily="34" charset="0"/>
+              <a:buChar char="–"/>
+              <a:defRPr sz="1600" i="1" kern="1200" baseline="0">
+                <a:solidFill>
+                  <a:schemeClr val="tx2"/>
+                </a:solidFill>
+                <a:latin typeface="+mn-lt"/>
+                <a:ea typeface="+mn-ea"/>
+                <a:cs typeface="+mn-cs"/>
+              </a:defRPr>
+            </a:lvl6pPr>
+            <a:lvl7pPr marL="3200400" indent="-384048" algn="l" defTabSz="914400" rtl="0" eaLnBrk="1" latinLnBrk="0" hangingPunct="1">
+              <a:lnSpc>
+                <a:spcPct val="94000"/>
+              </a:lnSpc>
+              <a:spcBef>
+                <a:spcPts val="500"/>
+              </a:spcBef>
+              <a:spcAft>
+                <a:spcPts val="200"/>
+              </a:spcAft>
+              <a:buFont typeface="Franklin Gothic Book" panose="020B0503020102020204" pitchFamily="34" charset="0"/>
+              <a:buChar char="■"/>
+              <a:defRPr sz="1400" kern="1200" baseline="0">
+                <a:solidFill>
+                  <a:schemeClr val="tx2"/>
+                </a:solidFill>
+                <a:latin typeface="+mn-lt"/>
+                <a:ea typeface="+mn-ea"/>
+                <a:cs typeface="+mn-cs"/>
+              </a:defRPr>
+            </a:lvl7pPr>
+            <a:lvl8pPr marL="3657600" indent="-384048" algn="l" defTabSz="914400" rtl="0" eaLnBrk="1" latinLnBrk="0" hangingPunct="1">
+              <a:lnSpc>
+                <a:spcPct val="94000"/>
+              </a:lnSpc>
+              <a:spcBef>
+                <a:spcPts val="500"/>
+              </a:spcBef>
+              <a:spcAft>
+                <a:spcPts val="200"/>
+              </a:spcAft>
+              <a:buFont typeface="Franklin Gothic Book" panose="020B0503020102020204" pitchFamily="34" charset="0"/>
+              <a:buChar char="–"/>
+              <a:defRPr sz="1400" i="1" kern="1200" baseline="0">
+                <a:solidFill>
+                  <a:schemeClr val="tx2"/>
+                </a:solidFill>
+                <a:latin typeface="+mn-lt"/>
+                <a:ea typeface="+mn-ea"/>
+                <a:cs typeface="+mn-cs"/>
+              </a:defRPr>
+            </a:lvl8pPr>
+            <a:lvl9pPr marL="4114800" indent="-384048" algn="l" defTabSz="914400" rtl="0" eaLnBrk="1" latinLnBrk="0" hangingPunct="1">
+              <a:lnSpc>
+                <a:spcPct val="94000"/>
+              </a:lnSpc>
+              <a:spcBef>
+                <a:spcPts val="500"/>
+              </a:spcBef>
+              <a:spcAft>
+                <a:spcPts val="200"/>
+              </a:spcAft>
+              <a:buFont typeface="Franklin Gothic Book" panose="020B0503020102020204" pitchFamily="34" charset="0"/>
+              <a:buChar char="■"/>
+              <a:defRPr sz="1400" kern="1200" baseline="0">
+                <a:solidFill>
+                  <a:schemeClr val="tx2"/>
+                </a:solidFill>
+                <a:latin typeface="+mn-lt"/>
+                <a:ea typeface="+mn-ea"/>
+                <a:cs typeface="+mn-cs"/>
+              </a:defRPr>
+            </a:lvl9pPr>
+          </a:lstStyle>
+          <a:p>
+            <a:r>
+              <a:rPr lang="en-US" dirty="0" err="1"/>
+              <a:t>Validé</a:t>
+            </a:r>
+            <a:r>
+              <a:rPr lang="en-US" dirty="0"/>
+              <a:t>, </a:t>
+            </a:r>
+            <a:r>
+              <a:rPr lang="en-US" dirty="0" err="1"/>
+              <a:t>mais</a:t>
+            </a:r>
+            <a:r>
+              <a:rPr lang="en-US" dirty="0"/>
+              <a:t> micro non </a:t>
+            </a:r>
+            <a:r>
+              <a:rPr lang="en-US" dirty="0" err="1"/>
+              <a:t>testé</a:t>
+            </a:r>
+            <a:endParaRPr lang="en-US" dirty="0"/>
+          </a:p>
+        </p:txBody>
+      </p:sp>
+      <p:sp>
+        <p:nvSpPr>
+          <p:cNvPr id="39" name="Rectangle : coins arrondis 38">
+            <a:extLst>
+              <a:ext uri="{FF2B5EF4-FFF2-40B4-BE49-F238E27FC236}">
+                <a16:creationId xmlns:a16="http://schemas.microsoft.com/office/drawing/2014/main" id="{459D52B2-49AD-476F-A430-AA6D3C4C6FCC}"/>
+              </a:ext>
+            </a:extLst>
+          </p:cNvPr>
+          <p:cNvSpPr/>
+          <p:nvPr/>
+        </p:nvSpPr>
+        <p:spPr>
+          <a:xfrm>
+            <a:off x="1371600" y="4231917"/>
+            <a:ext cx="1661720" cy="1040235"/>
+          </a:xfrm>
+          <a:prstGeom prst="roundRect">
+            <a:avLst/>
+          </a:prstGeom>
+          <a:solidFill>
+            <a:schemeClr val="accent5">
+              <a:lumMod val="75000"/>
+            </a:schemeClr>
+          </a:solidFill>
+        </p:spPr>
+        <p:style>
+          <a:lnRef idx="2">
+            <a:schemeClr val="accent1">
+              <a:shade val="50000"/>
+            </a:schemeClr>
+          </a:lnRef>
+          <a:fillRef idx="1">
+            <a:schemeClr val="accent1"/>
+          </a:fillRef>
+          <a:effectRef idx="0">
+            <a:schemeClr val="accent1"/>
+          </a:effectRef>
+          <a:fontRef idx="minor">
+            <a:schemeClr val="lt1"/>
+          </a:fontRef>
+        </p:style>
+        <p:txBody>
+          <a:bodyPr rtlCol="0" anchor="ctr"/>
+          <a:lstStyle/>
+          <a:p>
+            <a:pPr algn="ctr"/>
+            <a:r>
+              <a:rPr lang="en-US" sz="2400" dirty="0"/>
+              <a:t>SD Card</a:t>
+            </a:r>
+          </a:p>
+        </p:txBody>
+      </p:sp>
+      <p:sp>
+        <p:nvSpPr>
+          <p:cNvPr id="40" name="Espace réservé du contenu 2">
+            <a:extLst>
+              <a:ext uri="{FF2B5EF4-FFF2-40B4-BE49-F238E27FC236}">
+                <a16:creationId xmlns:a16="http://schemas.microsoft.com/office/drawing/2014/main" id="{868B1334-9F8B-454D-BE12-82C7CCF2E02E}"/>
+              </a:ext>
+            </a:extLst>
+          </p:cNvPr>
+          <p:cNvSpPr txBox="1">
+            <a:spLocks/>
+          </p:cNvSpPr>
+          <p:nvPr/>
+        </p:nvSpPr>
+        <p:spPr>
+          <a:xfrm>
+            <a:off x="3377683" y="4491974"/>
+            <a:ext cx="7688424" cy="677183"/>
+          </a:xfrm>
+          <a:prstGeom prst="rect">
+            <a:avLst/>
+          </a:prstGeom>
+        </p:spPr>
+        <p:txBody>
+          <a:bodyPr vert="horz" lIns="91440" tIns="45720" rIns="91440" bIns="45720" rtlCol="0">
+            <a:normAutofit/>
+          </a:bodyPr>
+          <a:lstStyle>
+            <a:lvl1pPr marL="384048" indent="-384048" algn="l" defTabSz="914400" rtl="0" eaLnBrk="1" latinLnBrk="0" hangingPunct="1">
+              <a:lnSpc>
+                <a:spcPct val="94000"/>
+              </a:lnSpc>
+              <a:spcBef>
+                <a:spcPts val="1000"/>
+              </a:spcBef>
+              <a:spcAft>
+                <a:spcPts val="200"/>
+              </a:spcAft>
+              <a:buFont typeface="Franklin Gothic Book" panose="020B0503020102020204" pitchFamily="34" charset="0"/>
+              <a:buChar char="■"/>
+              <a:defRPr sz="2000" kern="1200" baseline="0">
+                <a:solidFill>
+                  <a:schemeClr val="tx2"/>
+                </a:solidFill>
+                <a:latin typeface="+mn-lt"/>
+                <a:ea typeface="+mn-ea"/>
+                <a:cs typeface="+mn-cs"/>
+              </a:defRPr>
+            </a:lvl1pPr>
+            <a:lvl2pPr marL="914400" indent="-384048" algn="l" defTabSz="914400" rtl="0" eaLnBrk="1" latinLnBrk="0" hangingPunct="1">
+              <a:lnSpc>
+                <a:spcPct val="94000"/>
+              </a:lnSpc>
+              <a:spcBef>
+                <a:spcPts val="500"/>
+              </a:spcBef>
+              <a:spcAft>
+                <a:spcPts val="200"/>
+              </a:spcAft>
+              <a:buFont typeface="Franklin Gothic Book" panose="020B0503020102020204" pitchFamily="34" charset="0"/>
+              <a:buChar char="–"/>
+              <a:defRPr sz="2000" i="1" kern="1200" baseline="0">
+                <a:solidFill>
+                  <a:schemeClr val="tx2"/>
+                </a:solidFill>
+                <a:latin typeface="+mn-lt"/>
+                <a:ea typeface="+mn-ea"/>
+                <a:cs typeface="+mn-cs"/>
+              </a:defRPr>
+            </a:lvl2pPr>
+            <a:lvl3pPr marL="1371600" indent="-384048" algn="l" defTabSz="914400" rtl="0" eaLnBrk="1" latinLnBrk="0" hangingPunct="1">
+              <a:lnSpc>
+                <a:spcPct val="94000"/>
+              </a:lnSpc>
+              <a:spcBef>
+                <a:spcPts val="500"/>
+              </a:spcBef>
+              <a:spcAft>
+                <a:spcPts val="200"/>
+              </a:spcAft>
+              <a:buFont typeface="Franklin Gothic Book" panose="020B0503020102020204" pitchFamily="34" charset="0"/>
+              <a:buChar char="■"/>
+              <a:defRPr sz="1800" kern="1200" baseline="0">
+                <a:solidFill>
+                  <a:schemeClr val="tx2"/>
+                </a:solidFill>
+                <a:latin typeface="+mn-lt"/>
+                <a:ea typeface="+mn-ea"/>
+                <a:cs typeface="+mn-cs"/>
+              </a:defRPr>
+            </a:lvl3pPr>
+            <a:lvl4pPr marL="1828800" indent="-384048" algn="l" defTabSz="914400" rtl="0" eaLnBrk="1" latinLnBrk="0" hangingPunct="1">
+              <a:lnSpc>
+                <a:spcPct val="94000"/>
+              </a:lnSpc>
+              <a:spcBef>
+                <a:spcPts val="500"/>
+              </a:spcBef>
+              <a:spcAft>
+                <a:spcPts val="200"/>
+              </a:spcAft>
+              <a:buFont typeface="Franklin Gothic Book" panose="020B0503020102020204" pitchFamily="34" charset="0"/>
+              <a:buChar char="–"/>
+              <a:defRPr sz="1800" i="1" kern="1200" baseline="0">
+                <a:solidFill>
+                  <a:schemeClr val="tx2"/>
+                </a:solidFill>
+                <a:latin typeface="+mn-lt"/>
+                <a:ea typeface="+mn-ea"/>
+                <a:cs typeface="+mn-cs"/>
+              </a:defRPr>
+            </a:lvl4pPr>
+            <a:lvl5pPr marL="2286000" indent="-384048" algn="l" defTabSz="914400" rtl="0" eaLnBrk="1" latinLnBrk="0" hangingPunct="1">
+              <a:lnSpc>
+                <a:spcPct val="94000"/>
+              </a:lnSpc>
+              <a:spcBef>
+                <a:spcPts val="500"/>
+              </a:spcBef>
+              <a:spcAft>
+                <a:spcPts val="200"/>
+              </a:spcAft>
+              <a:buFont typeface="Franklin Gothic Book" panose="020B0503020102020204" pitchFamily="34" charset="0"/>
+              <a:buChar char="■"/>
+              <a:defRPr sz="1600" kern="1200" baseline="0">
+                <a:solidFill>
+                  <a:schemeClr val="tx2"/>
+                </a:solidFill>
+                <a:latin typeface="+mn-lt"/>
+                <a:ea typeface="+mn-ea"/>
+                <a:cs typeface="+mn-cs"/>
+              </a:defRPr>
+            </a:lvl5pPr>
+            <a:lvl6pPr marL="2743200" indent="-384048" algn="l" defTabSz="914400" rtl="0" eaLnBrk="1" latinLnBrk="0" hangingPunct="1">
+              <a:lnSpc>
+                <a:spcPct val="94000"/>
+              </a:lnSpc>
+              <a:spcBef>
+                <a:spcPts val="500"/>
+              </a:spcBef>
+              <a:spcAft>
+                <a:spcPts val="200"/>
+              </a:spcAft>
+              <a:buFont typeface="Franklin Gothic Book" panose="020B0503020102020204" pitchFamily="34" charset="0"/>
+              <a:buChar char="–"/>
+              <a:defRPr sz="1600" i="1" kern="1200" baseline="0">
+                <a:solidFill>
+                  <a:schemeClr val="tx2"/>
+                </a:solidFill>
+                <a:latin typeface="+mn-lt"/>
+                <a:ea typeface="+mn-ea"/>
+                <a:cs typeface="+mn-cs"/>
+              </a:defRPr>
+            </a:lvl6pPr>
+            <a:lvl7pPr marL="3200400" indent="-384048" algn="l" defTabSz="914400" rtl="0" eaLnBrk="1" latinLnBrk="0" hangingPunct="1">
+              <a:lnSpc>
+                <a:spcPct val="94000"/>
+              </a:lnSpc>
+              <a:spcBef>
+                <a:spcPts val="500"/>
+              </a:spcBef>
+              <a:spcAft>
+                <a:spcPts val="200"/>
+              </a:spcAft>
+              <a:buFont typeface="Franklin Gothic Book" panose="020B0503020102020204" pitchFamily="34" charset="0"/>
+              <a:buChar char="■"/>
+              <a:defRPr sz="1400" kern="1200" baseline="0">
+                <a:solidFill>
+                  <a:schemeClr val="tx2"/>
+                </a:solidFill>
+                <a:latin typeface="+mn-lt"/>
+                <a:ea typeface="+mn-ea"/>
+                <a:cs typeface="+mn-cs"/>
+              </a:defRPr>
+            </a:lvl7pPr>
+            <a:lvl8pPr marL="3657600" indent="-384048" algn="l" defTabSz="914400" rtl="0" eaLnBrk="1" latinLnBrk="0" hangingPunct="1">
+              <a:lnSpc>
+                <a:spcPct val="94000"/>
+              </a:lnSpc>
+              <a:spcBef>
+                <a:spcPts val="500"/>
+              </a:spcBef>
+              <a:spcAft>
+                <a:spcPts val="200"/>
+              </a:spcAft>
+              <a:buFont typeface="Franklin Gothic Book" panose="020B0503020102020204" pitchFamily="34" charset="0"/>
+              <a:buChar char="–"/>
+              <a:defRPr sz="1400" i="1" kern="1200" baseline="0">
+                <a:solidFill>
+                  <a:schemeClr val="tx2"/>
+                </a:solidFill>
+                <a:latin typeface="+mn-lt"/>
+                <a:ea typeface="+mn-ea"/>
+                <a:cs typeface="+mn-cs"/>
+              </a:defRPr>
+            </a:lvl8pPr>
+            <a:lvl9pPr marL="4114800" indent="-384048" algn="l" defTabSz="914400" rtl="0" eaLnBrk="1" latinLnBrk="0" hangingPunct="1">
+              <a:lnSpc>
+                <a:spcPct val="94000"/>
+              </a:lnSpc>
+              <a:spcBef>
+                <a:spcPts val="500"/>
+              </a:spcBef>
+              <a:spcAft>
+                <a:spcPts val="200"/>
+              </a:spcAft>
+              <a:buFont typeface="Franklin Gothic Book" panose="020B0503020102020204" pitchFamily="34" charset="0"/>
+              <a:buChar char="■"/>
+              <a:defRPr sz="1400" kern="1200" baseline="0">
+                <a:solidFill>
+                  <a:schemeClr val="tx2"/>
+                </a:solidFill>
+                <a:latin typeface="+mn-lt"/>
+                <a:ea typeface="+mn-ea"/>
+                <a:cs typeface="+mn-cs"/>
+              </a:defRPr>
+            </a:lvl9pPr>
+          </a:lstStyle>
+          <a:p>
+            <a:r>
+              <a:rPr lang="en-US" dirty="0" err="1"/>
+              <a:t>Validé</a:t>
+            </a:r>
+            <a:r>
+              <a:rPr lang="en-US" dirty="0"/>
+              <a:t>, </a:t>
+            </a:r>
+            <a:r>
+              <a:rPr lang="en-US" dirty="0" err="1"/>
+              <a:t>mais</a:t>
+            </a:r>
+            <a:r>
+              <a:rPr lang="en-US" dirty="0"/>
+              <a:t> </a:t>
+            </a:r>
+            <a:r>
+              <a:rPr lang="en-US" dirty="0" err="1"/>
+              <a:t>semble</a:t>
+            </a:r>
+            <a:r>
+              <a:rPr lang="en-US" dirty="0"/>
+              <a:t> non </a:t>
+            </a:r>
+            <a:r>
+              <a:rPr lang="en-US" dirty="0" err="1"/>
+              <a:t>fonctionnel</a:t>
+            </a:r>
+            <a:r>
+              <a:rPr lang="en-US" dirty="0"/>
+              <a:t> avec </a:t>
+            </a:r>
+            <a:r>
+              <a:rPr lang="en-US" dirty="0" err="1"/>
+              <a:t>une</a:t>
+            </a:r>
+            <a:r>
+              <a:rPr lang="en-US" dirty="0"/>
+              <a:t> alimentation par USB</a:t>
+            </a:r>
+          </a:p>
+        </p:txBody>
+      </p:sp>
+      <p:sp>
+        <p:nvSpPr>
+          <p:cNvPr id="41" name="Rectangle : coins arrondis 40">
+            <a:extLst>
+              <a:ext uri="{FF2B5EF4-FFF2-40B4-BE49-F238E27FC236}">
+                <a16:creationId xmlns:a16="http://schemas.microsoft.com/office/drawing/2014/main" id="{4068CDAA-9B24-4748-AEEA-F20E6034B24A}"/>
+              </a:ext>
+            </a:extLst>
+          </p:cNvPr>
+          <p:cNvSpPr/>
+          <p:nvPr/>
+        </p:nvSpPr>
+        <p:spPr>
+          <a:xfrm>
+            <a:off x="1371600" y="5522085"/>
+            <a:ext cx="1661720" cy="1040235"/>
+          </a:xfrm>
+          <a:prstGeom prst="roundRect">
+            <a:avLst/>
+          </a:prstGeom>
+          <a:solidFill>
+            <a:schemeClr val="tx2">
+              <a:lumMod val="50000"/>
+              <a:lumOff val="50000"/>
+            </a:schemeClr>
+          </a:solidFill>
+        </p:spPr>
+        <p:style>
+          <a:lnRef idx="2">
+            <a:schemeClr val="accent1">
+              <a:shade val="50000"/>
+            </a:schemeClr>
+          </a:lnRef>
+          <a:fillRef idx="1">
+            <a:schemeClr val="accent1"/>
+          </a:fillRef>
+          <a:effectRef idx="0">
+            <a:schemeClr val="accent1"/>
+          </a:effectRef>
+          <a:fontRef idx="minor">
+            <a:schemeClr val="lt1"/>
+          </a:fontRef>
+        </p:style>
+        <p:txBody>
+          <a:bodyPr rtlCol="0" anchor="ctr"/>
+          <a:lstStyle/>
+          <a:p>
+            <a:pPr algn="ctr"/>
+            <a:r>
+              <a:rPr lang="en-US" sz="2400" dirty="0" err="1"/>
+              <a:t>Caméra</a:t>
+            </a:r>
+            <a:endParaRPr lang="en-US" sz="2400" dirty="0"/>
+          </a:p>
+        </p:txBody>
+      </p:sp>
+      <p:sp>
+        <p:nvSpPr>
+          <p:cNvPr id="43" name="Espace réservé du contenu 2">
+            <a:extLst>
+              <a:ext uri="{FF2B5EF4-FFF2-40B4-BE49-F238E27FC236}">
+                <a16:creationId xmlns:a16="http://schemas.microsoft.com/office/drawing/2014/main" id="{EBD48574-B6DE-46CA-984A-C5AFE8C4F20F}"/>
+              </a:ext>
+            </a:extLst>
+          </p:cNvPr>
+          <p:cNvSpPr txBox="1">
+            <a:spLocks/>
+          </p:cNvSpPr>
+          <p:nvPr/>
+        </p:nvSpPr>
+        <p:spPr>
+          <a:xfrm>
+            <a:off x="3377683" y="5776202"/>
+            <a:ext cx="7688424" cy="677184"/>
+          </a:xfrm>
+          <a:prstGeom prst="rect">
+            <a:avLst/>
+          </a:prstGeom>
+        </p:spPr>
+        <p:txBody>
+          <a:bodyPr vert="horz" lIns="91440" tIns="45720" rIns="91440" bIns="45720" rtlCol="0">
+            <a:normAutofit/>
+          </a:bodyPr>
+          <a:lstStyle>
+            <a:lvl1pPr marL="384048" indent="-384048" algn="l" defTabSz="914400" rtl="0" eaLnBrk="1" latinLnBrk="0" hangingPunct="1">
+              <a:lnSpc>
+                <a:spcPct val="94000"/>
+              </a:lnSpc>
+              <a:spcBef>
+                <a:spcPts val="1000"/>
+              </a:spcBef>
+              <a:spcAft>
+                <a:spcPts val="200"/>
+              </a:spcAft>
+              <a:buFont typeface="Franklin Gothic Book" panose="020B0503020102020204" pitchFamily="34" charset="0"/>
+              <a:buChar char="■"/>
+              <a:defRPr sz="2000" kern="1200" baseline="0">
+                <a:solidFill>
+                  <a:schemeClr val="tx2"/>
+                </a:solidFill>
+                <a:latin typeface="+mn-lt"/>
+                <a:ea typeface="+mn-ea"/>
+                <a:cs typeface="+mn-cs"/>
+              </a:defRPr>
+            </a:lvl1pPr>
+            <a:lvl2pPr marL="914400" indent="-384048" algn="l" defTabSz="914400" rtl="0" eaLnBrk="1" latinLnBrk="0" hangingPunct="1">
+              <a:lnSpc>
+                <a:spcPct val="94000"/>
+              </a:lnSpc>
+              <a:spcBef>
+                <a:spcPts val="500"/>
+              </a:spcBef>
+              <a:spcAft>
+                <a:spcPts val="200"/>
+              </a:spcAft>
+              <a:buFont typeface="Franklin Gothic Book" panose="020B0503020102020204" pitchFamily="34" charset="0"/>
+              <a:buChar char="–"/>
+              <a:defRPr sz="2000" i="1" kern="1200" baseline="0">
+                <a:solidFill>
+                  <a:schemeClr val="tx2"/>
+                </a:solidFill>
+                <a:latin typeface="+mn-lt"/>
+                <a:ea typeface="+mn-ea"/>
+                <a:cs typeface="+mn-cs"/>
+              </a:defRPr>
+            </a:lvl2pPr>
+            <a:lvl3pPr marL="1371600" indent="-384048" algn="l" defTabSz="914400" rtl="0" eaLnBrk="1" latinLnBrk="0" hangingPunct="1">
+              <a:lnSpc>
+                <a:spcPct val="94000"/>
+              </a:lnSpc>
+              <a:spcBef>
+                <a:spcPts val="500"/>
+              </a:spcBef>
+              <a:spcAft>
+                <a:spcPts val="200"/>
+              </a:spcAft>
+              <a:buFont typeface="Franklin Gothic Book" panose="020B0503020102020204" pitchFamily="34" charset="0"/>
+              <a:buChar char="■"/>
+              <a:defRPr sz="1800" kern="1200" baseline="0">
+                <a:solidFill>
+                  <a:schemeClr val="tx2"/>
+                </a:solidFill>
+                <a:latin typeface="+mn-lt"/>
+                <a:ea typeface="+mn-ea"/>
+                <a:cs typeface="+mn-cs"/>
+              </a:defRPr>
+            </a:lvl3pPr>
+            <a:lvl4pPr marL="1828800" indent="-384048" algn="l" defTabSz="914400" rtl="0" eaLnBrk="1" latinLnBrk="0" hangingPunct="1">
+              <a:lnSpc>
+                <a:spcPct val="94000"/>
+              </a:lnSpc>
+              <a:spcBef>
+                <a:spcPts val="500"/>
+              </a:spcBef>
+              <a:spcAft>
+                <a:spcPts val="200"/>
+              </a:spcAft>
+              <a:buFont typeface="Franklin Gothic Book" panose="020B0503020102020204" pitchFamily="34" charset="0"/>
+              <a:buChar char="–"/>
+              <a:defRPr sz="1800" i="1" kern="1200" baseline="0">
+                <a:solidFill>
+                  <a:schemeClr val="tx2"/>
+                </a:solidFill>
+                <a:latin typeface="+mn-lt"/>
+                <a:ea typeface="+mn-ea"/>
+                <a:cs typeface="+mn-cs"/>
+              </a:defRPr>
+            </a:lvl4pPr>
+            <a:lvl5pPr marL="2286000" indent="-384048" algn="l" defTabSz="914400" rtl="0" eaLnBrk="1" latinLnBrk="0" hangingPunct="1">
+              <a:lnSpc>
+                <a:spcPct val="94000"/>
+              </a:lnSpc>
+              <a:spcBef>
+                <a:spcPts val="500"/>
+              </a:spcBef>
+              <a:spcAft>
+                <a:spcPts val="200"/>
+              </a:spcAft>
+              <a:buFont typeface="Franklin Gothic Book" panose="020B0503020102020204" pitchFamily="34" charset="0"/>
+              <a:buChar char="■"/>
+              <a:defRPr sz="1600" kern="1200" baseline="0">
+                <a:solidFill>
+                  <a:schemeClr val="tx2"/>
+                </a:solidFill>
+                <a:latin typeface="+mn-lt"/>
+                <a:ea typeface="+mn-ea"/>
+                <a:cs typeface="+mn-cs"/>
+              </a:defRPr>
+            </a:lvl5pPr>
+            <a:lvl6pPr marL="2743200" indent="-384048" algn="l" defTabSz="914400" rtl="0" eaLnBrk="1" latinLnBrk="0" hangingPunct="1">
+              <a:lnSpc>
+                <a:spcPct val="94000"/>
+              </a:lnSpc>
+              <a:spcBef>
+                <a:spcPts val="500"/>
+              </a:spcBef>
+              <a:spcAft>
+                <a:spcPts val="200"/>
+              </a:spcAft>
+              <a:buFont typeface="Franklin Gothic Book" panose="020B0503020102020204" pitchFamily="34" charset="0"/>
+              <a:buChar char="–"/>
+              <a:defRPr sz="1600" i="1" kern="1200" baseline="0">
+                <a:solidFill>
+                  <a:schemeClr val="tx2"/>
+                </a:solidFill>
+                <a:latin typeface="+mn-lt"/>
+                <a:ea typeface="+mn-ea"/>
+                <a:cs typeface="+mn-cs"/>
+              </a:defRPr>
+            </a:lvl6pPr>
+            <a:lvl7pPr marL="3200400" indent="-384048" algn="l" defTabSz="914400" rtl="0" eaLnBrk="1" latinLnBrk="0" hangingPunct="1">
+              <a:lnSpc>
+                <a:spcPct val="94000"/>
+              </a:lnSpc>
+              <a:spcBef>
+                <a:spcPts val="500"/>
+              </a:spcBef>
+              <a:spcAft>
+                <a:spcPts val="200"/>
+              </a:spcAft>
+              <a:buFont typeface="Franklin Gothic Book" panose="020B0503020102020204" pitchFamily="34" charset="0"/>
+              <a:buChar char="■"/>
+              <a:defRPr sz="1400" kern="1200" baseline="0">
+                <a:solidFill>
+                  <a:schemeClr val="tx2"/>
+                </a:solidFill>
+                <a:latin typeface="+mn-lt"/>
+                <a:ea typeface="+mn-ea"/>
+                <a:cs typeface="+mn-cs"/>
+              </a:defRPr>
+            </a:lvl7pPr>
+            <a:lvl8pPr marL="3657600" indent="-384048" algn="l" defTabSz="914400" rtl="0" eaLnBrk="1" latinLnBrk="0" hangingPunct="1">
+              <a:lnSpc>
+                <a:spcPct val="94000"/>
+              </a:lnSpc>
+              <a:spcBef>
+                <a:spcPts val="500"/>
+              </a:spcBef>
+              <a:spcAft>
+                <a:spcPts val="200"/>
+              </a:spcAft>
+              <a:buFont typeface="Franklin Gothic Book" panose="020B0503020102020204" pitchFamily="34" charset="0"/>
+              <a:buChar char="–"/>
+              <a:defRPr sz="1400" i="1" kern="1200" baseline="0">
+                <a:solidFill>
+                  <a:schemeClr val="tx2"/>
+                </a:solidFill>
+                <a:latin typeface="+mn-lt"/>
+                <a:ea typeface="+mn-ea"/>
+                <a:cs typeface="+mn-cs"/>
+              </a:defRPr>
+            </a:lvl8pPr>
+            <a:lvl9pPr marL="4114800" indent="-384048" algn="l" defTabSz="914400" rtl="0" eaLnBrk="1" latinLnBrk="0" hangingPunct="1">
+              <a:lnSpc>
+                <a:spcPct val="94000"/>
+              </a:lnSpc>
+              <a:spcBef>
+                <a:spcPts val="500"/>
+              </a:spcBef>
+              <a:spcAft>
+                <a:spcPts val="200"/>
+              </a:spcAft>
+              <a:buFont typeface="Franklin Gothic Book" panose="020B0503020102020204" pitchFamily="34" charset="0"/>
+              <a:buChar char="■"/>
+              <a:defRPr sz="1400" kern="1200" baseline="0">
+                <a:solidFill>
+                  <a:schemeClr val="tx2"/>
+                </a:solidFill>
+                <a:latin typeface="+mn-lt"/>
+                <a:ea typeface="+mn-ea"/>
+                <a:cs typeface="+mn-cs"/>
+              </a:defRPr>
+            </a:lvl9pPr>
+          </a:lstStyle>
+          <a:p>
+            <a:r>
+              <a:rPr lang="en-US" dirty="0" err="1"/>
+              <a:t>Validé</a:t>
+            </a:r>
+            <a:r>
+              <a:rPr lang="en-US" dirty="0"/>
+              <a:t> sur la carte de test </a:t>
+            </a:r>
+            <a:r>
+              <a:rPr lang="en-US" dirty="0" err="1"/>
+              <a:t>mais</a:t>
+            </a:r>
+            <a:r>
+              <a:rPr lang="en-US" dirty="0"/>
+              <a:t> pas sur PCBA final, faire </a:t>
+            </a:r>
+            <a:r>
+              <a:rPr lang="en-US" dirty="0" err="1"/>
+              <a:t>essai</a:t>
+            </a:r>
+            <a:r>
+              <a:rPr lang="en-US" dirty="0"/>
+              <a:t> avec </a:t>
+            </a:r>
+            <a:r>
+              <a:rPr lang="en-US" dirty="0" err="1"/>
+              <a:t>une</a:t>
+            </a:r>
+            <a:r>
+              <a:rPr lang="en-US" dirty="0"/>
+              <a:t> batterie</a:t>
+            </a:r>
+          </a:p>
+        </p:txBody>
+      </p:sp>
+      <p:pic>
+        <p:nvPicPr>
+          <p:cNvPr id="10" name="Image 9">
+            <a:extLst>
+              <a:ext uri="{FF2B5EF4-FFF2-40B4-BE49-F238E27FC236}">
+                <a16:creationId xmlns:a16="http://schemas.microsoft.com/office/drawing/2014/main" id="{7F0701F0-C0F0-4C3B-B7B2-D7331487FD4B}"/>
+              </a:ext>
+            </a:extLst>
+          </p:cNvPr>
+          <p:cNvPicPr>
+            <a:picLocks noChangeAspect="1"/>
+          </p:cNvPicPr>
+          <p:nvPr/>
+        </p:nvPicPr>
+        <p:blipFill>
+          <a:blip r:embed="rId2"/>
+          <a:stretch>
+            <a:fillRect/>
+          </a:stretch>
+        </p:blipFill>
+        <p:spPr>
+          <a:xfrm>
+            <a:off x="8365298" y="404614"/>
+            <a:ext cx="3383197" cy="1369120"/>
+          </a:xfrm>
+          <a:prstGeom prst="rect">
+            <a:avLst/>
+          </a:prstGeom>
+        </p:spPr>
+      </p:pic>
+      <p:sp>
+        <p:nvSpPr>
+          <p:cNvPr id="44" name="Espace réservé du contenu 2">
+            <a:extLst>
+              <a:ext uri="{FF2B5EF4-FFF2-40B4-BE49-F238E27FC236}">
+                <a16:creationId xmlns:a16="http://schemas.microsoft.com/office/drawing/2014/main" id="{FAC58968-1994-451F-961C-CC4EF78371DC}"/>
+              </a:ext>
+            </a:extLst>
+          </p:cNvPr>
+          <p:cNvSpPr txBox="1">
+            <a:spLocks/>
+          </p:cNvSpPr>
+          <p:nvPr/>
+        </p:nvSpPr>
+        <p:spPr>
+          <a:xfrm>
+            <a:off x="4782567" y="841937"/>
+            <a:ext cx="4273420" cy="520118"/>
+          </a:xfrm>
+          <a:prstGeom prst="rect">
+            <a:avLst/>
+          </a:prstGeom>
+        </p:spPr>
+        <p:txBody>
+          <a:bodyPr vert="horz" lIns="91440" tIns="45720" rIns="91440" bIns="45720" rtlCol="0">
+            <a:normAutofit/>
+          </a:bodyPr>
+          <a:lstStyle>
+            <a:lvl1pPr marL="384048" indent="-384048" algn="l" defTabSz="914400" rtl="0" eaLnBrk="1" latinLnBrk="0" hangingPunct="1">
+              <a:lnSpc>
+                <a:spcPct val="94000"/>
+              </a:lnSpc>
+              <a:spcBef>
+                <a:spcPts val="1000"/>
+              </a:spcBef>
+              <a:spcAft>
+                <a:spcPts val="200"/>
+              </a:spcAft>
+              <a:buFont typeface="Franklin Gothic Book" panose="020B0503020102020204" pitchFamily="34" charset="0"/>
+              <a:buChar char="■"/>
+              <a:defRPr sz="2000" kern="1200" baseline="0">
+                <a:solidFill>
+                  <a:schemeClr val="tx2"/>
+                </a:solidFill>
+                <a:latin typeface="+mn-lt"/>
+                <a:ea typeface="+mn-ea"/>
+                <a:cs typeface="+mn-cs"/>
+              </a:defRPr>
+            </a:lvl1pPr>
+            <a:lvl2pPr marL="914400" indent="-384048" algn="l" defTabSz="914400" rtl="0" eaLnBrk="1" latinLnBrk="0" hangingPunct="1">
+              <a:lnSpc>
+                <a:spcPct val="94000"/>
+              </a:lnSpc>
+              <a:spcBef>
+                <a:spcPts val="500"/>
+              </a:spcBef>
+              <a:spcAft>
+                <a:spcPts val="200"/>
+              </a:spcAft>
+              <a:buFont typeface="Franklin Gothic Book" panose="020B0503020102020204" pitchFamily="34" charset="0"/>
+              <a:buChar char="–"/>
+              <a:defRPr sz="2000" i="1" kern="1200" baseline="0">
+                <a:solidFill>
+                  <a:schemeClr val="tx2"/>
+                </a:solidFill>
+                <a:latin typeface="+mn-lt"/>
+                <a:ea typeface="+mn-ea"/>
+                <a:cs typeface="+mn-cs"/>
+              </a:defRPr>
+            </a:lvl2pPr>
+            <a:lvl3pPr marL="1371600" indent="-384048" algn="l" defTabSz="914400" rtl="0" eaLnBrk="1" latinLnBrk="0" hangingPunct="1">
+              <a:lnSpc>
+                <a:spcPct val="94000"/>
+              </a:lnSpc>
+              <a:spcBef>
+                <a:spcPts val="500"/>
+              </a:spcBef>
+              <a:spcAft>
+                <a:spcPts val="200"/>
+              </a:spcAft>
+              <a:buFont typeface="Franklin Gothic Book" panose="020B0503020102020204" pitchFamily="34" charset="0"/>
+              <a:buChar char="■"/>
+              <a:defRPr sz="1800" kern="1200" baseline="0">
+                <a:solidFill>
+                  <a:schemeClr val="tx2"/>
+                </a:solidFill>
+                <a:latin typeface="+mn-lt"/>
+                <a:ea typeface="+mn-ea"/>
+                <a:cs typeface="+mn-cs"/>
+              </a:defRPr>
+            </a:lvl3pPr>
+            <a:lvl4pPr marL="1828800" indent="-384048" algn="l" defTabSz="914400" rtl="0" eaLnBrk="1" latinLnBrk="0" hangingPunct="1">
+              <a:lnSpc>
+                <a:spcPct val="94000"/>
+              </a:lnSpc>
+              <a:spcBef>
+                <a:spcPts val="500"/>
+              </a:spcBef>
+              <a:spcAft>
+                <a:spcPts val="200"/>
+              </a:spcAft>
+              <a:buFont typeface="Franklin Gothic Book" panose="020B0503020102020204" pitchFamily="34" charset="0"/>
+              <a:buChar char="–"/>
+              <a:defRPr sz="1800" i="1" kern="1200" baseline="0">
+                <a:solidFill>
+                  <a:schemeClr val="tx2"/>
+                </a:solidFill>
+                <a:latin typeface="+mn-lt"/>
+                <a:ea typeface="+mn-ea"/>
+                <a:cs typeface="+mn-cs"/>
+              </a:defRPr>
+            </a:lvl4pPr>
+            <a:lvl5pPr marL="2286000" indent="-384048" algn="l" defTabSz="914400" rtl="0" eaLnBrk="1" latinLnBrk="0" hangingPunct="1">
+              <a:lnSpc>
+                <a:spcPct val="94000"/>
+              </a:lnSpc>
+              <a:spcBef>
+                <a:spcPts val="500"/>
+              </a:spcBef>
+              <a:spcAft>
+                <a:spcPts val="200"/>
+              </a:spcAft>
+              <a:buFont typeface="Franklin Gothic Book" panose="020B0503020102020204" pitchFamily="34" charset="0"/>
+              <a:buChar char="■"/>
+              <a:defRPr sz="1600" kern="1200" baseline="0">
+                <a:solidFill>
+                  <a:schemeClr val="tx2"/>
+                </a:solidFill>
+                <a:latin typeface="+mn-lt"/>
+                <a:ea typeface="+mn-ea"/>
+                <a:cs typeface="+mn-cs"/>
+              </a:defRPr>
+            </a:lvl5pPr>
+            <a:lvl6pPr marL="2743200" indent="-384048" algn="l" defTabSz="914400" rtl="0" eaLnBrk="1" latinLnBrk="0" hangingPunct="1">
+              <a:lnSpc>
+                <a:spcPct val="94000"/>
+              </a:lnSpc>
+              <a:spcBef>
+                <a:spcPts val="500"/>
+              </a:spcBef>
+              <a:spcAft>
+                <a:spcPts val="200"/>
+              </a:spcAft>
+              <a:buFont typeface="Franklin Gothic Book" panose="020B0503020102020204" pitchFamily="34" charset="0"/>
+              <a:buChar char="–"/>
+              <a:defRPr sz="1600" i="1" kern="1200" baseline="0">
+                <a:solidFill>
+                  <a:schemeClr val="tx2"/>
+                </a:solidFill>
+                <a:latin typeface="+mn-lt"/>
+                <a:ea typeface="+mn-ea"/>
+                <a:cs typeface="+mn-cs"/>
+              </a:defRPr>
+            </a:lvl6pPr>
+            <a:lvl7pPr marL="3200400" indent="-384048" algn="l" defTabSz="914400" rtl="0" eaLnBrk="1" latinLnBrk="0" hangingPunct="1">
+              <a:lnSpc>
+                <a:spcPct val="94000"/>
+              </a:lnSpc>
+              <a:spcBef>
+                <a:spcPts val="500"/>
+              </a:spcBef>
+              <a:spcAft>
+                <a:spcPts val="200"/>
+              </a:spcAft>
+              <a:buFont typeface="Franklin Gothic Book" panose="020B0503020102020204" pitchFamily="34" charset="0"/>
+              <a:buChar char="■"/>
+              <a:defRPr sz="1400" kern="1200" baseline="0">
+                <a:solidFill>
+                  <a:schemeClr val="tx2"/>
+                </a:solidFill>
+                <a:latin typeface="+mn-lt"/>
+                <a:ea typeface="+mn-ea"/>
+                <a:cs typeface="+mn-cs"/>
+              </a:defRPr>
+            </a:lvl7pPr>
+            <a:lvl8pPr marL="3657600" indent="-384048" algn="l" defTabSz="914400" rtl="0" eaLnBrk="1" latinLnBrk="0" hangingPunct="1">
+              <a:lnSpc>
+                <a:spcPct val="94000"/>
+              </a:lnSpc>
+              <a:spcBef>
+                <a:spcPts val="500"/>
+              </a:spcBef>
+              <a:spcAft>
+                <a:spcPts val="200"/>
+              </a:spcAft>
+              <a:buFont typeface="Franklin Gothic Book" panose="020B0503020102020204" pitchFamily="34" charset="0"/>
+              <a:buChar char="–"/>
+              <a:defRPr sz="1400" i="1" kern="1200" baseline="0">
+                <a:solidFill>
+                  <a:schemeClr val="tx2"/>
+                </a:solidFill>
+                <a:latin typeface="+mn-lt"/>
+                <a:ea typeface="+mn-ea"/>
+                <a:cs typeface="+mn-cs"/>
+              </a:defRPr>
+            </a:lvl8pPr>
+            <a:lvl9pPr marL="4114800" indent="-384048" algn="l" defTabSz="914400" rtl="0" eaLnBrk="1" latinLnBrk="0" hangingPunct="1">
+              <a:lnSpc>
+                <a:spcPct val="94000"/>
+              </a:lnSpc>
+              <a:spcBef>
+                <a:spcPts val="500"/>
+              </a:spcBef>
+              <a:spcAft>
+                <a:spcPts val="200"/>
+              </a:spcAft>
+              <a:buFont typeface="Franklin Gothic Book" panose="020B0503020102020204" pitchFamily="34" charset="0"/>
+              <a:buChar char="■"/>
+              <a:defRPr sz="1400" kern="1200" baseline="0">
+                <a:solidFill>
+                  <a:schemeClr val="tx2"/>
+                </a:solidFill>
+                <a:latin typeface="+mn-lt"/>
+                <a:ea typeface="+mn-ea"/>
+                <a:cs typeface="+mn-cs"/>
+              </a:defRPr>
+            </a:lvl9pPr>
+          </a:lstStyle>
+          <a:p>
+            <a:r>
+              <a:rPr lang="en-US" dirty="0" err="1"/>
+              <a:t>Programmes</a:t>
+            </a:r>
+            <a:r>
+              <a:rPr lang="en-US" dirty="0"/>
+              <a:t> de test sur git</a:t>
+            </a:r>
+          </a:p>
+        </p:txBody>
+      </p:sp>
+    </p:spTree>
+    <p:extLst>
+      <p:ext uri="{BB962C8B-B14F-4D97-AF65-F5344CB8AC3E}">
+        <p14:creationId xmlns:p14="http://schemas.microsoft.com/office/powerpoint/2010/main" val="368721600"/>
+      </p:ext>
+    </p:extLst>
+  </p:cSld>
+  <p:clrMapOvr>
+    <a:masterClrMapping/>
+  </p:clrMapOvr>
+</p:sld>
+</file>
+
 <file path=ppt/slides/slide2.xml><?xml version="1.0" encoding="utf-8"?>
 <p:sld xmlns:a="http://schemas.openxmlformats.org/drawingml/2006/main" xmlns:r="http://schemas.openxmlformats.org/officeDocument/2006/relationships" xmlns:p="http://schemas.openxmlformats.org/presentationml/2006/main">
   <p:cSld>
@@ -4567,12 +9631,6 @@
           <a:p>
             <a:r>
               <a:rPr lang="en-US" dirty="0"/>
-              <a:t>Modifications</a:t>
-            </a:r>
-          </a:p>
-          <a:p>
-            <a:r>
-              <a:rPr lang="en-US" dirty="0"/>
               <a:t>La suite?</a:t>
             </a:r>
           </a:p>
@@ -4610,6 +9668,45 @@
           </a:p>
         </p:txBody>
       </p:sp>
+      <p:pic>
+        <p:nvPicPr>
+          <p:cNvPr id="7" name="Graphique 6" descr="Schéma de réseau avec un remplissage uni">
+            <a:extLst>
+              <a:ext uri="{FF2B5EF4-FFF2-40B4-BE49-F238E27FC236}">
+                <a16:creationId xmlns:a16="http://schemas.microsoft.com/office/drawing/2014/main" id="{41CD14BF-842F-4C46-8525-8AFCA7C5E2E2}"/>
+              </a:ext>
+            </a:extLst>
+          </p:cNvPr>
+          <p:cNvPicPr>
+            <a:picLocks noChangeAspect="1"/>
+          </p:cNvPicPr>
+          <p:nvPr/>
+        </p:nvPicPr>
+        <p:blipFill>
+          <a:blip r:embed="rId2">
+            <a:extLst>
+              <a:ext uri="{28A0092B-C50C-407E-A947-70E740481C1C}">
+                <a14:useLocalDpi xmlns:a14="http://schemas.microsoft.com/office/drawing/2010/main" val="0"/>
+              </a:ext>
+              <a:ext uri="{96DAC541-7B7A-43D3-8B79-37D633B846F1}">
+                <asvg:svgBlip xmlns:asvg="http://schemas.microsoft.com/office/drawing/2016/SVG/main" r:embed="rId3"/>
+              </a:ext>
+            </a:extLst>
+          </a:blip>
+          <a:stretch>
+            <a:fillRect/>
+          </a:stretch>
+        </p:blipFill>
+        <p:spPr>
+          <a:xfrm>
+            <a:off x="7650156" y="1700014"/>
+            <a:ext cx="3322644" cy="3322644"/>
+          </a:xfrm>
+          <a:prstGeom prst="rect">
+            <a:avLst/>
+          </a:prstGeom>
+        </p:spPr>
+      </p:pic>
     </p:spTree>
     <p:extLst>
       <p:ext uri="{BB962C8B-B14F-4D97-AF65-F5344CB8AC3E}">
@@ -5051,103 +10148,12 @@
           <a:chExt cx="0" cy="0"/>
         </a:xfrm>
       </p:grpSpPr>
-      <p:cxnSp>
-        <p:nvCxnSpPr>
-          <p:cNvPr id="53" name="Connecteur droit 52">
-            <a:extLst>
-              <a:ext uri="{FF2B5EF4-FFF2-40B4-BE49-F238E27FC236}">
-                <a16:creationId xmlns:a16="http://schemas.microsoft.com/office/drawing/2014/main" id="{D26184A8-4238-481B-8309-12173E490032}"/>
-              </a:ext>
-            </a:extLst>
-          </p:cNvPr>
-          <p:cNvCxnSpPr>
-            <a:cxnSpLocks/>
-          </p:cNvCxnSpPr>
-          <p:nvPr/>
-        </p:nvCxnSpPr>
-        <p:spPr>
-          <a:xfrm>
-            <a:off x="7483823" y="5023580"/>
-            <a:ext cx="2204501" cy="0"/>
-          </a:xfrm>
-          <a:prstGeom prst="line">
-            <a:avLst/>
-          </a:prstGeom>
-          <a:ln w="57150">
-            <a:solidFill>
-              <a:schemeClr val="accent5">
-                <a:lumMod val="75000"/>
-              </a:schemeClr>
-            </a:solidFill>
-          </a:ln>
-        </p:spPr>
-        <p:style>
-          <a:lnRef idx="1">
-            <a:schemeClr val="accent1"/>
-          </a:lnRef>
-          <a:fillRef idx="0">
-            <a:schemeClr val="accent1"/>
-          </a:fillRef>
-          <a:effectRef idx="0">
-            <a:schemeClr val="accent1"/>
-          </a:effectRef>
-          <a:fontRef idx="minor">
-            <a:schemeClr val="tx1"/>
-          </a:fontRef>
-        </p:style>
-      </p:cxnSp>
-      <p:cxnSp>
-        <p:nvCxnSpPr>
-          <p:cNvPr id="49" name="Connecteur droit 48">
-            <a:extLst>
-              <a:ext uri="{FF2B5EF4-FFF2-40B4-BE49-F238E27FC236}">
-                <a16:creationId xmlns:a16="http://schemas.microsoft.com/office/drawing/2014/main" id="{88CB94A7-B56E-499D-9620-7F49AB7EF5B1}"/>
-              </a:ext>
-            </a:extLst>
-          </p:cNvPr>
-          <p:cNvCxnSpPr>
-            <a:cxnSpLocks/>
-          </p:cNvCxnSpPr>
-          <p:nvPr/>
-        </p:nvCxnSpPr>
-        <p:spPr>
-          <a:xfrm>
-            <a:off x="7508024" y="2938863"/>
-            <a:ext cx="2204501" cy="0"/>
-          </a:xfrm>
-          <a:prstGeom prst="line">
-            <a:avLst/>
-          </a:prstGeom>
-          <a:ln w="57150">
-            <a:solidFill>
-              <a:schemeClr val="tx2">
-                <a:lumMod val="50000"/>
-                <a:lumOff val="50000"/>
-              </a:schemeClr>
-            </a:solidFill>
-          </a:ln>
-        </p:spPr>
-        <p:style>
-          <a:lnRef idx="1">
-            <a:schemeClr val="accent1"/>
-          </a:lnRef>
-          <a:fillRef idx="0">
-            <a:schemeClr val="accent1"/>
-          </a:fillRef>
-          <a:effectRef idx="0">
-            <a:schemeClr val="accent1"/>
-          </a:effectRef>
-          <a:fontRef idx="minor">
-            <a:schemeClr val="tx1"/>
-          </a:fontRef>
-        </p:style>
-      </p:cxnSp>
       <p:sp>
         <p:nvSpPr>
           <p:cNvPr id="2" name="Titre 1">
             <a:extLst>
               <a:ext uri="{FF2B5EF4-FFF2-40B4-BE49-F238E27FC236}">
-                <a16:creationId xmlns:a16="http://schemas.microsoft.com/office/drawing/2014/main" id="{14E90987-EBF5-4959-ADE7-579AD2E84B26}"/>
+                <a16:creationId xmlns:a16="http://schemas.microsoft.com/office/drawing/2014/main" id="{0EE02619-BF0B-4098-9475-F195DB1F0B51}"/>
               </a:ext>
             </a:extLst>
           </p:cNvPr>
@@ -5165,7 +10171,52 @@
           <a:p>
             <a:r>
               <a:rPr lang="en-US" dirty="0"/>
-              <a:t>Test des </a:t>
+              <a:t>Carte de test</a:t>
+            </a:r>
+          </a:p>
+        </p:txBody>
+      </p:sp>
+      <p:sp>
+        <p:nvSpPr>
+          <p:cNvPr id="3" name="Espace réservé du contenu 2">
+            <a:extLst>
+              <a:ext uri="{FF2B5EF4-FFF2-40B4-BE49-F238E27FC236}">
+                <a16:creationId xmlns:a16="http://schemas.microsoft.com/office/drawing/2014/main" id="{75E4F1A3-FABF-40FA-9738-7F4CA1E316F9}"/>
+              </a:ext>
+            </a:extLst>
+          </p:cNvPr>
+          <p:cNvSpPr>
+            <a:spLocks noGrp="1"/>
+          </p:cNvSpPr>
+          <p:nvPr>
+            <p:ph idx="1"/>
+          </p:nvPr>
+        </p:nvSpPr>
+        <p:spPr>
+          <a:xfrm>
+            <a:off x="1371600" y="2286000"/>
+            <a:ext cx="4724400" cy="3581400"/>
+          </a:xfrm>
+        </p:spPr>
+        <p:txBody>
+          <a:bodyPr/>
+          <a:lstStyle/>
+          <a:p>
+            <a:r>
+              <a:rPr lang="en-US" dirty="0" err="1"/>
+              <a:t>Vérifier</a:t>
+            </a:r>
+            <a:r>
+              <a:rPr lang="en-US" dirty="0"/>
+              <a:t> les </a:t>
+            </a:r>
+            <a:r>
+              <a:rPr lang="en-US" dirty="0" err="1"/>
+              <a:t>mêmes</a:t>
+            </a:r>
+            <a:r>
+              <a:rPr lang="en-US" dirty="0"/>
+              <a:t> </a:t>
             </a:r>
             <a:r>
               <a:rPr lang="en-US" dirty="0" err="1"/>
@@ -5173,7 +10224,81 @@
             </a:r>
             <a:r>
               <a:rPr lang="en-US" dirty="0"/>
-              <a:t> du PCBA</a:t>
+              <a:t> </a:t>
+            </a:r>
+            <a:r>
+              <a:rPr lang="en-US" dirty="0" err="1"/>
+              <a:t>en</a:t>
+            </a:r>
+            <a:r>
+              <a:rPr lang="en-US" dirty="0"/>
+              <a:t> </a:t>
+            </a:r>
+            <a:r>
+              <a:rPr lang="en-US" dirty="0" err="1"/>
+              <a:t>parallèle</a:t>
+            </a:r>
+            <a:r>
+              <a:rPr lang="en-US" dirty="0"/>
+              <a:t> des </a:t>
+            </a:r>
+            <a:r>
+              <a:rPr lang="en-US" dirty="0" err="1"/>
+              <a:t>essais</a:t>
+            </a:r>
+            <a:r>
+              <a:rPr lang="en-US" dirty="0"/>
+              <a:t> sur le PCBA</a:t>
+            </a:r>
+          </a:p>
+          <a:p>
+            <a:pPr marL="0" indent="0">
+              <a:buNone/>
+            </a:pPr>
+            <a:endParaRPr lang="en-US" dirty="0"/>
+          </a:p>
+          <a:p>
+            <a:r>
+              <a:rPr lang="en-US" dirty="0" err="1"/>
+              <a:t>Faciliter</a:t>
+            </a:r>
+            <a:r>
+              <a:rPr lang="en-US" dirty="0"/>
+              <a:t> le debug</a:t>
+            </a:r>
+          </a:p>
+          <a:p>
+            <a:endParaRPr lang="en-US" dirty="0"/>
+          </a:p>
+          <a:p>
+            <a:r>
+              <a:rPr lang="en-US" dirty="0" err="1"/>
+              <a:t>Trouver</a:t>
+            </a:r>
+            <a:r>
+              <a:rPr lang="en-US" dirty="0"/>
+              <a:t> les anomalies</a:t>
+            </a:r>
+          </a:p>
+          <a:p>
+            <a:endParaRPr lang="en-US" dirty="0"/>
+          </a:p>
+          <a:p>
+            <a:r>
+              <a:rPr lang="en-US" dirty="0" err="1"/>
+              <a:t>Corriger</a:t>
+            </a:r>
+            <a:r>
+              <a:rPr lang="en-US" dirty="0"/>
+              <a:t> et adapter le </a:t>
+            </a:r>
+            <a:r>
+              <a:rPr lang="en-US" dirty="0" err="1"/>
+              <a:t>schéma</a:t>
+            </a:r>
+            <a:r>
+              <a:rPr lang="en-US" dirty="0"/>
+              <a:t> final</a:t>
             </a:r>
           </a:p>
         </p:txBody>
@@ -5183,7 +10308,7 @@
           <p:cNvPr id="4" name="Espace réservé du numéro de diapositive 3">
             <a:extLst>
               <a:ext uri="{FF2B5EF4-FFF2-40B4-BE49-F238E27FC236}">
-                <a16:creationId xmlns:a16="http://schemas.microsoft.com/office/drawing/2014/main" id="{6B74B692-7D47-4D81-A223-DB30D0484FE7}"/>
+                <a16:creationId xmlns:a16="http://schemas.microsoft.com/office/drawing/2014/main" id="{A995F7F6-C265-43B1-82B7-EE1FC9652351}"/>
               </a:ext>
             </a:extLst>
           </p:cNvPr>
@@ -5207,12 +10332,42 @@
           </a:p>
         </p:txBody>
       </p:sp>
-      <p:sp>
-        <p:nvSpPr>
-          <p:cNvPr id="6" name="Rectangle : coins arrondis 5">
-            <a:extLst>
-              <a:ext uri="{FF2B5EF4-FFF2-40B4-BE49-F238E27FC236}">
-                <a16:creationId xmlns:a16="http://schemas.microsoft.com/office/drawing/2014/main" id="{86A6DC27-54D6-452A-8CF7-97A290EA038F}"/>
+      <p:pic>
+        <p:nvPicPr>
+          <p:cNvPr id="6" name="Image 5">
+            <a:extLst>
+              <a:ext uri="{FF2B5EF4-FFF2-40B4-BE49-F238E27FC236}">
+                <a16:creationId xmlns:a16="http://schemas.microsoft.com/office/drawing/2014/main" id="{59337DA9-C01B-4314-AB7D-F2C766B60462}"/>
+              </a:ext>
+            </a:extLst>
+          </p:cNvPr>
+          <p:cNvPicPr>
+            <a:picLocks noChangeAspect="1"/>
+          </p:cNvPicPr>
+          <p:nvPr/>
+        </p:nvPicPr>
+        <p:blipFill>
+          <a:blip r:embed="rId2"/>
+          <a:stretch>
+            <a:fillRect/>
+          </a:stretch>
+        </p:blipFill>
+        <p:spPr>
+          <a:xfrm>
+            <a:off x="7301037" y="435141"/>
+            <a:ext cx="4484639" cy="6018245"/>
+          </a:xfrm>
+          <a:prstGeom prst="rect">
+            <a:avLst/>
+          </a:prstGeom>
+        </p:spPr>
+      </p:pic>
+      <p:sp>
+        <p:nvSpPr>
+          <p:cNvPr id="7" name="Rectangle : coins arrondis 6">
+            <a:extLst>
+              <a:ext uri="{FF2B5EF4-FFF2-40B4-BE49-F238E27FC236}">
+                <a16:creationId xmlns:a16="http://schemas.microsoft.com/office/drawing/2014/main" id="{DD5FE1B6-1C7F-4FB4-BF8C-49001F743723}"/>
               </a:ext>
             </a:extLst>
           </p:cNvPr>
@@ -5221,8 +10376,8 @@
         </p:nvSpPr>
         <p:spPr>
           <a:xfrm>
-            <a:off x="3085692" y="2378717"/>
-            <a:ext cx="1661720" cy="1040235"/>
+            <a:off x="8289388" y="1893930"/>
+            <a:ext cx="2507935" cy="528429"/>
           </a:xfrm>
           <a:prstGeom prst="roundRect">
             <a:avLst/>
@@ -5253,18 +10408,23 @@
           <a:p>
             <a:pPr algn="ctr"/>
             <a:r>
-              <a:rPr lang="en-US" sz="2400" dirty="0"/>
-              <a:t>MCP3428</a:t>
-            </a:r>
-          </a:p>
-        </p:txBody>
-      </p:sp>
-      <p:sp>
-        <p:nvSpPr>
-          <p:cNvPr id="7" name="Rectangle : coins arrondis 6">
-            <a:extLst>
-              <a:ext uri="{FF2B5EF4-FFF2-40B4-BE49-F238E27FC236}">
-                <a16:creationId xmlns:a16="http://schemas.microsoft.com/office/drawing/2014/main" id="{279E3306-4EE2-475A-BCA8-3DA25A40A955}"/>
+              <a:rPr lang="en-US" dirty="0"/>
+              <a:t>Carte de report </a:t>
+            </a:r>
+            <a:r>
+              <a:rPr lang="en-US" dirty="0" err="1"/>
+              <a:t>caméra</a:t>
+            </a:r>
+            <a:endParaRPr lang="en-US" dirty="0"/>
+          </a:p>
+        </p:txBody>
+      </p:sp>
+      <p:sp>
+        <p:nvSpPr>
+          <p:cNvPr id="8" name="Rectangle : coins arrondis 7">
+            <a:extLst>
+              <a:ext uri="{FF2B5EF4-FFF2-40B4-BE49-F238E27FC236}">
+                <a16:creationId xmlns:a16="http://schemas.microsoft.com/office/drawing/2014/main" id="{DADC8C40-04E7-467D-8C1D-75547713AE5A}"/>
               </a:ext>
             </a:extLst>
           </p:cNvPr>
@@ -5273,8 +10433,8 @@
         </p:nvSpPr>
         <p:spPr>
           <a:xfrm>
-            <a:off x="3085692" y="4421241"/>
-            <a:ext cx="1661720" cy="1040235"/>
+            <a:off x="8289387" y="5460649"/>
+            <a:ext cx="2507935" cy="528429"/>
           </a:xfrm>
           <a:prstGeom prst="roundRect">
             <a:avLst/>
@@ -5307,18 +10467,438 @@
           <a:p>
             <a:pPr algn="ctr"/>
             <a:r>
-              <a:rPr lang="en-US" sz="2400" dirty="0"/>
-              <a:t>PCA9685</a:t>
-            </a:r>
-          </a:p>
-        </p:txBody>
-      </p:sp>
-      <p:sp>
-        <p:nvSpPr>
-          <p:cNvPr id="8" name="Rectangle : coins arrondis 7">
-            <a:extLst>
-              <a:ext uri="{FF2B5EF4-FFF2-40B4-BE49-F238E27FC236}">
-                <a16:creationId xmlns:a16="http://schemas.microsoft.com/office/drawing/2014/main" id="{AB2D90ED-279B-4463-B0FB-7C1E548597D5}"/>
+              <a:rPr lang="en-US" dirty="0"/>
+              <a:t>Carte de report ESP32</a:t>
+            </a:r>
+          </a:p>
+        </p:txBody>
+      </p:sp>
+    </p:spTree>
+    <p:extLst>
+      <p:ext uri="{BB962C8B-B14F-4D97-AF65-F5344CB8AC3E}">
+        <p14:creationId xmlns:p14="http://schemas.microsoft.com/office/powerpoint/2010/main" val="2160410522"/>
+      </p:ext>
+    </p:extLst>
+  </p:cSld>
+  <p:clrMapOvr>
+    <a:masterClrMapping/>
+  </p:clrMapOvr>
+</p:sld>
+</file>
+
+<file path=ppt/slides/slide6.xml><?xml version="1.0" encoding="utf-8"?>
+<p:sld xmlns:a="http://schemas.openxmlformats.org/drawingml/2006/main" xmlns:r="http://schemas.openxmlformats.org/officeDocument/2006/relationships" xmlns:p="http://schemas.openxmlformats.org/presentationml/2006/main">
+  <p:cSld>
+    <p:spTree>
+      <p:nvGrpSpPr>
+        <p:cNvPr id="1" name=""/>
+        <p:cNvGrpSpPr/>
+        <p:nvPr/>
+      </p:nvGrpSpPr>
+      <p:grpSpPr>
+        <a:xfrm>
+          <a:off x="0" y="0"/>
+          <a:ext cx="0" cy="0"/>
+          <a:chOff x="0" y="0"/>
+          <a:chExt cx="0" cy="0"/>
+        </a:xfrm>
+      </p:grpSpPr>
+      <p:sp>
+        <p:nvSpPr>
+          <p:cNvPr id="2" name="Titre 1">
+            <a:extLst>
+              <a:ext uri="{FF2B5EF4-FFF2-40B4-BE49-F238E27FC236}">
+                <a16:creationId xmlns:a16="http://schemas.microsoft.com/office/drawing/2014/main" id="{9CA78BCC-E95A-43CA-AC82-911CDFD51177}"/>
+              </a:ext>
+            </a:extLst>
+          </p:cNvPr>
+          <p:cNvSpPr>
+            <a:spLocks noGrp="1"/>
+          </p:cNvSpPr>
+          <p:nvPr>
+            <p:ph type="title"/>
+          </p:nvPr>
+        </p:nvSpPr>
+        <p:spPr/>
+        <p:txBody>
+          <a:bodyPr/>
+          <a:lstStyle/>
+          <a:p>
+            <a:r>
+              <a:rPr lang="en-US" dirty="0"/>
+              <a:t>Carte de test</a:t>
+            </a:r>
+          </a:p>
+        </p:txBody>
+      </p:sp>
+      <p:sp>
+        <p:nvSpPr>
+          <p:cNvPr id="3" name="Espace réservé du contenu 2">
+            <a:extLst>
+              <a:ext uri="{FF2B5EF4-FFF2-40B4-BE49-F238E27FC236}">
+                <a16:creationId xmlns:a16="http://schemas.microsoft.com/office/drawing/2014/main" id="{12FEBD7E-A877-4BD9-8F13-5038F10FF12B}"/>
+              </a:ext>
+            </a:extLst>
+          </p:cNvPr>
+          <p:cNvSpPr>
+            <a:spLocks noGrp="1"/>
+          </p:cNvSpPr>
+          <p:nvPr>
+            <p:ph idx="1"/>
+          </p:nvPr>
+        </p:nvSpPr>
+        <p:spPr>
+          <a:xfrm>
+            <a:off x="1371600" y="2286000"/>
+            <a:ext cx="5121479" cy="3581400"/>
+          </a:xfrm>
+        </p:spPr>
+        <p:txBody>
+          <a:bodyPr/>
+          <a:lstStyle/>
+          <a:p>
+            <a:r>
+              <a:rPr lang="en-US" dirty="0"/>
+              <a:t>Premiers </a:t>
+            </a:r>
+            <a:r>
+              <a:rPr lang="en-US" dirty="0" err="1"/>
+              <a:t>essais</a:t>
+            </a:r>
+            <a:r>
+              <a:rPr lang="en-US" dirty="0"/>
+              <a:t> sur un ESP32 CAM</a:t>
+            </a:r>
+          </a:p>
+          <a:p>
+            <a:endParaRPr lang="en-US" dirty="0"/>
+          </a:p>
+          <a:p>
+            <a:endParaRPr lang="en-US" dirty="0"/>
+          </a:p>
+          <a:p>
+            <a:r>
+              <a:rPr lang="en-US" dirty="0" err="1"/>
+              <a:t>Valider</a:t>
+            </a:r>
+            <a:r>
+              <a:rPr lang="en-US" dirty="0"/>
+              <a:t> un premier </a:t>
+            </a:r>
+            <a:r>
+              <a:rPr lang="en-US" dirty="0" err="1"/>
+              <a:t>programme</a:t>
+            </a:r>
+            <a:r>
+              <a:rPr lang="en-US" dirty="0"/>
+              <a:t> </a:t>
+            </a:r>
+            <a:r>
+              <a:rPr lang="en-US" dirty="0" err="1"/>
+              <a:t>permettant</a:t>
+            </a:r>
+            <a:r>
+              <a:rPr lang="en-US" dirty="0"/>
+              <a:t> de faire </a:t>
+            </a:r>
+            <a:r>
+              <a:rPr lang="en-US" dirty="0" err="1"/>
+              <a:t>fonctioner</a:t>
+            </a:r>
+            <a:r>
+              <a:rPr lang="en-US" dirty="0"/>
+              <a:t> la </a:t>
+            </a:r>
+            <a:r>
+              <a:rPr lang="en-US" dirty="0" err="1"/>
+              <a:t>caméra</a:t>
+            </a:r>
+            <a:endParaRPr lang="en-US" dirty="0"/>
+          </a:p>
+        </p:txBody>
+      </p:sp>
+      <p:sp>
+        <p:nvSpPr>
+          <p:cNvPr id="4" name="Espace réservé du numéro de diapositive 3">
+            <a:extLst>
+              <a:ext uri="{FF2B5EF4-FFF2-40B4-BE49-F238E27FC236}">
+                <a16:creationId xmlns:a16="http://schemas.microsoft.com/office/drawing/2014/main" id="{AB9BB594-BF34-425D-B573-1E60477307F1}"/>
+              </a:ext>
+            </a:extLst>
+          </p:cNvPr>
+          <p:cNvSpPr>
+            <a:spLocks noGrp="1"/>
+          </p:cNvSpPr>
+          <p:nvPr>
+            <p:ph type="sldNum" sz="quarter" idx="12"/>
+          </p:nvPr>
+        </p:nvSpPr>
+        <p:spPr/>
+        <p:txBody>
+          <a:bodyPr/>
+          <a:lstStyle/>
+          <a:p>
+            <a:fld id="{E4FD1E96-881F-4E38-A65A-4DBF7417DE24}" type="slidenum">
+              <a:rPr lang="en-US" smtClean="0"/>
+              <a:t>6</a:t>
+            </a:fld>
+            <a:endParaRPr lang="en-US"/>
+          </a:p>
+        </p:txBody>
+      </p:sp>
+      <p:pic>
+        <p:nvPicPr>
+          <p:cNvPr id="6" name="Image 5">
+            <a:extLst>
+              <a:ext uri="{FF2B5EF4-FFF2-40B4-BE49-F238E27FC236}">
+                <a16:creationId xmlns:a16="http://schemas.microsoft.com/office/drawing/2014/main" id="{6CCC99BA-2FE6-41E2-9740-3F9B6D2D45E8}"/>
+              </a:ext>
+            </a:extLst>
+          </p:cNvPr>
+          <p:cNvPicPr>
+            <a:picLocks noChangeAspect="1"/>
+          </p:cNvPicPr>
+          <p:nvPr/>
+        </p:nvPicPr>
+        <p:blipFill>
+          <a:blip r:embed="rId2"/>
+          <a:stretch>
+            <a:fillRect/>
+          </a:stretch>
+        </p:blipFill>
+        <p:spPr>
+          <a:xfrm>
+            <a:off x="7865900" y="1840826"/>
+            <a:ext cx="3498785" cy="3176348"/>
+          </a:xfrm>
+          <a:prstGeom prst="rect">
+            <a:avLst/>
+          </a:prstGeom>
+        </p:spPr>
+      </p:pic>
+    </p:spTree>
+    <p:extLst>
+      <p:ext uri="{BB962C8B-B14F-4D97-AF65-F5344CB8AC3E}">
+        <p14:creationId xmlns:p14="http://schemas.microsoft.com/office/powerpoint/2010/main" val="1844890730"/>
+      </p:ext>
+    </p:extLst>
+  </p:cSld>
+  <p:clrMapOvr>
+    <a:masterClrMapping/>
+  </p:clrMapOvr>
+</p:sld>
+</file>
+
+<file path=ppt/slides/slide7.xml><?xml version="1.0" encoding="utf-8"?>
+<p:sld xmlns:a="http://schemas.openxmlformats.org/drawingml/2006/main" xmlns:r="http://schemas.openxmlformats.org/officeDocument/2006/relationships" xmlns:p="http://schemas.openxmlformats.org/presentationml/2006/main">
+  <p:cSld>
+    <p:spTree>
+      <p:nvGrpSpPr>
+        <p:cNvPr id="1" name=""/>
+        <p:cNvGrpSpPr/>
+        <p:nvPr/>
+      </p:nvGrpSpPr>
+      <p:grpSpPr>
+        <a:xfrm>
+          <a:off x="0" y="0"/>
+          <a:ext cx="0" cy="0"/>
+          <a:chOff x="0" y="0"/>
+          <a:chExt cx="0" cy="0"/>
+        </a:xfrm>
+      </p:grpSpPr>
+      <p:sp>
+        <p:nvSpPr>
+          <p:cNvPr id="2" name="Titre 1">
+            <a:extLst>
+              <a:ext uri="{FF2B5EF4-FFF2-40B4-BE49-F238E27FC236}">
+                <a16:creationId xmlns:a16="http://schemas.microsoft.com/office/drawing/2014/main" id="{D1B07877-1934-4CAC-9630-53B62937ADCA}"/>
+              </a:ext>
+            </a:extLst>
+          </p:cNvPr>
+          <p:cNvSpPr>
+            <a:spLocks noGrp="1"/>
+          </p:cNvSpPr>
+          <p:nvPr>
+            <p:ph type="title"/>
+          </p:nvPr>
+        </p:nvSpPr>
+        <p:spPr/>
+        <p:txBody>
+          <a:bodyPr/>
+          <a:lstStyle/>
+          <a:p>
+            <a:r>
+              <a:rPr lang="en-US" dirty="0"/>
+              <a:t>Carte de test</a:t>
+            </a:r>
+          </a:p>
+        </p:txBody>
+      </p:sp>
+      <p:sp>
+        <p:nvSpPr>
+          <p:cNvPr id="3" name="Espace réservé du contenu 2">
+            <a:extLst>
+              <a:ext uri="{FF2B5EF4-FFF2-40B4-BE49-F238E27FC236}">
+                <a16:creationId xmlns:a16="http://schemas.microsoft.com/office/drawing/2014/main" id="{BF7CD8BF-6375-49E8-8642-BF1AC96EAF38}"/>
+              </a:ext>
+            </a:extLst>
+          </p:cNvPr>
+          <p:cNvSpPr>
+            <a:spLocks noGrp="1"/>
+          </p:cNvSpPr>
+          <p:nvPr>
+            <p:ph idx="1"/>
+          </p:nvPr>
+        </p:nvSpPr>
+        <p:spPr>
+          <a:xfrm>
+            <a:off x="1371600" y="2286000"/>
+            <a:ext cx="4408415" cy="3581400"/>
+          </a:xfrm>
+        </p:spPr>
+        <p:txBody>
+          <a:bodyPr/>
+          <a:lstStyle/>
+          <a:p>
+            <a:r>
+              <a:rPr lang="en-US" dirty="0" err="1"/>
+              <a:t>Réutiliser</a:t>
+            </a:r>
+            <a:r>
+              <a:rPr lang="en-US" dirty="0"/>
+              <a:t> le </a:t>
+            </a:r>
+            <a:r>
+              <a:rPr lang="en-US" dirty="0" err="1"/>
+              <a:t>même</a:t>
+            </a:r>
+            <a:r>
+              <a:rPr lang="en-US" dirty="0"/>
+              <a:t> code sur la carte de test</a:t>
+            </a:r>
+          </a:p>
+          <a:p>
+            <a:endParaRPr lang="en-US" dirty="0"/>
+          </a:p>
+          <a:p>
+            <a:r>
+              <a:rPr lang="en-US" dirty="0" err="1"/>
+              <a:t>Vérifier</a:t>
+            </a:r>
+            <a:r>
+              <a:rPr lang="en-US" dirty="0"/>
+              <a:t> et adapter la </a:t>
+            </a:r>
+            <a:r>
+              <a:rPr lang="en-US" dirty="0" err="1"/>
+              <a:t>correspondance</a:t>
+            </a:r>
+            <a:r>
+              <a:rPr lang="en-US" dirty="0"/>
+              <a:t> des I/O</a:t>
+            </a:r>
+          </a:p>
+          <a:p>
+            <a:endParaRPr lang="en-US" dirty="0"/>
+          </a:p>
+          <a:p>
+            <a:r>
+              <a:rPr lang="en-US" dirty="0" err="1"/>
+              <a:t>Mesure</a:t>
+            </a:r>
+            <a:r>
+              <a:rPr lang="en-US" dirty="0"/>
+              <a:t> des </a:t>
+            </a:r>
+            <a:r>
+              <a:rPr lang="en-US" dirty="0" err="1"/>
+              <a:t>différents</a:t>
+            </a:r>
+            <a:r>
+              <a:rPr lang="en-US" dirty="0"/>
+              <a:t> </a:t>
+            </a:r>
+            <a:r>
+              <a:rPr lang="en-US" dirty="0" err="1"/>
+              <a:t>signaux</a:t>
+            </a:r>
+            <a:r>
+              <a:rPr lang="en-US" dirty="0"/>
+              <a:t> </a:t>
+            </a:r>
+            <a:r>
+              <a:rPr lang="en-US" dirty="0" err="1"/>
+              <a:t>d’alimentations</a:t>
+            </a:r>
+            <a:endParaRPr lang="en-US" dirty="0"/>
+          </a:p>
+        </p:txBody>
+      </p:sp>
+      <p:sp>
+        <p:nvSpPr>
+          <p:cNvPr id="4" name="Espace réservé du numéro de diapositive 3">
+            <a:extLst>
+              <a:ext uri="{FF2B5EF4-FFF2-40B4-BE49-F238E27FC236}">
+                <a16:creationId xmlns:a16="http://schemas.microsoft.com/office/drawing/2014/main" id="{4C33B9FA-6468-4D45-908F-008BC1EAC1D7}"/>
+              </a:ext>
+            </a:extLst>
+          </p:cNvPr>
+          <p:cNvSpPr>
+            <a:spLocks noGrp="1"/>
+          </p:cNvSpPr>
+          <p:nvPr>
+            <p:ph type="sldNum" sz="quarter" idx="12"/>
+          </p:nvPr>
+        </p:nvSpPr>
+        <p:spPr/>
+        <p:txBody>
+          <a:bodyPr/>
+          <a:lstStyle/>
+          <a:p>
+            <a:fld id="{E4FD1E96-881F-4E38-A65A-4DBF7417DE24}" type="slidenum">
+              <a:rPr lang="en-US" smtClean="0"/>
+              <a:t>7</a:t>
+            </a:fld>
+            <a:endParaRPr lang="en-US"/>
+          </a:p>
+        </p:txBody>
+      </p:sp>
+      <p:pic>
+        <p:nvPicPr>
+          <p:cNvPr id="8" name="Image 7">
+            <a:extLst>
+              <a:ext uri="{FF2B5EF4-FFF2-40B4-BE49-F238E27FC236}">
+                <a16:creationId xmlns:a16="http://schemas.microsoft.com/office/drawing/2014/main" id="{89CFDDC4-5EB0-43ED-AB00-C406523D957C}"/>
+              </a:ext>
+            </a:extLst>
+          </p:cNvPr>
+          <p:cNvPicPr>
+            <a:picLocks noChangeAspect="1"/>
+          </p:cNvPicPr>
+          <p:nvPr/>
+        </p:nvPicPr>
+        <p:blipFill>
+          <a:blip r:embed="rId2"/>
+          <a:stretch>
+            <a:fillRect/>
+          </a:stretch>
+        </p:blipFill>
+        <p:spPr>
+          <a:xfrm>
+            <a:off x="7301037" y="435141"/>
+            <a:ext cx="4484639" cy="6018245"/>
+          </a:xfrm>
+          <a:prstGeom prst="rect">
+            <a:avLst/>
+          </a:prstGeom>
+        </p:spPr>
+      </p:pic>
+      <p:sp>
+        <p:nvSpPr>
+          <p:cNvPr id="9" name="Rectangle : coins arrondis 8">
+            <a:extLst>
+              <a:ext uri="{FF2B5EF4-FFF2-40B4-BE49-F238E27FC236}">
+                <a16:creationId xmlns:a16="http://schemas.microsoft.com/office/drawing/2014/main" id="{D66979BE-ED28-448D-BD62-059BD5A75086}"/>
               </a:ext>
             </a:extLst>
           </p:cNvPr>
@@ -5327,17 +10907,14 @@
         </p:nvSpPr>
         <p:spPr>
           <a:xfrm>
-            <a:off x="9633649" y="2623396"/>
-            <a:ext cx="1661720" cy="1040235"/>
+            <a:off x="8289388" y="1893930"/>
+            <a:ext cx="2507935" cy="528429"/>
           </a:xfrm>
           <a:prstGeom prst="roundRect">
             <a:avLst/>
           </a:prstGeom>
           <a:solidFill>
-            <a:schemeClr val="tx2">
-              <a:lumMod val="50000"/>
-              <a:lumOff val="50000"/>
-            </a:schemeClr>
+            <a:schemeClr val="accent2"/>
           </a:solidFill>
         </p:spPr>
         <p:style>
@@ -5362,19 +10939,23 @@
           <a:p>
             <a:pPr algn="ctr"/>
             <a:r>
-              <a:rPr lang="en-US" sz="2400" dirty="0" err="1"/>
-              <a:t>Caméra</a:t>
-            </a:r>
-            <a:endParaRPr lang="en-US" sz="2400" dirty="0"/>
-          </a:p>
-        </p:txBody>
-      </p:sp>
-      <p:sp>
-        <p:nvSpPr>
-          <p:cNvPr id="9" name="Rectangle : coins arrondis 8">
-            <a:extLst>
-              <a:ext uri="{FF2B5EF4-FFF2-40B4-BE49-F238E27FC236}">
-                <a16:creationId xmlns:a16="http://schemas.microsoft.com/office/drawing/2014/main" id="{9CBE98CA-9F51-42DD-B99C-BEBB58D0A686}"/>
+              <a:rPr lang="en-US" dirty="0"/>
+              <a:t>Carte de report </a:t>
+            </a:r>
+            <a:r>
+              <a:rPr lang="en-US" dirty="0" err="1"/>
+              <a:t>caméra</a:t>
+            </a:r>
+            <a:endParaRPr lang="en-US" dirty="0"/>
+          </a:p>
+        </p:txBody>
+      </p:sp>
+      <p:sp>
+        <p:nvSpPr>
+          <p:cNvPr id="10" name="Rectangle : coins arrondis 9">
+            <a:extLst>
+              <a:ext uri="{FF2B5EF4-FFF2-40B4-BE49-F238E27FC236}">
+                <a16:creationId xmlns:a16="http://schemas.microsoft.com/office/drawing/2014/main" id="{4599CA39-8615-4E23-8449-1EFD8AD1E755}"/>
               </a:ext>
             </a:extLst>
           </p:cNvPr>
@@ -5383,14 +10964,14 @@
         </p:nvSpPr>
         <p:spPr>
           <a:xfrm>
-            <a:off x="9633649" y="4421241"/>
-            <a:ext cx="1661720" cy="1040235"/>
+            <a:off x="8289387" y="5460649"/>
+            <a:ext cx="2507935" cy="528429"/>
           </a:xfrm>
           <a:prstGeom prst="roundRect">
             <a:avLst/>
           </a:prstGeom>
           <a:solidFill>
-            <a:schemeClr val="accent5">
+            <a:schemeClr val="accent6">
               <a:lumMod val="75000"/>
             </a:schemeClr>
           </a:solidFill>
@@ -5417,64 +10998,369 @@
           <a:p>
             <a:pPr algn="ctr"/>
             <a:r>
-              <a:rPr lang="en-US" sz="2400" dirty="0"/>
-              <a:t>SD Card</a:t>
-            </a:r>
-          </a:p>
-        </p:txBody>
-      </p:sp>
-      <p:cxnSp>
-        <p:nvCxnSpPr>
-          <p:cNvPr id="11" name="Connecteur droit 10">
-            <a:extLst>
-              <a:ext uri="{FF2B5EF4-FFF2-40B4-BE49-F238E27FC236}">
-                <a16:creationId xmlns:a16="http://schemas.microsoft.com/office/drawing/2014/main" id="{65C21689-C1C6-4CD2-AC0E-42F49A280BF3}"/>
-              </a:ext>
-            </a:extLst>
-          </p:cNvPr>
-          <p:cNvCxnSpPr>
-            <a:stCxn id="6" idx="3"/>
-          </p:cNvCxnSpPr>
+              <a:rPr lang="en-US" dirty="0"/>
+              <a:t>Carte de report ESP32</a:t>
+            </a:r>
+          </a:p>
+        </p:txBody>
+      </p:sp>
+    </p:spTree>
+    <p:extLst>
+      <p:ext uri="{BB962C8B-B14F-4D97-AF65-F5344CB8AC3E}">
+        <p14:creationId xmlns:p14="http://schemas.microsoft.com/office/powerpoint/2010/main" val="2227028698"/>
+      </p:ext>
+    </p:extLst>
+  </p:cSld>
+  <p:clrMapOvr>
+    <a:masterClrMapping/>
+  </p:clrMapOvr>
+</p:sld>
+</file>
+
+<file path=ppt/slides/slide8.xml><?xml version="1.0" encoding="utf-8"?>
+<p:sld xmlns:a="http://schemas.openxmlformats.org/drawingml/2006/main" xmlns:r="http://schemas.openxmlformats.org/officeDocument/2006/relationships" xmlns:p="http://schemas.openxmlformats.org/presentationml/2006/main">
+  <p:cSld>
+    <p:spTree>
+      <p:nvGrpSpPr>
+        <p:cNvPr id="1" name=""/>
+        <p:cNvGrpSpPr/>
+        <p:nvPr/>
+      </p:nvGrpSpPr>
+      <p:grpSpPr>
+        <a:xfrm>
+          <a:off x="0" y="0"/>
+          <a:ext cx="0" cy="0"/>
+          <a:chOff x="0" y="0"/>
+          <a:chExt cx="0" cy="0"/>
+        </a:xfrm>
+      </p:grpSpPr>
+      <p:sp>
+        <p:nvSpPr>
+          <p:cNvPr id="2" name="Titre 1">
+            <a:extLst>
+              <a:ext uri="{FF2B5EF4-FFF2-40B4-BE49-F238E27FC236}">
+                <a16:creationId xmlns:a16="http://schemas.microsoft.com/office/drawing/2014/main" id="{3082B960-5637-4609-89D7-BF57A03A65E7}"/>
+              </a:ext>
+            </a:extLst>
+          </p:cNvPr>
+          <p:cNvSpPr>
+            <a:spLocks noGrp="1"/>
+          </p:cNvSpPr>
+          <p:nvPr>
+            <p:ph type="title"/>
+          </p:nvPr>
+        </p:nvSpPr>
+        <p:spPr/>
+        <p:txBody>
+          <a:bodyPr/>
+          <a:lstStyle/>
+          <a:p>
+            <a:r>
+              <a:rPr lang="en-US" dirty="0"/>
+              <a:t>Carte de test</a:t>
+            </a:r>
+          </a:p>
+        </p:txBody>
+      </p:sp>
+      <p:sp>
+        <p:nvSpPr>
+          <p:cNvPr id="3" name="Espace réservé du contenu 2">
+            <a:extLst>
+              <a:ext uri="{FF2B5EF4-FFF2-40B4-BE49-F238E27FC236}">
+                <a16:creationId xmlns:a16="http://schemas.microsoft.com/office/drawing/2014/main" id="{9B9C96ED-3F7F-49DC-B903-6D193390C6AF}"/>
+              </a:ext>
+            </a:extLst>
+          </p:cNvPr>
+          <p:cNvSpPr>
+            <a:spLocks noGrp="1"/>
+          </p:cNvSpPr>
+          <p:nvPr>
+            <p:ph idx="1"/>
+          </p:nvPr>
+        </p:nvSpPr>
+        <p:spPr>
+          <a:xfrm>
+            <a:off x="1371600" y="2286000"/>
+            <a:ext cx="3502404" cy="3581400"/>
+          </a:xfrm>
+        </p:spPr>
+        <p:txBody>
+          <a:bodyPr/>
+          <a:lstStyle/>
+          <a:p>
+            <a:r>
+              <a:rPr lang="en-US" dirty="0"/>
+              <a:t>Adaptation des pins</a:t>
+            </a:r>
+          </a:p>
+        </p:txBody>
+      </p:sp>
+      <p:sp>
+        <p:nvSpPr>
+          <p:cNvPr id="4" name="Espace réservé du numéro de diapositive 3">
+            <a:extLst>
+              <a:ext uri="{FF2B5EF4-FFF2-40B4-BE49-F238E27FC236}">
+                <a16:creationId xmlns:a16="http://schemas.microsoft.com/office/drawing/2014/main" id="{FB14EF85-5E76-4E10-A625-15C5274A48BF}"/>
+              </a:ext>
+            </a:extLst>
+          </p:cNvPr>
+          <p:cNvSpPr>
+            <a:spLocks noGrp="1"/>
+          </p:cNvSpPr>
+          <p:nvPr>
+            <p:ph type="sldNum" sz="quarter" idx="12"/>
+          </p:nvPr>
+        </p:nvSpPr>
+        <p:spPr/>
+        <p:txBody>
+          <a:bodyPr/>
+          <a:lstStyle/>
+          <a:p>
+            <a:fld id="{E4FD1E96-881F-4E38-A65A-4DBF7417DE24}" type="slidenum">
+              <a:rPr lang="en-US" smtClean="0"/>
+              <a:t>8</a:t>
+            </a:fld>
+            <a:endParaRPr lang="en-US"/>
+          </a:p>
+        </p:txBody>
+      </p:sp>
+      <p:pic>
+        <p:nvPicPr>
+          <p:cNvPr id="6" name="Image 5">
+            <a:extLst>
+              <a:ext uri="{FF2B5EF4-FFF2-40B4-BE49-F238E27FC236}">
+                <a16:creationId xmlns:a16="http://schemas.microsoft.com/office/drawing/2014/main" id="{09AEA93E-9527-42DE-8C45-902027EBB4EE}"/>
+              </a:ext>
+            </a:extLst>
+          </p:cNvPr>
+          <p:cNvPicPr>
+            <a:picLocks noChangeAspect="1"/>
+          </p:cNvPicPr>
           <p:nvPr/>
-        </p:nvCxnSpPr>
-        <p:spPr>
-          <a:xfrm>
-            <a:off x="4747412" y="2898835"/>
-            <a:ext cx="1333500" cy="10486"/>
-          </a:xfrm>
-          <a:prstGeom prst="line">
+        </p:nvPicPr>
+        <p:blipFill>
+          <a:blip r:embed="rId2"/>
+          <a:stretch>
+            <a:fillRect/>
+          </a:stretch>
+        </p:blipFill>
+        <p:spPr>
+          <a:xfrm>
+            <a:off x="6096000" y="1134937"/>
+            <a:ext cx="5475827" cy="4302435"/>
+          </a:xfrm>
+          <a:prstGeom prst="rect">
             <a:avLst/>
           </a:prstGeom>
-          <a:ln w="57150">
-            <a:solidFill>
-              <a:schemeClr val="tx1">
-                <a:lumMod val="65000"/>
-                <a:lumOff val="35000"/>
-              </a:schemeClr>
-            </a:solidFill>
-          </a:ln>
-        </p:spPr>
-        <p:style>
-          <a:lnRef idx="1">
-            <a:schemeClr val="accent1"/>
-          </a:lnRef>
-          <a:fillRef idx="0">
-            <a:schemeClr val="accent1"/>
-          </a:fillRef>
-          <a:effectRef idx="0">
-            <a:schemeClr val="accent1"/>
-          </a:effectRef>
-          <a:fontRef idx="minor">
-            <a:schemeClr val="tx1"/>
-          </a:fontRef>
-        </p:style>
-      </p:cxnSp>
-      <p:sp>
-        <p:nvSpPr>
-          <p:cNvPr id="5" name="Rectangle : coins arrondis 4">
-            <a:extLst>
-              <a:ext uri="{FF2B5EF4-FFF2-40B4-BE49-F238E27FC236}">
-                <a16:creationId xmlns:a16="http://schemas.microsoft.com/office/drawing/2014/main" id="{CD9D3212-898E-45BF-9949-E84F39A42F63}"/>
+        </p:spPr>
+      </p:pic>
+    </p:spTree>
+    <p:extLst>
+      <p:ext uri="{BB962C8B-B14F-4D97-AF65-F5344CB8AC3E}">
+        <p14:creationId xmlns:p14="http://schemas.microsoft.com/office/powerpoint/2010/main" val="84198363"/>
+      </p:ext>
+    </p:extLst>
+  </p:cSld>
+  <p:clrMapOvr>
+    <a:masterClrMapping/>
+  </p:clrMapOvr>
+</p:sld>
+</file>
+
+<file path=ppt/slides/slide9.xml><?xml version="1.0" encoding="utf-8"?>
+<p:sld xmlns:a="http://schemas.openxmlformats.org/drawingml/2006/main" xmlns:r="http://schemas.openxmlformats.org/officeDocument/2006/relationships" xmlns:p="http://schemas.openxmlformats.org/presentationml/2006/main">
+  <p:cSld>
+    <p:spTree>
+      <p:nvGrpSpPr>
+        <p:cNvPr id="1" name=""/>
+        <p:cNvGrpSpPr/>
+        <p:nvPr/>
+      </p:nvGrpSpPr>
+      <p:grpSpPr>
+        <a:xfrm>
+          <a:off x="0" y="0"/>
+          <a:ext cx="0" cy="0"/>
+          <a:chOff x="0" y="0"/>
+          <a:chExt cx="0" cy="0"/>
+        </a:xfrm>
+      </p:grpSpPr>
+      <p:sp>
+        <p:nvSpPr>
+          <p:cNvPr id="2" name="Titre 1">
+            <a:extLst>
+              <a:ext uri="{FF2B5EF4-FFF2-40B4-BE49-F238E27FC236}">
+                <a16:creationId xmlns:a16="http://schemas.microsoft.com/office/drawing/2014/main" id="{E228F7CA-8AFD-4F99-B1BF-F1DC91272D38}"/>
+              </a:ext>
+            </a:extLst>
+          </p:cNvPr>
+          <p:cNvSpPr>
+            <a:spLocks noGrp="1"/>
+          </p:cNvSpPr>
+          <p:nvPr>
+            <p:ph type="title"/>
+          </p:nvPr>
+        </p:nvSpPr>
+        <p:spPr/>
+        <p:txBody>
+          <a:bodyPr/>
+          <a:lstStyle/>
+          <a:p>
+            <a:r>
+              <a:rPr lang="en-US" dirty="0"/>
+              <a:t>Carte de test</a:t>
+            </a:r>
+          </a:p>
+        </p:txBody>
+      </p:sp>
+      <p:sp>
+        <p:nvSpPr>
+          <p:cNvPr id="3" name="Espace réservé du contenu 2">
+            <a:extLst>
+              <a:ext uri="{FF2B5EF4-FFF2-40B4-BE49-F238E27FC236}">
+                <a16:creationId xmlns:a16="http://schemas.microsoft.com/office/drawing/2014/main" id="{3516AC98-2D96-4576-9807-79AE25BB3C91}"/>
+              </a:ext>
+            </a:extLst>
+          </p:cNvPr>
+          <p:cNvSpPr>
+            <a:spLocks noGrp="1"/>
+          </p:cNvSpPr>
+          <p:nvPr>
+            <p:ph idx="1"/>
+          </p:nvPr>
+        </p:nvSpPr>
+        <p:spPr>
+          <a:xfrm>
+            <a:off x="1365125" y="2871986"/>
+            <a:ext cx="3628239" cy="3581400"/>
+          </a:xfrm>
+        </p:spPr>
+        <p:txBody>
+          <a:bodyPr/>
+          <a:lstStyle/>
+          <a:p>
+            <a:r>
+              <a:rPr lang="en-US" dirty="0" err="1"/>
+              <a:t>Correspondance</a:t>
+            </a:r>
+            <a:r>
+              <a:rPr lang="en-US" dirty="0"/>
+              <a:t> entre les pins et le </a:t>
+            </a:r>
+            <a:r>
+              <a:rPr lang="en-US" dirty="0" err="1"/>
+              <a:t>b</a:t>
+            </a:r>
+            <a:r>
+              <a:rPr lang="en-US" dirty="0" err="1">
+                <a:sym typeface="Wingdings" panose="05000000000000000000" pitchFamily="2" charset="2"/>
+              </a:rPr>
+              <a:t>ornier</a:t>
+            </a:r>
+            <a:r>
+              <a:rPr lang="en-US" dirty="0">
+                <a:sym typeface="Wingdings" panose="05000000000000000000" pitchFamily="2" charset="2"/>
+              </a:rPr>
+              <a:t> incorrect</a:t>
+            </a:r>
+            <a:endParaRPr lang="en-US" dirty="0"/>
+          </a:p>
+        </p:txBody>
+      </p:sp>
+      <p:sp>
+        <p:nvSpPr>
+          <p:cNvPr id="4" name="Espace réservé du numéro de diapositive 3">
+            <a:extLst>
+              <a:ext uri="{FF2B5EF4-FFF2-40B4-BE49-F238E27FC236}">
+                <a16:creationId xmlns:a16="http://schemas.microsoft.com/office/drawing/2014/main" id="{34EE41E5-AF80-417B-98AB-C89669D0E9BD}"/>
+              </a:ext>
+            </a:extLst>
+          </p:cNvPr>
+          <p:cNvSpPr>
+            <a:spLocks noGrp="1"/>
+          </p:cNvSpPr>
+          <p:nvPr>
+            <p:ph type="sldNum" sz="quarter" idx="12"/>
+          </p:nvPr>
+        </p:nvSpPr>
+        <p:spPr/>
+        <p:txBody>
+          <a:bodyPr/>
+          <a:lstStyle/>
+          <a:p>
+            <a:fld id="{E4FD1E96-881F-4E38-A65A-4DBF7417DE24}" type="slidenum">
+              <a:rPr lang="en-US" smtClean="0"/>
+              <a:t>9</a:t>
+            </a:fld>
+            <a:endParaRPr lang="en-US"/>
+          </a:p>
+        </p:txBody>
+      </p:sp>
+      <p:pic>
+        <p:nvPicPr>
+          <p:cNvPr id="6" name="Image 5">
+            <a:extLst>
+              <a:ext uri="{FF2B5EF4-FFF2-40B4-BE49-F238E27FC236}">
+                <a16:creationId xmlns:a16="http://schemas.microsoft.com/office/drawing/2014/main" id="{3DCA14B5-6FE0-4983-8370-F88BF4DDED6F}"/>
+              </a:ext>
+            </a:extLst>
+          </p:cNvPr>
+          <p:cNvPicPr>
+            <a:picLocks noChangeAspect="1"/>
+          </p:cNvPicPr>
+          <p:nvPr/>
+        </p:nvPicPr>
+        <p:blipFill>
+          <a:blip r:embed="rId2"/>
+          <a:stretch>
+            <a:fillRect/>
+          </a:stretch>
+        </p:blipFill>
+        <p:spPr>
+          <a:xfrm>
+            <a:off x="5064840" y="897622"/>
+            <a:ext cx="3125798" cy="5555764"/>
+          </a:xfrm>
+          <a:prstGeom prst="rect">
+            <a:avLst/>
+          </a:prstGeom>
+        </p:spPr>
+      </p:pic>
+      <p:pic>
+        <p:nvPicPr>
+          <p:cNvPr id="8" name="Image 7">
+            <a:extLst>
+              <a:ext uri="{FF2B5EF4-FFF2-40B4-BE49-F238E27FC236}">
+                <a16:creationId xmlns:a16="http://schemas.microsoft.com/office/drawing/2014/main" id="{DED8DA9F-2F33-4EF2-BD7D-AA589007D2AA}"/>
+              </a:ext>
+            </a:extLst>
+          </p:cNvPr>
+          <p:cNvPicPr>
+            <a:picLocks noChangeAspect="1"/>
+          </p:cNvPicPr>
+          <p:nvPr/>
+        </p:nvPicPr>
+        <p:blipFill>
+          <a:blip r:embed="rId3"/>
+          <a:stretch>
+            <a:fillRect/>
+          </a:stretch>
+        </p:blipFill>
+        <p:spPr>
+          <a:xfrm>
+            <a:off x="8613532" y="897622"/>
+            <a:ext cx="3042444" cy="5560328"/>
+          </a:xfrm>
+          <a:prstGeom prst="rect">
+            <a:avLst/>
+          </a:prstGeom>
+        </p:spPr>
+      </p:pic>
+      <p:sp>
+        <p:nvSpPr>
+          <p:cNvPr id="10" name="Rectangle : coins arrondis 9">
+            <a:extLst>
+              <a:ext uri="{FF2B5EF4-FFF2-40B4-BE49-F238E27FC236}">
+                <a16:creationId xmlns:a16="http://schemas.microsoft.com/office/drawing/2014/main" id="{00B50C09-F697-4413-BFC3-3B8CFE397D7E}"/>
               </a:ext>
             </a:extLst>
           </p:cNvPr>
@@ -5483,12 +11369,15 @@
         </p:nvSpPr>
         <p:spPr>
           <a:xfrm>
-            <a:off x="6011702" y="2389203"/>
-            <a:ext cx="1526797" cy="3229762"/>
+            <a:off x="5796879" y="244745"/>
+            <a:ext cx="1661720" cy="546966"/>
           </a:xfrm>
           <a:prstGeom prst="roundRect">
             <a:avLst/>
           </a:prstGeom>
+          <a:solidFill>
+            <a:schemeClr val="accent2"/>
+          </a:solidFill>
         </p:spPr>
         <p:style>
           <a:lnRef idx="2">
@@ -5513,931 +11402,61 @@
             <a:pPr algn="ctr"/>
             <a:r>
               <a:rPr lang="en-US" sz="2400" dirty="0"/>
-              <a:t>ESP32</a:t>
-            </a:r>
-          </a:p>
-        </p:txBody>
-      </p:sp>
-      <p:cxnSp>
-        <p:nvCxnSpPr>
-          <p:cNvPr id="12" name="Connecteur droit 11">
-            <a:extLst>
-              <a:ext uri="{FF2B5EF4-FFF2-40B4-BE49-F238E27FC236}">
-                <a16:creationId xmlns:a16="http://schemas.microsoft.com/office/drawing/2014/main" id="{410D255E-C909-498D-B706-0B267C2F20F4}"/>
-              </a:ext>
-            </a:extLst>
-          </p:cNvPr>
-          <p:cNvCxnSpPr>
-            <a:cxnSpLocks/>
-          </p:cNvCxnSpPr>
+              <a:t>Avant</a:t>
+            </a:r>
+          </a:p>
+        </p:txBody>
+      </p:sp>
+      <p:sp>
+        <p:nvSpPr>
+          <p:cNvPr id="11" name="Rectangle : coins arrondis 10">
+            <a:extLst>
+              <a:ext uri="{FF2B5EF4-FFF2-40B4-BE49-F238E27FC236}">
+                <a16:creationId xmlns:a16="http://schemas.microsoft.com/office/drawing/2014/main" id="{A12A384F-FBA7-4826-AB6D-8711C39BF8C4}"/>
+              </a:ext>
+            </a:extLst>
+          </p:cNvPr>
+          <p:cNvSpPr/>
           <p:nvPr/>
-        </p:nvCxnSpPr>
-        <p:spPr>
-          <a:xfrm flipH="1" flipV="1">
-            <a:off x="5334292" y="2909322"/>
-            <a:ext cx="5330" cy="2032036"/>
-          </a:xfrm>
-          <a:prstGeom prst="line">
+        </p:nvSpPr>
+        <p:spPr>
+          <a:xfrm>
+            <a:off x="9303894" y="244746"/>
+            <a:ext cx="1661720" cy="546966"/>
+          </a:xfrm>
+          <a:prstGeom prst="roundRect">
             <a:avLst/>
           </a:prstGeom>
-          <a:ln w="57150">
-            <a:solidFill>
-              <a:schemeClr val="tx1">
-                <a:lumMod val="65000"/>
-                <a:lumOff val="35000"/>
-              </a:schemeClr>
-            </a:solidFill>
-          </a:ln>
+          <a:solidFill>
+            <a:schemeClr val="accent6">
+              <a:lumMod val="75000"/>
+            </a:schemeClr>
+          </a:solidFill>
         </p:spPr>
         <p:style>
-          <a:lnRef idx="1">
-            <a:schemeClr val="accent1"/>
+          <a:lnRef idx="2">
+            <a:schemeClr val="accent1">
+              <a:shade val="50000"/>
+            </a:schemeClr>
           </a:lnRef>
-          <a:fillRef idx="0">
+          <a:fillRef idx="1">
             <a:schemeClr val="accent1"/>
           </a:fillRef>
           <a:effectRef idx="0">
             <a:schemeClr val="accent1"/>
           </a:effectRef>
           <a:fontRef idx="minor">
-            <a:schemeClr val="tx1"/>
+            <a:schemeClr val="lt1"/>
           </a:fontRef>
         </p:style>
-      </p:cxnSp>
-      <p:cxnSp>
-        <p:nvCxnSpPr>
-          <p:cNvPr id="17" name="Connecteur droit 16">
-            <a:extLst>
-              <a:ext uri="{FF2B5EF4-FFF2-40B4-BE49-F238E27FC236}">
-                <a16:creationId xmlns:a16="http://schemas.microsoft.com/office/drawing/2014/main" id="{27A30388-1F9A-4244-BE40-06673DAB1B17}"/>
-              </a:ext>
-            </a:extLst>
-          </p:cNvPr>
-          <p:cNvCxnSpPr>
-            <a:cxnSpLocks/>
-            <a:stCxn id="7" idx="3"/>
-          </p:cNvCxnSpPr>
-          <p:nvPr/>
-        </p:nvCxnSpPr>
-        <p:spPr>
-          <a:xfrm flipV="1">
-            <a:off x="4747412" y="4941358"/>
-            <a:ext cx="628015" cy="1"/>
-          </a:xfrm>
-          <a:prstGeom prst="line">
-            <a:avLst/>
-          </a:prstGeom>
-          <a:ln w="57150">
-            <a:solidFill>
-              <a:schemeClr val="tx1">
-                <a:lumMod val="65000"/>
-                <a:lumOff val="35000"/>
-              </a:schemeClr>
-            </a:solidFill>
-          </a:ln>
-        </p:spPr>
-        <p:style>
-          <a:lnRef idx="1">
-            <a:schemeClr val="accent1"/>
-          </a:lnRef>
-          <a:fillRef idx="0">
-            <a:schemeClr val="accent1"/>
-          </a:fillRef>
-          <a:effectRef idx="0">
-            <a:schemeClr val="accent1"/>
-          </a:effectRef>
-          <a:fontRef idx="minor">
-            <a:schemeClr val="tx1"/>
-          </a:fontRef>
-        </p:style>
-      </p:cxnSp>
-      <p:sp>
-        <p:nvSpPr>
-          <p:cNvPr id="25" name="ZoneTexte 24">
-            <a:extLst>
-              <a:ext uri="{FF2B5EF4-FFF2-40B4-BE49-F238E27FC236}">
-                <a16:creationId xmlns:a16="http://schemas.microsoft.com/office/drawing/2014/main" id="{9E66D0D0-4B7A-4802-A690-626059DFE6DC}"/>
-              </a:ext>
-            </a:extLst>
-          </p:cNvPr>
-          <p:cNvSpPr txBox="1"/>
-          <p:nvPr/>
-        </p:nvSpPr>
-        <p:spPr>
-          <a:xfrm>
-            <a:off x="5072881" y="2466200"/>
-            <a:ext cx="620683" cy="461665"/>
-          </a:xfrm>
-          <a:prstGeom prst="rect">
-            <a:avLst/>
-          </a:prstGeom>
-          <a:noFill/>
-        </p:spPr>
-        <p:txBody>
-          <a:bodyPr wrap="none" rtlCol="0">
-            <a:spAutoFit/>
-          </a:bodyPr>
+        <p:txBody>
+          <a:bodyPr rtlCol="0" anchor="ctr"/>
           <a:lstStyle/>
           <a:p>
-            <a:r>
-              <a:rPr lang="en-US" sz="2400" dirty="0">
-                <a:solidFill>
-                  <a:schemeClr val="tx1">
-                    <a:lumMod val="75000"/>
-                    <a:lumOff val="25000"/>
-                  </a:schemeClr>
-                </a:solidFill>
-                <a:latin typeface="Abadi" panose="020B0604020104020204" pitchFamily="34" charset="0"/>
-              </a:rPr>
-              <a:t>I2C</a:t>
-            </a:r>
-          </a:p>
-        </p:txBody>
-      </p:sp>
-      <p:cxnSp>
-        <p:nvCxnSpPr>
-          <p:cNvPr id="42" name="Connecteur : en angle 41">
-            <a:extLst>
-              <a:ext uri="{FF2B5EF4-FFF2-40B4-BE49-F238E27FC236}">
-                <a16:creationId xmlns:a16="http://schemas.microsoft.com/office/drawing/2014/main" id="{DC35C8E2-DE12-4C00-A30E-292BE09D6D36}"/>
-              </a:ext>
-            </a:extLst>
-          </p:cNvPr>
-          <p:cNvCxnSpPr>
-            <a:cxnSpLocks/>
-          </p:cNvCxnSpPr>
-          <p:nvPr/>
-        </p:nvCxnSpPr>
-        <p:spPr>
-          <a:xfrm>
-            <a:off x="7538499" y="3090222"/>
-            <a:ext cx="2095150" cy="1601919"/>
-          </a:xfrm>
-          <a:prstGeom prst="bentConnector3">
-            <a:avLst>
-              <a:gd name="adj1" fmla="val 43273"/>
-            </a:avLst>
-          </a:prstGeom>
-          <a:ln w="57150">
-            <a:solidFill>
-              <a:schemeClr val="tx1">
-                <a:lumMod val="65000"/>
-                <a:lumOff val="35000"/>
-              </a:schemeClr>
-            </a:solidFill>
-          </a:ln>
-        </p:spPr>
-        <p:style>
-          <a:lnRef idx="1">
-            <a:schemeClr val="accent1"/>
-          </a:lnRef>
-          <a:fillRef idx="0">
-            <a:schemeClr val="accent1"/>
-          </a:fillRef>
-          <a:effectRef idx="0">
-            <a:schemeClr val="accent1"/>
-          </a:effectRef>
-          <a:fontRef idx="minor">
-            <a:schemeClr val="tx1"/>
-          </a:fontRef>
-        </p:style>
-      </p:cxnSp>
-      <p:cxnSp>
-        <p:nvCxnSpPr>
-          <p:cNvPr id="46" name="Connecteur : en angle 45">
-            <a:extLst>
-              <a:ext uri="{FF2B5EF4-FFF2-40B4-BE49-F238E27FC236}">
-                <a16:creationId xmlns:a16="http://schemas.microsoft.com/office/drawing/2014/main" id="{8771EF1A-5046-4B4F-96EA-EE474AAC20E7}"/>
-              </a:ext>
-            </a:extLst>
-          </p:cNvPr>
-          <p:cNvCxnSpPr>
-            <a:cxnSpLocks/>
-          </p:cNvCxnSpPr>
-          <p:nvPr/>
-        </p:nvCxnSpPr>
-        <p:spPr>
-          <a:xfrm>
-            <a:off x="7538499" y="3090222"/>
-            <a:ext cx="2095150" cy="328730"/>
-          </a:xfrm>
-          <a:prstGeom prst="bentConnector3">
-            <a:avLst>
-              <a:gd name="adj1" fmla="val 43273"/>
-            </a:avLst>
-          </a:prstGeom>
-          <a:ln w="57150">
-            <a:solidFill>
-              <a:schemeClr val="tx1">
-                <a:lumMod val="65000"/>
-                <a:lumOff val="35000"/>
-              </a:schemeClr>
-            </a:solidFill>
-          </a:ln>
-        </p:spPr>
-        <p:style>
-          <a:lnRef idx="1">
-            <a:schemeClr val="accent1"/>
-          </a:lnRef>
-          <a:fillRef idx="0">
-            <a:schemeClr val="accent1"/>
-          </a:fillRef>
-          <a:effectRef idx="0">
-            <a:schemeClr val="accent1"/>
-          </a:effectRef>
-          <a:fontRef idx="minor">
-            <a:schemeClr val="tx1"/>
-          </a:fontRef>
-        </p:style>
-      </p:cxnSp>
-      <p:sp>
-        <p:nvSpPr>
-          <p:cNvPr id="54" name="ZoneTexte 53">
-            <a:extLst>
-              <a:ext uri="{FF2B5EF4-FFF2-40B4-BE49-F238E27FC236}">
-                <a16:creationId xmlns:a16="http://schemas.microsoft.com/office/drawing/2014/main" id="{EEF5C3D2-45A1-4AD0-90E7-075CE15124D8}"/>
-              </a:ext>
-            </a:extLst>
-          </p:cNvPr>
-          <p:cNvSpPr txBox="1"/>
-          <p:nvPr/>
-        </p:nvSpPr>
-        <p:spPr>
-          <a:xfrm>
-            <a:off x="7782162" y="2493091"/>
-            <a:ext cx="1656223" cy="461665"/>
-          </a:xfrm>
-          <a:prstGeom prst="rect">
-            <a:avLst/>
-          </a:prstGeom>
-          <a:noFill/>
-        </p:spPr>
-        <p:txBody>
-          <a:bodyPr wrap="none" rtlCol="0">
-            <a:spAutoFit/>
-          </a:bodyPr>
-          <a:lstStyle/>
-          <a:p>
-            <a:r>
-              <a:rPr lang="en-US" sz="2400" dirty="0">
-                <a:solidFill>
-                  <a:schemeClr val="tx2">
-                    <a:lumMod val="50000"/>
-                    <a:lumOff val="50000"/>
-                  </a:schemeClr>
-                </a:solidFill>
-                <a:latin typeface="Abadi" panose="020B0604020104020204" pitchFamily="34" charset="0"/>
-              </a:rPr>
-              <a:t>I/O </a:t>
-            </a:r>
-            <a:r>
-              <a:rPr lang="en-US" sz="2400" dirty="0" err="1">
-                <a:solidFill>
-                  <a:schemeClr val="tx2">
-                    <a:lumMod val="50000"/>
-                    <a:lumOff val="50000"/>
-                  </a:schemeClr>
-                </a:solidFill>
-                <a:latin typeface="Abadi" panose="020B0604020104020204" pitchFamily="34" charset="0"/>
-              </a:rPr>
-              <a:t>Caméra</a:t>
-            </a:r>
-            <a:endParaRPr lang="en-US" sz="2400" dirty="0">
-              <a:solidFill>
-                <a:schemeClr val="tx2">
-                  <a:lumMod val="50000"/>
-                  <a:lumOff val="50000"/>
-                </a:schemeClr>
-              </a:solidFill>
-              <a:latin typeface="Abadi" panose="020B0604020104020204" pitchFamily="34" charset="0"/>
-            </a:endParaRPr>
-          </a:p>
-        </p:txBody>
-      </p:sp>
-      <p:sp>
-        <p:nvSpPr>
-          <p:cNvPr id="55" name="ZoneTexte 54">
-            <a:extLst>
-              <a:ext uri="{FF2B5EF4-FFF2-40B4-BE49-F238E27FC236}">
-                <a16:creationId xmlns:a16="http://schemas.microsoft.com/office/drawing/2014/main" id="{1207B739-9D3A-4ECA-808E-DCBCCB239CC3}"/>
-              </a:ext>
-            </a:extLst>
-          </p:cNvPr>
-          <p:cNvSpPr txBox="1"/>
-          <p:nvPr/>
-        </p:nvSpPr>
-        <p:spPr>
-          <a:xfrm>
-            <a:off x="7846610" y="5127468"/>
-            <a:ext cx="1752403" cy="461665"/>
-          </a:xfrm>
-          <a:prstGeom prst="rect">
-            <a:avLst/>
-          </a:prstGeom>
-          <a:noFill/>
-        </p:spPr>
-        <p:txBody>
-          <a:bodyPr wrap="none" rtlCol="0">
-            <a:spAutoFit/>
-          </a:bodyPr>
-          <a:lstStyle/>
-          <a:p>
-            <a:r>
-              <a:rPr lang="en-US" sz="2400" dirty="0">
-                <a:solidFill>
-                  <a:schemeClr val="accent5">
-                    <a:lumMod val="75000"/>
-                  </a:schemeClr>
-                </a:solidFill>
-                <a:latin typeface="Abadi" panose="020B0604020104020204" pitchFamily="34" charset="0"/>
-              </a:rPr>
-              <a:t>I/O SD Card</a:t>
-            </a:r>
-          </a:p>
-        </p:txBody>
-      </p:sp>
-      <p:sp>
-        <p:nvSpPr>
-          <p:cNvPr id="56" name="ZoneTexte 55">
-            <a:extLst>
-              <a:ext uri="{FF2B5EF4-FFF2-40B4-BE49-F238E27FC236}">
-                <a16:creationId xmlns:a16="http://schemas.microsoft.com/office/drawing/2014/main" id="{0E07B639-14E8-487F-B920-23B6E96B3B9F}"/>
-              </a:ext>
-            </a:extLst>
-          </p:cNvPr>
-          <p:cNvSpPr txBox="1"/>
-          <p:nvPr/>
-        </p:nvSpPr>
-        <p:spPr>
-          <a:xfrm>
-            <a:off x="8439609" y="3811603"/>
-            <a:ext cx="2121093" cy="461665"/>
-          </a:xfrm>
-          <a:prstGeom prst="rect">
-            <a:avLst/>
-          </a:prstGeom>
-          <a:noFill/>
-        </p:spPr>
-        <p:txBody>
-          <a:bodyPr wrap="none" rtlCol="0">
-            <a:spAutoFit/>
-          </a:bodyPr>
-          <a:lstStyle/>
-          <a:p>
-            <a:r>
-              <a:rPr lang="en-US" sz="2400" dirty="0">
-                <a:solidFill>
-                  <a:schemeClr val="tx1">
-                    <a:lumMod val="65000"/>
-                    <a:lumOff val="35000"/>
-                  </a:schemeClr>
-                </a:solidFill>
-                <a:latin typeface="Abadi" panose="020B0604020104020204" pitchFamily="34" charset="0"/>
-              </a:rPr>
-              <a:t>I/O Communes</a:t>
-            </a:r>
-          </a:p>
-        </p:txBody>
-      </p:sp>
-      <p:cxnSp>
-        <p:nvCxnSpPr>
-          <p:cNvPr id="60" name="Connecteur droit 59">
-            <a:extLst>
-              <a:ext uri="{FF2B5EF4-FFF2-40B4-BE49-F238E27FC236}">
-                <a16:creationId xmlns:a16="http://schemas.microsoft.com/office/drawing/2014/main" id="{E5FA3173-B0DC-4823-A66E-B6028184B45E}"/>
-              </a:ext>
-            </a:extLst>
-          </p:cNvPr>
-          <p:cNvCxnSpPr>
-            <a:cxnSpLocks/>
-          </p:cNvCxnSpPr>
-          <p:nvPr/>
-        </p:nvCxnSpPr>
-        <p:spPr>
-          <a:xfrm flipV="1">
-            <a:off x="2478244" y="4611410"/>
-            <a:ext cx="628015" cy="1"/>
-          </a:xfrm>
-          <a:prstGeom prst="line">
-            <a:avLst/>
-          </a:prstGeom>
-          <a:ln w="57150">
-            <a:solidFill>
-              <a:schemeClr val="tx1">
-                <a:lumMod val="65000"/>
-                <a:lumOff val="35000"/>
-              </a:schemeClr>
-            </a:solidFill>
-          </a:ln>
-        </p:spPr>
-        <p:style>
-          <a:lnRef idx="1">
-            <a:schemeClr val="accent1"/>
-          </a:lnRef>
-          <a:fillRef idx="0">
-            <a:schemeClr val="accent1"/>
-          </a:fillRef>
-          <a:effectRef idx="0">
-            <a:schemeClr val="accent1"/>
-          </a:effectRef>
-          <a:fontRef idx="minor">
-            <a:schemeClr val="tx1"/>
-          </a:fontRef>
-        </p:style>
-      </p:cxnSp>
-      <p:cxnSp>
-        <p:nvCxnSpPr>
-          <p:cNvPr id="61" name="Connecteur droit 60">
-            <a:extLst>
-              <a:ext uri="{FF2B5EF4-FFF2-40B4-BE49-F238E27FC236}">
-                <a16:creationId xmlns:a16="http://schemas.microsoft.com/office/drawing/2014/main" id="{B28E233D-9EFC-4A9F-94BD-FE7F0DA56ADB}"/>
-              </a:ext>
-            </a:extLst>
-          </p:cNvPr>
-          <p:cNvCxnSpPr>
-            <a:cxnSpLocks/>
-          </p:cNvCxnSpPr>
-          <p:nvPr/>
-        </p:nvCxnSpPr>
-        <p:spPr>
-          <a:xfrm flipV="1">
-            <a:off x="2478244" y="4941357"/>
-            <a:ext cx="628015" cy="1"/>
-          </a:xfrm>
-          <a:prstGeom prst="line">
-            <a:avLst/>
-          </a:prstGeom>
-          <a:ln w="57150">
-            <a:solidFill>
-              <a:schemeClr val="tx1">
-                <a:lumMod val="65000"/>
-                <a:lumOff val="35000"/>
-              </a:schemeClr>
-            </a:solidFill>
-          </a:ln>
-        </p:spPr>
-        <p:style>
-          <a:lnRef idx="1">
-            <a:schemeClr val="accent1"/>
-          </a:lnRef>
-          <a:fillRef idx="0">
-            <a:schemeClr val="accent1"/>
-          </a:fillRef>
-          <a:effectRef idx="0">
-            <a:schemeClr val="accent1"/>
-          </a:effectRef>
-          <a:fontRef idx="minor">
-            <a:schemeClr val="tx1"/>
-          </a:fontRef>
-        </p:style>
-      </p:cxnSp>
-      <p:cxnSp>
-        <p:nvCxnSpPr>
-          <p:cNvPr id="62" name="Connecteur droit 61">
-            <a:extLst>
-              <a:ext uri="{FF2B5EF4-FFF2-40B4-BE49-F238E27FC236}">
-                <a16:creationId xmlns:a16="http://schemas.microsoft.com/office/drawing/2014/main" id="{5A4D6634-2E7B-43FC-A8E1-703F735616A2}"/>
-              </a:ext>
-            </a:extLst>
-          </p:cNvPr>
-          <p:cNvCxnSpPr>
-            <a:cxnSpLocks/>
-          </p:cNvCxnSpPr>
-          <p:nvPr/>
-        </p:nvCxnSpPr>
-        <p:spPr>
-          <a:xfrm flipV="1">
-            <a:off x="2478244" y="5276639"/>
-            <a:ext cx="628015" cy="1"/>
-          </a:xfrm>
-          <a:prstGeom prst="line">
-            <a:avLst/>
-          </a:prstGeom>
-          <a:ln w="57150">
-            <a:solidFill>
-              <a:schemeClr val="tx1">
-                <a:lumMod val="65000"/>
-                <a:lumOff val="35000"/>
-              </a:schemeClr>
-            </a:solidFill>
-          </a:ln>
-        </p:spPr>
-        <p:style>
-          <a:lnRef idx="1">
-            <a:schemeClr val="accent1"/>
-          </a:lnRef>
-          <a:fillRef idx="0">
-            <a:schemeClr val="accent1"/>
-          </a:fillRef>
-          <a:effectRef idx="0">
-            <a:schemeClr val="accent1"/>
-          </a:effectRef>
-          <a:fontRef idx="minor">
-            <a:schemeClr val="tx1"/>
-          </a:fontRef>
-        </p:style>
-      </p:cxnSp>
-      <p:cxnSp>
-        <p:nvCxnSpPr>
-          <p:cNvPr id="63" name="Connecteur droit 62">
-            <a:extLst>
-              <a:ext uri="{FF2B5EF4-FFF2-40B4-BE49-F238E27FC236}">
-                <a16:creationId xmlns:a16="http://schemas.microsoft.com/office/drawing/2014/main" id="{94FE48F5-541C-43D6-ABFD-0E19A1F7A4BE}"/>
-              </a:ext>
-            </a:extLst>
-          </p:cNvPr>
-          <p:cNvCxnSpPr>
-            <a:cxnSpLocks/>
-          </p:cNvCxnSpPr>
-          <p:nvPr/>
-        </p:nvCxnSpPr>
-        <p:spPr>
-          <a:xfrm flipV="1">
-            <a:off x="2478243" y="3196362"/>
-            <a:ext cx="628015" cy="1"/>
-          </a:xfrm>
-          <a:prstGeom prst="line">
-            <a:avLst/>
-          </a:prstGeom>
-          <a:ln w="57150">
-            <a:solidFill>
-              <a:schemeClr val="tx1">
-                <a:lumMod val="65000"/>
-                <a:lumOff val="35000"/>
-              </a:schemeClr>
-            </a:solidFill>
-          </a:ln>
-        </p:spPr>
-        <p:style>
-          <a:lnRef idx="1">
-            <a:schemeClr val="accent1"/>
-          </a:lnRef>
-          <a:fillRef idx="0">
-            <a:schemeClr val="accent1"/>
-          </a:fillRef>
-          <a:effectRef idx="0">
-            <a:schemeClr val="accent1"/>
-          </a:effectRef>
-          <a:fontRef idx="minor">
-            <a:schemeClr val="tx1"/>
-          </a:fontRef>
-        </p:style>
-      </p:cxnSp>
-      <p:cxnSp>
-        <p:nvCxnSpPr>
-          <p:cNvPr id="64" name="Connecteur droit 63">
-            <a:extLst>
-              <a:ext uri="{FF2B5EF4-FFF2-40B4-BE49-F238E27FC236}">
-                <a16:creationId xmlns:a16="http://schemas.microsoft.com/office/drawing/2014/main" id="{998F6F1E-082A-4530-AA12-15E0D8C62818}"/>
-              </a:ext>
-            </a:extLst>
-          </p:cNvPr>
-          <p:cNvCxnSpPr>
-            <a:cxnSpLocks/>
-          </p:cNvCxnSpPr>
-          <p:nvPr/>
-        </p:nvCxnSpPr>
-        <p:spPr>
-          <a:xfrm flipV="1">
-            <a:off x="2467960" y="2572213"/>
-            <a:ext cx="628015" cy="1"/>
-          </a:xfrm>
-          <a:prstGeom prst="line">
-            <a:avLst/>
-          </a:prstGeom>
-          <a:ln w="57150">
-            <a:solidFill>
-              <a:schemeClr val="tx1">
-                <a:lumMod val="65000"/>
-                <a:lumOff val="35000"/>
-              </a:schemeClr>
-            </a:solidFill>
-          </a:ln>
-        </p:spPr>
-        <p:style>
-          <a:lnRef idx="1">
-            <a:schemeClr val="accent1"/>
-          </a:lnRef>
-          <a:fillRef idx="0">
-            <a:schemeClr val="accent1"/>
-          </a:fillRef>
-          <a:effectRef idx="0">
-            <a:schemeClr val="accent1"/>
-          </a:effectRef>
-          <a:fontRef idx="minor">
-            <a:schemeClr val="tx1"/>
-          </a:fontRef>
-        </p:style>
-      </p:cxnSp>
-      <p:cxnSp>
-        <p:nvCxnSpPr>
-          <p:cNvPr id="65" name="Connecteur droit 64">
-            <a:extLst>
-              <a:ext uri="{FF2B5EF4-FFF2-40B4-BE49-F238E27FC236}">
-                <a16:creationId xmlns:a16="http://schemas.microsoft.com/office/drawing/2014/main" id="{4D0883D7-2A77-4D6F-83C3-E38CD3D5ABB3}"/>
-              </a:ext>
-            </a:extLst>
-          </p:cNvPr>
-          <p:cNvCxnSpPr>
-            <a:cxnSpLocks/>
-          </p:cNvCxnSpPr>
-          <p:nvPr/>
-        </p:nvCxnSpPr>
-        <p:spPr>
-          <a:xfrm flipV="1">
-            <a:off x="2478242" y="2874943"/>
-            <a:ext cx="628015" cy="1"/>
-          </a:xfrm>
-          <a:prstGeom prst="line">
-            <a:avLst/>
-          </a:prstGeom>
-          <a:ln w="57150">
-            <a:solidFill>
-              <a:schemeClr val="tx1">
-                <a:lumMod val="65000"/>
-                <a:lumOff val="35000"/>
-              </a:schemeClr>
-            </a:solidFill>
-          </a:ln>
-        </p:spPr>
-        <p:style>
-          <a:lnRef idx="1">
-            <a:schemeClr val="accent1"/>
-          </a:lnRef>
-          <a:fillRef idx="0">
-            <a:schemeClr val="accent1"/>
-          </a:fillRef>
-          <a:effectRef idx="0">
-            <a:schemeClr val="accent1"/>
-          </a:effectRef>
-          <a:fontRef idx="minor">
-            <a:schemeClr val="tx1"/>
-          </a:fontRef>
-        </p:style>
-      </p:cxnSp>
-      <p:sp>
-        <p:nvSpPr>
-          <p:cNvPr id="66" name="ZoneTexte 65">
-            <a:extLst>
-              <a:ext uri="{FF2B5EF4-FFF2-40B4-BE49-F238E27FC236}">
-                <a16:creationId xmlns:a16="http://schemas.microsoft.com/office/drawing/2014/main" id="{CD2FDBB8-C434-4D2E-B59F-3A74707B1BCD}"/>
-              </a:ext>
-            </a:extLst>
-          </p:cNvPr>
-          <p:cNvSpPr txBox="1"/>
-          <p:nvPr/>
-        </p:nvSpPr>
-        <p:spPr>
-          <a:xfrm>
-            <a:off x="1725463" y="2319899"/>
-            <a:ext cx="728084" cy="369332"/>
-          </a:xfrm>
-          <a:prstGeom prst="rect">
-            <a:avLst/>
-          </a:prstGeom>
-          <a:noFill/>
-        </p:spPr>
-        <p:txBody>
-          <a:bodyPr wrap="none" rtlCol="0">
-            <a:spAutoFit/>
-          </a:bodyPr>
-          <a:lstStyle/>
-          <a:p>
-            <a:r>
-              <a:rPr lang="en-US" dirty="0">
-                <a:solidFill>
-                  <a:schemeClr val="tx1">
-                    <a:lumMod val="75000"/>
-                    <a:lumOff val="25000"/>
-                  </a:schemeClr>
-                </a:solidFill>
-                <a:latin typeface="Abadi" panose="020B0604020104020204" pitchFamily="34" charset="0"/>
-              </a:rPr>
-              <a:t>Micro</a:t>
-            </a:r>
-          </a:p>
-        </p:txBody>
-      </p:sp>
-      <p:sp>
-        <p:nvSpPr>
-          <p:cNvPr id="67" name="ZoneTexte 66">
-            <a:extLst>
-              <a:ext uri="{FF2B5EF4-FFF2-40B4-BE49-F238E27FC236}">
-                <a16:creationId xmlns:a16="http://schemas.microsoft.com/office/drawing/2014/main" id="{D1C697DA-6946-4697-9920-22BC346E318F}"/>
-              </a:ext>
-            </a:extLst>
-          </p:cNvPr>
-          <p:cNvSpPr txBox="1"/>
-          <p:nvPr/>
-        </p:nvSpPr>
-        <p:spPr>
-          <a:xfrm>
-            <a:off x="1787178" y="2625251"/>
-            <a:ext cx="593432" cy="369332"/>
-          </a:xfrm>
-          <a:prstGeom prst="rect">
-            <a:avLst/>
-          </a:prstGeom>
-          <a:noFill/>
-        </p:spPr>
-        <p:txBody>
-          <a:bodyPr wrap="none" rtlCol="0">
-            <a:spAutoFit/>
-          </a:bodyPr>
-          <a:lstStyle/>
-          <a:p>
-            <a:r>
-              <a:rPr lang="en-US" dirty="0">
-                <a:solidFill>
-                  <a:schemeClr val="tx1">
-                    <a:lumMod val="75000"/>
-                    <a:lumOff val="25000"/>
-                  </a:schemeClr>
-                </a:solidFill>
-                <a:latin typeface="Abadi" panose="020B0604020104020204" pitchFamily="34" charset="0"/>
-              </a:rPr>
-              <a:t>LDR</a:t>
-            </a:r>
-          </a:p>
-        </p:txBody>
-      </p:sp>
-      <p:sp>
-        <p:nvSpPr>
-          <p:cNvPr id="68" name="ZoneTexte 67">
-            <a:extLst>
-              <a:ext uri="{FF2B5EF4-FFF2-40B4-BE49-F238E27FC236}">
-                <a16:creationId xmlns:a16="http://schemas.microsoft.com/office/drawing/2014/main" id="{1752A9A3-9816-4043-A893-F4E1890F0EB4}"/>
-              </a:ext>
-            </a:extLst>
-          </p:cNvPr>
-          <p:cNvSpPr txBox="1"/>
-          <p:nvPr/>
-        </p:nvSpPr>
-        <p:spPr>
-          <a:xfrm>
-            <a:off x="1723171" y="2938863"/>
-            <a:ext cx="745717" cy="369332"/>
-          </a:xfrm>
-          <a:prstGeom prst="rect">
-            <a:avLst/>
-          </a:prstGeom>
-          <a:noFill/>
-        </p:spPr>
-        <p:txBody>
-          <a:bodyPr wrap="none" rtlCol="0">
-            <a:spAutoFit/>
-          </a:bodyPr>
-          <a:lstStyle/>
-          <a:p>
-            <a:r>
-              <a:rPr lang="en-US" dirty="0">
-                <a:solidFill>
-                  <a:schemeClr val="tx1">
-                    <a:lumMod val="75000"/>
-                    <a:lumOff val="25000"/>
-                  </a:schemeClr>
-                </a:solidFill>
-                <a:latin typeface="Abadi" panose="020B0604020104020204" pitchFamily="34" charset="0"/>
-              </a:rPr>
-              <a:t>Spare</a:t>
-            </a:r>
-          </a:p>
-        </p:txBody>
-      </p:sp>
-      <p:sp>
-        <p:nvSpPr>
-          <p:cNvPr id="69" name="ZoneTexte 68">
-            <a:extLst>
-              <a:ext uri="{FF2B5EF4-FFF2-40B4-BE49-F238E27FC236}">
-                <a16:creationId xmlns:a16="http://schemas.microsoft.com/office/drawing/2014/main" id="{B97585CE-4546-4BEA-944B-7D209109277D}"/>
-              </a:ext>
-            </a:extLst>
-          </p:cNvPr>
-          <p:cNvSpPr txBox="1"/>
-          <p:nvPr/>
-        </p:nvSpPr>
-        <p:spPr>
-          <a:xfrm>
-            <a:off x="1765833" y="4359895"/>
-            <a:ext cx="712054" cy="369332"/>
-          </a:xfrm>
-          <a:prstGeom prst="rect">
-            <a:avLst/>
-          </a:prstGeom>
-          <a:noFill/>
-        </p:spPr>
-        <p:txBody>
-          <a:bodyPr wrap="none" rtlCol="0">
-            <a:spAutoFit/>
-          </a:bodyPr>
-          <a:lstStyle/>
-          <a:p>
-            <a:r>
-              <a:rPr lang="en-US" dirty="0">
-                <a:solidFill>
-                  <a:schemeClr val="tx1">
-                    <a:lumMod val="75000"/>
-                    <a:lumOff val="25000"/>
-                  </a:schemeClr>
-                </a:solidFill>
-                <a:latin typeface="Abadi" panose="020B0604020104020204" pitchFamily="34" charset="0"/>
-              </a:rPr>
-              <a:t>Laser</a:t>
-            </a:r>
-          </a:p>
-        </p:txBody>
-      </p:sp>
-      <p:sp>
-        <p:nvSpPr>
-          <p:cNvPr id="70" name="ZoneTexte 69">
-            <a:extLst>
-              <a:ext uri="{FF2B5EF4-FFF2-40B4-BE49-F238E27FC236}">
-                <a16:creationId xmlns:a16="http://schemas.microsoft.com/office/drawing/2014/main" id="{170D2148-7A7F-469B-B03C-5DDB79A3AA09}"/>
-              </a:ext>
-            </a:extLst>
-          </p:cNvPr>
-          <p:cNvSpPr txBox="1"/>
-          <p:nvPr/>
-        </p:nvSpPr>
-        <p:spPr>
-          <a:xfrm>
-            <a:off x="1493322" y="4717508"/>
-            <a:ext cx="984565" cy="369332"/>
-          </a:xfrm>
-          <a:prstGeom prst="rect">
-            <a:avLst/>
-          </a:prstGeom>
-          <a:noFill/>
-        </p:spPr>
-        <p:txBody>
-          <a:bodyPr wrap="none" rtlCol="0">
-            <a:spAutoFit/>
-          </a:bodyPr>
-          <a:lstStyle/>
-          <a:p>
-            <a:r>
-              <a:rPr lang="en-US" dirty="0" err="1">
-                <a:solidFill>
-                  <a:schemeClr val="tx1">
-                    <a:lumMod val="75000"/>
-                    <a:lumOff val="25000"/>
-                  </a:schemeClr>
-                </a:solidFill>
-                <a:latin typeface="Abadi" panose="020B0604020104020204" pitchFamily="34" charset="0"/>
-              </a:rPr>
-              <a:t>Moteurs</a:t>
-            </a:r>
-            <a:endParaRPr lang="en-US" dirty="0">
-              <a:solidFill>
-                <a:schemeClr val="tx1">
-                  <a:lumMod val="75000"/>
-                  <a:lumOff val="25000"/>
-                </a:schemeClr>
-              </a:solidFill>
-              <a:latin typeface="Abadi" panose="020B0604020104020204" pitchFamily="34" charset="0"/>
-            </a:endParaRPr>
-          </a:p>
-        </p:txBody>
-      </p:sp>
-      <p:sp>
-        <p:nvSpPr>
-          <p:cNvPr id="71" name="ZoneTexte 70">
-            <a:extLst>
-              <a:ext uri="{FF2B5EF4-FFF2-40B4-BE49-F238E27FC236}">
-                <a16:creationId xmlns:a16="http://schemas.microsoft.com/office/drawing/2014/main" id="{4284767E-E3E1-4953-BE0F-3F34D040FBF8}"/>
-              </a:ext>
-            </a:extLst>
-          </p:cNvPr>
-          <p:cNvSpPr txBox="1"/>
-          <p:nvPr/>
-        </p:nvSpPr>
-        <p:spPr>
-          <a:xfrm>
-            <a:off x="968342" y="5031957"/>
-            <a:ext cx="1527982" cy="369332"/>
-          </a:xfrm>
-          <a:prstGeom prst="rect">
-            <a:avLst/>
-          </a:prstGeom>
-          <a:noFill/>
-        </p:spPr>
-        <p:txBody>
-          <a:bodyPr wrap="none" rtlCol="0">
-            <a:spAutoFit/>
-          </a:bodyPr>
-          <a:lstStyle/>
-          <a:p>
-            <a:r>
-              <a:rPr lang="en-US" dirty="0">
-                <a:solidFill>
-                  <a:schemeClr val="tx1">
-                    <a:lumMod val="75000"/>
-                    <a:lumOff val="25000"/>
-                  </a:schemeClr>
-                </a:solidFill>
-                <a:latin typeface="Abadi" panose="020B0604020104020204" pitchFamily="34" charset="0"/>
-              </a:rPr>
-              <a:t>Alimentations</a:t>
+            <a:pPr algn="ctr"/>
+            <a:r>
+              <a:rPr lang="en-US" sz="2400" dirty="0"/>
+              <a:t>Après</a:t>
             </a:r>
           </a:p>
         </p:txBody>
@@ -6445,7 +11464,7 @@
     </p:spTree>
     <p:extLst>
       <p:ext uri="{BB962C8B-B14F-4D97-AF65-F5344CB8AC3E}">
-        <p14:creationId xmlns:p14="http://schemas.microsoft.com/office/powerpoint/2010/main" val="862037105"/>
+        <p14:creationId xmlns:p14="http://schemas.microsoft.com/office/powerpoint/2010/main" val="4252256906"/>
       </p:ext>
     </p:extLst>
   </p:cSld>

--- a/Présentation_soutenance.pptx
+++ b/Présentation_soutenance.pptx
@@ -213,7 +213,7 @@
           <a:p>
             <a:fld id="{D87139A6-8289-4349-BA4C-B309F2F0D2BD}" type="datetimeFigureOut">
               <a:rPr lang="en-US" smtClean="0"/>
-              <a:t>4/19/2022</a:t>
+              <a:t>4/20/2022</a:t>
             </a:fld>
             <a:endParaRPr lang="en-US"/>
           </a:p>
@@ -650,7 +650,7 @@
           <a:p>
             <a:fld id="{0C229DAA-5DBF-4C04-A00A-4940833DAEE1}" type="datetime1">
               <a:rPr lang="en-US" smtClean="0"/>
-              <a:t>4/19/2022</a:t>
+              <a:t>4/20/2022</a:t>
             </a:fld>
             <a:endParaRPr lang="en-US"/>
           </a:p>
@@ -980,7 +980,7 @@
           <a:p>
             <a:fld id="{6E3BB797-2FF6-4D41-8FC3-F3325ABE31A8}" type="datetime1">
               <a:rPr lang="en-US" smtClean="0"/>
-              <a:t>4/19/2022</a:t>
+              <a:t>4/20/2022</a:t>
             </a:fld>
             <a:endParaRPr lang="en-US"/>
           </a:p>
@@ -1160,7 +1160,7 @@
           <a:p>
             <a:fld id="{BDD648BE-BD75-4C70-A65E-F62A70B02630}" type="datetime1">
               <a:rPr lang="en-US" smtClean="0"/>
-              <a:t>4/19/2022</a:t>
+              <a:t>4/20/2022</a:t>
             </a:fld>
             <a:endParaRPr lang="en-US"/>
           </a:p>
@@ -1330,7 +1330,7 @@
           <a:p>
             <a:fld id="{C1D3D134-36F3-48F6-B1F0-9BFA92763A0A}" type="datetime1">
               <a:rPr lang="en-US" smtClean="0"/>
-              <a:t>4/19/2022</a:t>
+              <a:t>4/20/2022</a:t>
             </a:fld>
             <a:endParaRPr lang="en-US"/>
           </a:p>
@@ -1607,7 +1607,7 @@
           <a:p>
             <a:fld id="{8AA3A512-5443-465E-8C4A-37D3E8221343}" type="datetime1">
               <a:rPr lang="en-US" smtClean="0"/>
-              <a:t>4/19/2022</a:t>
+              <a:t>4/20/2022</a:t>
             </a:fld>
             <a:endParaRPr lang="en-US"/>
           </a:p>
@@ -2001,7 +2001,7 @@
           <a:p>
             <a:fld id="{4C53ED1A-464E-4C6A-B471-87F909F2F3F2}" type="datetime1">
               <a:rPr lang="en-US" smtClean="0"/>
-              <a:t>4/19/2022</a:t>
+              <a:t>4/20/2022</a:t>
             </a:fld>
             <a:endParaRPr lang="en-US"/>
           </a:p>
@@ -2478,7 +2478,7 @@
           <a:p>
             <a:fld id="{F5F4D152-793D-4D45-BBEE-844C62E16B5F}" type="datetime1">
               <a:rPr lang="en-US" smtClean="0"/>
-              <a:t>4/19/2022</a:t>
+              <a:t>4/20/2022</a:t>
             </a:fld>
             <a:endParaRPr lang="en-US"/>
           </a:p>
@@ -2596,7 +2596,7 @@
           <a:p>
             <a:fld id="{7846C404-EC26-4ECA-85D6-F2FBAD337DE3}" type="datetime1">
               <a:rPr lang="en-US" smtClean="0"/>
-              <a:t>4/19/2022</a:t>
+              <a:t>4/20/2022</a:t>
             </a:fld>
             <a:endParaRPr lang="en-US"/>
           </a:p>
@@ -2691,7 +2691,7 @@
           <a:p>
             <a:fld id="{68DADF70-DC88-45FD-BEA4-951087DB2E53}" type="datetime1">
               <a:rPr lang="en-US" smtClean="0"/>
-              <a:t>4/19/2022</a:t>
+              <a:t>4/20/2022</a:t>
             </a:fld>
             <a:endParaRPr lang="en-US"/>
           </a:p>
@@ -3037,7 +3037,7 @@
           <a:p>
             <a:fld id="{03C6C2DD-882A-486F-BE00-9970C008E84E}" type="datetime1">
               <a:rPr lang="en-US" smtClean="0"/>
-              <a:t>4/19/2022</a:t>
+              <a:t>4/20/2022</a:t>
             </a:fld>
             <a:endParaRPr lang="en-US"/>
           </a:p>
@@ -3425,7 +3425,7 @@
           <a:p>
             <a:fld id="{D9A90992-CDC9-4C3D-B50D-1DE0FF2B0D91}" type="datetime1">
               <a:rPr lang="en-US" smtClean="0"/>
-              <a:t>4/19/2022</a:t>
+              <a:t>4/20/2022</a:t>
             </a:fld>
             <a:endParaRPr lang="en-US"/>
           </a:p>
@@ -3703,7 +3703,7 @@
           <a:p>
             <a:fld id="{B3D8DC78-064A-4B34-9598-484FBEF9266D}" type="datetime1">
               <a:rPr lang="en-US" smtClean="0"/>
-              <a:t>4/19/2022</a:t>
+              <a:t>4/20/2022</a:t>
             </a:fld>
             <a:endParaRPr lang="en-US"/>
           </a:p>
@@ -4385,7 +4385,7 @@
               <a:rPr lang="en-US" sz="2000" dirty="0" err="1">
                 <a:latin typeface="Abadi" panose="020B0604020202020204" pitchFamily="34" charset="0"/>
               </a:rPr>
-              <a:t>Delapiazza</a:t>
+              <a:t>Dellapiazza</a:t>
             </a:r>
             <a:endParaRPr lang="en-US" sz="2000" dirty="0">
               <a:latin typeface="Abadi" panose="020B0604020202020204" pitchFamily="34" charset="0"/>
@@ -6222,13 +6222,8 @@
           <a:p>
             <a:r>
               <a:rPr lang="en-US" dirty="0"/>
-              <a:t>Alimentations et </a:t>
-            </a:r>
-            <a:r>
-              <a:rPr lang="en-US" dirty="0" err="1"/>
-              <a:t>téléversement</a:t>
-            </a:r>
-            <a:endParaRPr lang="en-US" dirty="0"/>
+              <a:t>Alimentations et communication</a:t>
+            </a:r>
           </a:p>
         </p:txBody>
       </p:sp>
@@ -6250,7 +6245,7 @@
         </p:nvSpPr>
         <p:spPr>
           <a:xfrm>
-            <a:off x="1371600" y="2286000"/>
+            <a:off x="1371600" y="1780721"/>
             <a:ext cx="4525861" cy="3581400"/>
           </a:xfrm>
         </p:spPr>
@@ -6291,6 +6286,15 @@
             <a:r>
               <a:rPr lang="en-US" dirty="0"/>
               <a:t> direct</a:t>
+            </a:r>
+          </a:p>
+          <a:p>
+            <a:endParaRPr lang="en-US" dirty="0"/>
+          </a:p>
+          <a:p>
+            <a:r>
+              <a:rPr lang="en-US" dirty="0"/>
+              <a:t>Pins I2C non standard</a:t>
             </a:r>
           </a:p>
         </p:txBody>
@@ -7091,7 +7095,7 @@
         <p:spPr>
           <a:xfrm>
             <a:off x="1371600" y="2286000"/>
-            <a:ext cx="4316136" cy="3581400"/>
+            <a:ext cx="5029200" cy="3581400"/>
           </a:xfrm>
         </p:spPr>
         <p:txBody>
@@ -7108,7 +7112,21 @@
             </a:r>
             <a:r>
               <a:rPr lang="en-US" dirty="0"/>
-              <a:t> de la LDR sur 16 bits (200 – 200 000)</a:t>
+              <a:t> de la LDR sur 16 bits</a:t>
+            </a:r>
+          </a:p>
+          <a:p>
+            <a:r>
+              <a:rPr lang="en-US" dirty="0"/>
+              <a:t>0,1V - 1,23V </a:t>
+            </a:r>
+            <a:r>
+              <a:rPr lang="en-US" dirty="0" err="1"/>
+              <a:t>ou</a:t>
+            </a:r>
+            <a:r>
+              <a:rPr lang="en-US" dirty="0"/>
+              <a:t> 200 – 200 000 points</a:t>
             </a:r>
           </a:p>
           <a:p>
@@ -7130,6 +7148,15 @@
               <a:rPr lang="en-US" dirty="0"/>
               <a:t> du 5V</a:t>
             </a:r>
+          </a:p>
+          <a:p>
+            <a:r>
+              <a:rPr lang="en-US" dirty="0"/>
+              <a:t>0,33V – 5024 points</a:t>
+            </a:r>
+          </a:p>
+          <a:p>
+            <a:endParaRPr lang="en-US" dirty="0"/>
           </a:p>
         </p:txBody>
       </p:sp>
@@ -7738,10 +7765,10 @@
       </p:sp>
       <p:pic>
         <p:nvPicPr>
-          <p:cNvPr id="10" name="Image 9">
-            <a:extLst>
-              <a:ext uri="{FF2B5EF4-FFF2-40B4-BE49-F238E27FC236}">
-                <a16:creationId xmlns:a16="http://schemas.microsoft.com/office/drawing/2014/main" id="{20A0596C-4E8A-4B7A-8E77-C056EAB999A1}"/>
+          <p:cNvPr id="8" name="Image 7">
+            <a:extLst>
+              <a:ext uri="{FF2B5EF4-FFF2-40B4-BE49-F238E27FC236}">
+                <a16:creationId xmlns:a16="http://schemas.microsoft.com/office/drawing/2014/main" id="{25C8D375-A786-4146-8862-9EBFF3B67B1E}"/>
               </a:ext>
             </a:extLst>
           </p:cNvPr>
@@ -7758,68 +7785,44 @@
         </p:blipFill>
         <p:spPr>
           <a:xfrm>
-            <a:off x="7272379" y="2286000"/>
-            <a:ext cx="4400713" cy="3559117"/>
+            <a:off x="8699966" y="1823686"/>
+            <a:ext cx="3253562" cy="3569254"/>
           </a:xfrm>
           <a:prstGeom prst="rect">
             <a:avLst/>
           </a:prstGeom>
         </p:spPr>
       </p:pic>
-      <p:sp>
-        <p:nvSpPr>
-          <p:cNvPr id="11" name="Rectangle : coins arrondis 10">
-            <a:extLst>
-              <a:ext uri="{FF2B5EF4-FFF2-40B4-BE49-F238E27FC236}">
-                <a16:creationId xmlns:a16="http://schemas.microsoft.com/office/drawing/2014/main" id="{8BF3DEB2-7E08-4BA9-BC67-F0BA277108AE}"/>
-              </a:ext>
-            </a:extLst>
-          </p:cNvPr>
-          <p:cNvSpPr/>
+      <p:pic>
+        <p:nvPicPr>
+          <p:cNvPr id="12" name="Image 11">
+            <a:extLst>
+              <a:ext uri="{FF2B5EF4-FFF2-40B4-BE49-F238E27FC236}">
+                <a16:creationId xmlns:a16="http://schemas.microsoft.com/office/drawing/2014/main" id="{94C8D9FE-1D79-4D08-B768-D212AC49A51C}"/>
+              </a:ext>
+            </a:extLst>
+          </p:cNvPr>
+          <p:cNvPicPr>
+            <a:picLocks noChangeAspect="1"/>
+          </p:cNvPicPr>
           <p:nvPr/>
-        </p:nvSpPr>
-        <p:spPr>
-          <a:xfrm>
-            <a:off x="8462865" y="4513427"/>
-            <a:ext cx="1009872" cy="1040235"/>
-          </a:xfrm>
-          <a:prstGeom prst="roundRect">
+        </p:nvPicPr>
+        <p:blipFill>
+          <a:blip r:embed="rId3"/>
+          <a:stretch>
+            <a:fillRect/>
+          </a:stretch>
+        </p:blipFill>
+        <p:spPr>
+          <a:xfrm>
+            <a:off x="5947610" y="4830679"/>
+            <a:ext cx="2559504" cy="1485900"/>
+          </a:xfrm>
+          <a:prstGeom prst="rect">
             <a:avLst/>
           </a:prstGeom>
-          <a:noFill/>
-          <a:ln>
-            <a:solidFill>
-              <a:schemeClr val="accent5">
-                <a:lumMod val="75000"/>
-              </a:schemeClr>
-            </a:solidFill>
-          </a:ln>
-        </p:spPr>
-        <p:style>
-          <a:lnRef idx="2">
-            <a:schemeClr val="accent1">
-              <a:shade val="50000"/>
-            </a:schemeClr>
-          </a:lnRef>
-          <a:fillRef idx="1">
-            <a:schemeClr val="accent1"/>
-          </a:fillRef>
-          <a:effectRef idx="0">
-            <a:schemeClr val="accent1"/>
-          </a:effectRef>
-          <a:fontRef idx="minor">
-            <a:schemeClr val="lt1"/>
-          </a:fontRef>
-        </p:style>
-        <p:txBody>
-          <a:bodyPr rtlCol="0" anchor="ctr"/>
-          <a:lstStyle/>
-          <a:p>
-            <a:pPr algn="ctr"/>
-            <a:endParaRPr lang="en-US" sz="2400" dirty="0"/>
-          </a:p>
-        </p:txBody>
-      </p:sp>
+        </p:spPr>
+      </p:pic>
     </p:spTree>
     <p:extLst>
       <p:ext uri="{BB962C8B-B14F-4D97-AF65-F5344CB8AC3E}">
@@ -7830,6 +7833,111 @@
   <p:clrMapOvr>
     <a:masterClrMapping/>
   </p:clrMapOvr>
+  <p:timing>
+    <p:tnLst>
+      <p:par>
+        <p:cTn id="1" dur="indefinite" restart="never" nodeType="tmRoot">
+          <p:childTnLst>
+            <p:seq concurrent="1" nextAc="seek">
+              <p:cTn id="2" dur="indefinite" nodeType="mainSeq">
+                <p:childTnLst>
+                  <p:par>
+                    <p:cTn id="3" fill="hold">
+                      <p:stCondLst>
+                        <p:cond delay="indefinite"/>
+                        <p:cond evt="onBegin" delay="0">
+                          <p:tn val="2"/>
+                        </p:cond>
+                      </p:stCondLst>
+                      <p:childTnLst>
+                        <p:par>
+                          <p:cTn id="4" fill="hold">
+                            <p:stCondLst>
+                              <p:cond delay="0"/>
+                            </p:stCondLst>
+                            <p:childTnLst>
+                              <p:par>
+                                <p:cTn id="5" presetID="1" presetClass="entr" presetSubtype="0" fill="hold" nodeType="withEffect">
+                                  <p:stCondLst>
+                                    <p:cond delay="0"/>
+                                  </p:stCondLst>
+                                  <p:childTnLst>
+                                    <p:set>
+                                      <p:cBhvr>
+                                        <p:cTn id="6" dur="1" fill="hold">
+                                          <p:stCondLst>
+                                            <p:cond delay="0"/>
+                                          </p:stCondLst>
+                                        </p:cTn>
+                                        <p:tgtEl>
+                                          <p:spTgt spid="8"/>
+                                        </p:tgtEl>
+                                        <p:attrNameLst>
+                                          <p:attrName>style.visibility</p:attrName>
+                                        </p:attrNameLst>
+                                      </p:cBhvr>
+                                      <p:to>
+                                        <p:strVal val="visible"/>
+                                      </p:to>
+                                    </p:set>
+                                  </p:childTnLst>
+                                </p:cTn>
+                              </p:par>
+                              <p:par>
+                                <p:cTn id="7" presetID="1" presetClass="entr" presetSubtype="0" fill="hold" nodeType="withEffect">
+                                  <p:stCondLst>
+                                    <p:cond delay="0"/>
+                                  </p:stCondLst>
+                                  <p:childTnLst>
+                                    <p:set>
+                                      <p:cBhvr>
+                                        <p:cTn id="8" dur="1" fill="hold">
+                                          <p:stCondLst>
+                                            <p:cond delay="0"/>
+                                          </p:stCondLst>
+                                        </p:cTn>
+                                        <p:tgtEl>
+                                          <p:spTgt spid="12"/>
+                                        </p:tgtEl>
+                                        <p:attrNameLst>
+                                          <p:attrName>style.visibility</p:attrName>
+                                        </p:attrNameLst>
+                                      </p:cBhvr>
+                                      <p:to>
+                                        <p:strVal val="visible"/>
+                                      </p:to>
+                                    </p:set>
+                                  </p:childTnLst>
+                                </p:cTn>
+                              </p:par>
+                            </p:childTnLst>
+                          </p:cTn>
+                        </p:par>
+                      </p:childTnLst>
+                    </p:cTn>
+                  </p:par>
+                </p:childTnLst>
+              </p:cTn>
+              <p:prevCondLst>
+                <p:cond evt="onPrev" delay="0">
+                  <p:tgtEl>
+                    <p:sldTgt/>
+                  </p:tgtEl>
+                </p:cond>
+              </p:prevCondLst>
+              <p:nextCondLst>
+                <p:cond evt="onNext" delay="0">
+                  <p:tgtEl>
+                    <p:sldTgt/>
+                  </p:tgtEl>
+                </p:cond>
+              </p:nextCondLst>
+            </p:seq>
+          </p:childTnLst>
+        </p:cTn>
+      </p:par>
+    </p:tnLst>
+  </p:timing>
 </p:sld>
 </file>
 
@@ -10668,8 +10776,38 @@
         </p:blipFill>
         <p:spPr>
           <a:xfrm>
-            <a:off x="7865900" y="1840826"/>
-            <a:ext cx="3498785" cy="3176348"/>
+            <a:off x="7717555" y="115090"/>
+            <a:ext cx="2794944" cy="2537371"/>
+          </a:xfrm>
+          <a:prstGeom prst="rect">
+            <a:avLst/>
+          </a:prstGeom>
+        </p:spPr>
+      </p:pic>
+      <p:pic>
+        <p:nvPicPr>
+          <p:cNvPr id="7" name="Image 6">
+            <a:extLst>
+              <a:ext uri="{FF2B5EF4-FFF2-40B4-BE49-F238E27FC236}">
+                <a16:creationId xmlns:a16="http://schemas.microsoft.com/office/drawing/2014/main" id="{8E4B7A1B-0CB5-401B-8CB7-E0B02489BE63}"/>
+              </a:ext>
+            </a:extLst>
+          </p:cNvPr>
+          <p:cNvPicPr>
+            <a:picLocks noChangeAspect="1"/>
+          </p:cNvPicPr>
+          <p:nvPr/>
+        </p:nvPicPr>
+        <p:blipFill>
+          <a:blip r:embed="rId3"/>
+          <a:stretch>
+            <a:fillRect/>
+          </a:stretch>
+        </p:blipFill>
+        <p:spPr>
+          <a:xfrm>
+            <a:off x="6756472" y="2723304"/>
+            <a:ext cx="5121479" cy="3638698"/>
           </a:xfrm>
           <a:prstGeom prst="rect">
             <a:avLst/>

--- a/Présentation_soutenance.pptx
+++ b/Présentation_soutenance.pptx
@@ -5,7 +5,7 @@
     <p:sldMasterId id="2147483690" r:id="rId1"/>
   </p:sldMasterIdLst>
   <p:notesMasterIdLst>
-    <p:notesMasterId r:id="rId19"/>
+    <p:notesMasterId r:id="rId22"/>
   </p:notesMasterIdLst>
   <p:sldIdLst>
     <p:sldId id="256" r:id="rId2"/>
@@ -18,13 +18,16 @@
     <p:sldId id="269" r:id="rId9"/>
     <p:sldId id="270" r:id="rId10"/>
     <p:sldId id="261" r:id="rId11"/>
-    <p:sldId id="265" r:id="rId12"/>
-    <p:sldId id="272" r:id="rId13"/>
-    <p:sldId id="262" r:id="rId14"/>
-    <p:sldId id="266" r:id="rId15"/>
-    <p:sldId id="271" r:id="rId16"/>
-    <p:sldId id="273" r:id="rId17"/>
-    <p:sldId id="274" r:id="rId18"/>
+    <p:sldId id="276" r:id="rId12"/>
+    <p:sldId id="277" r:id="rId13"/>
+    <p:sldId id="265" r:id="rId14"/>
+    <p:sldId id="272" r:id="rId15"/>
+    <p:sldId id="262" r:id="rId16"/>
+    <p:sldId id="266" r:id="rId17"/>
+    <p:sldId id="271" r:id="rId18"/>
+    <p:sldId id="273" r:id="rId19"/>
+    <p:sldId id="275" r:id="rId20"/>
+    <p:sldId id="274" r:id="rId21"/>
   </p:sldIdLst>
   <p:sldSz cx="12192000" cy="6858000"/>
   <p:notesSz cx="6858000" cy="9144000"/>
@@ -213,7 +216,7 @@
           <a:p>
             <a:fld id="{D87139A6-8289-4349-BA4C-B309F2F0D2BD}" type="datetimeFigureOut">
               <a:rPr lang="en-US" smtClean="0"/>
-              <a:t>4/20/2022</a:t>
+              <a:t>4/21/2022</a:t>
             </a:fld>
             <a:endParaRPr lang="en-US"/>
           </a:p>
@@ -650,7 +653,7 @@
           <a:p>
             <a:fld id="{0C229DAA-5DBF-4C04-A00A-4940833DAEE1}" type="datetime1">
               <a:rPr lang="en-US" smtClean="0"/>
-              <a:t>4/20/2022</a:t>
+              <a:t>4/21/2022</a:t>
             </a:fld>
             <a:endParaRPr lang="en-US"/>
           </a:p>
@@ -980,7 +983,7 @@
           <a:p>
             <a:fld id="{6E3BB797-2FF6-4D41-8FC3-F3325ABE31A8}" type="datetime1">
               <a:rPr lang="en-US" smtClean="0"/>
-              <a:t>4/20/2022</a:t>
+              <a:t>4/21/2022</a:t>
             </a:fld>
             <a:endParaRPr lang="en-US"/>
           </a:p>
@@ -1160,7 +1163,7 @@
           <a:p>
             <a:fld id="{BDD648BE-BD75-4C70-A65E-F62A70B02630}" type="datetime1">
               <a:rPr lang="en-US" smtClean="0"/>
-              <a:t>4/20/2022</a:t>
+              <a:t>4/21/2022</a:t>
             </a:fld>
             <a:endParaRPr lang="en-US"/>
           </a:p>
@@ -1330,7 +1333,7 @@
           <a:p>
             <a:fld id="{C1D3D134-36F3-48F6-B1F0-9BFA92763A0A}" type="datetime1">
               <a:rPr lang="en-US" smtClean="0"/>
-              <a:t>4/20/2022</a:t>
+              <a:t>4/21/2022</a:t>
             </a:fld>
             <a:endParaRPr lang="en-US"/>
           </a:p>
@@ -1607,7 +1610,7 @@
           <a:p>
             <a:fld id="{8AA3A512-5443-465E-8C4A-37D3E8221343}" type="datetime1">
               <a:rPr lang="en-US" smtClean="0"/>
-              <a:t>4/20/2022</a:t>
+              <a:t>4/21/2022</a:t>
             </a:fld>
             <a:endParaRPr lang="en-US"/>
           </a:p>
@@ -2001,7 +2004,7 @@
           <a:p>
             <a:fld id="{4C53ED1A-464E-4C6A-B471-87F909F2F3F2}" type="datetime1">
               <a:rPr lang="en-US" smtClean="0"/>
-              <a:t>4/20/2022</a:t>
+              <a:t>4/21/2022</a:t>
             </a:fld>
             <a:endParaRPr lang="en-US"/>
           </a:p>
@@ -2478,7 +2481,7 @@
           <a:p>
             <a:fld id="{F5F4D152-793D-4D45-BBEE-844C62E16B5F}" type="datetime1">
               <a:rPr lang="en-US" smtClean="0"/>
-              <a:t>4/20/2022</a:t>
+              <a:t>4/21/2022</a:t>
             </a:fld>
             <a:endParaRPr lang="en-US"/>
           </a:p>
@@ -2596,7 +2599,7 @@
           <a:p>
             <a:fld id="{7846C404-EC26-4ECA-85D6-F2FBAD337DE3}" type="datetime1">
               <a:rPr lang="en-US" smtClean="0"/>
-              <a:t>4/20/2022</a:t>
+              <a:t>4/21/2022</a:t>
             </a:fld>
             <a:endParaRPr lang="en-US"/>
           </a:p>
@@ -2691,7 +2694,7 @@
           <a:p>
             <a:fld id="{68DADF70-DC88-45FD-BEA4-951087DB2E53}" type="datetime1">
               <a:rPr lang="en-US" smtClean="0"/>
-              <a:t>4/20/2022</a:t>
+              <a:t>4/21/2022</a:t>
             </a:fld>
             <a:endParaRPr lang="en-US"/>
           </a:p>
@@ -3037,7 +3040,7 @@
           <a:p>
             <a:fld id="{03C6C2DD-882A-486F-BE00-9970C008E84E}" type="datetime1">
               <a:rPr lang="en-US" smtClean="0"/>
-              <a:t>4/20/2022</a:t>
+              <a:t>4/21/2022</a:t>
             </a:fld>
             <a:endParaRPr lang="en-US"/>
           </a:p>
@@ -3425,7 +3428,7 @@
           <a:p>
             <a:fld id="{D9A90992-CDC9-4C3D-B50D-1DE0FF2B0D91}" type="datetime1">
               <a:rPr lang="en-US" smtClean="0"/>
-              <a:t>4/20/2022</a:t>
+              <a:t>4/21/2022</a:t>
             </a:fld>
             <a:endParaRPr lang="en-US"/>
           </a:p>
@@ -3703,7 +3706,7 @@
           <a:p>
             <a:fld id="{B3D8DC78-064A-4B34-9598-484FBEF9266D}" type="datetime1">
               <a:rPr lang="en-US" smtClean="0"/>
-              <a:t>4/20/2022</a:t>
+              <a:t>4/21/2022</a:t>
             </a:fld>
             <a:endParaRPr lang="en-US"/>
           </a:p>
@@ -6006,7 +6009,7 @@
           <p:cNvPr id="2" name="Titre 1">
             <a:extLst>
               <a:ext uri="{FF2B5EF4-FFF2-40B4-BE49-F238E27FC236}">
-                <a16:creationId xmlns:a16="http://schemas.microsoft.com/office/drawing/2014/main" id="{AC512CE6-4C0F-4589-B900-C3D9D3130129}"/>
+                <a16:creationId xmlns:a16="http://schemas.microsoft.com/office/drawing/2014/main" id="{9F594ED9-B938-4D1A-8FD3-038B5BEEE02C}"/>
               </a:ext>
             </a:extLst>
           </p:cNvPr>
@@ -6017,95 +6020,23 @@
             <p:ph type="title"/>
           </p:nvPr>
         </p:nvSpPr>
-        <p:spPr/>
+        <p:spPr>
+          <a:xfrm>
+            <a:off x="1125444" y="176642"/>
+            <a:ext cx="9601200" cy="1485900"/>
+          </a:xfrm>
+        </p:spPr>
         <p:txBody>
           <a:bodyPr/>
           <a:lstStyle/>
           <a:p>
             <a:r>
               <a:rPr lang="en-US" dirty="0" err="1"/>
-              <a:t>Déroulement</a:t>
+              <a:t>Schéma</a:t>
             </a:r>
             <a:r>
               <a:rPr lang="en-US" dirty="0"/>
-              <a:t> des tests</a:t>
-            </a:r>
-          </a:p>
-        </p:txBody>
-      </p:sp>
-      <p:sp>
-        <p:nvSpPr>
-          <p:cNvPr id="3" name="Espace réservé du contenu 2">
-            <a:extLst>
-              <a:ext uri="{FF2B5EF4-FFF2-40B4-BE49-F238E27FC236}">
-                <a16:creationId xmlns:a16="http://schemas.microsoft.com/office/drawing/2014/main" id="{3005A30D-D19C-4512-BCD6-CAFA1E2D2E4B}"/>
-              </a:ext>
-            </a:extLst>
-          </p:cNvPr>
-          <p:cNvSpPr>
-            <a:spLocks noGrp="1"/>
-          </p:cNvSpPr>
-          <p:nvPr>
-            <p:ph idx="1"/>
-          </p:nvPr>
-        </p:nvSpPr>
-        <p:spPr>
-          <a:xfrm>
-            <a:off x="1371600" y="2286000"/>
-            <a:ext cx="3955409" cy="3581400"/>
-          </a:xfrm>
-        </p:spPr>
-        <p:txBody>
-          <a:bodyPr/>
-          <a:lstStyle/>
-          <a:p>
-            <a:r>
-              <a:rPr lang="en-US" dirty="0" err="1"/>
-              <a:t>Création</a:t>
-            </a:r>
-            <a:r>
-              <a:rPr lang="en-US" dirty="0"/>
-              <a:t> d’un </a:t>
-            </a:r>
-            <a:r>
-              <a:rPr lang="en-US" dirty="0" err="1"/>
-              <a:t>fichier</a:t>
-            </a:r>
-            <a:r>
-              <a:rPr lang="en-US" dirty="0"/>
-              <a:t> de </a:t>
-            </a:r>
-            <a:r>
-              <a:rPr lang="en-US" dirty="0" err="1"/>
-              <a:t>suivi</a:t>
-            </a:r>
-            <a:endParaRPr lang="en-US" dirty="0"/>
-          </a:p>
-          <a:p>
-            <a:endParaRPr lang="en-US" dirty="0"/>
-          </a:p>
-          <a:p>
-            <a:endParaRPr lang="en-US" dirty="0"/>
-          </a:p>
-          <a:p>
-            <a:endParaRPr lang="en-US" dirty="0"/>
-          </a:p>
-          <a:p>
-            <a:r>
-              <a:rPr lang="en-US" dirty="0" err="1"/>
-              <a:t>Faciliter</a:t>
-            </a:r>
-            <a:r>
-              <a:rPr lang="en-US" dirty="0"/>
-              <a:t> le debug de la carte et </a:t>
-            </a:r>
-            <a:r>
-              <a:rPr lang="en-US" dirty="0" err="1"/>
-              <a:t>l’apport</a:t>
-            </a:r>
-            <a:r>
-              <a:rPr lang="en-US" dirty="0"/>
-              <a:t> des corrections</a:t>
+              <a:t> du PCBA</a:t>
             </a:r>
           </a:p>
         </p:txBody>
@@ -6115,7 +6046,7 @@
           <p:cNvPr id="4" name="Espace réservé du numéro de diapositive 3">
             <a:extLst>
               <a:ext uri="{FF2B5EF4-FFF2-40B4-BE49-F238E27FC236}">
-                <a16:creationId xmlns:a16="http://schemas.microsoft.com/office/drawing/2014/main" id="{2B4AC777-EAC3-432A-B1DC-979FFF15C151}"/>
+                <a16:creationId xmlns:a16="http://schemas.microsoft.com/office/drawing/2014/main" id="{2188EB3E-7892-434D-85D4-DE601C5C9A07}"/>
               </a:ext>
             </a:extLst>
           </p:cNvPr>
@@ -6141,10 +6072,10 @@
       </p:sp>
       <p:pic>
         <p:nvPicPr>
-          <p:cNvPr id="8" name="Image 7">
-            <a:extLst>
-              <a:ext uri="{FF2B5EF4-FFF2-40B4-BE49-F238E27FC236}">
-                <a16:creationId xmlns:a16="http://schemas.microsoft.com/office/drawing/2014/main" id="{DEF32358-4FB4-4BA4-881D-B57C13DA73B5}"/>
+          <p:cNvPr id="6" name="Image 5">
+            <a:extLst>
+              <a:ext uri="{FF2B5EF4-FFF2-40B4-BE49-F238E27FC236}">
+                <a16:creationId xmlns:a16="http://schemas.microsoft.com/office/drawing/2014/main" id="{DA269CFB-9F98-47CF-A8E0-E2AED4CDC65C}"/>
               </a:ext>
             </a:extLst>
           </p:cNvPr>
@@ -6161,8 +6092,8 @@
         </p:blipFill>
         <p:spPr>
           <a:xfrm>
-            <a:off x="5742602" y="1649739"/>
-            <a:ext cx="6303217" cy="4714115"/>
+            <a:off x="1662779" y="852215"/>
+            <a:ext cx="8608103" cy="5938408"/>
           </a:xfrm>
           <a:prstGeom prst="rect">
             <a:avLst/>
@@ -6172,7 +6103,7 @@
     </p:spTree>
     <p:extLst>
       <p:ext uri="{BB962C8B-B14F-4D97-AF65-F5344CB8AC3E}">
-        <p14:creationId xmlns:p14="http://schemas.microsoft.com/office/powerpoint/2010/main" val="1294761818"/>
+        <p14:creationId xmlns:p14="http://schemas.microsoft.com/office/powerpoint/2010/main" val="2527648609"/>
       </p:ext>
     </p:extLst>
   </p:cSld>
@@ -6204,7 +6135,7 @@
           <p:cNvPr id="2" name="Titre 1">
             <a:extLst>
               <a:ext uri="{FF2B5EF4-FFF2-40B4-BE49-F238E27FC236}">
-                <a16:creationId xmlns:a16="http://schemas.microsoft.com/office/drawing/2014/main" id="{CED9CED0-6341-4C5B-B2DC-249029063F82}"/>
+                <a16:creationId xmlns:a16="http://schemas.microsoft.com/office/drawing/2014/main" id="{24F0DA3A-3191-4FCB-888D-A8201B06DCC0}"/>
               </a:ext>
             </a:extLst>
           </p:cNvPr>
@@ -6221,82 +6152,11 @@
           <a:lstStyle/>
           <a:p>
             <a:r>
-              <a:rPr lang="en-US" dirty="0"/>
-              <a:t>Alimentations et communication</a:t>
-            </a:r>
-          </a:p>
-        </p:txBody>
-      </p:sp>
-      <p:sp>
-        <p:nvSpPr>
-          <p:cNvPr id="3" name="Espace réservé du contenu 2">
-            <a:extLst>
-              <a:ext uri="{FF2B5EF4-FFF2-40B4-BE49-F238E27FC236}">
-                <a16:creationId xmlns:a16="http://schemas.microsoft.com/office/drawing/2014/main" id="{0B766703-E02B-4754-B34B-DDEFE22BC169}"/>
-              </a:ext>
-            </a:extLst>
-          </p:cNvPr>
-          <p:cNvSpPr>
-            <a:spLocks noGrp="1"/>
-          </p:cNvSpPr>
-          <p:nvPr>
-            <p:ph idx="1"/>
-          </p:nvPr>
-        </p:nvSpPr>
-        <p:spPr>
-          <a:xfrm>
-            <a:off x="1371600" y="1780721"/>
-            <a:ext cx="4525861" cy="3581400"/>
-          </a:xfrm>
-        </p:spPr>
-        <p:txBody>
-          <a:bodyPr/>
-          <a:lstStyle/>
-          <a:p>
-            <a:r>
-              <a:rPr lang="en-US" dirty="0"/>
-              <a:t>I0 non </a:t>
-            </a:r>
-            <a:r>
-              <a:rPr lang="en-US" dirty="0" err="1"/>
-              <a:t>connecté</a:t>
+              <a:rPr lang="en-US"/>
+              <a:t>Routage</a:t>
             </a:r>
             <a:endParaRPr lang="en-US" dirty="0"/>
           </a:p>
-          <a:p>
-            <a:endParaRPr lang="en-US" dirty="0"/>
-          </a:p>
-          <a:p>
-            <a:r>
-              <a:rPr lang="en-US" dirty="0"/>
-              <a:t>PCA9685 non </a:t>
-            </a:r>
-            <a:r>
-              <a:rPr lang="en-US" dirty="0" err="1"/>
-              <a:t>alimenté</a:t>
-            </a:r>
-            <a:r>
-              <a:rPr lang="en-US" dirty="0"/>
-              <a:t> </a:t>
-            </a:r>
-            <a:r>
-              <a:rPr lang="en-US" dirty="0" err="1"/>
-              <a:t>en</a:t>
-            </a:r>
-            <a:r>
-              <a:rPr lang="en-US" dirty="0"/>
-              <a:t> direct</a:t>
-            </a:r>
-          </a:p>
-          <a:p>
-            <a:endParaRPr lang="en-US" dirty="0"/>
-          </a:p>
-          <a:p>
-            <a:r>
-              <a:rPr lang="en-US" dirty="0"/>
-              <a:t>Pins I2C non standard</a:t>
-            </a:r>
-          </a:p>
         </p:txBody>
       </p:sp>
       <p:sp>
@@ -6304,7 +6164,7 @@
           <p:cNvPr id="4" name="Espace réservé du numéro de diapositive 3">
             <a:extLst>
               <a:ext uri="{FF2B5EF4-FFF2-40B4-BE49-F238E27FC236}">
-                <a16:creationId xmlns:a16="http://schemas.microsoft.com/office/drawing/2014/main" id="{18BA8B7A-EF97-4865-BCA3-D1F45DA1F9C1}"/>
+                <a16:creationId xmlns:a16="http://schemas.microsoft.com/office/drawing/2014/main" id="{FAAE1C27-FB23-4C0A-BBA3-F02AD9910ACF}"/>
               </a:ext>
             </a:extLst>
           </p:cNvPr>
@@ -6333,7 +6193,7 @@
           <p:cNvPr id="6" name="Image 5">
             <a:extLst>
               <a:ext uri="{FF2B5EF4-FFF2-40B4-BE49-F238E27FC236}">
-                <a16:creationId xmlns:a16="http://schemas.microsoft.com/office/drawing/2014/main" id="{E2550B64-4B6B-4BA2-95A0-2D2B943EB29D}"/>
+                <a16:creationId xmlns:a16="http://schemas.microsoft.com/office/drawing/2014/main" id="{BB8D17A2-8558-44A3-8C4F-0DC9C7E88BCA}"/>
               </a:ext>
             </a:extLst>
           </p:cNvPr>
@@ -6350,8 +6210,8 @@
         </p:blipFill>
         <p:spPr>
           <a:xfrm>
-            <a:off x="8822880" y="1588215"/>
-            <a:ext cx="3213609" cy="4672625"/>
+            <a:off x="6703642" y="895309"/>
+            <a:ext cx="5250935" cy="5471802"/>
           </a:xfrm>
           <a:prstGeom prst="rect">
             <a:avLst/>
@@ -6360,10 +6220,10 @@
       </p:pic>
       <p:pic>
         <p:nvPicPr>
-          <p:cNvPr id="8" name="Image 7">
-            <a:extLst>
-              <a:ext uri="{FF2B5EF4-FFF2-40B4-BE49-F238E27FC236}">
-                <a16:creationId xmlns:a16="http://schemas.microsoft.com/office/drawing/2014/main" id="{55E2CA0B-C2F5-44B3-A9EF-CC4E70E716BE}"/>
+          <p:cNvPr id="7" name="Image 6">
+            <a:extLst>
+              <a:ext uri="{FF2B5EF4-FFF2-40B4-BE49-F238E27FC236}">
+                <a16:creationId xmlns:a16="http://schemas.microsoft.com/office/drawing/2014/main" id="{3D2E4C69-391E-4AE8-B1DA-3E75E9A75920}"/>
               </a:ext>
             </a:extLst>
           </p:cNvPr>
@@ -6379,9 +6239,9 @@
           </a:stretch>
         </p:blipFill>
         <p:spPr>
-          <a:xfrm>
-            <a:off x="1371600" y="4109768"/>
-            <a:ext cx="6782383" cy="2151072"/>
+          <a:xfrm rot="10800000">
+            <a:off x="984734" y="1805939"/>
+            <a:ext cx="5187466" cy="4195411"/>
           </a:xfrm>
           <a:prstGeom prst="rect">
             <a:avLst/>
@@ -6391,7 +6251,7 @@
     </p:spTree>
     <p:extLst>
       <p:ext uri="{BB962C8B-B14F-4D97-AF65-F5344CB8AC3E}">
-        <p14:creationId xmlns:p14="http://schemas.microsoft.com/office/powerpoint/2010/main" val="2738491936"/>
+        <p14:creationId xmlns:p14="http://schemas.microsoft.com/office/powerpoint/2010/main" val="3888737085"/>
       </p:ext>
     </p:extLst>
   </p:cSld>
@@ -6423,7 +6283,7 @@
           <p:cNvPr id="2" name="Titre 1">
             <a:extLst>
               <a:ext uri="{FF2B5EF4-FFF2-40B4-BE49-F238E27FC236}">
-                <a16:creationId xmlns:a16="http://schemas.microsoft.com/office/drawing/2014/main" id="{C4F14535-DE5D-41DD-97F6-29A99EC5072B}"/>
+                <a16:creationId xmlns:a16="http://schemas.microsoft.com/office/drawing/2014/main" id="{AC512CE6-4C0F-4589-B900-C3D9D3130129}"/>
               </a:ext>
             </a:extLst>
           </p:cNvPr>
@@ -6440,8 +6300,12 @@
           <a:lstStyle/>
           <a:p>
             <a:r>
+              <a:rPr lang="en-US" dirty="0" err="1"/>
+              <a:t>Déroulement</a:t>
+            </a:r>
+            <a:r>
               <a:rPr lang="en-US" dirty="0"/>
-              <a:t>PCA9685</a:t>
+              <a:t> des tests</a:t>
             </a:r>
           </a:p>
         </p:txBody>
@@ -6451,7 +6315,7 @@
           <p:cNvPr id="3" name="Espace réservé du contenu 2">
             <a:extLst>
               <a:ext uri="{FF2B5EF4-FFF2-40B4-BE49-F238E27FC236}">
-                <a16:creationId xmlns:a16="http://schemas.microsoft.com/office/drawing/2014/main" id="{4CB930BE-5957-435F-9DAD-D69F247A7F1E}"/>
+                <a16:creationId xmlns:a16="http://schemas.microsoft.com/office/drawing/2014/main" id="{3005A30D-D19C-4512-BCD6-CAFA1E2D2E4B}"/>
               </a:ext>
             </a:extLst>
           </p:cNvPr>
@@ -6465,7 +6329,7 @@
         <p:spPr>
           <a:xfrm>
             <a:off x="1371600" y="2286000"/>
-            <a:ext cx="3510793" cy="3581400"/>
+            <a:ext cx="3955409" cy="3581400"/>
           </a:xfrm>
         </p:spPr>
         <p:txBody>
@@ -6473,61 +6337,53 @@
           <a:lstStyle/>
           <a:p>
             <a:r>
+              <a:rPr lang="en-US" dirty="0" err="1"/>
+              <a:t>Création</a:t>
+            </a:r>
+            <a:r>
               <a:rPr lang="en-US" dirty="0"/>
-              <a:t>Test du pilotage des alimentations </a:t>
-            </a:r>
-          </a:p>
-          <a:p>
+              <a:t> d’un </a:t>
+            </a:r>
+            <a:r>
+              <a:rPr lang="en-US" dirty="0" err="1"/>
+              <a:t>fichier</a:t>
+            </a:r>
+            <a:r>
+              <a:rPr lang="en-US" dirty="0"/>
+              <a:t> de </a:t>
+            </a:r>
+            <a:r>
+              <a:rPr lang="en-US" dirty="0" err="1"/>
+              <a:t>suivi</a:t>
+            </a:r>
             <a:endParaRPr lang="en-US" dirty="0"/>
           </a:p>
           <a:p>
+            <a:endParaRPr lang="en-US" dirty="0"/>
+          </a:p>
+          <a:p>
+            <a:endParaRPr lang="en-US" dirty="0"/>
+          </a:p>
+          <a:p>
+            <a:endParaRPr lang="en-US" dirty="0"/>
+          </a:p>
+          <a:p>
+            <a:r>
+              <a:rPr lang="en-US" dirty="0" err="1"/>
+              <a:t>Faciliter</a:t>
+            </a:r>
             <a:r>
               <a:rPr lang="en-US" dirty="0"/>
-              <a:t>Faire </a:t>
+              <a:t> le debug de la carte et </a:t>
             </a:r>
             <a:r>
               <a:rPr lang="en-US" dirty="0" err="1"/>
-              <a:t>clignoter</a:t>
+              <a:t>l’apport</a:t>
             </a:r>
             <a:r>
               <a:rPr lang="en-US" dirty="0"/>
-              <a:t> </a:t>
-            </a:r>
-            <a:r>
-              <a:rPr lang="en-US" dirty="0" err="1"/>
-              <a:t>simultanément</a:t>
-            </a:r>
-            <a:r>
-              <a:rPr lang="en-US" dirty="0"/>
-              <a:t> les </a:t>
-            </a:r>
-            <a:r>
-              <a:rPr lang="en-US" dirty="0" err="1"/>
-              <a:t>leds</a:t>
-            </a:r>
-            <a:endParaRPr lang="en-US" dirty="0"/>
-          </a:p>
-          <a:p>
-            <a:endParaRPr lang="en-US" dirty="0"/>
-          </a:p>
-          <a:p>
-            <a:r>
-              <a:rPr lang="en-US" dirty="0"/>
-              <a:t>Faire </a:t>
-            </a:r>
-            <a:r>
-              <a:rPr lang="en-US" dirty="0" err="1"/>
-              <a:t>tourner</a:t>
-            </a:r>
-            <a:r>
-              <a:rPr lang="en-US" dirty="0"/>
-              <a:t> un </a:t>
-            </a:r>
-            <a:r>
-              <a:rPr lang="en-US" dirty="0" err="1"/>
-              <a:t>moteur</a:t>
-            </a:r>
-            <a:endParaRPr lang="en-US" dirty="0"/>
+              <a:t> des corrections</a:t>
+            </a:r>
           </a:p>
         </p:txBody>
       </p:sp>
@@ -6536,7 +6392,7 @@
           <p:cNvPr id="4" name="Espace réservé du numéro de diapositive 3">
             <a:extLst>
               <a:ext uri="{FF2B5EF4-FFF2-40B4-BE49-F238E27FC236}">
-                <a16:creationId xmlns:a16="http://schemas.microsoft.com/office/drawing/2014/main" id="{5ACE6B40-2B14-48A3-9878-D74D9F910F57}"/>
+                <a16:creationId xmlns:a16="http://schemas.microsoft.com/office/drawing/2014/main" id="{2B4AC777-EAC3-432A-B1DC-979FFF15C151}"/>
               </a:ext>
             </a:extLst>
           </p:cNvPr>
@@ -6560,440 +6416,12 @@
           </a:p>
         </p:txBody>
       </p:sp>
-      <p:sp>
-        <p:nvSpPr>
-          <p:cNvPr id="16" name="Rectangle : coins arrondis 15">
-            <a:extLst>
-              <a:ext uri="{FF2B5EF4-FFF2-40B4-BE49-F238E27FC236}">
-                <a16:creationId xmlns:a16="http://schemas.microsoft.com/office/drawing/2014/main" id="{CC46EDBE-7B7E-413B-AE32-86E94C60812B}"/>
-              </a:ext>
-            </a:extLst>
-          </p:cNvPr>
-          <p:cNvSpPr/>
-          <p:nvPr/>
-        </p:nvSpPr>
-        <p:spPr>
-          <a:xfrm>
-            <a:off x="8832151" y="390401"/>
-            <a:ext cx="1661720" cy="1040235"/>
-          </a:xfrm>
-          <a:prstGeom prst="roundRect">
-            <a:avLst/>
-          </a:prstGeom>
-          <a:solidFill>
-            <a:schemeClr val="accent6">
-              <a:lumMod val="75000"/>
-            </a:schemeClr>
-          </a:solidFill>
-        </p:spPr>
-        <p:style>
-          <a:lnRef idx="2">
-            <a:schemeClr val="accent1">
-              <a:shade val="50000"/>
-            </a:schemeClr>
-          </a:lnRef>
-          <a:fillRef idx="1">
-            <a:schemeClr val="accent1"/>
-          </a:fillRef>
-          <a:effectRef idx="0">
-            <a:schemeClr val="accent1"/>
-          </a:effectRef>
-          <a:fontRef idx="minor">
-            <a:schemeClr val="lt1"/>
-          </a:fontRef>
-        </p:style>
-        <p:txBody>
-          <a:bodyPr rtlCol="0" anchor="ctr"/>
-          <a:lstStyle/>
-          <a:p>
-            <a:pPr algn="ctr"/>
-            <a:r>
-              <a:rPr lang="en-US" sz="2400" dirty="0"/>
-              <a:t>PCA9685</a:t>
-            </a:r>
-          </a:p>
-        </p:txBody>
-      </p:sp>
-      <p:cxnSp>
-        <p:nvCxnSpPr>
-          <p:cNvPr id="17" name="Connecteur droit 16">
-            <a:extLst>
-              <a:ext uri="{FF2B5EF4-FFF2-40B4-BE49-F238E27FC236}">
-                <a16:creationId xmlns:a16="http://schemas.microsoft.com/office/drawing/2014/main" id="{DBFFB96E-8971-4A5B-B7E1-B4F94195EA69}"/>
-              </a:ext>
-            </a:extLst>
-          </p:cNvPr>
-          <p:cNvCxnSpPr>
-            <a:cxnSpLocks/>
-          </p:cNvCxnSpPr>
-          <p:nvPr/>
-        </p:nvCxnSpPr>
-        <p:spPr>
-          <a:xfrm flipV="1">
-            <a:off x="8224703" y="580570"/>
-            <a:ext cx="628015" cy="1"/>
-          </a:xfrm>
-          <a:prstGeom prst="line">
-            <a:avLst/>
-          </a:prstGeom>
-          <a:ln w="57150">
-            <a:solidFill>
-              <a:schemeClr val="tx1">
-                <a:lumMod val="65000"/>
-                <a:lumOff val="35000"/>
-              </a:schemeClr>
-            </a:solidFill>
-          </a:ln>
-        </p:spPr>
-        <p:style>
-          <a:lnRef idx="1">
-            <a:schemeClr val="accent1"/>
-          </a:lnRef>
-          <a:fillRef idx="0">
-            <a:schemeClr val="accent1"/>
-          </a:fillRef>
-          <a:effectRef idx="0">
-            <a:schemeClr val="accent1"/>
-          </a:effectRef>
-          <a:fontRef idx="minor">
-            <a:schemeClr val="tx1"/>
-          </a:fontRef>
-        </p:style>
-      </p:cxnSp>
-      <p:cxnSp>
-        <p:nvCxnSpPr>
-          <p:cNvPr id="18" name="Connecteur droit 17">
-            <a:extLst>
-              <a:ext uri="{FF2B5EF4-FFF2-40B4-BE49-F238E27FC236}">
-                <a16:creationId xmlns:a16="http://schemas.microsoft.com/office/drawing/2014/main" id="{B658F3DB-A415-4035-8AF0-C84CF3556A3E}"/>
-              </a:ext>
-            </a:extLst>
-          </p:cNvPr>
-          <p:cNvCxnSpPr>
-            <a:cxnSpLocks/>
-          </p:cNvCxnSpPr>
-          <p:nvPr/>
-        </p:nvCxnSpPr>
-        <p:spPr>
-          <a:xfrm flipV="1">
-            <a:off x="8224703" y="910517"/>
-            <a:ext cx="628015" cy="1"/>
-          </a:xfrm>
-          <a:prstGeom prst="line">
-            <a:avLst/>
-          </a:prstGeom>
-          <a:ln w="57150">
-            <a:solidFill>
-              <a:schemeClr val="tx1">
-                <a:lumMod val="65000"/>
-                <a:lumOff val="35000"/>
-              </a:schemeClr>
-            </a:solidFill>
-          </a:ln>
-        </p:spPr>
-        <p:style>
-          <a:lnRef idx="1">
-            <a:schemeClr val="accent1"/>
-          </a:lnRef>
-          <a:fillRef idx="0">
-            <a:schemeClr val="accent1"/>
-          </a:fillRef>
-          <a:effectRef idx="0">
-            <a:schemeClr val="accent1"/>
-          </a:effectRef>
-          <a:fontRef idx="minor">
-            <a:schemeClr val="tx1"/>
-          </a:fontRef>
-        </p:style>
-      </p:cxnSp>
-      <p:cxnSp>
-        <p:nvCxnSpPr>
-          <p:cNvPr id="19" name="Connecteur droit 18">
-            <a:extLst>
-              <a:ext uri="{FF2B5EF4-FFF2-40B4-BE49-F238E27FC236}">
-                <a16:creationId xmlns:a16="http://schemas.microsoft.com/office/drawing/2014/main" id="{31C52A19-308D-4FCF-8B5E-D0B2F652CE6F}"/>
-              </a:ext>
-            </a:extLst>
-          </p:cNvPr>
-          <p:cNvCxnSpPr>
-            <a:cxnSpLocks/>
-          </p:cNvCxnSpPr>
-          <p:nvPr/>
-        </p:nvCxnSpPr>
-        <p:spPr>
-          <a:xfrm flipV="1">
-            <a:off x="8224703" y="1245799"/>
-            <a:ext cx="628015" cy="1"/>
-          </a:xfrm>
-          <a:prstGeom prst="line">
-            <a:avLst/>
-          </a:prstGeom>
-          <a:ln w="57150">
-            <a:solidFill>
-              <a:schemeClr val="tx1">
-                <a:lumMod val="65000"/>
-                <a:lumOff val="35000"/>
-              </a:schemeClr>
-            </a:solidFill>
-          </a:ln>
-        </p:spPr>
-        <p:style>
-          <a:lnRef idx="1">
-            <a:schemeClr val="accent1"/>
-          </a:lnRef>
-          <a:fillRef idx="0">
-            <a:schemeClr val="accent1"/>
-          </a:fillRef>
-          <a:effectRef idx="0">
-            <a:schemeClr val="accent1"/>
-          </a:effectRef>
-          <a:fontRef idx="minor">
-            <a:schemeClr val="tx1"/>
-          </a:fontRef>
-        </p:style>
-      </p:cxnSp>
-      <p:sp>
-        <p:nvSpPr>
-          <p:cNvPr id="20" name="ZoneTexte 19">
-            <a:extLst>
-              <a:ext uri="{FF2B5EF4-FFF2-40B4-BE49-F238E27FC236}">
-                <a16:creationId xmlns:a16="http://schemas.microsoft.com/office/drawing/2014/main" id="{33FE5913-1277-4550-994B-F59F659DD1D2}"/>
-              </a:ext>
-            </a:extLst>
-          </p:cNvPr>
-          <p:cNvSpPr txBox="1"/>
-          <p:nvPr/>
-        </p:nvSpPr>
-        <p:spPr>
-          <a:xfrm>
-            <a:off x="7512292" y="329055"/>
-            <a:ext cx="712054" cy="369332"/>
-          </a:xfrm>
-          <a:prstGeom prst="rect">
-            <a:avLst/>
-          </a:prstGeom>
-          <a:noFill/>
-        </p:spPr>
-        <p:txBody>
-          <a:bodyPr wrap="none" rtlCol="0">
-            <a:spAutoFit/>
-          </a:bodyPr>
-          <a:lstStyle/>
-          <a:p>
-            <a:r>
-              <a:rPr lang="en-US" dirty="0">
-                <a:solidFill>
-                  <a:schemeClr val="tx1">
-                    <a:lumMod val="75000"/>
-                    <a:lumOff val="25000"/>
-                  </a:schemeClr>
-                </a:solidFill>
-                <a:latin typeface="Abadi" panose="020B0604020104020204" pitchFamily="34" charset="0"/>
-              </a:rPr>
-              <a:t>Laser</a:t>
-            </a:r>
-          </a:p>
-        </p:txBody>
-      </p:sp>
-      <p:sp>
-        <p:nvSpPr>
-          <p:cNvPr id="21" name="ZoneTexte 20">
-            <a:extLst>
-              <a:ext uri="{FF2B5EF4-FFF2-40B4-BE49-F238E27FC236}">
-                <a16:creationId xmlns:a16="http://schemas.microsoft.com/office/drawing/2014/main" id="{DBC4EDD9-4B9E-4B33-B615-22897E23BE64}"/>
-              </a:ext>
-            </a:extLst>
-          </p:cNvPr>
-          <p:cNvSpPr txBox="1"/>
-          <p:nvPr/>
-        </p:nvSpPr>
-        <p:spPr>
-          <a:xfrm>
-            <a:off x="7239781" y="686668"/>
-            <a:ext cx="984565" cy="369332"/>
-          </a:xfrm>
-          <a:prstGeom prst="rect">
-            <a:avLst/>
-          </a:prstGeom>
-          <a:noFill/>
-        </p:spPr>
-        <p:txBody>
-          <a:bodyPr wrap="none" rtlCol="0">
-            <a:spAutoFit/>
-          </a:bodyPr>
-          <a:lstStyle/>
-          <a:p>
-            <a:r>
-              <a:rPr lang="en-US" dirty="0" err="1">
-                <a:solidFill>
-                  <a:schemeClr val="tx1">
-                    <a:lumMod val="75000"/>
-                    <a:lumOff val="25000"/>
-                  </a:schemeClr>
-                </a:solidFill>
-                <a:latin typeface="Abadi" panose="020B0604020104020204" pitchFamily="34" charset="0"/>
-              </a:rPr>
-              <a:t>Moteurs</a:t>
-            </a:r>
-            <a:endParaRPr lang="en-US" dirty="0">
-              <a:solidFill>
-                <a:schemeClr val="tx1">
-                  <a:lumMod val="75000"/>
-                  <a:lumOff val="25000"/>
-                </a:schemeClr>
-              </a:solidFill>
-              <a:latin typeface="Abadi" panose="020B0604020104020204" pitchFamily="34" charset="0"/>
-            </a:endParaRPr>
-          </a:p>
-        </p:txBody>
-      </p:sp>
-      <p:sp>
-        <p:nvSpPr>
-          <p:cNvPr id="22" name="ZoneTexte 21">
-            <a:extLst>
-              <a:ext uri="{FF2B5EF4-FFF2-40B4-BE49-F238E27FC236}">
-                <a16:creationId xmlns:a16="http://schemas.microsoft.com/office/drawing/2014/main" id="{D9025189-86C4-4271-8A6F-BBFE1338A9F6}"/>
-              </a:ext>
-            </a:extLst>
-          </p:cNvPr>
-          <p:cNvSpPr txBox="1"/>
-          <p:nvPr/>
-        </p:nvSpPr>
-        <p:spPr>
-          <a:xfrm>
-            <a:off x="6714801" y="1001117"/>
-            <a:ext cx="1527982" cy="369332"/>
-          </a:xfrm>
-          <a:prstGeom prst="rect">
-            <a:avLst/>
-          </a:prstGeom>
-          <a:noFill/>
-        </p:spPr>
-        <p:txBody>
-          <a:bodyPr wrap="none" rtlCol="0">
-            <a:spAutoFit/>
-          </a:bodyPr>
-          <a:lstStyle/>
-          <a:p>
-            <a:r>
-              <a:rPr lang="en-US" dirty="0">
-                <a:solidFill>
-                  <a:schemeClr val="tx1">
-                    <a:lumMod val="75000"/>
-                    <a:lumOff val="25000"/>
-                  </a:schemeClr>
-                </a:solidFill>
-                <a:latin typeface="Abadi" panose="020B0604020104020204" pitchFamily="34" charset="0"/>
-              </a:rPr>
-              <a:t>Alimentations</a:t>
-            </a:r>
-          </a:p>
-        </p:txBody>
-      </p:sp>
-      <p:cxnSp>
-        <p:nvCxnSpPr>
-          <p:cNvPr id="23" name="Connecteur droit 22">
-            <a:extLst>
-              <a:ext uri="{FF2B5EF4-FFF2-40B4-BE49-F238E27FC236}">
-                <a16:creationId xmlns:a16="http://schemas.microsoft.com/office/drawing/2014/main" id="{D1370A97-B857-4E67-8553-E9E144EB23D5}"/>
-              </a:ext>
-            </a:extLst>
-          </p:cNvPr>
-          <p:cNvCxnSpPr>
-            <a:cxnSpLocks/>
-          </p:cNvCxnSpPr>
-          <p:nvPr/>
-        </p:nvCxnSpPr>
-        <p:spPr>
-          <a:xfrm flipV="1">
-            <a:off x="9112774" y="1430636"/>
-            <a:ext cx="0" cy="487138"/>
-          </a:xfrm>
-          <a:prstGeom prst="line">
-            <a:avLst/>
-          </a:prstGeom>
-          <a:ln w="57150">
-            <a:solidFill>
-              <a:schemeClr val="tx1">
-                <a:lumMod val="65000"/>
-                <a:lumOff val="35000"/>
-              </a:schemeClr>
-            </a:solidFill>
-          </a:ln>
-        </p:spPr>
-        <p:style>
-          <a:lnRef idx="1">
-            <a:schemeClr val="accent1"/>
-          </a:lnRef>
-          <a:fillRef idx="0">
-            <a:schemeClr val="accent1"/>
-          </a:fillRef>
-          <a:effectRef idx="0">
-            <a:schemeClr val="accent1"/>
-          </a:effectRef>
-          <a:fontRef idx="minor">
-            <a:schemeClr val="tx1"/>
-          </a:fontRef>
-        </p:style>
-      </p:cxnSp>
-      <p:sp>
-        <p:nvSpPr>
-          <p:cNvPr id="24" name="ZoneTexte 23">
-            <a:extLst>
-              <a:ext uri="{FF2B5EF4-FFF2-40B4-BE49-F238E27FC236}">
-                <a16:creationId xmlns:a16="http://schemas.microsoft.com/office/drawing/2014/main" id="{BE2BCF17-A169-48E2-925B-C39AC68884F8}"/>
-              </a:ext>
-            </a:extLst>
-          </p:cNvPr>
-          <p:cNvSpPr txBox="1"/>
-          <p:nvPr/>
-        </p:nvSpPr>
-        <p:spPr>
-          <a:xfrm>
-            <a:off x="8788807" y="1916668"/>
-            <a:ext cx="647934" cy="369332"/>
-          </a:xfrm>
-          <a:prstGeom prst="rect">
-            <a:avLst/>
-          </a:prstGeom>
-          <a:noFill/>
-        </p:spPr>
-        <p:txBody>
-          <a:bodyPr wrap="none" rtlCol="0">
-            <a:spAutoFit/>
-          </a:bodyPr>
-          <a:lstStyle/>
-          <a:p>
-            <a:r>
-              <a:rPr lang="en-US" dirty="0" err="1">
-                <a:solidFill>
-                  <a:schemeClr val="tx1">
-                    <a:lumMod val="75000"/>
-                    <a:lumOff val="25000"/>
-                  </a:schemeClr>
-                </a:solidFill>
-                <a:latin typeface="Abadi" panose="020B0604020104020204" pitchFamily="34" charset="0"/>
-              </a:rPr>
-              <a:t>Leds</a:t>
-            </a:r>
-            <a:endParaRPr lang="en-US" dirty="0">
-              <a:solidFill>
-                <a:schemeClr val="tx1">
-                  <a:lumMod val="75000"/>
-                  <a:lumOff val="25000"/>
-                </a:schemeClr>
-              </a:solidFill>
-              <a:latin typeface="Abadi" panose="020B0604020104020204" pitchFamily="34" charset="0"/>
-            </a:endParaRPr>
-          </a:p>
-        </p:txBody>
-      </p:sp>
       <p:pic>
         <p:nvPicPr>
-          <p:cNvPr id="26" name="Image 25">
-            <a:extLst>
-              <a:ext uri="{FF2B5EF4-FFF2-40B4-BE49-F238E27FC236}">
-                <a16:creationId xmlns:a16="http://schemas.microsoft.com/office/drawing/2014/main" id="{8FF7259A-4CE1-461B-86A4-C8673F316EF4}"/>
+          <p:cNvPr id="8" name="Image 7">
+            <a:extLst>
+              <a:ext uri="{FF2B5EF4-FFF2-40B4-BE49-F238E27FC236}">
+                <a16:creationId xmlns:a16="http://schemas.microsoft.com/office/drawing/2014/main" id="{DEF32358-4FB4-4BA4-881D-B57C13DA73B5}"/>
               </a:ext>
             </a:extLst>
           </p:cNvPr>
@@ -7010,8 +6438,8 @@
         </p:blipFill>
         <p:spPr>
           <a:xfrm>
-            <a:off x="6172200" y="2331150"/>
-            <a:ext cx="5453725" cy="4122236"/>
+            <a:off x="5742602" y="1649739"/>
+            <a:ext cx="6303217" cy="4714115"/>
           </a:xfrm>
           <a:prstGeom prst="rect">
             <a:avLst/>
@@ -7021,7 +6449,7 @@
     </p:spTree>
     <p:extLst>
       <p:ext uri="{BB962C8B-B14F-4D97-AF65-F5344CB8AC3E}">
-        <p14:creationId xmlns:p14="http://schemas.microsoft.com/office/powerpoint/2010/main" val="3937296622"/>
+        <p14:creationId xmlns:p14="http://schemas.microsoft.com/office/powerpoint/2010/main" val="1294761818"/>
       </p:ext>
     </p:extLst>
   </p:cSld>
@@ -7053,7 +6481,7 @@
           <p:cNvPr id="2" name="Titre 1">
             <a:extLst>
               <a:ext uri="{FF2B5EF4-FFF2-40B4-BE49-F238E27FC236}">
-                <a16:creationId xmlns:a16="http://schemas.microsoft.com/office/drawing/2014/main" id="{4BCCC3CA-D797-4531-9D7A-3B90196511E4}"/>
+                <a16:creationId xmlns:a16="http://schemas.microsoft.com/office/drawing/2014/main" id="{CED9CED0-6341-4C5B-B2DC-249029063F82}"/>
               </a:ext>
             </a:extLst>
           </p:cNvPr>
@@ -7071,7 +6499,7 @@
           <a:p>
             <a:r>
               <a:rPr lang="en-US" dirty="0"/>
-              <a:t>MCP3428</a:t>
+              <a:t>Alimentations et communication</a:t>
             </a:r>
           </a:p>
         </p:txBody>
@@ -7081,7 +6509,7 @@
           <p:cNvPr id="3" name="Espace réservé du contenu 2">
             <a:extLst>
               <a:ext uri="{FF2B5EF4-FFF2-40B4-BE49-F238E27FC236}">
-                <a16:creationId xmlns:a16="http://schemas.microsoft.com/office/drawing/2014/main" id="{3C8E9F55-C63D-4B87-9D54-1F4636B8D75F}"/>
+                <a16:creationId xmlns:a16="http://schemas.microsoft.com/office/drawing/2014/main" id="{0B766703-E02B-4754-B34B-DDEFE22BC169}"/>
               </a:ext>
             </a:extLst>
           </p:cNvPr>
@@ -7094,8 +6522,8 @@
         </p:nvSpPr>
         <p:spPr>
           <a:xfrm>
-            <a:off x="1371600" y="2286000"/>
-            <a:ext cx="5029200" cy="3581400"/>
+            <a:off x="1371600" y="1780721"/>
+            <a:ext cx="4525861" cy="3581400"/>
           </a:xfrm>
         </p:spPr>
         <p:txBody>
@@ -7104,59 +6532,47 @@
           <a:p>
             <a:r>
               <a:rPr lang="en-US" dirty="0"/>
-              <a:t>Test de lecture de la </a:t>
+              <a:t>I0 non </a:t>
             </a:r>
             <a:r>
               <a:rPr lang="en-US" dirty="0" err="1"/>
-              <a:t>valeur</a:t>
-            </a:r>
+              <a:t>connecté</a:t>
+            </a:r>
+            <a:endParaRPr lang="en-US" dirty="0"/>
+          </a:p>
+          <a:p>
+            <a:endParaRPr lang="en-US" dirty="0"/>
+          </a:p>
+          <a:p>
             <a:r>
               <a:rPr lang="en-US" dirty="0"/>
-              <a:t> de la LDR sur 16 bits</a:t>
-            </a:r>
-          </a:p>
-          <a:p>
+              <a:t>PCA9685 non </a:t>
+            </a:r>
+            <a:r>
+              <a:rPr lang="en-US" dirty="0" err="1"/>
+              <a:t>alimenté</a:t>
+            </a:r>
             <a:r>
               <a:rPr lang="en-US" dirty="0"/>
-              <a:t>0,1V - 1,23V </a:t>
+              <a:t> </a:t>
             </a:r>
             <a:r>
               <a:rPr lang="en-US" dirty="0" err="1"/>
-              <a:t>ou</a:t>
+              <a:t>en</a:t>
             </a:r>
             <a:r>
               <a:rPr lang="en-US" dirty="0"/>
-              <a:t> 200 – 200 000 points</a:t>
+              <a:t> direct</a:t>
             </a:r>
           </a:p>
           <a:p>
             <a:endParaRPr lang="en-US" dirty="0"/>
           </a:p>
           <a:p>
-            <a:endParaRPr lang="en-US" dirty="0"/>
-          </a:p>
-          <a:p>
             <a:r>
               <a:rPr lang="en-US" dirty="0"/>
-              <a:t>Test de la </a:t>
-            </a:r>
-            <a:r>
-              <a:rPr lang="en-US" dirty="0" err="1"/>
-              <a:t>mesure</a:t>
-            </a:r>
-            <a:r>
-              <a:rPr lang="en-US" dirty="0"/>
-              <a:t> du 5V</a:t>
-            </a:r>
-          </a:p>
-          <a:p>
-            <a:r>
-              <a:rPr lang="en-US" dirty="0"/>
-              <a:t>0,33V – 5024 points</a:t>
-            </a:r>
-          </a:p>
-          <a:p>
-            <a:endParaRPr lang="en-US" dirty="0"/>
+              <a:t>Pins I2C non standard</a:t>
+            </a:r>
           </a:p>
         </p:txBody>
       </p:sp>
@@ -7165,7 +6581,7 @@
           <p:cNvPr id="4" name="Espace réservé du numéro de diapositive 3">
             <a:extLst>
               <a:ext uri="{FF2B5EF4-FFF2-40B4-BE49-F238E27FC236}">
-                <a16:creationId xmlns:a16="http://schemas.microsoft.com/office/drawing/2014/main" id="{EA345344-37F2-408C-B01E-150A19222A22}"/>
+                <a16:creationId xmlns:a16="http://schemas.microsoft.com/office/drawing/2014/main" id="{18BA8B7A-EF97-4865-BCA3-D1F45DA1F9C1}"/>
               </a:ext>
             </a:extLst>
           </p:cNvPr>
@@ -7189,331 +6605,12 @@
           </a:p>
         </p:txBody>
       </p:sp>
-      <p:sp>
-        <p:nvSpPr>
-          <p:cNvPr id="6" name="Rectangle : coins arrondis 5">
-            <a:extLst>
-              <a:ext uri="{FF2B5EF4-FFF2-40B4-BE49-F238E27FC236}">
-                <a16:creationId xmlns:a16="http://schemas.microsoft.com/office/drawing/2014/main" id="{42F4FD5A-11A6-4CD1-A388-736DA40011B2}"/>
-              </a:ext>
-            </a:extLst>
-          </p:cNvPr>
-          <p:cNvSpPr/>
-          <p:nvPr/>
-        </p:nvSpPr>
-        <p:spPr>
-          <a:xfrm>
-            <a:off x="8756650" y="571500"/>
-            <a:ext cx="1661720" cy="1040235"/>
-          </a:xfrm>
-          <a:prstGeom prst="roundRect">
-            <a:avLst/>
-          </a:prstGeom>
-          <a:solidFill>
-            <a:schemeClr val="accent2"/>
-          </a:solidFill>
-        </p:spPr>
-        <p:style>
-          <a:lnRef idx="2">
-            <a:schemeClr val="accent1">
-              <a:shade val="50000"/>
-            </a:schemeClr>
-          </a:lnRef>
-          <a:fillRef idx="1">
-            <a:schemeClr val="accent1"/>
-          </a:fillRef>
-          <a:effectRef idx="0">
-            <a:schemeClr val="accent1"/>
-          </a:effectRef>
-          <a:fontRef idx="minor">
-            <a:schemeClr val="lt1"/>
-          </a:fontRef>
-        </p:style>
-        <p:txBody>
-          <a:bodyPr rtlCol="0" anchor="ctr"/>
-          <a:lstStyle/>
-          <a:p>
-            <a:pPr algn="ctr"/>
-            <a:r>
-              <a:rPr lang="en-US" sz="2400" dirty="0"/>
-              <a:t>MCP3428</a:t>
-            </a:r>
-          </a:p>
-        </p:txBody>
-      </p:sp>
-      <p:cxnSp>
-        <p:nvCxnSpPr>
-          <p:cNvPr id="7" name="Connecteur droit 6">
-            <a:extLst>
-              <a:ext uri="{FF2B5EF4-FFF2-40B4-BE49-F238E27FC236}">
-                <a16:creationId xmlns:a16="http://schemas.microsoft.com/office/drawing/2014/main" id="{0B84A4E7-C015-480A-B66A-23A64CD0B639}"/>
-              </a:ext>
-            </a:extLst>
-          </p:cNvPr>
-          <p:cNvCxnSpPr>
-            <a:cxnSpLocks/>
-          </p:cNvCxnSpPr>
-          <p:nvPr/>
-        </p:nvCxnSpPr>
-        <p:spPr>
-          <a:xfrm flipV="1">
-            <a:off x="8149201" y="1389145"/>
-            <a:ext cx="628015" cy="1"/>
-          </a:xfrm>
-          <a:prstGeom prst="line">
-            <a:avLst/>
-          </a:prstGeom>
-          <a:ln w="57150">
-            <a:solidFill>
-              <a:schemeClr val="tx1">
-                <a:lumMod val="65000"/>
-                <a:lumOff val="35000"/>
-              </a:schemeClr>
-            </a:solidFill>
-          </a:ln>
-        </p:spPr>
-        <p:style>
-          <a:lnRef idx="1">
-            <a:schemeClr val="accent1"/>
-          </a:lnRef>
-          <a:fillRef idx="0">
-            <a:schemeClr val="accent1"/>
-          </a:fillRef>
-          <a:effectRef idx="0">
-            <a:schemeClr val="accent1"/>
-          </a:effectRef>
-          <a:fontRef idx="minor">
-            <a:schemeClr val="tx1"/>
-          </a:fontRef>
-        </p:style>
-      </p:cxnSp>
-      <p:cxnSp>
-        <p:nvCxnSpPr>
-          <p:cNvPr id="8" name="Connecteur droit 7">
-            <a:extLst>
-              <a:ext uri="{FF2B5EF4-FFF2-40B4-BE49-F238E27FC236}">
-                <a16:creationId xmlns:a16="http://schemas.microsoft.com/office/drawing/2014/main" id="{AF0BAA1C-FCC3-49F8-B43C-063CC52E8E33}"/>
-              </a:ext>
-            </a:extLst>
-          </p:cNvPr>
-          <p:cNvCxnSpPr>
-            <a:cxnSpLocks/>
-          </p:cNvCxnSpPr>
-          <p:nvPr/>
-        </p:nvCxnSpPr>
-        <p:spPr>
-          <a:xfrm flipV="1">
-            <a:off x="8138918" y="764996"/>
-            <a:ext cx="628015" cy="1"/>
-          </a:xfrm>
-          <a:prstGeom prst="line">
-            <a:avLst/>
-          </a:prstGeom>
-          <a:ln w="57150">
-            <a:solidFill>
-              <a:schemeClr val="tx1">
-                <a:lumMod val="65000"/>
-                <a:lumOff val="35000"/>
-              </a:schemeClr>
-            </a:solidFill>
-          </a:ln>
-        </p:spPr>
-        <p:style>
-          <a:lnRef idx="1">
-            <a:schemeClr val="accent1"/>
-          </a:lnRef>
-          <a:fillRef idx="0">
-            <a:schemeClr val="accent1"/>
-          </a:fillRef>
-          <a:effectRef idx="0">
-            <a:schemeClr val="accent1"/>
-          </a:effectRef>
-          <a:fontRef idx="minor">
-            <a:schemeClr val="tx1"/>
-          </a:fontRef>
-        </p:style>
-      </p:cxnSp>
-      <p:cxnSp>
-        <p:nvCxnSpPr>
-          <p:cNvPr id="9" name="Connecteur droit 8">
-            <a:extLst>
-              <a:ext uri="{FF2B5EF4-FFF2-40B4-BE49-F238E27FC236}">
-                <a16:creationId xmlns:a16="http://schemas.microsoft.com/office/drawing/2014/main" id="{0CF891B8-131E-47AB-ABFE-555FCA713017}"/>
-              </a:ext>
-            </a:extLst>
-          </p:cNvPr>
-          <p:cNvCxnSpPr>
-            <a:cxnSpLocks/>
-          </p:cNvCxnSpPr>
-          <p:nvPr/>
-        </p:nvCxnSpPr>
-        <p:spPr>
-          <a:xfrm flipV="1">
-            <a:off x="8149200" y="1067726"/>
-            <a:ext cx="628015" cy="1"/>
-          </a:xfrm>
-          <a:prstGeom prst="line">
-            <a:avLst/>
-          </a:prstGeom>
-          <a:ln w="57150">
-            <a:solidFill>
-              <a:schemeClr val="tx1">
-                <a:lumMod val="65000"/>
-                <a:lumOff val="35000"/>
-              </a:schemeClr>
-            </a:solidFill>
-          </a:ln>
-        </p:spPr>
-        <p:style>
-          <a:lnRef idx="1">
-            <a:schemeClr val="accent1"/>
-          </a:lnRef>
-          <a:fillRef idx="0">
-            <a:schemeClr val="accent1"/>
-          </a:fillRef>
-          <a:effectRef idx="0">
-            <a:schemeClr val="accent1"/>
-          </a:effectRef>
-          <a:fontRef idx="minor">
-            <a:schemeClr val="tx1"/>
-          </a:fontRef>
-        </p:style>
-      </p:cxnSp>
-      <p:sp>
-        <p:nvSpPr>
-          <p:cNvPr id="10" name="ZoneTexte 9">
-            <a:extLst>
-              <a:ext uri="{FF2B5EF4-FFF2-40B4-BE49-F238E27FC236}">
-                <a16:creationId xmlns:a16="http://schemas.microsoft.com/office/drawing/2014/main" id="{F7971E93-CB17-46A3-B4C8-8A2321BEF43B}"/>
-              </a:ext>
-            </a:extLst>
-          </p:cNvPr>
-          <p:cNvSpPr txBox="1"/>
-          <p:nvPr/>
-        </p:nvSpPr>
-        <p:spPr>
-          <a:xfrm>
-            <a:off x="7396421" y="512682"/>
-            <a:ext cx="728084" cy="369332"/>
-          </a:xfrm>
-          <a:prstGeom prst="rect">
-            <a:avLst/>
-          </a:prstGeom>
-          <a:noFill/>
-        </p:spPr>
-        <p:txBody>
-          <a:bodyPr wrap="none" rtlCol="0">
-            <a:spAutoFit/>
-          </a:bodyPr>
-          <a:lstStyle/>
-          <a:p>
-            <a:r>
-              <a:rPr lang="en-US" dirty="0">
-                <a:solidFill>
-                  <a:schemeClr val="tx1">
-                    <a:lumMod val="75000"/>
-                    <a:lumOff val="25000"/>
-                  </a:schemeClr>
-                </a:solidFill>
-                <a:latin typeface="Abadi" panose="020B0604020104020204" pitchFamily="34" charset="0"/>
-              </a:rPr>
-              <a:t>Micro</a:t>
-            </a:r>
-          </a:p>
-        </p:txBody>
-      </p:sp>
-      <p:sp>
-        <p:nvSpPr>
-          <p:cNvPr id="11" name="ZoneTexte 10">
-            <a:extLst>
-              <a:ext uri="{FF2B5EF4-FFF2-40B4-BE49-F238E27FC236}">
-                <a16:creationId xmlns:a16="http://schemas.microsoft.com/office/drawing/2014/main" id="{4ECD9338-7A51-421F-A75B-F88A5DB051E8}"/>
-              </a:ext>
-            </a:extLst>
-          </p:cNvPr>
-          <p:cNvSpPr txBox="1"/>
-          <p:nvPr/>
-        </p:nvSpPr>
-        <p:spPr>
-          <a:xfrm>
-            <a:off x="7458136" y="818034"/>
-            <a:ext cx="593432" cy="369332"/>
-          </a:xfrm>
-          <a:prstGeom prst="rect">
-            <a:avLst/>
-          </a:prstGeom>
-          <a:noFill/>
-        </p:spPr>
-        <p:txBody>
-          <a:bodyPr wrap="none" rtlCol="0">
-            <a:spAutoFit/>
-          </a:bodyPr>
-          <a:lstStyle/>
-          <a:p>
-            <a:r>
-              <a:rPr lang="en-US" dirty="0">
-                <a:solidFill>
-                  <a:schemeClr val="tx1">
-                    <a:lumMod val="75000"/>
-                    <a:lumOff val="25000"/>
-                  </a:schemeClr>
-                </a:solidFill>
-                <a:latin typeface="Abadi" panose="020B0604020104020204" pitchFamily="34" charset="0"/>
-              </a:rPr>
-              <a:t>LDR</a:t>
-            </a:r>
-          </a:p>
-        </p:txBody>
-      </p:sp>
-      <p:sp>
-        <p:nvSpPr>
-          <p:cNvPr id="12" name="ZoneTexte 11">
-            <a:extLst>
-              <a:ext uri="{FF2B5EF4-FFF2-40B4-BE49-F238E27FC236}">
-                <a16:creationId xmlns:a16="http://schemas.microsoft.com/office/drawing/2014/main" id="{7B08462D-3EBD-4E01-93FB-8E019B7BBB8B}"/>
-              </a:ext>
-            </a:extLst>
-          </p:cNvPr>
-          <p:cNvSpPr txBox="1"/>
-          <p:nvPr/>
-        </p:nvSpPr>
-        <p:spPr>
-          <a:xfrm>
-            <a:off x="7394129" y="1131646"/>
-            <a:ext cx="745717" cy="369332"/>
-          </a:xfrm>
-          <a:prstGeom prst="rect">
-            <a:avLst/>
-          </a:prstGeom>
-          <a:noFill/>
-        </p:spPr>
-        <p:txBody>
-          <a:bodyPr wrap="none" rtlCol="0">
-            <a:spAutoFit/>
-          </a:bodyPr>
-          <a:lstStyle/>
-          <a:p>
-            <a:r>
-              <a:rPr lang="en-US" dirty="0">
-                <a:solidFill>
-                  <a:schemeClr val="tx1">
-                    <a:lumMod val="75000"/>
-                    <a:lumOff val="25000"/>
-                  </a:schemeClr>
-                </a:solidFill>
-                <a:latin typeface="Abadi" panose="020B0604020104020204" pitchFamily="34" charset="0"/>
-              </a:rPr>
-              <a:t>Spare</a:t>
-            </a:r>
-          </a:p>
-        </p:txBody>
-      </p:sp>
       <p:pic>
         <p:nvPicPr>
-          <p:cNvPr id="14" name="Image 13">
-            <a:extLst>
-              <a:ext uri="{FF2B5EF4-FFF2-40B4-BE49-F238E27FC236}">
-                <a16:creationId xmlns:a16="http://schemas.microsoft.com/office/drawing/2014/main" id="{DCEC03F2-2119-4065-8BBE-9CCD4EAEB5FD}"/>
+          <p:cNvPr id="6" name="Image 5">
+            <a:extLst>
+              <a:ext uri="{FF2B5EF4-FFF2-40B4-BE49-F238E27FC236}">
+                <a16:creationId xmlns:a16="http://schemas.microsoft.com/office/drawing/2014/main" id="{E2550B64-4B6B-4BA2-95A0-2D2B943EB29D}"/>
               </a:ext>
             </a:extLst>
           </p:cNvPr>
@@ -7530,8 +6627,38 @@
         </p:blipFill>
         <p:spPr>
           <a:xfrm>
-            <a:off x="6982480" y="1723381"/>
-            <a:ext cx="4169917" cy="4709309"/>
+            <a:off x="8822880" y="1588215"/>
+            <a:ext cx="3213609" cy="4672625"/>
+          </a:xfrm>
+          <a:prstGeom prst="rect">
+            <a:avLst/>
+          </a:prstGeom>
+        </p:spPr>
+      </p:pic>
+      <p:pic>
+        <p:nvPicPr>
+          <p:cNvPr id="8" name="Image 7">
+            <a:extLst>
+              <a:ext uri="{FF2B5EF4-FFF2-40B4-BE49-F238E27FC236}">
+                <a16:creationId xmlns:a16="http://schemas.microsoft.com/office/drawing/2014/main" id="{55E2CA0B-C2F5-44B3-A9EF-CC4E70E716BE}"/>
+              </a:ext>
+            </a:extLst>
+          </p:cNvPr>
+          <p:cNvPicPr>
+            <a:picLocks noChangeAspect="1"/>
+          </p:cNvPicPr>
+          <p:nvPr/>
+        </p:nvPicPr>
+        <p:blipFill>
+          <a:blip r:embed="rId3"/>
+          <a:stretch>
+            <a:fillRect/>
+          </a:stretch>
+        </p:blipFill>
+        <p:spPr>
+          <a:xfrm>
+            <a:off x="1371600" y="4109768"/>
+            <a:ext cx="6782383" cy="2151072"/>
           </a:xfrm>
           <a:prstGeom prst="rect">
             <a:avLst/>
@@ -7541,7 +6668,7 @@
     </p:spTree>
     <p:extLst>
       <p:ext uri="{BB962C8B-B14F-4D97-AF65-F5344CB8AC3E}">
-        <p14:creationId xmlns:p14="http://schemas.microsoft.com/office/powerpoint/2010/main" val="2149199853"/>
+        <p14:creationId xmlns:p14="http://schemas.microsoft.com/office/powerpoint/2010/main" val="2738491936"/>
       </p:ext>
     </p:extLst>
   </p:cSld>
@@ -7573,7 +6700,7 @@
           <p:cNvPr id="2" name="Titre 1">
             <a:extLst>
               <a:ext uri="{FF2B5EF4-FFF2-40B4-BE49-F238E27FC236}">
-                <a16:creationId xmlns:a16="http://schemas.microsoft.com/office/drawing/2014/main" id="{BB60DC96-2010-4E65-BB9D-6838DD048CEB}"/>
+                <a16:creationId xmlns:a16="http://schemas.microsoft.com/office/drawing/2014/main" id="{C4F14535-DE5D-41DD-97F6-29A99EC5072B}"/>
               </a:ext>
             </a:extLst>
           </p:cNvPr>
@@ -7591,8 +6718,93 @@
           <a:p>
             <a:r>
               <a:rPr lang="en-US" dirty="0"/>
-              <a:t>SD Card</a:t>
-            </a:r>
+              <a:t>PCA9685</a:t>
+            </a:r>
+          </a:p>
+        </p:txBody>
+      </p:sp>
+      <p:sp>
+        <p:nvSpPr>
+          <p:cNvPr id="3" name="Espace réservé du contenu 2">
+            <a:extLst>
+              <a:ext uri="{FF2B5EF4-FFF2-40B4-BE49-F238E27FC236}">
+                <a16:creationId xmlns:a16="http://schemas.microsoft.com/office/drawing/2014/main" id="{4CB930BE-5957-435F-9DAD-D69F247A7F1E}"/>
+              </a:ext>
+            </a:extLst>
+          </p:cNvPr>
+          <p:cNvSpPr>
+            <a:spLocks noGrp="1"/>
+          </p:cNvSpPr>
+          <p:nvPr>
+            <p:ph idx="1"/>
+          </p:nvPr>
+        </p:nvSpPr>
+        <p:spPr>
+          <a:xfrm>
+            <a:off x="1371600" y="2286000"/>
+            <a:ext cx="3510793" cy="3581400"/>
+          </a:xfrm>
+        </p:spPr>
+        <p:txBody>
+          <a:bodyPr/>
+          <a:lstStyle/>
+          <a:p>
+            <a:r>
+              <a:rPr lang="en-US" dirty="0"/>
+              <a:t>Test du pilotage des alimentations </a:t>
+            </a:r>
+          </a:p>
+          <a:p>
+            <a:endParaRPr lang="en-US" dirty="0"/>
+          </a:p>
+          <a:p>
+            <a:r>
+              <a:rPr lang="en-US" dirty="0"/>
+              <a:t>Faire </a:t>
+            </a:r>
+            <a:r>
+              <a:rPr lang="en-US" dirty="0" err="1"/>
+              <a:t>clignoter</a:t>
+            </a:r>
+            <a:r>
+              <a:rPr lang="en-US" dirty="0"/>
+              <a:t> </a:t>
+            </a:r>
+            <a:r>
+              <a:rPr lang="en-US" dirty="0" err="1"/>
+              <a:t>simultanément</a:t>
+            </a:r>
+            <a:r>
+              <a:rPr lang="en-US" dirty="0"/>
+              <a:t> les </a:t>
+            </a:r>
+            <a:r>
+              <a:rPr lang="en-US" dirty="0" err="1"/>
+              <a:t>leds</a:t>
+            </a:r>
+            <a:endParaRPr lang="en-US" dirty="0"/>
+          </a:p>
+          <a:p>
+            <a:endParaRPr lang="en-US" dirty="0"/>
+          </a:p>
+          <a:p>
+            <a:r>
+              <a:rPr lang="en-US" dirty="0"/>
+              <a:t>Faire </a:t>
+            </a:r>
+            <a:r>
+              <a:rPr lang="en-US" dirty="0" err="1"/>
+              <a:t>tourner</a:t>
+            </a:r>
+            <a:r>
+              <a:rPr lang="en-US" dirty="0"/>
+              <a:t> un </a:t>
+            </a:r>
+            <a:r>
+              <a:rPr lang="en-US" dirty="0" err="1"/>
+              <a:t>moteur</a:t>
+            </a:r>
+            <a:endParaRPr lang="en-US" dirty="0"/>
           </a:p>
         </p:txBody>
       </p:sp>
@@ -7601,7 +6813,7 @@
           <p:cNvPr id="4" name="Espace réservé du numéro de diapositive 3">
             <a:extLst>
               <a:ext uri="{FF2B5EF4-FFF2-40B4-BE49-F238E27FC236}">
-                <a16:creationId xmlns:a16="http://schemas.microsoft.com/office/drawing/2014/main" id="{82A02D1F-69D6-4CCB-8D0F-5B45109100EA}"/>
+                <a16:creationId xmlns:a16="http://schemas.microsoft.com/office/drawing/2014/main" id="{5ACE6B40-2B14-48A3-9878-D74D9F910F57}"/>
               </a:ext>
             </a:extLst>
           </p:cNvPr>
@@ -7620,6 +6832,1071 @@
             <a:fld id="{E4FD1E96-881F-4E38-A65A-4DBF7417DE24}" type="slidenum">
               <a:rPr lang="en-US" smtClean="0"/>
               <a:t>15</a:t>
+            </a:fld>
+            <a:endParaRPr lang="en-US"/>
+          </a:p>
+        </p:txBody>
+      </p:sp>
+      <p:sp>
+        <p:nvSpPr>
+          <p:cNvPr id="16" name="Rectangle : coins arrondis 15">
+            <a:extLst>
+              <a:ext uri="{FF2B5EF4-FFF2-40B4-BE49-F238E27FC236}">
+                <a16:creationId xmlns:a16="http://schemas.microsoft.com/office/drawing/2014/main" id="{CC46EDBE-7B7E-413B-AE32-86E94C60812B}"/>
+              </a:ext>
+            </a:extLst>
+          </p:cNvPr>
+          <p:cNvSpPr/>
+          <p:nvPr/>
+        </p:nvSpPr>
+        <p:spPr>
+          <a:xfrm>
+            <a:off x="8832151" y="390401"/>
+            <a:ext cx="1661720" cy="1040235"/>
+          </a:xfrm>
+          <a:prstGeom prst="roundRect">
+            <a:avLst/>
+          </a:prstGeom>
+          <a:solidFill>
+            <a:schemeClr val="accent6">
+              <a:lumMod val="75000"/>
+            </a:schemeClr>
+          </a:solidFill>
+        </p:spPr>
+        <p:style>
+          <a:lnRef idx="2">
+            <a:schemeClr val="accent1">
+              <a:shade val="50000"/>
+            </a:schemeClr>
+          </a:lnRef>
+          <a:fillRef idx="1">
+            <a:schemeClr val="accent1"/>
+          </a:fillRef>
+          <a:effectRef idx="0">
+            <a:schemeClr val="accent1"/>
+          </a:effectRef>
+          <a:fontRef idx="minor">
+            <a:schemeClr val="lt1"/>
+          </a:fontRef>
+        </p:style>
+        <p:txBody>
+          <a:bodyPr rtlCol="0" anchor="ctr"/>
+          <a:lstStyle/>
+          <a:p>
+            <a:pPr algn="ctr"/>
+            <a:r>
+              <a:rPr lang="en-US" sz="2400" dirty="0"/>
+              <a:t>PCA9685</a:t>
+            </a:r>
+          </a:p>
+        </p:txBody>
+      </p:sp>
+      <p:cxnSp>
+        <p:nvCxnSpPr>
+          <p:cNvPr id="17" name="Connecteur droit 16">
+            <a:extLst>
+              <a:ext uri="{FF2B5EF4-FFF2-40B4-BE49-F238E27FC236}">
+                <a16:creationId xmlns:a16="http://schemas.microsoft.com/office/drawing/2014/main" id="{DBFFB96E-8971-4A5B-B7E1-B4F94195EA69}"/>
+              </a:ext>
+            </a:extLst>
+          </p:cNvPr>
+          <p:cNvCxnSpPr>
+            <a:cxnSpLocks/>
+          </p:cNvCxnSpPr>
+          <p:nvPr/>
+        </p:nvCxnSpPr>
+        <p:spPr>
+          <a:xfrm flipV="1">
+            <a:off x="8224703" y="580570"/>
+            <a:ext cx="628015" cy="1"/>
+          </a:xfrm>
+          <a:prstGeom prst="line">
+            <a:avLst/>
+          </a:prstGeom>
+          <a:ln w="57150">
+            <a:solidFill>
+              <a:schemeClr val="tx1">
+                <a:lumMod val="65000"/>
+                <a:lumOff val="35000"/>
+              </a:schemeClr>
+            </a:solidFill>
+          </a:ln>
+        </p:spPr>
+        <p:style>
+          <a:lnRef idx="1">
+            <a:schemeClr val="accent1"/>
+          </a:lnRef>
+          <a:fillRef idx="0">
+            <a:schemeClr val="accent1"/>
+          </a:fillRef>
+          <a:effectRef idx="0">
+            <a:schemeClr val="accent1"/>
+          </a:effectRef>
+          <a:fontRef idx="minor">
+            <a:schemeClr val="tx1"/>
+          </a:fontRef>
+        </p:style>
+      </p:cxnSp>
+      <p:cxnSp>
+        <p:nvCxnSpPr>
+          <p:cNvPr id="18" name="Connecteur droit 17">
+            <a:extLst>
+              <a:ext uri="{FF2B5EF4-FFF2-40B4-BE49-F238E27FC236}">
+                <a16:creationId xmlns:a16="http://schemas.microsoft.com/office/drawing/2014/main" id="{B658F3DB-A415-4035-8AF0-C84CF3556A3E}"/>
+              </a:ext>
+            </a:extLst>
+          </p:cNvPr>
+          <p:cNvCxnSpPr>
+            <a:cxnSpLocks/>
+          </p:cNvCxnSpPr>
+          <p:nvPr/>
+        </p:nvCxnSpPr>
+        <p:spPr>
+          <a:xfrm flipV="1">
+            <a:off x="8224703" y="910517"/>
+            <a:ext cx="628015" cy="1"/>
+          </a:xfrm>
+          <a:prstGeom prst="line">
+            <a:avLst/>
+          </a:prstGeom>
+          <a:ln w="57150">
+            <a:solidFill>
+              <a:schemeClr val="tx1">
+                <a:lumMod val="65000"/>
+                <a:lumOff val="35000"/>
+              </a:schemeClr>
+            </a:solidFill>
+          </a:ln>
+        </p:spPr>
+        <p:style>
+          <a:lnRef idx="1">
+            <a:schemeClr val="accent1"/>
+          </a:lnRef>
+          <a:fillRef idx="0">
+            <a:schemeClr val="accent1"/>
+          </a:fillRef>
+          <a:effectRef idx="0">
+            <a:schemeClr val="accent1"/>
+          </a:effectRef>
+          <a:fontRef idx="minor">
+            <a:schemeClr val="tx1"/>
+          </a:fontRef>
+        </p:style>
+      </p:cxnSp>
+      <p:cxnSp>
+        <p:nvCxnSpPr>
+          <p:cNvPr id="19" name="Connecteur droit 18">
+            <a:extLst>
+              <a:ext uri="{FF2B5EF4-FFF2-40B4-BE49-F238E27FC236}">
+                <a16:creationId xmlns:a16="http://schemas.microsoft.com/office/drawing/2014/main" id="{31C52A19-308D-4FCF-8B5E-D0B2F652CE6F}"/>
+              </a:ext>
+            </a:extLst>
+          </p:cNvPr>
+          <p:cNvCxnSpPr>
+            <a:cxnSpLocks/>
+          </p:cNvCxnSpPr>
+          <p:nvPr/>
+        </p:nvCxnSpPr>
+        <p:spPr>
+          <a:xfrm flipV="1">
+            <a:off x="8224703" y="1245799"/>
+            <a:ext cx="628015" cy="1"/>
+          </a:xfrm>
+          <a:prstGeom prst="line">
+            <a:avLst/>
+          </a:prstGeom>
+          <a:ln w="57150">
+            <a:solidFill>
+              <a:schemeClr val="tx1">
+                <a:lumMod val="65000"/>
+                <a:lumOff val="35000"/>
+              </a:schemeClr>
+            </a:solidFill>
+          </a:ln>
+        </p:spPr>
+        <p:style>
+          <a:lnRef idx="1">
+            <a:schemeClr val="accent1"/>
+          </a:lnRef>
+          <a:fillRef idx="0">
+            <a:schemeClr val="accent1"/>
+          </a:fillRef>
+          <a:effectRef idx="0">
+            <a:schemeClr val="accent1"/>
+          </a:effectRef>
+          <a:fontRef idx="minor">
+            <a:schemeClr val="tx1"/>
+          </a:fontRef>
+        </p:style>
+      </p:cxnSp>
+      <p:sp>
+        <p:nvSpPr>
+          <p:cNvPr id="20" name="ZoneTexte 19">
+            <a:extLst>
+              <a:ext uri="{FF2B5EF4-FFF2-40B4-BE49-F238E27FC236}">
+                <a16:creationId xmlns:a16="http://schemas.microsoft.com/office/drawing/2014/main" id="{33FE5913-1277-4550-994B-F59F659DD1D2}"/>
+              </a:ext>
+            </a:extLst>
+          </p:cNvPr>
+          <p:cNvSpPr txBox="1"/>
+          <p:nvPr/>
+        </p:nvSpPr>
+        <p:spPr>
+          <a:xfrm>
+            <a:off x="7512292" y="329055"/>
+            <a:ext cx="712054" cy="369332"/>
+          </a:xfrm>
+          <a:prstGeom prst="rect">
+            <a:avLst/>
+          </a:prstGeom>
+          <a:noFill/>
+        </p:spPr>
+        <p:txBody>
+          <a:bodyPr wrap="none" rtlCol="0">
+            <a:spAutoFit/>
+          </a:bodyPr>
+          <a:lstStyle/>
+          <a:p>
+            <a:r>
+              <a:rPr lang="en-US" dirty="0">
+                <a:solidFill>
+                  <a:schemeClr val="tx1">
+                    <a:lumMod val="75000"/>
+                    <a:lumOff val="25000"/>
+                  </a:schemeClr>
+                </a:solidFill>
+                <a:latin typeface="Abadi" panose="020B0604020104020204" pitchFamily="34" charset="0"/>
+              </a:rPr>
+              <a:t>Laser</a:t>
+            </a:r>
+          </a:p>
+        </p:txBody>
+      </p:sp>
+      <p:sp>
+        <p:nvSpPr>
+          <p:cNvPr id="21" name="ZoneTexte 20">
+            <a:extLst>
+              <a:ext uri="{FF2B5EF4-FFF2-40B4-BE49-F238E27FC236}">
+                <a16:creationId xmlns:a16="http://schemas.microsoft.com/office/drawing/2014/main" id="{DBC4EDD9-4B9E-4B33-B615-22897E23BE64}"/>
+              </a:ext>
+            </a:extLst>
+          </p:cNvPr>
+          <p:cNvSpPr txBox="1"/>
+          <p:nvPr/>
+        </p:nvSpPr>
+        <p:spPr>
+          <a:xfrm>
+            <a:off x="7239781" y="686668"/>
+            <a:ext cx="984565" cy="369332"/>
+          </a:xfrm>
+          <a:prstGeom prst="rect">
+            <a:avLst/>
+          </a:prstGeom>
+          <a:noFill/>
+        </p:spPr>
+        <p:txBody>
+          <a:bodyPr wrap="none" rtlCol="0">
+            <a:spAutoFit/>
+          </a:bodyPr>
+          <a:lstStyle/>
+          <a:p>
+            <a:r>
+              <a:rPr lang="en-US" dirty="0" err="1">
+                <a:solidFill>
+                  <a:schemeClr val="tx1">
+                    <a:lumMod val="75000"/>
+                    <a:lumOff val="25000"/>
+                  </a:schemeClr>
+                </a:solidFill>
+                <a:latin typeface="Abadi" panose="020B0604020104020204" pitchFamily="34" charset="0"/>
+              </a:rPr>
+              <a:t>Moteurs</a:t>
+            </a:r>
+            <a:endParaRPr lang="en-US" dirty="0">
+              <a:solidFill>
+                <a:schemeClr val="tx1">
+                  <a:lumMod val="75000"/>
+                  <a:lumOff val="25000"/>
+                </a:schemeClr>
+              </a:solidFill>
+              <a:latin typeface="Abadi" panose="020B0604020104020204" pitchFamily="34" charset="0"/>
+            </a:endParaRPr>
+          </a:p>
+        </p:txBody>
+      </p:sp>
+      <p:sp>
+        <p:nvSpPr>
+          <p:cNvPr id="22" name="ZoneTexte 21">
+            <a:extLst>
+              <a:ext uri="{FF2B5EF4-FFF2-40B4-BE49-F238E27FC236}">
+                <a16:creationId xmlns:a16="http://schemas.microsoft.com/office/drawing/2014/main" id="{D9025189-86C4-4271-8A6F-BBFE1338A9F6}"/>
+              </a:ext>
+            </a:extLst>
+          </p:cNvPr>
+          <p:cNvSpPr txBox="1"/>
+          <p:nvPr/>
+        </p:nvSpPr>
+        <p:spPr>
+          <a:xfrm>
+            <a:off x="6714801" y="1001117"/>
+            <a:ext cx="1527982" cy="369332"/>
+          </a:xfrm>
+          <a:prstGeom prst="rect">
+            <a:avLst/>
+          </a:prstGeom>
+          <a:noFill/>
+        </p:spPr>
+        <p:txBody>
+          <a:bodyPr wrap="none" rtlCol="0">
+            <a:spAutoFit/>
+          </a:bodyPr>
+          <a:lstStyle/>
+          <a:p>
+            <a:r>
+              <a:rPr lang="en-US" dirty="0">
+                <a:solidFill>
+                  <a:schemeClr val="tx1">
+                    <a:lumMod val="75000"/>
+                    <a:lumOff val="25000"/>
+                  </a:schemeClr>
+                </a:solidFill>
+                <a:latin typeface="Abadi" panose="020B0604020104020204" pitchFamily="34" charset="0"/>
+              </a:rPr>
+              <a:t>Alimentations</a:t>
+            </a:r>
+          </a:p>
+        </p:txBody>
+      </p:sp>
+      <p:cxnSp>
+        <p:nvCxnSpPr>
+          <p:cNvPr id="23" name="Connecteur droit 22">
+            <a:extLst>
+              <a:ext uri="{FF2B5EF4-FFF2-40B4-BE49-F238E27FC236}">
+                <a16:creationId xmlns:a16="http://schemas.microsoft.com/office/drawing/2014/main" id="{D1370A97-B857-4E67-8553-E9E144EB23D5}"/>
+              </a:ext>
+            </a:extLst>
+          </p:cNvPr>
+          <p:cNvCxnSpPr>
+            <a:cxnSpLocks/>
+          </p:cNvCxnSpPr>
+          <p:nvPr/>
+        </p:nvCxnSpPr>
+        <p:spPr>
+          <a:xfrm flipV="1">
+            <a:off x="9112774" y="1430636"/>
+            <a:ext cx="0" cy="487138"/>
+          </a:xfrm>
+          <a:prstGeom prst="line">
+            <a:avLst/>
+          </a:prstGeom>
+          <a:ln w="57150">
+            <a:solidFill>
+              <a:schemeClr val="tx1">
+                <a:lumMod val="65000"/>
+                <a:lumOff val="35000"/>
+              </a:schemeClr>
+            </a:solidFill>
+          </a:ln>
+        </p:spPr>
+        <p:style>
+          <a:lnRef idx="1">
+            <a:schemeClr val="accent1"/>
+          </a:lnRef>
+          <a:fillRef idx="0">
+            <a:schemeClr val="accent1"/>
+          </a:fillRef>
+          <a:effectRef idx="0">
+            <a:schemeClr val="accent1"/>
+          </a:effectRef>
+          <a:fontRef idx="minor">
+            <a:schemeClr val="tx1"/>
+          </a:fontRef>
+        </p:style>
+      </p:cxnSp>
+      <p:sp>
+        <p:nvSpPr>
+          <p:cNvPr id="24" name="ZoneTexte 23">
+            <a:extLst>
+              <a:ext uri="{FF2B5EF4-FFF2-40B4-BE49-F238E27FC236}">
+                <a16:creationId xmlns:a16="http://schemas.microsoft.com/office/drawing/2014/main" id="{BE2BCF17-A169-48E2-925B-C39AC68884F8}"/>
+              </a:ext>
+            </a:extLst>
+          </p:cNvPr>
+          <p:cNvSpPr txBox="1"/>
+          <p:nvPr/>
+        </p:nvSpPr>
+        <p:spPr>
+          <a:xfrm>
+            <a:off x="8788807" y="1916668"/>
+            <a:ext cx="647934" cy="369332"/>
+          </a:xfrm>
+          <a:prstGeom prst="rect">
+            <a:avLst/>
+          </a:prstGeom>
+          <a:noFill/>
+        </p:spPr>
+        <p:txBody>
+          <a:bodyPr wrap="none" rtlCol="0">
+            <a:spAutoFit/>
+          </a:bodyPr>
+          <a:lstStyle/>
+          <a:p>
+            <a:r>
+              <a:rPr lang="en-US" dirty="0" err="1">
+                <a:solidFill>
+                  <a:schemeClr val="tx1">
+                    <a:lumMod val="75000"/>
+                    <a:lumOff val="25000"/>
+                  </a:schemeClr>
+                </a:solidFill>
+                <a:latin typeface="Abadi" panose="020B0604020104020204" pitchFamily="34" charset="0"/>
+              </a:rPr>
+              <a:t>Leds</a:t>
+            </a:r>
+            <a:endParaRPr lang="en-US" dirty="0">
+              <a:solidFill>
+                <a:schemeClr val="tx1">
+                  <a:lumMod val="75000"/>
+                  <a:lumOff val="25000"/>
+                </a:schemeClr>
+              </a:solidFill>
+              <a:latin typeface="Abadi" panose="020B0604020104020204" pitchFamily="34" charset="0"/>
+            </a:endParaRPr>
+          </a:p>
+        </p:txBody>
+      </p:sp>
+      <p:pic>
+        <p:nvPicPr>
+          <p:cNvPr id="26" name="Image 25">
+            <a:extLst>
+              <a:ext uri="{FF2B5EF4-FFF2-40B4-BE49-F238E27FC236}">
+                <a16:creationId xmlns:a16="http://schemas.microsoft.com/office/drawing/2014/main" id="{8FF7259A-4CE1-461B-86A4-C8673F316EF4}"/>
+              </a:ext>
+            </a:extLst>
+          </p:cNvPr>
+          <p:cNvPicPr>
+            <a:picLocks noChangeAspect="1"/>
+          </p:cNvPicPr>
+          <p:nvPr/>
+        </p:nvPicPr>
+        <p:blipFill>
+          <a:blip r:embed="rId2"/>
+          <a:stretch>
+            <a:fillRect/>
+          </a:stretch>
+        </p:blipFill>
+        <p:spPr>
+          <a:xfrm>
+            <a:off x="6172200" y="2331150"/>
+            <a:ext cx="5453725" cy="4122236"/>
+          </a:xfrm>
+          <a:prstGeom prst="rect">
+            <a:avLst/>
+          </a:prstGeom>
+        </p:spPr>
+      </p:pic>
+    </p:spTree>
+    <p:extLst>
+      <p:ext uri="{BB962C8B-B14F-4D97-AF65-F5344CB8AC3E}">
+        <p14:creationId xmlns:p14="http://schemas.microsoft.com/office/powerpoint/2010/main" val="3937296622"/>
+      </p:ext>
+    </p:extLst>
+  </p:cSld>
+  <p:clrMapOvr>
+    <a:masterClrMapping/>
+  </p:clrMapOvr>
+</p:sld>
+</file>
+
+<file path=ppt/slides/slide16.xml><?xml version="1.0" encoding="utf-8"?>
+<p:sld xmlns:a="http://schemas.openxmlformats.org/drawingml/2006/main" xmlns:r="http://schemas.openxmlformats.org/officeDocument/2006/relationships" xmlns:p="http://schemas.openxmlformats.org/presentationml/2006/main">
+  <p:cSld>
+    <p:spTree>
+      <p:nvGrpSpPr>
+        <p:cNvPr id="1" name=""/>
+        <p:cNvGrpSpPr/>
+        <p:nvPr/>
+      </p:nvGrpSpPr>
+      <p:grpSpPr>
+        <a:xfrm>
+          <a:off x="0" y="0"/>
+          <a:ext cx="0" cy="0"/>
+          <a:chOff x="0" y="0"/>
+          <a:chExt cx="0" cy="0"/>
+        </a:xfrm>
+      </p:grpSpPr>
+      <p:sp>
+        <p:nvSpPr>
+          <p:cNvPr id="2" name="Titre 1">
+            <a:extLst>
+              <a:ext uri="{FF2B5EF4-FFF2-40B4-BE49-F238E27FC236}">
+                <a16:creationId xmlns:a16="http://schemas.microsoft.com/office/drawing/2014/main" id="{4BCCC3CA-D797-4531-9D7A-3B90196511E4}"/>
+              </a:ext>
+            </a:extLst>
+          </p:cNvPr>
+          <p:cNvSpPr>
+            <a:spLocks noGrp="1"/>
+          </p:cNvSpPr>
+          <p:nvPr>
+            <p:ph type="title"/>
+          </p:nvPr>
+        </p:nvSpPr>
+        <p:spPr/>
+        <p:txBody>
+          <a:bodyPr/>
+          <a:lstStyle/>
+          <a:p>
+            <a:r>
+              <a:rPr lang="en-US" dirty="0"/>
+              <a:t>MCP3428</a:t>
+            </a:r>
+          </a:p>
+        </p:txBody>
+      </p:sp>
+      <p:sp>
+        <p:nvSpPr>
+          <p:cNvPr id="3" name="Espace réservé du contenu 2">
+            <a:extLst>
+              <a:ext uri="{FF2B5EF4-FFF2-40B4-BE49-F238E27FC236}">
+                <a16:creationId xmlns:a16="http://schemas.microsoft.com/office/drawing/2014/main" id="{3C8E9F55-C63D-4B87-9D54-1F4636B8D75F}"/>
+              </a:ext>
+            </a:extLst>
+          </p:cNvPr>
+          <p:cNvSpPr>
+            <a:spLocks noGrp="1"/>
+          </p:cNvSpPr>
+          <p:nvPr>
+            <p:ph idx="1"/>
+          </p:nvPr>
+        </p:nvSpPr>
+        <p:spPr>
+          <a:xfrm>
+            <a:off x="1371600" y="2286000"/>
+            <a:ext cx="5029200" cy="3581400"/>
+          </a:xfrm>
+        </p:spPr>
+        <p:txBody>
+          <a:bodyPr/>
+          <a:lstStyle/>
+          <a:p>
+            <a:r>
+              <a:rPr lang="en-US" dirty="0"/>
+              <a:t>Test de lecture de la </a:t>
+            </a:r>
+            <a:r>
+              <a:rPr lang="en-US" dirty="0" err="1"/>
+              <a:t>valeur</a:t>
+            </a:r>
+            <a:r>
+              <a:rPr lang="en-US" dirty="0"/>
+              <a:t> de la LDR sur 16 bits</a:t>
+            </a:r>
+          </a:p>
+          <a:p>
+            <a:r>
+              <a:rPr lang="en-US" dirty="0"/>
+              <a:t>0,1V - 1,23V </a:t>
+            </a:r>
+            <a:r>
+              <a:rPr lang="en-US" dirty="0" err="1"/>
+              <a:t>ou</a:t>
+            </a:r>
+            <a:r>
+              <a:rPr lang="en-US" dirty="0"/>
+              <a:t> 200 – 200 000 points</a:t>
+            </a:r>
+          </a:p>
+          <a:p>
+            <a:endParaRPr lang="en-US" dirty="0"/>
+          </a:p>
+          <a:p>
+            <a:endParaRPr lang="en-US" dirty="0"/>
+          </a:p>
+          <a:p>
+            <a:r>
+              <a:rPr lang="en-US" dirty="0"/>
+              <a:t>Test de la </a:t>
+            </a:r>
+            <a:r>
+              <a:rPr lang="en-US" dirty="0" err="1"/>
+              <a:t>mesure</a:t>
+            </a:r>
+            <a:r>
+              <a:rPr lang="en-US" dirty="0"/>
+              <a:t> du 5V</a:t>
+            </a:r>
+          </a:p>
+          <a:p>
+            <a:r>
+              <a:rPr lang="en-US" dirty="0"/>
+              <a:t>0,33V – 5024 points</a:t>
+            </a:r>
+          </a:p>
+          <a:p>
+            <a:endParaRPr lang="en-US" dirty="0"/>
+          </a:p>
+        </p:txBody>
+      </p:sp>
+      <p:sp>
+        <p:nvSpPr>
+          <p:cNvPr id="4" name="Espace réservé du numéro de diapositive 3">
+            <a:extLst>
+              <a:ext uri="{FF2B5EF4-FFF2-40B4-BE49-F238E27FC236}">
+                <a16:creationId xmlns:a16="http://schemas.microsoft.com/office/drawing/2014/main" id="{EA345344-37F2-408C-B01E-150A19222A22}"/>
+              </a:ext>
+            </a:extLst>
+          </p:cNvPr>
+          <p:cNvSpPr>
+            <a:spLocks noGrp="1"/>
+          </p:cNvSpPr>
+          <p:nvPr>
+            <p:ph type="sldNum" sz="quarter" idx="12"/>
+          </p:nvPr>
+        </p:nvSpPr>
+        <p:spPr/>
+        <p:txBody>
+          <a:bodyPr/>
+          <a:lstStyle/>
+          <a:p>
+            <a:fld id="{E4FD1E96-881F-4E38-A65A-4DBF7417DE24}" type="slidenum">
+              <a:rPr lang="en-US" smtClean="0"/>
+              <a:t>16</a:t>
+            </a:fld>
+            <a:endParaRPr lang="en-US"/>
+          </a:p>
+        </p:txBody>
+      </p:sp>
+      <p:sp>
+        <p:nvSpPr>
+          <p:cNvPr id="6" name="Rectangle : coins arrondis 5">
+            <a:extLst>
+              <a:ext uri="{FF2B5EF4-FFF2-40B4-BE49-F238E27FC236}">
+                <a16:creationId xmlns:a16="http://schemas.microsoft.com/office/drawing/2014/main" id="{42F4FD5A-11A6-4CD1-A388-736DA40011B2}"/>
+              </a:ext>
+            </a:extLst>
+          </p:cNvPr>
+          <p:cNvSpPr/>
+          <p:nvPr/>
+        </p:nvSpPr>
+        <p:spPr>
+          <a:xfrm>
+            <a:off x="8756650" y="571500"/>
+            <a:ext cx="1661720" cy="1040235"/>
+          </a:xfrm>
+          <a:prstGeom prst="roundRect">
+            <a:avLst/>
+          </a:prstGeom>
+          <a:solidFill>
+            <a:schemeClr val="accent2"/>
+          </a:solidFill>
+        </p:spPr>
+        <p:style>
+          <a:lnRef idx="2">
+            <a:schemeClr val="accent1">
+              <a:shade val="50000"/>
+            </a:schemeClr>
+          </a:lnRef>
+          <a:fillRef idx="1">
+            <a:schemeClr val="accent1"/>
+          </a:fillRef>
+          <a:effectRef idx="0">
+            <a:schemeClr val="accent1"/>
+          </a:effectRef>
+          <a:fontRef idx="minor">
+            <a:schemeClr val="lt1"/>
+          </a:fontRef>
+        </p:style>
+        <p:txBody>
+          <a:bodyPr rtlCol="0" anchor="ctr"/>
+          <a:lstStyle/>
+          <a:p>
+            <a:pPr algn="ctr"/>
+            <a:r>
+              <a:rPr lang="en-US" sz="2400" dirty="0"/>
+              <a:t>MCP3428</a:t>
+            </a:r>
+          </a:p>
+        </p:txBody>
+      </p:sp>
+      <p:cxnSp>
+        <p:nvCxnSpPr>
+          <p:cNvPr id="7" name="Connecteur droit 6">
+            <a:extLst>
+              <a:ext uri="{FF2B5EF4-FFF2-40B4-BE49-F238E27FC236}">
+                <a16:creationId xmlns:a16="http://schemas.microsoft.com/office/drawing/2014/main" id="{0B84A4E7-C015-480A-B66A-23A64CD0B639}"/>
+              </a:ext>
+            </a:extLst>
+          </p:cNvPr>
+          <p:cNvCxnSpPr>
+            <a:cxnSpLocks/>
+          </p:cNvCxnSpPr>
+          <p:nvPr/>
+        </p:nvCxnSpPr>
+        <p:spPr>
+          <a:xfrm flipV="1">
+            <a:off x="8149201" y="1389145"/>
+            <a:ext cx="628015" cy="1"/>
+          </a:xfrm>
+          <a:prstGeom prst="line">
+            <a:avLst/>
+          </a:prstGeom>
+          <a:ln w="57150">
+            <a:solidFill>
+              <a:schemeClr val="tx1">
+                <a:lumMod val="65000"/>
+                <a:lumOff val="35000"/>
+              </a:schemeClr>
+            </a:solidFill>
+          </a:ln>
+        </p:spPr>
+        <p:style>
+          <a:lnRef idx="1">
+            <a:schemeClr val="accent1"/>
+          </a:lnRef>
+          <a:fillRef idx="0">
+            <a:schemeClr val="accent1"/>
+          </a:fillRef>
+          <a:effectRef idx="0">
+            <a:schemeClr val="accent1"/>
+          </a:effectRef>
+          <a:fontRef idx="minor">
+            <a:schemeClr val="tx1"/>
+          </a:fontRef>
+        </p:style>
+      </p:cxnSp>
+      <p:cxnSp>
+        <p:nvCxnSpPr>
+          <p:cNvPr id="8" name="Connecteur droit 7">
+            <a:extLst>
+              <a:ext uri="{FF2B5EF4-FFF2-40B4-BE49-F238E27FC236}">
+                <a16:creationId xmlns:a16="http://schemas.microsoft.com/office/drawing/2014/main" id="{AF0BAA1C-FCC3-49F8-B43C-063CC52E8E33}"/>
+              </a:ext>
+            </a:extLst>
+          </p:cNvPr>
+          <p:cNvCxnSpPr>
+            <a:cxnSpLocks/>
+          </p:cNvCxnSpPr>
+          <p:nvPr/>
+        </p:nvCxnSpPr>
+        <p:spPr>
+          <a:xfrm flipV="1">
+            <a:off x="8138918" y="764996"/>
+            <a:ext cx="628015" cy="1"/>
+          </a:xfrm>
+          <a:prstGeom prst="line">
+            <a:avLst/>
+          </a:prstGeom>
+          <a:ln w="57150">
+            <a:solidFill>
+              <a:schemeClr val="tx1">
+                <a:lumMod val="65000"/>
+                <a:lumOff val="35000"/>
+              </a:schemeClr>
+            </a:solidFill>
+          </a:ln>
+        </p:spPr>
+        <p:style>
+          <a:lnRef idx="1">
+            <a:schemeClr val="accent1"/>
+          </a:lnRef>
+          <a:fillRef idx="0">
+            <a:schemeClr val="accent1"/>
+          </a:fillRef>
+          <a:effectRef idx="0">
+            <a:schemeClr val="accent1"/>
+          </a:effectRef>
+          <a:fontRef idx="minor">
+            <a:schemeClr val="tx1"/>
+          </a:fontRef>
+        </p:style>
+      </p:cxnSp>
+      <p:cxnSp>
+        <p:nvCxnSpPr>
+          <p:cNvPr id="9" name="Connecteur droit 8">
+            <a:extLst>
+              <a:ext uri="{FF2B5EF4-FFF2-40B4-BE49-F238E27FC236}">
+                <a16:creationId xmlns:a16="http://schemas.microsoft.com/office/drawing/2014/main" id="{0CF891B8-131E-47AB-ABFE-555FCA713017}"/>
+              </a:ext>
+            </a:extLst>
+          </p:cNvPr>
+          <p:cNvCxnSpPr>
+            <a:cxnSpLocks/>
+          </p:cNvCxnSpPr>
+          <p:nvPr/>
+        </p:nvCxnSpPr>
+        <p:spPr>
+          <a:xfrm flipV="1">
+            <a:off x="8149200" y="1067726"/>
+            <a:ext cx="628015" cy="1"/>
+          </a:xfrm>
+          <a:prstGeom prst="line">
+            <a:avLst/>
+          </a:prstGeom>
+          <a:ln w="57150">
+            <a:solidFill>
+              <a:schemeClr val="tx1">
+                <a:lumMod val="65000"/>
+                <a:lumOff val="35000"/>
+              </a:schemeClr>
+            </a:solidFill>
+          </a:ln>
+        </p:spPr>
+        <p:style>
+          <a:lnRef idx="1">
+            <a:schemeClr val="accent1"/>
+          </a:lnRef>
+          <a:fillRef idx="0">
+            <a:schemeClr val="accent1"/>
+          </a:fillRef>
+          <a:effectRef idx="0">
+            <a:schemeClr val="accent1"/>
+          </a:effectRef>
+          <a:fontRef idx="minor">
+            <a:schemeClr val="tx1"/>
+          </a:fontRef>
+        </p:style>
+      </p:cxnSp>
+      <p:sp>
+        <p:nvSpPr>
+          <p:cNvPr id="10" name="ZoneTexte 9">
+            <a:extLst>
+              <a:ext uri="{FF2B5EF4-FFF2-40B4-BE49-F238E27FC236}">
+                <a16:creationId xmlns:a16="http://schemas.microsoft.com/office/drawing/2014/main" id="{F7971E93-CB17-46A3-B4C8-8A2321BEF43B}"/>
+              </a:ext>
+            </a:extLst>
+          </p:cNvPr>
+          <p:cNvSpPr txBox="1"/>
+          <p:nvPr/>
+        </p:nvSpPr>
+        <p:spPr>
+          <a:xfrm>
+            <a:off x="7396421" y="512682"/>
+            <a:ext cx="728084" cy="369332"/>
+          </a:xfrm>
+          <a:prstGeom prst="rect">
+            <a:avLst/>
+          </a:prstGeom>
+          <a:noFill/>
+        </p:spPr>
+        <p:txBody>
+          <a:bodyPr wrap="none" rtlCol="0">
+            <a:spAutoFit/>
+          </a:bodyPr>
+          <a:lstStyle/>
+          <a:p>
+            <a:r>
+              <a:rPr lang="en-US" dirty="0">
+                <a:solidFill>
+                  <a:schemeClr val="tx1">
+                    <a:lumMod val="75000"/>
+                    <a:lumOff val="25000"/>
+                  </a:schemeClr>
+                </a:solidFill>
+                <a:latin typeface="Abadi" panose="020B0604020104020204" pitchFamily="34" charset="0"/>
+              </a:rPr>
+              <a:t>Micro</a:t>
+            </a:r>
+          </a:p>
+        </p:txBody>
+      </p:sp>
+      <p:sp>
+        <p:nvSpPr>
+          <p:cNvPr id="11" name="ZoneTexte 10">
+            <a:extLst>
+              <a:ext uri="{FF2B5EF4-FFF2-40B4-BE49-F238E27FC236}">
+                <a16:creationId xmlns:a16="http://schemas.microsoft.com/office/drawing/2014/main" id="{4ECD9338-7A51-421F-A75B-F88A5DB051E8}"/>
+              </a:ext>
+            </a:extLst>
+          </p:cNvPr>
+          <p:cNvSpPr txBox="1"/>
+          <p:nvPr/>
+        </p:nvSpPr>
+        <p:spPr>
+          <a:xfrm>
+            <a:off x="7458136" y="818034"/>
+            <a:ext cx="593432" cy="369332"/>
+          </a:xfrm>
+          <a:prstGeom prst="rect">
+            <a:avLst/>
+          </a:prstGeom>
+          <a:noFill/>
+        </p:spPr>
+        <p:txBody>
+          <a:bodyPr wrap="none" rtlCol="0">
+            <a:spAutoFit/>
+          </a:bodyPr>
+          <a:lstStyle/>
+          <a:p>
+            <a:r>
+              <a:rPr lang="en-US" dirty="0">
+                <a:solidFill>
+                  <a:schemeClr val="tx1">
+                    <a:lumMod val="75000"/>
+                    <a:lumOff val="25000"/>
+                  </a:schemeClr>
+                </a:solidFill>
+                <a:latin typeface="Abadi" panose="020B0604020104020204" pitchFamily="34" charset="0"/>
+              </a:rPr>
+              <a:t>LDR</a:t>
+            </a:r>
+          </a:p>
+        </p:txBody>
+      </p:sp>
+      <p:sp>
+        <p:nvSpPr>
+          <p:cNvPr id="12" name="ZoneTexte 11">
+            <a:extLst>
+              <a:ext uri="{FF2B5EF4-FFF2-40B4-BE49-F238E27FC236}">
+                <a16:creationId xmlns:a16="http://schemas.microsoft.com/office/drawing/2014/main" id="{7B08462D-3EBD-4E01-93FB-8E019B7BBB8B}"/>
+              </a:ext>
+            </a:extLst>
+          </p:cNvPr>
+          <p:cNvSpPr txBox="1"/>
+          <p:nvPr/>
+        </p:nvSpPr>
+        <p:spPr>
+          <a:xfrm>
+            <a:off x="7394129" y="1131646"/>
+            <a:ext cx="745717" cy="369332"/>
+          </a:xfrm>
+          <a:prstGeom prst="rect">
+            <a:avLst/>
+          </a:prstGeom>
+          <a:noFill/>
+        </p:spPr>
+        <p:txBody>
+          <a:bodyPr wrap="none" rtlCol="0">
+            <a:spAutoFit/>
+          </a:bodyPr>
+          <a:lstStyle/>
+          <a:p>
+            <a:r>
+              <a:rPr lang="en-US" dirty="0">
+                <a:solidFill>
+                  <a:schemeClr val="tx1">
+                    <a:lumMod val="75000"/>
+                    <a:lumOff val="25000"/>
+                  </a:schemeClr>
+                </a:solidFill>
+                <a:latin typeface="Abadi" panose="020B0604020104020204" pitchFamily="34" charset="0"/>
+              </a:rPr>
+              <a:t>Spare</a:t>
+            </a:r>
+          </a:p>
+        </p:txBody>
+      </p:sp>
+      <p:pic>
+        <p:nvPicPr>
+          <p:cNvPr id="14" name="Image 13">
+            <a:extLst>
+              <a:ext uri="{FF2B5EF4-FFF2-40B4-BE49-F238E27FC236}">
+                <a16:creationId xmlns:a16="http://schemas.microsoft.com/office/drawing/2014/main" id="{DCEC03F2-2119-4065-8BBE-9CCD4EAEB5FD}"/>
+              </a:ext>
+            </a:extLst>
+          </p:cNvPr>
+          <p:cNvPicPr>
+            <a:picLocks noChangeAspect="1"/>
+          </p:cNvPicPr>
+          <p:nvPr/>
+        </p:nvPicPr>
+        <p:blipFill>
+          <a:blip r:embed="rId2"/>
+          <a:stretch>
+            <a:fillRect/>
+          </a:stretch>
+        </p:blipFill>
+        <p:spPr>
+          <a:xfrm>
+            <a:off x="6982480" y="1723381"/>
+            <a:ext cx="4169917" cy="4709309"/>
+          </a:xfrm>
+          <a:prstGeom prst="rect">
+            <a:avLst/>
+          </a:prstGeom>
+        </p:spPr>
+      </p:pic>
+    </p:spTree>
+    <p:extLst>
+      <p:ext uri="{BB962C8B-B14F-4D97-AF65-F5344CB8AC3E}">
+        <p14:creationId xmlns:p14="http://schemas.microsoft.com/office/powerpoint/2010/main" val="2149199853"/>
+      </p:ext>
+    </p:extLst>
+  </p:cSld>
+  <p:clrMapOvr>
+    <a:masterClrMapping/>
+  </p:clrMapOvr>
+</p:sld>
+</file>
+
+<file path=ppt/slides/slide17.xml><?xml version="1.0" encoding="utf-8"?>
+<p:sld xmlns:a="http://schemas.openxmlformats.org/drawingml/2006/main" xmlns:r="http://schemas.openxmlformats.org/officeDocument/2006/relationships" xmlns:p="http://schemas.openxmlformats.org/presentationml/2006/main">
+  <p:cSld>
+    <p:spTree>
+      <p:nvGrpSpPr>
+        <p:cNvPr id="1" name=""/>
+        <p:cNvGrpSpPr/>
+        <p:nvPr/>
+      </p:nvGrpSpPr>
+      <p:grpSpPr>
+        <a:xfrm>
+          <a:off x="0" y="0"/>
+          <a:ext cx="0" cy="0"/>
+          <a:chOff x="0" y="0"/>
+          <a:chExt cx="0" cy="0"/>
+        </a:xfrm>
+      </p:grpSpPr>
+      <p:sp>
+        <p:nvSpPr>
+          <p:cNvPr id="2" name="Titre 1">
+            <a:extLst>
+              <a:ext uri="{FF2B5EF4-FFF2-40B4-BE49-F238E27FC236}">
+                <a16:creationId xmlns:a16="http://schemas.microsoft.com/office/drawing/2014/main" id="{BB60DC96-2010-4E65-BB9D-6838DD048CEB}"/>
+              </a:ext>
+            </a:extLst>
+          </p:cNvPr>
+          <p:cNvSpPr>
+            <a:spLocks noGrp="1"/>
+          </p:cNvSpPr>
+          <p:nvPr>
+            <p:ph type="title"/>
+          </p:nvPr>
+        </p:nvSpPr>
+        <p:spPr/>
+        <p:txBody>
+          <a:bodyPr/>
+          <a:lstStyle/>
+          <a:p>
+            <a:r>
+              <a:rPr lang="en-US" dirty="0"/>
+              <a:t>SD Card</a:t>
+            </a:r>
+          </a:p>
+        </p:txBody>
+      </p:sp>
+      <p:sp>
+        <p:nvSpPr>
+          <p:cNvPr id="4" name="Espace réservé du numéro de diapositive 3">
+            <a:extLst>
+              <a:ext uri="{FF2B5EF4-FFF2-40B4-BE49-F238E27FC236}">
+                <a16:creationId xmlns:a16="http://schemas.microsoft.com/office/drawing/2014/main" id="{82A02D1F-69D6-4CCB-8D0F-5B45109100EA}"/>
+              </a:ext>
+            </a:extLst>
+          </p:cNvPr>
+          <p:cNvSpPr>
+            <a:spLocks noGrp="1"/>
+          </p:cNvSpPr>
+          <p:nvPr>
+            <p:ph type="sldNum" sz="quarter" idx="12"/>
+          </p:nvPr>
+        </p:nvSpPr>
+        <p:spPr/>
+        <p:txBody>
+          <a:bodyPr/>
+          <a:lstStyle/>
+          <a:p>
+            <a:fld id="{E4FD1E96-881F-4E38-A65A-4DBF7417DE24}" type="slidenum">
+              <a:rPr lang="en-US" smtClean="0"/>
+              <a:t>17</a:t>
             </a:fld>
             <a:endParaRPr lang="en-US"/>
           </a:p>
@@ -7941,7 +8218,7 @@
 </p:sld>
 </file>
 
-<file path=ppt/slides/slide16.xml><?xml version="1.0" encoding="utf-8"?>
+<file path=ppt/slides/slide18.xml><?xml version="1.0" encoding="utf-8"?>
 <p:sld xmlns:a="http://schemas.openxmlformats.org/drawingml/2006/main" xmlns:r="http://schemas.openxmlformats.org/officeDocument/2006/relationships" xmlns:p="http://schemas.openxmlformats.org/presentationml/2006/main">
   <p:cSld>
     <p:spTree>
@@ -8069,19 +8346,19 @@
           <a:p>
             <a:r>
               <a:rPr lang="en-US" dirty="0" err="1"/>
-              <a:t>Périphérique</a:t>
+              <a:t>Caméra</a:t>
             </a:r>
             <a:r>
               <a:rPr lang="en-US" dirty="0"/>
-              <a:t> non </a:t>
+              <a:t> </a:t>
             </a:r>
             <a:r>
               <a:rPr lang="en-US" dirty="0" err="1"/>
-              <a:t>validé</a:t>
+              <a:t>fonctionnelle</a:t>
             </a:r>
             <a:r>
               <a:rPr lang="en-US" dirty="0"/>
-              <a:t> pour le moment (batterie?)</a:t>
+              <a:t> (shunt alimentation)</a:t>
             </a:r>
           </a:p>
         </p:txBody>
@@ -8109,7 +8386,7 @@
           <a:p>
             <a:fld id="{E4FD1E96-881F-4E38-A65A-4DBF7417DE24}" type="slidenum">
               <a:rPr lang="en-US" smtClean="0"/>
-              <a:t>16</a:t>
+              <a:t>18</a:t>
             </a:fld>
             <a:endParaRPr lang="en-US"/>
           </a:p>
@@ -8173,10 +8450,10 @@
       </p:sp>
       <p:pic>
         <p:nvPicPr>
-          <p:cNvPr id="6" name="Image 5">
-            <a:extLst>
-              <a:ext uri="{FF2B5EF4-FFF2-40B4-BE49-F238E27FC236}">
-                <a16:creationId xmlns:a16="http://schemas.microsoft.com/office/drawing/2014/main" id="{9B141AE8-1DEC-45AD-A55C-00E24AEF5555}"/>
+          <p:cNvPr id="11" name="Image 10">
+            <a:extLst>
+              <a:ext uri="{FF2B5EF4-FFF2-40B4-BE49-F238E27FC236}">
+                <a16:creationId xmlns:a16="http://schemas.microsoft.com/office/drawing/2014/main" id="{CE102264-E163-4B25-BC11-B2B0E54E9E24}"/>
               </a:ext>
             </a:extLst>
           </p:cNvPr>
@@ -8193,68 +8470,14 @@
         </p:blipFill>
         <p:spPr>
           <a:xfrm>
-            <a:off x="7272379" y="2286000"/>
-            <a:ext cx="4400713" cy="3559117"/>
+            <a:off x="7078177" y="1795428"/>
+            <a:ext cx="4173755" cy="4474265"/>
           </a:xfrm>
           <a:prstGeom prst="rect">
             <a:avLst/>
           </a:prstGeom>
         </p:spPr>
       </p:pic>
-      <p:sp>
-        <p:nvSpPr>
-          <p:cNvPr id="7" name="Rectangle : coins arrondis 6">
-            <a:extLst>
-              <a:ext uri="{FF2B5EF4-FFF2-40B4-BE49-F238E27FC236}">
-                <a16:creationId xmlns:a16="http://schemas.microsoft.com/office/drawing/2014/main" id="{8BC01DC0-9490-42A3-B260-C99CA17A7F2E}"/>
-              </a:ext>
-            </a:extLst>
-          </p:cNvPr>
-          <p:cNvSpPr/>
-          <p:nvPr/>
-        </p:nvSpPr>
-        <p:spPr>
-          <a:xfrm>
-            <a:off x="9349273" y="3429000"/>
-            <a:ext cx="634482" cy="1040235"/>
-          </a:xfrm>
-          <a:prstGeom prst="roundRect">
-            <a:avLst/>
-          </a:prstGeom>
-          <a:noFill/>
-          <a:ln>
-            <a:solidFill>
-              <a:schemeClr val="bg2">
-                <a:lumMod val="50000"/>
-              </a:schemeClr>
-            </a:solidFill>
-          </a:ln>
-        </p:spPr>
-        <p:style>
-          <a:lnRef idx="2">
-            <a:schemeClr val="accent1">
-              <a:shade val="50000"/>
-            </a:schemeClr>
-          </a:lnRef>
-          <a:fillRef idx="1">
-            <a:schemeClr val="accent1"/>
-          </a:fillRef>
-          <a:effectRef idx="0">
-            <a:schemeClr val="accent1"/>
-          </a:effectRef>
-          <a:fontRef idx="minor">
-            <a:schemeClr val="lt1"/>
-          </a:fontRef>
-        </p:style>
-        <p:txBody>
-          <a:bodyPr rtlCol="0" anchor="ctr"/>
-          <a:lstStyle/>
-          <a:p>
-            <a:pPr algn="ctr"/>
-            <a:endParaRPr lang="en-US" sz="2400" dirty="0"/>
-          </a:p>
-        </p:txBody>
-      </p:sp>
     </p:spTree>
     <p:extLst>
       <p:ext uri="{BB962C8B-B14F-4D97-AF65-F5344CB8AC3E}">
@@ -8268,7 +8491,7 @@
 </p:sld>
 </file>
 
-<file path=ppt/slides/slide17.xml><?xml version="1.0" encoding="utf-8"?>
+<file path=ppt/slides/slide19.xml><?xml version="1.0" encoding="utf-8"?>
 <p:sld xmlns:a="http://schemas.openxmlformats.org/drawingml/2006/main" xmlns:r="http://schemas.openxmlformats.org/officeDocument/2006/relationships" xmlns:p="http://schemas.openxmlformats.org/presentationml/2006/main">
   <p:cSld>
     <p:spTree>
@@ -8290,7 +8513,7 @@
           <p:cNvPr id="2" name="Titre 1">
             <a:extLst>
               <a:ext uri="{FF2B5EF4-FFF2-40B4-BE49-F238E27FC236}">
-                <a16:creationId xmlns:a16="http://schemas.microsoft.com/office/drawing/2014/main" id="{14E90987-EBF5-4959-ADE7-579AD2E84B26}"/>
+                <a16:creationId xmlns:a16="http://schemas.microsoft.com/office/drawing/2014/main" id="{2ECA09A7-2643-45AF-B205-7D605D8EC5B4}"/>
               </a:ext>
             </a:extLst>
           </p:cNvPr>
@@ -8301,14 +8524,27 @@
             <p:ph type="title"/>
           </p:nvPr>
         </p:nvSpPr>
-        <p:spPr/>
+        <p:spPr>
+          <a:xfrm>
+            <a:off x="1371600" y="685800"/>
+            <a:ext cx="9601200" cy="718181"/>
+          </a:xfrm>
+        </p:spPr>
         <p:txBody>
           <a:bodyPr/>
           <a:lstStyle/>
           <a:p>
             <a:r>
               <a:rPr lang="en-US" dirty="0" err="1"/>
-              <a:t>Bilan</a:t>
+              <a:t>Analyse</a:t>
+            </a:r>
+            <a:r>
+              <a:rPr lang="en-US" dirty="0"/>
+              <a:t> code </a:t>
+            </a:r>
+            <a:r>
+              <a:rPr lang="en-US" dirty="0" err="1"/>
+              <a:t>Caméra</a:t>
             </a:r>
             <a:endParaRPr lang="en-US" dirty="0"/>
           </a:p>
@@ -8319,7 +8555,7 @@
           <p:cNvPr id="4" name="Espace réservé du numéro de diapositive 3">
             <a:extLst>
               <a:ext uri="{FF2B5EF4-FFF2-40B4-BE49-F238E27FC236}">
-                <a16:creationId xmlns:a16="http://schemas.microsoft.com/office/drawing/2014/main" id="{6B74B692-7D47-4D81-A223-DB30D0484FE7}"/>
+                <a16:creationId xmlns:a16="http://schemas.microsoft.com/office/drawing/2014/main" id="{B4F30A7F-5770-4AB7-8964-18D9B48576C4}"/>
               </a:ext>
             </a:extLst>
           </p:cNvPr>
@@ -8337,7 +8573,1069 @@
           <a:p>
             <a:fld id="{E4FD1E96-881F-4E38-A65A-4DBF7417DE24}" type="slidenum">
               <a:rPr lang="en-US" smtClean="0"/>
-              <a:t>17</a:t>
+              <a:t>19</a:t>
+            </a:fld>
+            <a:endParaRPr lang="en-US"/>
+          </a:p>
+        </p:txBody>
+      </p:sp>
+      <p:sp>
+        <p:nvSpPr>
+          <p:cNvPr id="10" name="Rectangle : coins arrondis 9">
+            <a:extLst>
+              <a:ext uri="{FF2B5EF4-FFF2-40B4-BE49-F238E27FC236}">
+                <a16:creationId xmlns:a16="http://schemas.microsoft.com/office/drawing/2014/main" id="{59DCCED6-68B1-43A0-BD02-530EA9EEDDBD}"/>
+              </a:ext>
+            </a:extLst>
+          </p:cNvPr>
+          <p:cNvSpPr/>
+          <p:nvPr/>
+        </p:nvSpPr>
+        <p:spPr>
+          <a:xfrm>
+            <a:off x="2428943" y="3390175"/>
+            <a:ext cx="1661720" cy="1040235"/>
+          </a:xfrm>
+          <a:prstGeom prst="roundRect">
+            <a:avLst/>
+          </a:prstGeom>
+          <a:solidFill>
+            <a:schemeClr val="accent5">
+              <a:lumMod val="60000"/>
+              <a:lumOff val="40000"/>
+            </a:schemeClr>
+          </a:solidFill>
+        </p:spPr>
+        <p:style>
+          <a:lnRef idx="2">
+            <a:schemeClr val="accent1">
+              <a:shade val="50000"/>
+            </a:schemeClr>
+          </a:lnRef>
+          <a:fillRef idx="1">
+            <a:schemeClr val="accent1"/>
+          </a:fillRef>
+          <a:effectRef idx="0">
+            <a:schemeClr val="accent1"/>
+          </a:effectRef>
+          <a:fontRef idx="minor">
+            <a:schemeClr val="lt1"/>
+          </a:fontRef>
+        </p:style>
+        <p:txBody>
+          <a:bodyPr rtlCol="0" anchor="ctr"/>
+          <a:lstStyle/>
+          <a:p>
+            <a:pPr algn="ctr"/>
+            <a:r>
+              <a:rPr lang="fr-FR" dirty="0"/>
+              <a:t>Réduction</a:t>
+            </a:r>
+          </a:p>
+        </p:txBody>
+      </p:sp>
+      <p:sp>
+        <p:nvSpPr>
+          <p:cNvPr id="11" name="Rectangle : coins arrondis 10">
+            <a:extLst>
+              <a:ext uri="{FF2B5EF4-FFF2-40B4-BE49-F238E27FC236}">
+                <a16:creationId xmlns:a16="http://schemas.microsoft.com/office/drawing/2014/main" id="{A8F50ED3-3049-4A03-9A4D-3D75B4FED606}"/>
+              </a:ext>
+            </a:extLst>
+          </p:cNvPr>
+          <p:cNvSpPr/>
+          <p:nvPr/>
+        </p:nvSpPr>
+        <p:spPr>
+          <a:xfrm>
+            <a:off x="7811016" y="3390174"/>
+            <a:ext cx="1661720" cy="1040235"/>
+          </a:xfrm>
+          <a:prstGeom prst="roundRect">
+            <a:avLst/>
+          </a:prstGeom>
+          <a:solidFill>
+            <a:schemeClr val="accent5">
+              <a:lumMod val="60000"/>
+              <a:lumOff val="40000"/>
+            </a:schemeClr>
+          </a:solidFill>
+        </p:spPr>
+        <p:style>
+          <a:lnRef idx="2">
+            <a:schemeClr val="accent1">
+              <a:shade val="50000"/>
+            </a:schemeClr>
+          </a:lnRef>
+          <a:fillRef idx="1">
+            <a:schemeClr val="accent1"/>
+          </a:fillRef>
+          <a:effectRef idx="0">
+            <a:schemeClr val="accent1"/>
+          </a:effectRef>
+          <a:fontRef idx="minor">
+            <a:schemeClr val="lt1"/>
+          </a:fontRef>
+        </p:style>
+        <p:txBody>
+          <a:bodyPr rtlCol="0" anchor="ctr"/>
+          <a:lstStyle/>
+          <a:p>
+            <a:pPr algn="ctr"/>
+            <a:r>
+              <a:rPr lang="fr-FR" dirty="0"/>
+              <a:t>Analyser cliché</a:t>
+            </a:r>
+          </a:p>
+        </p:txBody>
+      </p:sp>
+      <p:sp>
+        <p:nvSpPr>
+          <p:cNvPr id="12" name="Rectangle : coins arrondis 11">
+            <a:extLst>
+              <a:ext uri="{FF2B5EF4-FFF2-40B4-BE49-F238E27FC236}">
+                <a16:creationId xmlns:a16="http://schemas.microsoft.com/office/drawing/2014/main" id="{B8383710-E85C-445F-B3B0-55ABA78A9C20}"/>
+              </a:ext>
+            </a:extLst>
+          </p:cNvPr>
+          <p:cNvSpPr/>
+          <p:nvPr/>
+        </p:nvSpPr>
+        <p:spPr>
+          <a:xfrm>
+            <a:off x="7811016" y="4876077"/>
+            <a:ext cx="1661720" cy="1040235"/>
+          </a:xfrm>
+          <a:prstGeom prst="roundRect">
+            <a:avLst/>
+          </a:prstGeom>
+          <a:solidFill>
+            <a:schemeClr val="accent5">
+              <a:lumMod val="60000"/>
+              <a:lumOff val="40000"/>
+            </a:schemeClr>
+          </a:solidFill>
+        </p:spPr>
+        <p:style>
+          <a:lnRef idx="2">
+            <a:schemeClr val="accent1">
+              <a:shade val="50000"/>
+            </a:schemeClr>
+          </a:lnRef>
+          <a:fillRef idx="1">
+            <a:schemeClr val="accent1"/>
+          </a:fillRef>
+          <a:effectRef idx="0">
+            <a:schemeClr val="accent1"/>
+          </a:effectRef>
+          <a:fontRef idx="minor">
+            <a:schemeClr val="lt1"/>
+          </a:fontRef>
+        </p:style>
+        <p:txBody>
+          <a:bodyPr rtlCol="0" anchor="ctr"/>
+          <a:lstStyle/>
+          <a:p>
+            <a:pPr algn="ctr"/>
+            <a:r>
+              <a:rPr lang="fr-FR" dirty="0"/>
+              <a:t>Enregistrer cliché</a:t>
+            </a:r>
+          </a:p>
+        </p:txBody>
+      </p:sp>
+      <p:sp>
+        <p:nvSpPr>
+          <p:cNvPr id="13" name="Rectangle : coins arrondis 12">
+            <a:extLst>
+              <a:ext uri="{FF2B5EF4-FFF2-40B4-BE49-F238E27FC236}">
+                <a16:creationId xmlns:a16="http://schemas.microsoft.com/office/drawing/2014/main" id="{18927190-6032-4822-8DE1-A3071F723E50}"/>
+              </a:ext>
+            </a:extLst>
+          </p:cNvPr>
+          <p:cNvSpPr/>
+          <p:nvPr/>
+        </p:nvSpPr>
+        <p:spPr>
+          <a:xfrm>
+            <a:off x="2428943" y="4884630"/>
+            <a:ext cx="1661720" cy="1040235"/>
+          </a:xfrm>
+          <a:prstGeom prst="roundRect">
+            <a:avLst/>
+          </a:prstGeom>
+          <a:solidFill>
+            <a:schemeClr val="accent5">
+              <a:lumMod val="60000"/>
+              <a:lumOff val="40000"/>
+            </a:schemeClr>
+          </a:solidFill>
+        </p:spPr>
+        <p:style>
+          <a:lnRef idx="2">
+            <a:schemeClr val="accent1">
+              <a:shade val="50000"/>
+            </a:schemeClr>
+          </a:lnRef>
+          <a:fillRef idx="1">
+            <a:schemeClr val="accent1"/>
+          </a:fillRef>
+          <a:effectRef idx="0">
+            <a:schemeClr val="accent1"/>
+          </a:effectRef>
+          <a:fontRef idx="minor">
+            <a:schemeClr val="lt1"/>
+          </a:fontRef>
+        </p:style>
+        <p:txBody>
+          <a:bodyPr rtlCol="0" anchor="ctr"/>
+          <a:lstStyle/>
+          <a:p>
+            <a:pPr algn="ctr"/>
+            <a:r>
+              <a:rPr lang="fr-FR" dirty="0"/>
+              <a:t>Trouver frelon</a:t>
+            </a:r>
+          </a:p>
+        </p:txBody>
+      </p:sp>
+      <p:sp>
+        <p:nvSpPr>
+          <p:cNvPr id="14" name="Rectangle : coins arrondis 13">
+            <a:extLst>
+              <a:ext uri="{FF2B5EF4-FFF2-40B4-BE49-F238E27FC236}">
+                <a16:creationId xmlns:a16="http://schemas.microsoft.com/office/drawing/2014/main" id="{6C916C3D-55A3-47F0-81F7-84B9DCB5CC41}"/>
+              </a:ext>
+            </a:extLst>
+          </p:cNvPr>
+          <p:cNvSpPr/>
+          <p:nvPr/>
+        </p:nvSpPr>
+        <p:spPr>
+          <a:xfrm>
+            <a:off x="4886740" y="4884630"/>
+            <a:ext cx="1661720" cy="1040235"/>
+          </a:xfrm>
+          <a:prstGeom prst="roundRect">
+            <a:avLst/>
+          </a:prstGeom>
+          <a:solidFill>
+            <a:schemeClr val="accent5">
+              <a:lumMod val="60000"/>
+              <a:lumOff val="40000"/>
+            </a:schemeClr>
+          </a:solidFill>
+        </p:spPr>
+        <p:style>
+          <a:lnRef idx="2">
+            <a:schemeClr val="accent1">
+              <a:shade val="50000"/>
+            </a:schemeClr>
+          </a:lnRef>
+          <a:fillRef idx="1">
+            <a:schemeClr val="accent1"/>
+          </a:fillRef>
+          <a:effectRef idx="0">
+            <a:schemeClr val="accent1"/>
+          </a:effectRef>
+          <a:fontRef idx="minor">
+            <a:schemeClr val="lt1"/>
+          </a:fontRef>
+        </p:style>
+        <p:txBody>
+          <a:bodyPr rtlCol="0" anchor="ctr"/>
+          <a:lstStyle/>
+          <a:p>
+            <a:pPr algn="ctr"/>
+            <a:r>
+              <a:rPr lang="fr-FR" dirty="0"/>
+              <a:t>Prendre cliché</a:t>
+            </a:r>
+          </a:p>
+        </p:txBody>
+      </p:sp>
+      <p:sp>
+        <p:nvSpPr>
+          <p:cNvPr id="15" name="Rectangle : coins arrondis 14">
+            <a:extLst>
+              <a:ext uri="{FF2B5EF4-FFF2-40B4-BE49-F238E27FC236}">
+                <a16:creationId xmlns:a16="http://schemas.microsoft.com/office/drawing/2014/main" id="{A4320C1A-184C-4EDE-80D5-C96A59E392B8}"/>
+              </a:ext>
+            </a:extLst>
+          </p:cNvPr>
+          <p:cNvSpPr/>
+          <p:nvPr/>
+        </p:nvSpPr>
+        <p:spPr>
+          <a:xfrm>
+            <a:off x="2428943" y="1835591"/>
+            <a:ext cx="1661720" cy="1040235"/>
+          </a:xfrm>
+          <a:prstGeom prst="roundRect">
+            <a:avLst/>
+          </a:prstGeom>
+          <a:solidFill>
+            <a:schemeClr val="accent5">
+              <a:lumMod val="60000"/>
+              <a:lumOff val="40000"/>
+            </a:schemeClr>
+          </a:solidFill>
+        </p:spPr>
+        <p:style>
+          <a:lnRef idx="2">
+            <a:schemeClr val="accent1">
+              <a:shade val="50000"/>
+            </a:schemeClr>
+          </a:lnRef>
+          <a:fillRef idx="1">
+            <a:schemeClr val="accent1"/>
+          </a:fillRef>
+          <a:effectRef idx="0">
+            <a:schemeClr val="accent1"/>
+          </a:effectRef>
+          <a:fontRef idx="minor">
+            <a:schemeClr val="lt1"/>
+          </a:fontRef>
+        </p:style>
+        <p:txBody>
+          <a:bodyPr rtlCol="0" anchor="ctr"/>
+          <a:lstStyle/>
+          <a:p>
+            <a:pPr algn="ctr"/>
+            <a:r>
+              <a:rPr lang="fr-FR" dirty="0"/>
+              <a:t>Caméra</a:t>
+            </a:r>
+          </a:p>
+        </p:txBody>
+      </p:sp>
+      <p:sp>
+        <p:nvSpPr>
+          <p:cNvPr id="16" name="Rectangle : coins arrondis 15">
+            <a:extLst>
+              <a:ext uri="{FF2B5EF4-FFF2-40B4-BE49-F238E27FC236}">
+                <a16:creationId xmlns:a16="http://schemas.microsoft.com/office/drawing/2014/main" id="{57B1FD61-4CC1-455B-AFD0-6A624609FA2B}"/>
+              </a:ext>
+            </a:extLst>
+          </p:cNvPr>
+          <p:cNvSpPr/>
+          <p:nvPr/>
+        </p:nvSpPr>
+        <p:spPr>
+          <a:xfrm>
+            <a:off x="7811016" y="1835591"/>
+            <a:ext cx="1661720" cy="1040235"/>
+          </a:xfrm>
+          <a:prstGeom prst="roundRect">
+            <a:avLst/>
+          </a:prstGeom>
+          <a:solidFill>
+            <a:schemeClr val="accent5">
+              <a:lumMod val="60000"/>
+              <a:lumOff val="40000"/>
+            </a:schemeClr>
+          </a:solidFill>
+        </p:spPr>
+        <p:style>
+          <a:lnRef idx="2">
+            <a:schemeClr val="accent1">
+              <a:shade val="50000"/>
+            </a:schemeClr>
+          </a:lnRef>
+          <a:fillRef idx="1">
+            <a:schemeClr val="accent1"/>
+          </a:fillRef>
+          <a:effectRef idx="0">
+            <a:schemeClr val="accent1"/>
+          </a:effectRef>
+          <a:fontRef idx="minor">
+            <a:schemeClr val="lt1"/>
+          </a:fontRef>
+        </p:style>
+        <p:txBody>
+          <a:bodyPr rtlCol="0" anchor="ctr"/>
+          <a:lstStyle/>
+          <a:p>
+            <a:pPr algn="ctr"/>
+            <a:r>
+              <a:rPr lang="fr-FR" dirty="0"/>
+              <a:t>Laser zone image</a:t>
+            </a:r>
+          </a:p>
+        </p:txBody>
+      </p:sp>
+      <p:sp>
+        <p:nvSpPr>
+          <p:cNvPr id="17" name="Rectangle : coins arrondis 16">
+            <a:extLst>
+              <a:ext uri="{FF2B5EF4-FFF2-40B4-BE49-F238E27FC236}">
+                <a16:creationId xmlns:a16="http://schemas.microsoft.com/office/drawing/2014/main" id="{6D1518C1-FA72-489A-AC3A-EE2BFA2182F5}"/>
+              </a:ext>
+            </a:extLst>
+          </p:cNvPr>
+          <p:cNvSpPr/>
+          <p:nvPr/>
+        </p:nvSpPr>
+        <p:spPr>
+          <a:xfrm>
+            <a:off x="4886740" y="1841358"/>
+            <a:ext cx="1661720" cy="1040235"/>
+          </a:xfrm>
+          <a:prstGeom prst="roundRect">
+            <a:avLst/>
+          </a:prstGeom>
+          <a:solidFill>
+            <a:schemeClr val="accent5">
+              <a:lumMod val="60000"/>
+              <a:lumOff val="40000"/>
+            </a:schemeClr>
+          </a:solidFill>
+        </p:spPr>
+        <p:style>
+          <a:lnRef idx="2">
+            <a:schemeClr val="accent1">
+              <a:shade val="50000"/>
+            </a:schemeClr>
+          </a:lnRef>
+          <a:fillRef idx="1">
+            <a:schemeClr val="accent1"/>
+          </a:fillRef>
+          <a:effectRef idx="0">
+            <a:schemeClr val="accent1"/>
+          </a:effectRef>
+          <a:fontRef idx="minor">
+            <a:schemeClr val="lt1"/>
+          </a:fontRef>
+        </p:style>
+        <p:txBody>
+          <a:bodyPr rtlCol="0" anchor="ctr"/>
+          <a:lstStyle/>
+          <a:p>
+            <a:pPr algn="ctr"/>
+            <a:r>
+              <a:rPr lang="fr-FR" dirty="0"/>
+              <a:t>Tirer avec le laser</a:t>
+            </a:r>
+          </a:p>
+        </p:txBody>
+      </p:sp>
+      <p:cxnSp>
+        <p:nvCxnSpPr>
+          <p:cNvPr id="22" name="Connecteur droit avec flèche 21">
+            <a:extLst>
+              <a:ext uri="{FF2B5EF4-FFF2-40B4-BE49-F238E27FC236}">
+                <a16:creationId xmlns:a16="http://schemas.microsoft.com/office/drawing/2014/main" id="{FD4A9786-17D0-4EA2-B4F0-05DA20381183}"/>
+              </a:ext>
+            </a:extLst>
+          </p:cNvPr>
+          <p:cNvCxnSpPr>
+            <a:stCxn id="15" idx="2"/>
+            <a:endCxn id="10" idx="0"/>
+          </p:cNvCxnSpPr>
+          <p:nvPr/>
+        </p:nvCxnSpPr>
+        <p:spPr>
+          <a:xfrm>
+            <a:off x="3259803" y="2875826"/>
+            <a:ext cx="0" cy="514349"/>
+          </a:xfrm>
+          <a:prstGeom prst="straightConnector1">
+            <a:avLst/>
+          </a:prstGeom>
+          <a:ln w="28575">
+            <a:tailEnd type="triangle"/>
+          </a:ln>
+        </p:spPr>
+        <p:style>
+          <a:lnRef idx="1">
+            <a:schemeClr val="accent1"/>
+          </a:lnRef>
+          <a:fillRef idx="0">
+            <a:schemeClr val="accent1"/>
+          </a:fillRef>
+          <a:effectRef idx="0">
+            <a:schemeClr val="accent1"/>
+          </a:effectRef>
+          <a:fontRef idx="minor">
+            <a:schemeClr val="tx1"/>
+          </a:fontRef>
+        </p:style>
+      </p:cxnSp>
+      <p:cxnSp>
+        <p:nvCxnSpPr>
+          <p:cNvPr id="23" name="Connecteur droit avec flèche 22">
+            <a:extLst>
+              <a:ext uri="{FF2B5EF4-FFF2-40B4-BE49-F238E27FC236}">
+                <a16:creationId xmlns:a16="http://schemas.microsoft.com/office/drawing/2014/main" id="{95EC5BB2-C911-4178-AC92-DE43C8982BBA}"/>
+              </a:ext>
+            </a:extLst>
+          </p:cNvPr>
+          <p:cNvCxnSpPr/>
+          <p:nvPr/>
+        </p:nvCxnSpPr>
+        <p:spPr>
+          <a:xfrm>
+            <a:off x="3259803" y="4370281"/>
+            <a:ext cx="0" cy="514349"/>
+          </a:xfrm>
+          <a:prstGeom prst="straightConnector1">
+            <a:avLst/>
+          </a:prstGeom>
+          <a:ln w="28575">
+            <a:tailEnd type="triangle"/>
+          </a:ln>
+        </p:spPr>
+        <p:style>
+          <a:lnRef idx="1">
+            <a:schemeClr val="accent1"/>
+          </a:lnRef>
+          <a:fillRef idx="0">
+            <a:schemeClr val="accent1"/>
+          </a:fillRef>
+          <a:effectRef idx="0">
+            <a:schemeClr val="accent1"/>
+          </a:effectRef>
+          <a:fontRef idx="minor">
+            <a:schemeClr val="tx1"/>
+          </a:fontRef>
+        </p:style>
+      </p:cxnSp>
+      <p:cxnSp>
+        <p:nvCxnSpPr>
+          <p:cNvPr id="25" name="Connecteur droit avec flèche 24">
+            <a:extLst>
+              <a:ext uri="{FF2B5EF4-FFF2-40B4-BE49-F238E27FC236}">
+                <a16:creationId xmlns:a16="http://schemas.microsoft.com/office/drawing/2014/main" id="{08B9AAB3-73C3-482B-A81D-A8208CA05BF6}"/>
+              </a:ext>
+            </a:extLst>
+          </p:cNvPr>
+          <p:cNvCxnSpPr>
+            <a:cxnSpLocks/>
+          </p:cNvCxnSpPr>
+          <p:nvPr/>
+        </p:nvCxnSpPr>
+        <p:spPr>
+          <a:xfrm flipV="1">
+            <a:off x="8619856" y="4422429"/>
+            <a:ext cx="0" cy="453648"/>
+          </a:xfrm>
+          <a:prstGeom prst="straightConnector1">
+            <a:avLst/>
+          </a:prstGeom>
+          <a:ln w="28575">
+            <a:tailEnd type="triangle"/>
+          </a:ln>
+        </p:spPr>
+        <p:style>
+          <a:lnRef idx="1">
+            <a:schemeClr val="accent1"/>
+          </a:lnRef>
+          <a:fillRef idx="0">
+            <a:schemeClr val="accent1"/>
+          </a:fillRef>
+          <a:effectRef idx="0">
+            <a:schemeClr val="accent1"/>
+          </a:effectRef>
+          <a:fontRef idx="minor">
+            <a:schemeClr val="tx1"/>
+          </a:fontRef>
+        </p:style>
+      </p:cxnSp>
+      <p:cxnSp>
+        <p:nvCxnSpPr>
+          <p:cNvPr id="26" name="Connecteur droit avec flèche 25">
+            <a:extLst>
+              <a:ext uri="{FF2B5EF4-FFF2-40B4-BE49-F238E27FC236}">
+                <a16:creationId xmlns:a16="http://schemas.microsoft.com/office/drawing/2014/main" id="{9A99422E-4AF5-4F72-B4DB-AEDEB40854E4}"/>
+              </a:ext>
+            </a:extLst>
+          </p:cNvPr>
+          <p:cNvCxnSpPr>
+            <a:cxnSpLocks/>
+            <a:endCxn id="14" idx="1"/>
+          </p:cNvCxnSpPr>
+          <p:nvPr/>
+        </p:nvCxnSpPr>
+        <p:spPr>
+          <a:xfrm>
+            <a:off x="4090663" y="5400923"/>
+            <a:ext cx="796077" cy="3825"/>
+          </a:xfrm>
+          <a:prstGeom prst="straightConnector1">
+            <a:avLst/>
+          </a:prstGeom>
+          <a:ln w="28575">
+            <a:tailEnd type="triangle"/>
+          </a:ln>
+        </p:spPr>
+        <p:style>
+          <a:lnRef idx="1">
+            <a:schemeClr val="accent1"/>
+          </a:lnRef>
+          <a:fillRef idx="0">
+            <a:schemeClr val="accent1"/>
+          </a:fillRef>
+          <a:effectRef idx="0">
+            <a:schemeClr val="accent1"/>
+          </a:effectRef>
+          <a:fontRef idx="minor">
+            <a:schemeClr val="tx1"/>
+          </a:fontRef>
+        </p:style>
+      </p:cxnSp>
+      <p:cxnSp>
+        <p:nvCxnSpPr>
+          <p:cNvPr id="32" name="Connecteur droit avec flèche 31">
+            <a:extLst>
+              <a:ext uri="{FF2B5EF4-FFF2-40B4-BE49-F238E27FC236}">
+                <a16:creationId xmlns:a16="http://schemas.microsoft.com/office/drawing/2014/main" id="{B815EFBD-03C1-4756-A723-DAF9C7F123C3}"/>
+              </a:ext>
+            </a:extLst>
+          </p:cNvPr>
+          <p:cNvCxnSpPr>
+            <a:cxnSpLocks/>
+            <a:endCxn id="12" idx="1"/>
+          </p:cNvCxnSpPr>
+          <p:nvPr/>
+        </p:nvCxnSpPr>
+        <p:spPr>
+          <a:xfrm>
+            <a:off x="6548460" y="5392369"/>
+            <a:ext cx="1262556" cy="3826"/>
+          </a:xfrm>
+          <a:prstGeom prst="straightConnector1">
+            <a:avLst/>
+          </a:prstGeom>
+          <a:ln w="28575">
+            <a:tailEnd type="triangle"/>
+          </a:ln>
+        </p:spPr>
+        <p:style>
+          <a:lnRef idx="1">
+            <a:schemeClr val="accent1"/>
+          </a:lnRef>
+          <a:fillRef idx="0">
+            <a:schemeClr val="accent1"/>
+          </a:fillRef>
+          <a:effectRef idx="0">
+            <a:schemeClr val="accent1"/>
+          </a:effectRef>
+          <a:fontRef idx="minor">
+            <a:schemeClr val="tx1"/>
+          </a:fontRef>
+        </p:style>
+      </p:cxnSp>
+      <p:cxnSp>
+        <p:nvCxnSpPr>
+          <p:cNvPr id="34" name="Connecteur droit avec flèche 33">
+            <a:extLst>
+              <a:ext uri="{FF2B5EF4-FFF2-40B4-BE49-F238E27FC236}">
+                <a16:creationId xmlns:a16="http://schemas.microsoft.com/office/drawing/2014/main" id="{1A7D40F2-5883-4DC1-86FF-44CD99B2673C}"/>
+              </a:ext>
+            </a:extLst>
+          </p:cNvPr>
+          <p:cNvCxnSpPr>
+            <a:cxnSpLocks/>
+            <a:stCxn id="11" idx="0"/>
+          </p:cNvCxnSpPr>
+          <p:nvPr/>
+        </p:nvCxnSpPr>
+        <p:spPr>
+          <a:xfrm flipV="1">
+            <a:off x="8641876" y="2875826"/>
+            <a:ext cx="0" cy="514348"/>
+          </a:xfrm>
+          <a:prstGeom prst="straightConnector1">
+            <a:avLst/>
+          </a:prstGeom>
+          <a:ln w="28575">
+            <a:tailEnd type="triangle"/>
+          </a:ln>
+        </p:spPr>
+        <p:style>
+          <a:lnRef idx="1">
+            <a:schemeClr val="accent1"/>
+          </a:lnRef>
+          <a:fillRef idx="0">
+            <a:schemeClr val="accent1"/>
+          </a:fillRef>
+          <a:effectRef idx="0">
+            <a:schemeClr val="accent1"/>
+          </a:effectRef>
+          <a:fontRef idx="minor">
+            <a:schemeClr val="tx1"/>
+          </a:fontRef>
+        </p:style>
+      </p:cxnSp>
+      <p:cxnSp>
+        <p:nvCxnSpPr>
+          <p:cNvPr id="36" name="Connecteur droit avec flèche 35">
+            <a:extLst>
+              <a:ext uri="{FF2B5EF4-FFF2-40B4-BE49-F238E27FC236}">
+                <a16:creationId xmlns:a16="http://schemas.microsoft.com/office/drawing/2014/main" id="{E374CBB0-07F1-48AE-97BE-9D828DCF15BF}"/>
+              </a:ext>
+            </a:extLst>
+          </p:cNvPr>
+          <p:cNvCxnSpPr>
+            <a:cxnSpLocks/>
+          </p:cNvCxnSpPr>
+          <p:nvPr/>
+        </p:nvCxnSpPr>
+        <p:spPr>
+          <a:xfrm flipH="1">
+            <a:off x="6537294" y="2350330"/>
+            <a:ext cx="1284888" cy="0"/>
+          </a:xfrm>
+          <a:prstGeom prst="straightConnector1">
+            <a:avLst/>
+          </a:prstGeom>
+          <a:ln w="28575">
+            <a:tailEnd type="triangle"/>
+          </a:ln>
+        </p:spPr>
+        <p:style>
+          <a:lnRef idx="1">
+            <a:schemeClr val="accent1"/>
+          </a:lnRef>
+          <a:fillRef idx="0">
+            <a:schemeClr val="accent1"/>
+          </a:fillRef>
+          <a:effectRef idx="0">
+            <a:schemeClr val="accent1"/>
+          </a:effectRef>
+          <a:fontRef idx="minor">
+            <a:schemeClr val="tx1"/>
+          </a:fontRef>
+        </p:style>
+      </p:cxnSp>
+      <p:cxnSp>
+        <p:nvCxnSpPr>
+          <p:cNvPr id="39" name="Connecteur droit avec flèche 38">
+            <a:extLst>
+              <a:ext uri="{FF2B5EF4-FFF2-40B4-BE49-F238E27FC236}">
+                <a16:creationId xmlns:a16="http://schemas.microsoft.com/office/drawing/2014/main" id="{F06B6B0E-A89B-4023-A3A3-B035B9704209}"/>
+              </a:ext>
+            </a:extLst>
+          </p:cNvPr>
+          <p:cNvCxnSpPr>
+            <a:cxnSpLocks/>
+            <a:stCxn id="17" idx="1"/>
+          </p:cNvCxnSpPr>
+          <p:nvPr/>
+        </p:nvCxnSpPr>
+        <p:spPr>
+          <a:xfrm flipH="1">
+            <a:off x="4068510" y="2361476"/>
+            <a:ext cx="818230" cy="14562"/>
+          </a:xfrm>
+          <a:prstGeom prst="straightConnector1">
+            <a:avLst/>
+          </a:prstGeom>
+          <a:ln w="28575">
+            <a:tailEnd type="triangle"/>
+          </a:ln>
+        </p:spPr>
+        <p:style>
+          <a:lnRef idx="1">
+            <a:schemeClr val="accent1"/>
+          </a:lnRef>
+          <a:fillRef idx="0">
+            <a:schemeClr val="accent1"/>
+          </a:fillRef>
+          <a:effectRef idx="0">
+            <a:schemeClr val="accent1"/>
+          </a:effectRef>
+          <a:fontRef idx="minor">
+            <a:schemeClr val="tx1"/>
+          </a:fontRef>
+        </p:style>
+      </p:cxnSp>
+    </p:spTree>
+    <p:extLst>
+      <p:ext uri="{BB962C8B-B14F-4D97-AF65-F5344CB8AC3E}">
+        <p14:creationId xmlns:p14="http://schemas.microsoft.com/office/powerpoint/2010/main" val="4246777826"/>
+      </p:ext>
+    </p:extLst>
+  </p:cSld>
+  <p:clrMapOvr>
+    <a:masterClrMapping/>
+  </p:clrMapOvr>
+</p:sld>
+</file>
+
+<file path=ppt/slides/slide2.xml><?xml version="1.0" encoding="utf-8"?>
+<p:sld xmlns:a="http://schemas.openxmlformats.org/drawingml/2006/main" xmlns:r="http://schemas.openxmlformats.org/officeDocument/2006/relationships" xmlns:p="http://schemas.openxmlformats.org/presentationml/2006/main">
+  <p:cSld>
+    <p:spTree>
+      <p:nvGrpSpPr>
+        <p:cNvPr id="1" name=""/>
+        <p:cNvGrpSpPr/>
+        <p:nvPr/>
+      </p:nvGrpSpPr>
+      <p:grpSpPr>
+        <a:xfrm>
+          <a:off x="0" y="0"/>
+          <a:ext cx="0" cy="0"/>
+          <a:chOff x="0" y="0"/>
+          <a:chExt cx="0" cy="0"/>
+        </a:xfrm>
+      </p:grpSpPr>
+      <p:sp>
+        <p:nvSpPr>
+          <p:cNvPr id="2" name="Titre 1">
+            <a:extLst>
+              <a:ext uri="{FF2B5EF4-FFF2-40B4-BE49-F238E27FC236}">
+                <a16:creationId xmlns:a16="http://schemas.microsoft.com/office/drawing/2014/main" id="{5B7B4423-8CF2-4034-8F16-D9A12119FC2D}"/>
+              </a:ext>
+            </a:extLst>
+          </p:cNvPr>
+          <p:cNvSpPr>
+            <a:spLocks noGrp="1"/>
+          </p:cNvSpPr>
+          <p:nvPr>
+            <p:ph type="title"/>
+          </p:nvPr>
+        </p:nvSpPr>
+        <p:spPr/>
+        <p:txBody>
+          <a:bodyPr/>
+          <a:lstStyle/>
+          <a:p>
+            <a:r>
+              <a:rPr lang="en-US" dirty="0" err="1"/>
+              <a:t>Sommaire</a:t>
+            </a:r>
+            <a:endParaRPr lang="en-US" dirty="0"/>
+          </a:p>
+        </p:txBody>
+      </p:sp>
+      <p:sp>
+        <p:nvSpPr>
+          <p:cNvPr id="3" name="Espace réservé du contenu 2">
+            <a:extLst>
+              <a:ext uri="{FF2B5EF4-FFF2-40B4-BE49-F238E27FC236}">
+                <a16:creationId xmlns:a16="http://schemas.microsoft.com/office/drawing/2014/main" id="{ADE9A7AF-4D3A-4662-8259-56D8747635A1}"/>
+              </a:ext>
+            </a:extLst>
+          </p:cNvPr>
+          <p:cNvSpPr>
+            <a:spLocks noGrp="1"/>
+          </p:cNvSpPr>
+          <p:nvPr>
+            <p:ph idx="1"/>
+          </p:nvPr>
+        </p:nvSpPr>
+        <p:spPr/>
+        <p:txBody>
+          <a:bodyPr/>
+          <a:lstStyle/>
+          <a:p>
+            <a:r>
+              <a:rPr lang="en-US" dirty="0"/>
+              <a:t>Rappel du </a:t>
+            </a:r>
+            <a:r>
+              <a:rPr lang="en-US" dirty="0" err="1"/>
+              <a:t>projet</a:t>
+            </a:r>
+            <a:endParaRPr lang="en-US" dirty="0"/>
+          </a:p>
+          <a:p>
+            <a:r>
+              <a:rPr lang="en-US" dirty="0"/>
+              <a:t>Planning</a:t>
+            </a:r>
+          </a:p>
+          <a:p>
+            <a:r>
+              <a:rPr lang="en-US" dirty="0"/>
+              <a:t>Test </a:t>
+            </a:r>
+            <a:r>
+              <a:rPr lang="en-US" dirty="0" err="1"/>
+              <a:t>effectué</a:t>
+            </a:r>
+            <a:r>
+              <a:rPr lang="en-US" dirty="0"/>
+              <a:t> sur la carte de test</a:t>
+            </a:r>
+          </a:p>
+          <a:p>
+            <a:r>
+              <a:rPr lang="en-US" dirty="0"/>
+              <a:t>Test des </a:t>
+            </a:r>
+            <a:r>
+              <a:rPr lang="en-US" dirty="0" err="1"/>
+              <a:t>fonctionnalités</a:t>
+            </a:r>
+            <a:r>
+              <a:rPr lang="en-US" dirty="0"/>
+              <a:t> du PCBA</a:t>
+            </a:r>
+          </a:p>
+          <a:p>
+            <a:r>
+              <a:rPr lang="en-US" dirty="0"/>
+              <a:t>La suite?</a:t>
+            </a:r>
+          </a:p>
+          <a:p>
+            <a:endParaRPr lang="en-US" dirty="0"/>
+          </a:p>
+        </p:txBody>
+      </p:sp>
+      <p:sp>
+        <p:nvSpPr>
+          <p:cNvPr id="4" name="Espace réservé du numéro de diapositive 3">
+            <a:extLst>
+              <a:ext uri="{FF2B5EF4-FFF2-40B4-BE49-F238E27FC236}">
+                <a16:creationId xmlns:a16="http://schemas.microsoft.com/office/drawing/2014/main" id="{BC8491FE-D44F-489E-8917-105854DADDF7}"/>
+              </a:ext>
+            </a:extLst>
+          </p:cNvPr>
+          <p:cNvSpPr>
+            <a:spLocks noGrp="1"/>
+          </p:cNvSpPr>
+          <p:nvPr>
+            <p:ph type="sldNum" sz="quarter" idx="12"/>
+          </p:nvPr>
+        </p:nvSpPr>
+        <p:spPr/>
+        <p:txBody>
+          <a:bodyPr/>
+          <a:lstStyle/>
+          <a:p>
+            <a:fld id="{E4FD1E96-881F-4E38-A65A-4DBF7417DE24}" type="slidenum">
+              <a:rPr lang="en-US" smtClean="0"/>
+              <a:t>2</a:t>
+            </a:fld>
+            <a:endParaRPr lang="en-US"/>
+          </a:p>
+        </p:txBody>
+      </p:sp>
+      <p:pic>
+        <p:nvPicPr>
+          <p:cNvPr id="7" name="Graphique 6" descr="Schéma de réseau avec un remplissage uni">
+            <a:extLst>
+              <a:ext uri="{FF2B5EF4-FFF2-40B4-BE49-F238E27FC236}">
+                <a16:creationId xmlns:a16="http://schemas.microsoft.com/office/drawing/2014/main" id="{41CD14BF-842F-4C46-8525-8AFCA7C5E2E2}"/>
+              </a:ext>
+            </a:extLst>
+          </p:cNvPr>
+          <p:cNvPicPr>
+            <a:picLocks noChangeAspect="1"/>
+          </p:cNvPicPr>
+          <p:nvPr/>
+        </p:nvPicPr>
+        <p:blipFill>
+          <a:blip r:embed="rId2">
+            <a:extLst>
+              <a:ext uri="{28A0092B-C50C-407E-A947-70E740481C1C}">
+                <a14:useLocalDpi xmlns:a14="http://schemas.microsoft.com/office/drawing/2010/main" val="0"/>
+              </a:ext>
+              <a:ext uri="{96DAC541-7B7A-43D3-8B79-37D633B846F1}">
+                <asvg:svgBlip xmlns:asvg="http://schemas.microsoft.com/office/drawing/2016/SVG/main" r:embed="rId3"/>
+              </a:ext>
+            </a:extLst>
+          </a:blip>
+          <a:stretch>
+            <a:fillRect/>
+          </a:stretch>
+        </p:blipFill>
+        <p:spPr>
+          <a:xfrm>
+            <a:off x="7650156" y="1700014"/>
+            <a:ext cx="3322644" cy="3322644"/>
+          </a:xfrm>
+          <a:prstGeom prst="rect">
+            <a:avLst/>
+          </a:prstGeom>
+        </p:spPr>
+      </p:pic>
+    </p:spTree>
+    <p:extLst>
+      <p:ext uri="{BB962C8B-B14F-4D97-AF65-F5344CB8AC3E}">
+        <p14:creationId xmlns:p14="http://schemas.microsoft.com/office/powerpoint/2010/main" val="2684201214"/>
+      </p:ext>
+    </p:extLst>
+  </p:cSld>
+  <p:clrMapOvr>
+    <a:masterClrMapping/>
+  </p:clrMapOvr>
+</p:sld>
+</file>
+
+<file path=ppt/slides/slide20.xml><?xml version="1.0" encoding="utf-8"?>
+<p:sld xmlns:a="http://schemas.openxmlformats.org/drawingml/2006/main" xmlns:r="http://schemas.openxmlformats.org/officeDocument/2006/relationships" xmlns:p="http://schemas.openxmlformats.org/presentationml/2006/main">
+  <p:cSld>
+    <p:spTree>
+      <p:nvGrpSpPr>
+        <p:cNvPr id="1" name=""/>
+        <p:cNvGrpSpPr/>
+        <p:nvPr/>
+      </p:nvGrpSpPr>
+      <p:grpSpPr>
+        <a:xfrm>
+          <a:off x="0" y="0"/>
+          <a:ext cx="0" cy="0"/>
+          <a:chOff x="0" y="0"/>
+          <a:chExt cx="0" cy="0"/>
+        </a:xfrm>
+      </p:grpSpPr>
+      <p:sp>
+        <p:nvSpPr>
+          <p:cNvPr id="2" name="Titre 1">
+            <a:extLst>
+              <a:ext uri="{FF2B5EF4-FFF2-40B4-BE49-F238E27FC236}">
+                <a16:creationId xmlns:a16="http://schemas.microsoft.com/office/drawing/2014/main" id="{14E90987-EBF5-4959-ADE7-579AD2E84B26}"/>
+              </a:ext>
+            </a:extLst>
+          </p:cNvPr>
+          <p:cNvSpPr>
+            <a:spLocks noGrp="1"/>
+          </p:cNvSpPr>
+          <p:nvPr>
+            <p:ph type="title"/>
+          </p:nvPr>
+        </p:nvSpPr>
+        <p:spPr/>
+        <p:txBody>
+          <a:bodyPr/>
+          <a:lstStyle/>
+          <a:p>
+            <a:r>
+              <a:rPr lang="en-US" dirty="0" err="1"/>
+              <a:t>Bilan</a:t>
+            </a:r>
+            <a:endParaRPr lang="en-US" dirty="0"/>
+          </a:p>
+        </p:txBody>
+      </p:sp>
+      <p:sp>
+        <p:nvSpPr>
+          <p:cNvPr id="4" name="Espace réservé du numéro de diapositive 3">
+            <a:extLst>
+              <a:ext uri="{FF2B5EF4-FFF2-40B4-BE49-F238E27FC236}">
+                <a16:creationId xmlns:a16="http://schemas.microsoft.com/office/drawing/2014/main" id="{6B74B692-7D47-4D81-A223-DB30D0484FE7}"/>
+              </a:ext>
+            </a:extLst>
+          </p:cNvPr>
+          <p:cNvSpPr>
+            <a:spLocks noGrp="1"/>
+          </p:cNvSpPr>
+          <p:nvPr>
+            <p:ph type="sldNum" sz="quarter" idx="12"/>
+          </p:nvPr>
+        </p:nvSpPr>
+        <p:spPr/>
+        <p:txBody>
+          <a:bodyPr/>
+          <a:lstStyle/>
+          <a:p>
+            <a:fld id="{E4FD1E96-881F-4E38-A65A-4DBF7417DE24}" type="slidenum">
+              <a:rPr lang="en-US" smtClean="0"/>
+              <a:t>20</a:t>
             </a:fld>
             <a:endParaRPr lang="en-US"/>
           </a:p>
@@ -8415,19 +9713,32 @@
         </p:nvSpPr>
         <p:spPr>
           <a:xfrm>
-            <a:off x="3377683" y="1911640"/>
-            <a:ext cx="4273420" cy="520118"/>
-          </a:xfrm>
-        </p:spPr>
-        <p:txBody>
-          <a:bodyPr/>
+            <a:off x="3377682" y="1911639"/>
+            <a:ext cx="8576895" cy="677183"/>
+          </a:xfrm>
+        </p:spPr>
+        <p:txBody>
+          <a:bodyPr>
+            <a:normAutofit/>
+          </a:bodyPr>
           <a:lstStyle/>
           <a:p>
             <a:r>
               <a:rPr lang="en-US" dirty="0" err="1"/>
               <a:t>Validé</a:t>
             </a:r>
-            <a:endParaRPr lang="en-US" dirty="0"/>
+            <a:r>
+              <a:rPr lang="en-US" dirty="0"/>
+              <a:t>, verifier la </a:t>
+            </a:r>
+            <a:r>
+              <a:rPr lang="en-US" dirty="0" err="1"/>
+              <a:t>partie</a:t>
+            </a:r>
+            <a:r>
+              <a:rPr lang="en-US" dirty="0"/>
+              <a:t> pilotage des alimentations sur les nouveaux PCB</a:t>
+            </a:r>
           </a:p>
         </p:txBody>
       </p:sp>
@@ -9321,34 +10632,7 @@
               <a:rPr lang="en-US" dirty="0" err="1"/>
               <a:t>Validé</a:t>
             </a:r>
-            <a:r>
-              <a:rPr lang="en-US" dirty="0"/>
-              <a:t> sur la carte de test </a:t>
-            </a:r>
-            <a:r>
-              <a:rPr lang="en-US" dirty="0" err="1"/>
-              <a:t>mais</a:t>
-            </a:r>
-            <a:r>
-              <a:rPr lang="en-US" dirty="0"/>
-              <a:t> pas sur PCBA final, faire </a:t>
-            </a:r>
-            <a:r>
-              <a:rPr lang="en-US" dirty="0" err="1"/>
-              <a:t>essai</a:t>
-            </a:r>
-            <a:r>
-              <a:rPr lang="en-US" dirty="0"/>
-              <a:t> avec </a:t>
-            </a:r>
-            <a:r>
-              <a:rPr lang="en-US" dirty="0" err="1"/>
-              <a:t>une</a:t>
-            </a:r>
-            <a:r>
-              <a:rPr lang="en-US" dirty="0"/>
-              <a:t> batterie</a:t>
-            </a:r>
+            <a:endParaRPr lang="en-US" dirty="0"/>
           </a:p>
         </p:txBody>
       </p:sp>
@@ -9616,209 +10900,6 @@
     <p:extLst>
       <p:ext uri="{BB962C8B-B14F-4D97-AF65-F5344CB8AC3E}">
         <p14:creationId xmlns:p14="http://schemas.microsoft.com/office/powerpoint/2010/main" val="368721600"/>
-      </p:ext>
-    </p:extLst>
-  </p:cSld>
-  <p:clrMapOvr>
-    <a:masterClrMapping/>
-  </p:clrMapOvr>
-</p:sld>
-</file>
-
-<file path=ppt/slides/slide2.xml><?xml version="1.0" encoding="utf-8"?>
-<p:sld xmlns:a="http://schemas.openxmlformats.org/drawingml/2006/main" xmlns:r="http://schemas.openxmlformats.org/officeDocument/2006/relationships" xmlns:p="http://schemas.openxmlformats.org/presentationml/2006/main">
-  <p:cSld>
-    <p:spTree>
-      <p:nvGrpSpPr>
-        <p:cNvPr id="1" name=""/>
-        <p:cNvGrpSpPr/>
-        <p:nvPr/>
-      </p:nvGrpSpPr>
-      <p:grpSpPr>
-        <a:xfrm>
-          <a:off x="0" y="0"/>
-          <a:ext cx="0" cy="0"/>
-          <a:chOff x="0" y="0"/>
-          <a:chExt cx="0" cy="0"/>
-        </a:xfrm>
-      </p:grpSpPr>
-      <p:sp>
-        <p:nvSpPr>
-          <p:cNvPr id="2" name="Titre 1">
-            <a:extLst>
-              <a:ext uri="{FF2B5EF4-FFF2-40B4-BE49-F238E27FC236}">
-                <a16:creationId xmlns:a16="http://schemas.microsoft.com/office/drawing/2014/main" id="{5B7B4423-8CF2-4034-8F16-D9A12119FC2D}"/>
-              </a:ext>
-            </a:extLst>
-          </p:cNvPr>
-          <p:cNvSpPr>
-            <a:spLocks noGrp="1"/>
-          </p:cNvSpPr>
-          <p:nvPr>
-            <p:ph type="title"/>
-          </p:nvPr>
-        </p:nvSpPr>
-        <p:spPr/>
-        <p:txBody>
-          <a:bodyPr/>
-          <a:lstStyle/>
-          <a:p>
-            <a:r>
-              <a:rPr lang="en-US" dirty="0" err="1"/>
-              <a:t>Sommaire</a:t>
-            </a:r>
-            <a:endParaRPr lang="en-US" dirty="0"/>
-          </a:p>
-        </p:txBody>
-      </p:sp>
-      <p:sp>
-        <p:nvSpPr>
-          <p:cNvPr id="3" name="Espace réservé du contenu 2">
-            <a:extLst>
-              <a:ext uri="{FF2B5EF4-FFF2-40B4-BE49-F238E27FC236}">
-                <a16:creationId xmlns:a16="http://schemas.microsoft.com/office/drawing/2014/main" id="{ADE9A7AF-4D3A-4662-8259-56D8747635A1}"/>
-              </a:ext>
-            </a:extLst>
-          </p:cNvPr>
-          <p:cNvSpPr>
-            <a:spLocks noGrp="1"/>
-          </p:cNvSpPr>
-          <p:nvPr>
-            <p:ph idx="1"/>
-          </p:nvPr>
-        </p:nvSpPr>
-        <p:spPr/>
-        <p:txBody>
-          <a:bodyPr/>
-          <a:lstStyle/>
-          <a:p>
-            <a:r>
-              <a:rPr lang="en-US" dirty="0"/>
-              <a:t>Rappel du </a:t>
-            </a:r>
-            <a:r>
-              <a:rPr lang="en-US" dirty="0" err="1"/>
-              <a:t>projet</a:t>
-            </a:r>
-            <a:endParaRPr lang="en-US" dirty="0"/>
-          </a:p>
-          <a:p>
-            <a:r>
-              <a:rPr lang="en-US" dirty="0"/>
-              <a:t>Planning</a:t>
-            </a:r>
-          </a:p>
-          <a:p>
-            <a:r>
-              <a:rPr lang="en-US" dirty="0"/>
-              <a:t>Test </a:t>
-            </a:r>
-            <a:r>
-              <a:rPr lang="en-US" dirty="0" err="1"/>
-              <a:t>effectué</a:t>
-            </a:r>
-            <a:r>
-              <a:rPr lang="en-US" dirty="0"/>
-              <a:t> sur la carte de test</a:t>
-            </a:r>
-          </a:p>
-          <a:p>
-            <a:r>
-              <a:rPr lang="en-US" dirty="0"/>
-              <a:t>Test des </a:t>
-            </a:r>
-            <a:r>
-              <a:rPr lang="en-US" dirty="0" err="1"/>
-              <a:t>fonctionnalités</a:t>
-            </a:r>
-            <a:r>
-              <a:rPr lang="en-US" dirty="0"/>
-              <a:t> du PCBA</a:t>
-            </a:r>
-          </a:p>
-          <a:p>
-            <a:r>
-              <a:rPr lang="en-US" dirty="0"/>
-              <a:t>La suite?</a:t>
-            </a:r>
-          </a:p>
-          <a:p>
-            <a:endParaRPr lang="en-US" dirty="0"/>
-          </a:p>
-        </p:txBody>
-      </p:sp>
-      <p:sp>
-        <p:nvSpPr>
-          <p:cNvPr id="4" name="Espace réservé du numéro de diapositive 3">
-            <a:extLst>
-              <a:ext uri="{FF2B5EF4-FFF2-40B4-BE49-F238E27FC236}">
-                <a16:creationId xmlns:a16="http://schemas.microsoft.com/office/drawing/2014/main" id="{BC8491FE-D44F-489E-8917-105854DADDF7}"/>
-              </a:ext>
-            </a:extLst>
-          </p:cNvPr>
-          <p:cNvSpPr>
-            <a:spLocks noGrp="1"/>
-          </p:cNvSpPr>
-          <p:nvPr>
-            <p:ph type="sldNum" sz="quarter" idx="12"/>
-          </p:nvPr>
-        </p:nvSpPr>
-        <p:spPr/>
-        <p:txBody>
-          <a:bodyPr/>
-          <a:lstStyle/>
-          <a:p>
-            <a:fld id="{E4FD1E96-881F-4E38-A65A-4DBF7417DE24}" type="slidenum">
-              <a:rPr lang="en-US" smtClean="0"/>
-              <a:t>2</a:t>
-            </a:fld>
-            <a:endParaRPr lang="en-US"/>
-          </a:p>
-        </p:txBody>
-      </p:sp>
-      <p:pic>
-        <p:nvPicPr>
-          <p:cNvPr id="7" name="Graphique 6" descr="Schéma de réseau avec un remplissage uni">
-            <a:extLst>
-              <a:ext uri="{FF2B5EF4-FFF2-40B4-BE49-F238E27FC236}">
-                <a16:creationId xmlns:a16="http://schemas.microsoft.com/office/drawing/2014/main" id="{41CD14BF-842F-4C46-8525-8AFCA7C5E2E2}"/>
-              </a:ext>
-            </a:extLst>
-          </p:cNvPr>
-          <p:cNvPicPr>
-            <a:picLocks noChangeAspect="1"/>
-          </p:cNvPicPr>
-          <p:nvPr/>
-        </p:nvPicPr>
-        <p:blipFill>
-          <a:blip r:embed="rId2">
-            <a:extLst>
-              <a:ext uri="{28A0092B-C50C-407E-A947-70E740481C1C}">
-                <a14:useLocalDpi xmlns:a14="http://schemas.microsoft.com/office/drawing/2010/main" val="0"/>
-              </a:ext>
-              <a:ext uri="{96DAC541-7B7A-43D3-8B79-37D633B846F1}">
-                <asvg:svgBlip xmlns:asvg="http://schemas.microsoft.com/office/drawing/2016/SVG/main" r:embed="rId3"/>
-              </a:ext>
-            </a:extLst>
-          </a:blip>
-          <a:stretch>
-            <a:fillRect/>
-          </a:stretch>
-        </p:blipFill>
-        <p:spPr>
-          <a:xfrm>
-            <a:off x="7650156" y="1700014"/>
-            <a:ext cx="3322644" cy="3322644"/>
-          </a:xfrm>
-          <a:prstGeom prst="rect">
-            <a:avLst/>
-          </a:prstGeom>
-        </p:spPr>
-      </p:pic>
-    </p:spTree>
-    <p:extLst>
-      <p:ext uri="{BB962C8B-B14F-4D97-AF65-F5344CB8AC3E}">
-        <p14:creationId xmlns:p14="http://schemas.microsoft.com/office/powerpoint/2010/main" val="2684201214"/>
       </p:ext>
     </p:extLst>
   </p:cSld>
